--- a/Whiteboard design session/WDS trainer presentation - Building the business migration case with Windows Server and SQL Server.pptx
+++ b/Whiteboard design session/WDS trainer presentation - Building the business migration case with Windows Server and SQL Server.pptx
@@ -7,7 +7,7 @@
     <p:sldMasterId id="2147483700" r:id="rId6"/>
   </p:sldMasterIdLst>
   <p:notesMasterIdLst>
-    <p:notesMasterId r:id="rId27"/>
+    <p:notesMasterId r:id="rId28"/>
   </p:notesMasterIdLst>
   <p:sldIdLst>
     <p:sldId id="397" r:id="rId7"/>
@@ -20,16 +20,17 @@
     <p:sldId id="375" r:id="rId14"/>
     <p:sldId id="419" r:id="rId15"/>
     <p:sldId id="357" r:id="rId16"/>
-    <p:sldId id="326" r:id="rId17"/>
-    <p:sldId id="2079" r:id="rId18"/>
-    <p:sldId id="401" r:id="rId19"/>
-    <p:sldId id="402" r:id="rId20"/>
-    <p:sldId id="403" r:id="rId21"/>
-    <p:sldId id="404" r:id="rId22"/>
-    <p:sldId id="333" r:id="rId23"/>
-    <p:sldId id="2080" r:id="rId24"/>
-    <p:sldId id="336" r:id="rId25"/>
-    <p:sldId id="281" r:id="rId26"/>
+    <p:sldId id="2081" r:id="rId17"/>
+    <p:sldId id="326" r:id="rId18"/>
+    <p:sldId id="2082" r:id="rId19"/>
+    <p:sldId id="401" r:id="rId20"/>
+    <p:sldId id="402" r:id="rId21"/>
+    <p:sldId id="403" r:id="rId22"/>
+    <p:sldId id="404" r:id="rId23"/>
+    <p:sldId id="333" r:id="rId24"/>
+    <p:sldId id="2080" r:id="rId25"/>
+    <p:sldId id="336" r:id="rId26"/>
+    <p:sldId id="281" r:id="rId27"/>
   </p:sldIdLst>
   <p:sldSz cx="12192000" cy="6858000"/>
   <p:notesSz cx="6858000" cy="9144000"/>
@@ -227,7 +228,7 @@
           <a:p>
             <a:fld id="{D12B4A29-5F37-4DEF-BB05-EEA5E91F514E}" type="datetimeFigureOut">
               <a:rPr lang="en-US" smtClean="0"/>
-              <a:t>9/7/22</a:t>
+              <a:t>9/9/22</a:t>
             </a:fld>
             <a:endParaRPr lang="en-US" dirty="0"/>
           </a:p>
@@ -796,7 +797,7 @@
     </p:spTree>
     <p:extLst>
       <p:ext uri="{BB962C8B-B14F-4D97-AF65-F5344CB8AC3E}">
-        <p14:creationId xmlns:p14="http://schemas.microsoft.com/office/powerpoint/2010/main" val="814882985"/>
+        <p14:creationId xmlns:p14="http://schemas.microsoft.com/office/powerpoint/2010/main" val="3158462973"/>
       </p:ext>
     </p:extLst>
   </p:cSld>
@@ -880,7 +881,7 @@
     </p:spTree>
     <p:extLst>
       <p:ext uri="{BB962C8B-B14F-4D97-AF65-F5344CB8AC3E}">
-        <p14:creationId xmlns:p14="http://schemas.microsoft.com/office/powerpoint/2010/main" val="2642775837"/>
+        <p14:creationId xmlns:p14="http://schemas.microsoft.com/office/powerpoint/2010/main" val="814882985"/>
       </p:ext>
     </p:extLst>
   </p:cSld>
@@ -953,78 +954,18 @@
           <a:bodyPr/>
           <a:lstStyle/>
           <a:p>
-            <a:pPr marL="0" marR="0" lvl="0" indent="0" algn="r" defTabSz="914400" rtl="0" eaLnBrk="1" fontAlgn="auto" latinLnBrk="0" hangingPunct="1">
-              <a:lnSpc>
-                <a:spcPct val="100000"/>
-              </a:lnSpc>
-              <a:spcBef>
-                <a:spcPts val="0"/>
-              </a:spcBef>
-              <a:spcAft>
-                <a:spcPts val="0"/>
-              </a:spcAft>
-              <a:buClrTx/>
-              <a:buSzTx/>
-              <a:buFontTx/>
-              <a:buNone/>
-              <a:tabLst/>
-              <a:defRPr/>
-            </a:pPr>
-            <a:fld id="{0998D5BB-B127-481F-BC0A-2F77C576BB34}" type="slidenum">
-              <a:rPr kumimoji="0" lang="en-US" sz="1200" b="0" i="0" u="none" strike="noStrike" kern="1200" cap="none" spc="0" normalizeH="0" baseline="0" noProof="0" smtClean="0">
-                <a:ln>
-                  <a:noFill/>
-                </a:ln>
-                <a:solidFill>
-                  <a:prstClr val="black"/>
-                </a:solidFill>
-                <a:effectLst/>
-                <a:uLnTx/>
-                <a:uFillTx/>
-                <a:latin typeface="Calibri" panose="020F0502020204030204"/>
-                <a:ea typeface="+mn-ea"/>
-                <a:cs typeface="+mn-cs"/>
-              </a:rPr>
-              <a:pPr marL="0" marR="0" lvl="0" indent="0" algn="r" defTabSz="914400" rtl="0" eaLnBrk="1" fontAlgn="auto" latinLnBrk="0" hangingPunct="1">
-                <a:lnSpc>
-                  <a:spcPct val="100000"/>
-                </a:lnSpc>
-                <a:spcBef>
-                  <a:spcPts val="0"/>
-                </a:spcBef>
-                <a:spcAft>
-                  <a:spcPts val="0"/>
-                </a:spcAft>
-                <a:buClrTx/>
-                <a:buSzTx/>
-                <a:buFontTx/>
-                <a:buNone/>
-                <a:tabLst/>
-                <a:defRPr/>
-              </a:pPr>
+            <a:fld id="{148D4592-6837-45C4-B65B-13E03ECAF0B2}" type="slidenum">
+              <a:rPr lang="en-US" smtClean="0"/>
               <a:t>13</a:t>
             </a:fld>
-            <a:endParaRPr kumimoji="0" lang="en-US" sz="1200" b="0" i="0" u="none" strike="noStrike" kern="1200" cap="none" spc="0" normalizeH="0" baseline="0" noProof="0" dirty="0">
-              <a:ln>
-                <a:noFill/>
-              </a:ln>
-              <a:solidFill>
-                <a:prstClr val="black"/>
-              </a:solidFill>
-              <a:effectLst/>
-              <a:uLnTx/>
-              <a:uFillTx/>
-              <a:latin typeface="Calibri" panose="020F0502020204030204"/>
-              <a:ea typeface="+mn-ea"/>
-              <a:cs typeface="+mn-cs"/>
-            </a:endParaRPr>
+            <a:endParaRPr lang="en-US" dirty="0"/>
           </a:p>
         </p:txBody>
       </p:sp>
     </p:spTree>
     <p:extLst>
       <p:ext uri="{BB962C8B-B14F-4D97-AF65-F5344CB8AC3E}">
-        <p14:creationId xmlns:p14="http://schemas.microsoft.com/office/powerpoint/2010/main" val="1846163416"/>
+        <p14:creationId xmlns:p14="http://schemas.microsoft.com/office/powerpoint/2010/main" val="83723741"/>
       </p:ext>
     </p:extLst>
   </p:cSld>
@@ -1168,7 +1109,7 @@
     </p:spTree>
     <p:extLst>
       <p:ext uri="{BB962C8B-B14F-4D97-AF65-F5344CB8AC3E}">
-        <p14:creationId xmlns:p14="http://schemas.microsoft.com/office/powerpoint/2010/main" val="4216022599"/>
+        <p14:creationId xmlns:p14="http://schemas.microsoft.com/office/powerpoint/2010/main" val="1846163416"/>
       </p:ext>
     </p:extLst>
   </p:cSld>
@@ -1312,7 +1253,7 @@
     </p:spTree>
     <p:extLst>
       <p:ext uri="{BB962C8B-B14F-4D97-AF65-F5344CB8AC3E}">
-        <p14:creationId xmlns:p14="http://schemas.microsoft.com/office/powerpoint/2010/main" val="3128936438"/>
+        <p14:creationId xmlns:p14="http://schemas.microsoft.com/office/powerpoint/2010/main" val="4216022599"/>
       </p:ext>
     </p:extLst>
   </p:cSld>
@@ -1456,7 +1397,7 @@
     </p:spTree>
     <p:extLst>
       <p:ext uri="{BB962C8B-B14F-4D97-AF65-F5344CB8AC3E}">
-        <p14:creationId xmlns:p14="http://schemas.microsoft.com/office/powerpoint/2010/main" val="2146906751"/>
+        <p14:creationId xmlns:p14="http://schemas.microsoft.com/office/powerpoint/2010/main" val="3128936438"/>
       </p:ext>
     </p:extLst>
   </p:cSld>
@@ -1529,18 +1470,78 @@
           <a:bodyPr/>
           <a:lstStyle/>
           <a:p>
-            <a:fld id="{148D4592-6837-45C4-B65B-13E03ECAF0B2}" type="slidenum">
-              <a:rPr lang="en-US" smtClean="0"/>
+            <a:pPr marL="0" marR="0" lvl="0" indent="0" algn="r" defTabSz="914400" rtl="0" eaLnBrk="1" fontAlgn="auto" latinLnBrk="0" hangingPunct="1">
+              <a:lnSpc>
+                <a:spcPct val="100000"/>
+              </a:lnSpc>
+              <a:spcBef>
+                <a:spcPts val="0"/>
+              </a:spcBef>
+              <a:spcAft>
+                <a:spcPts val="0"/>
+              </a:spcAft>
+              <a:buClrTx/>
+              <a:buSzTx/>
+              <a:buFontTx/>
+              <a:buNone/>
+              <a:tabLst/>
+              <a:defRPr/>
+            </a:pPr>
+            <a:fld id="{0998D5BB-B127-481F-BC0A-2F77C576BB34}" type="slidenum">
+              <a:rPr kumimoji="0" lang="en-US" sz="1200" b="0" i="0" u="none" strike="noStrike" kern="1200" cap="none" spc="0" normalizeH="0" baseline="0" noProof="0" smtClean="0">
+                <a:ln>
+                  <a:noFill/>
+                </a:ln>
+                <a:solidFill>
+                  <a:prstClr val="black"/>
+                </a:solidFill>
+                <a:effectLst/>
+                <a:uLnTx/>
+                <a:uFillTx/>
+                <a:latin typeface="Calibri" panose="020F0502020204030204"/>
+                <a:ea typeface="+mn-ea"/>
+                <a:cs typeface="+mn-cs"/>
+              </a:rPr>
+              <a:pPr marL="0" marR="0" lvl="0" indent="0" algn="r" defTabSz="914400" rtl="0" eaLnBrk="1" fontAlgn="auto" latinLnBrk="0" hangingPunct="1">
+                <a:lnSpc>
+                  <a:spcPct val="100000"/>
+                </a:lnSpc>
+                <a:spcBef>
+                  <a:spcPts val="0"/>
+                </a:spcBef>
+                <a:spcAft>
+                  <a:spcPts val="0"/>
+                </a:spcAft>
+                <a:buClrTx/>
+                <a:buSzTx/>
+                <a:buFontTx/>
+                <a:buNone/>
+                <a:tabLst/>
+                <a:defRPr/>
+              </a:pPr>
               <a:t>17</a:t>
             </a:fld>
-            <a:endParaRPr lang="en-US" dirty="0"/>
+            <a:endParaRPr kumimoji="0" lang="en-US" sz="1200" b="0" i="0" u="none" strike="noStrike" kern="1200" cap="none" spc="0" normalizeH="0" baseline="0" noProof="0" dirty="0">
+              <a:ln>
+                <a:noFill/>
+              </a:ln>
+              <a:solidFill>
+                <a:prstClr val="black"/>
+              </a:solidFill>
+              <a:effectLst/>
+              <a:uLnTx/>
+              <a:uFillTx/>
+              <a:latin typeface="Calibri" panose="020F0502020204030204"/>
+              <a:ea typeface="+mn-ea"/>
+              <a:cs typeface="+mn-cs"/>
+            </a:endParaRPr>
           </a:p>
         </p:txBody>
       </p:sp>
     </p:spTree>
     <p:extLst>
       <p:ext uri="{BB962C8B-B14F-4D97-AF65-F5344CB8AC3E}">
-        <p14:creationId xmlns:p14="http://schemas.microsoft.com/office/powerpoint/2010/main" val="288628987"/>
+        <p14:creationId xmlns:p14="http://schemas.microsoft.com/office/powerpoint/2010/main" val="2146906751"/>
       </p:ext>
     </p:extLst>
   </p:cSld>
@@ -1624,7 +1625,7 @@
     </p:spTree>
     <p:extLst>
       <p:ext uri="{BB962C8B-B14F-4D97-AF65-F5344CB8AC3E}">
-        <p14:creationId xmlns:p14="http://schemas.microsoft.com/office/powerpoint/2010/main" val="1305218719"/>
+        <p14:creationId xmlns:p14="http://schemas.microsoft.com/office/powerpoint/2010/main" val="288628987"/>
       </p:ext>
     </p:extLst>
   </p:cSld>
@@ -1708,7 +1709,7 @@
     </p:spTree>
     <p:extLst>
       <p:ext uri="{BB962C8B-B14F-4D97-AF65-F5344CB8AC3E}">
-        <p14:creationId xmlns:p14="http://schemas.microsoft.com/office/powerpoint/2010/main" val="1008654983"/>
+        <p14:creationId xmlns:p14="http://schemas.microsoft.com/office/powerpoint/2010/main" val="1305218719"/>
       </p:ext>
     </p:extLst>
   </p:cSld>
@@ -1868,6 +1869,90 @@
             <a:fld id="{148D4592-6837-45C4-B65B-13E03ECAF0B2}" type="slidenum">
               <a:rPr lang="en-US" smtClean="0"/>
               <a:t>20</a:t>
+            </a:fld>
+            <a:endParaRPr lang="en-US" dirty="0"/>
+          </a:p>
+        </p:txBody>
+      </p:sp>
+    </p:spTree>
+    <p:extLst>
+      <p:ext uri="{BB962C8B-B14F-4D97-AF65-F5344CB8AC3E}">
+        <p14:creationId xmlns:p14="http://schemas.microsoft.com/office/powerpoint/2010/main" val="1008654983"/>
+      </p:ext>
+    </p:extLst>
+  </p:cSld>
+  <p:clrMapOvr>
+    <a:masterClrMapping/>
+  </p:clrMapOvr>
+</p:notes>
+</file>
+
+<file path=ppt/notesSlides/notesSlide21.xml><?xml version="1.0" encoding="utf-8"?>
+<p:notes xmlns:a="http://schemas.openxmlformats.org/drawingml/2006/main" xmlns:r="http://schemas.openxmlformats.org/officeDocument/2006/relationships" xmlns:p="http://schemas.openxmlformats.org/presentationml/2006/main">
+  <p:cSld>
+    <p:spTree>
+      <p:nvGrpSpPr>
+        <p:cNvPr id="1" name=""/>
+        <p:cNvGrpSpPr/>
+        <p:nvPr/>
+      </p:nvGrpSpPr>
+      <p:grpSpPr>
+        <a:xfrm>
+          <a:off x="0" y="0"/>
+          <a:ext cx="0" cy="0"/>
+          <a:chOff x="0" y="0"/>
+          <a:chExt cx="0" cy="0"/>
+        </a:xfrm>
+      </p:grpSpPr>
+      <p:sp>
+        <p:nvSpPr>
+          <p:cNvPr id="2" name="Slide Image Placeholder 1"/>
+          <p:cNvSpPr>
+            <a:spLocks noGrp="1" noRot="1" noChangeAspect="1"/>
+          </p:cNvSpPr>
+          <p:nvPr>
+            <p:ph type="sldImg"/>
+          </p:nvPr>
+        </p:nvSpPr>
+        <p:spPr/>
+      </p:sp>
+      <p:sp>
+        <p:nvSpPr>
+          <p:cNvPr id="3" name="Notes Placeholder 2"/>
+          <p:cNvSpPr>
+            <a:spLocks noGrp="1"/>
+          </p:cNvSpPr>
+          <p:nvPr>
+            <p:ph type="body" idx="1"/>
+          </p:nvPr>
+        </p:nvSpPr>
+        <p:spPr/>
+        <p:txBody>
+          <a:bodyPr/>
+          <a:lstStyle/>
+          <a:p>
+            <a:endParaRPr lang="en-US" dirty="0"/>
+          </a:p>
+        </p:txBody>
+      </p:sp>
+      <p:sp>
+        <p:nvSpPr>
+          <p:cNvPr id="4" name="Slide Number Placeholder 3"/>
+          <p:cNvSpPr>
+            <a:spLocks noGrp="1"/>
+          </p:cNvSpPr>
+          <p:nvPr>
+            <p:ph type="sldNum" sz="quarter" idx="10"/>
+          </p:nvPr>
+        </p:nvSpPr>
+        <p:spPr/>
+        <p:txBody>
+          <a:bodyPr/>
+          <a:lstStyle/>
+          <a:p>
+            <a:fld id="{148D4592-6837-45C4-B65B-13E03ECAF0B2}" type="slidenum">
+              <a:rPr lang="en-US" smtClean="0"/>
+              <a:t>21</a:t>
             </a:fld>
             <a:endParaRPr lang="en-US" dirty="0"/>
           </a:p>
@@ -20325,7 +20410,7 @@
         <p:spPr>
           <a:xfrm>
             <a:off x="269239" y="1189177"/>
-            <a:ext cx="11653523" cy="1711238"/>
+            <a:ext cx="11653523" cy="3705886"/>
           </a:xfrm>
         </p:spPr>
         <p:txBody>
@@ -20338,7 +20423,7 @@
             </a:pPr>
             <a:r>
               <a:rPr lang="en-US" sz="3200" dirty="0"/>
-              <a:t>?</a:t>
+              <a:t>It appears there are multiple options of hosting SQL databases in Azure. What's the best option to choose, and how do you know it'll be compatible?</a:t>
             </a:r>
           </a:p>
           <a:p>
@@ -20348,7 +20433,7 @@
             </a:pPr>
             <a:r>
               <a:rPr lang="en-US" sz="3200" dirty="0"/>
-              <a:t>?</a:t>
+              <a:t>What kind of downtime will be incurred when migrating the Windows Server and SQL Server workloads to Azure?</a:t>
             </a:r>
           </a:p>
           <a:p>
@@ -20357,10 +20442,9 @@
               <a:buAutoNum type="arabicPeriod"/>
             </a:pPr>
             <a:r>
-              <a:rPr lang="en-US" sz="3200" dirty="0"/>
-              <a:t>?</a:t>
-            </a:r>
-            <a:endParaRPr lang="en-US" dirty="0"/>
+              <a:rPr lang="en-US" dirty="0"/>
+              <a:t>Will we be able to rollback to the on-premises VMs if the migration fails?</a:t>
+            </a:r>
           </a:p>
         </p:txBody>
       </p:sp>
@@ -20407,7 +20491,7 @@
       </p:grpSpPr>
       <p:sp>
         <p:nvSpPr>
-          <p:cNvPr id="2" name="Title 1" descr="Diagram depicting a wide range of Azure services: Domain Controller VM, SQL Server in VM, Web VM, Load Balancer, Azure Backup, Azure Site Recovery, SQL Server AlwaysOn Availability Groups, Traffic Manager, Availability Zones, Web Apps, Storage, VPN Gateway, SQL Database, Front Door"/>
+          <p:cNvPr id="2" name="Title 1"/>
           <p:cNvSpPr>
             <a:spLocks noGrp="1"/>
           </p:cNvSpPr>
@@ -20422,15 +20506,63 @@
           <a:p>
             <a:r>
               <a:rPr lang="en-US" dirty="0"/>
-              <a:t>Common scenarios</a:t>
-            </a:r>
+              <a:t>Customer objections (continued)</a:t>
+            </a:r>
+          </a:p>
+        </p:txBody>
+      </p:sp>
+      <p:sp>
+        <p:nvSpPr>
+          <p:cNvPr id="3" name="Content Placeholder 2"/>
+          <p:cNvSpPr>
+            <a:spLocks noGrp="1"/>
+          </p:cNvSpPr>
+          <p:nvPr>
+            <p:ph type="body" sz="quarter" idx="10"/>
+          </p:nvPr>
+        </p:nvSpPr>
+        <p:spPr>
+          <a:xfrm>
+            <a:off x="269239" y="1189177"/>
+            <a:ext cx="11653523" cy="2719655"/>
+          </a:xfrm>
+        </p:spPr>
+        <p:txBody>
+          <a:bodyPr/>
+          <a:lstStyle/>
+          <a:p>
+            <a:pPr marL="514350" indent="-514350">
+              <a:buFont typeface="+mj-lt"/>
+              <a:buAutoNum type="arabicPeriod"/>
+            </a:pPr>
+            <a:r>
+              <a:rPr lang="en-US" sz="3200" dirty="0"/>
+              <a:t>Tailspin has negotiated an Enterprise Agreement (EA) with Microsoft for their Azure consumption. Any cost estimates need to reflect their EA discount.</a:t>
+            </a:r>
+          </a:p>
+          <a:p>
+            <a:pPr marL="514350" indent="-514350">
+              <a:buFont typeface="+mj-lt"/>
+              <a:buAutoNum type="arabicPeriod"/>
+            </a:pPr>
+            <a:r>
+              <a:rPr lang="en-US" sz="3200" dirty="0"/>
+              <a:t>Would there be further savings from the use of PaaS services?</a:t>
+            </a:r>
+          </a:p>
+          <a:p>
+            <a:pPr marL="514350" indent="-514350">
+              <a:buFont typeface="+mj-lt"/>
+              <a:buAutoNum type="arabicPeriod"/>
+            </a:pPr>
+            <a:endParaRPr lang="en-US" dirty="0"/>
           </a:p>
         </p:txBody>
       </p:sp>
     </p:spTree>
     <p:extLst>
       <p:ext uri="{BB962C8B-B14F-4D97-AF65-F5344CB8AC3E}">
-        <p14:creationId xmlns:p14="http://schemas.microsoft.com/office/powerpoint/2010/main" val="2614745471"/>
+        <p14:creationId xmlns:p14="http://schemas.microsoft.com/office/powerpoint/2010/main" val="3338709942"/>
       </p:ext>
     </p:extLst>
   </p:cSld>
@@ -20444,7 +20576,7 @@
 </file>
 
 <file path=ppt/slides/slide12.xml><?xml version="1.0" encoding="utf-8"?>
-<p:sld xmlns:a="http://schemas.openxmlformats.org/drawingml/2006/main" xmlns:r="http://schemas.openxmlformats.org/officeDocument/2006/relationships" xmlns:p="http://schemas.openxmlformats.org/presentationml/2006/main" show="0">
+<p:sld xmlns:a="http://schemas.openxmlformats.org/drawingml/2006/main" xmlns:r="http://schemas.openxmlformats.org/officeDocument/2006/relationships" xmlns:p="http://schemas.openxmlformats.org/presentationml/2006/main">
   <p:cSld>
     <p:bg>
       <p:bgPr>
@@ -20492,38 +20624,55 @@
       </p:sp>
       <p:pic>
         <p:nvPicPr>
-          <p:cNvPr id="3" name="Picture 2" descr="Diagram showing a wide range of Azure services: Domain Controller VM, SQL Server VM, Web VM, Load Balancer, Azure Backup, Azure Site Recovery, SQL Server AlwaysOn Availability Groups, Traffic Manager, Availability Zones, Web Apps, Storage, VPN Gateway, SQL Database, Front Door">
+          <p:cNvPr id="1026" name="Picture 2" descr="Hub-spoke network topology in Azure">
             <a:extLst>
               <a:ext uri="{FF2B5EF4-FFF2-40B4-BE49-F238E27FC236}">
-                <a16:creationId xmlns:a16="http://schemas.microsoft.com/office/drawing/2014/main" id="{A8EEA028-D76B-4130-9840-1A9D336ACF53}"/>
+                <a16:creationId xmlns:a16="http://schemas.microsoft.com/office/drawing/2014/main" id="{D4686063-FA50-7605-92DE-7912FACEE7C9}"/>
               </a:ext>
             </a:extLst>
           </p:cNvPr>
           <p:cNvPicPr>
-            <a:picLocks noChangeAspect="1"/>
+            <a:picLocks noChangeAspect="1" noChangeArrowheads="1"/>
           </p:cNvPicPr>
           <p:nvPr/>
         </p:nvPicPr>
         <p:blipFill>
-          <a:blip r:embed="rId3"/>
+          <a:blip r:embed="rId3">
+            <a:extLst>
+              <a:ext uri="{28A0092B-C50C-407E-A947-70E740481C1C}">
+                <a14:useLocalDpi xmlns:a14="http://schemas.microsoft.com/office/drawing/2010/main" val="0"/>
+              </a:ext>
+            </a:extLst>
+          </a:blip>
+          <a:srcRect/>
           <a:stretch>
             <a:fillRect/>
           </a:stretch>
         </p:blipFill>
-        <p:spPr>
+        <p:spPr bwMode="auto">
           <a:xfrm>
-            <a:off x="0" y="1758314"/>
-            <a:ext cx="12192000" cy="4166320"/>
+            <a:off x="1011836" y="1353248"/>
+            <a:ext cx="10168328" cy="5215241"/>
           </a:xfrm>
           <a:prstGeom prst="rect">
             <a:avLst/>
           </a:prstGeom>
+          <a:noFill/>
+          <a:extLst>
+            <a:ext uri="{909E8E84-426E-40DD-AFC4-6F175D3DCCD1}">
+              <a14:hiddenFill xmlns:a14="http://schemas.microsoft.com/office/drawing/2010/main">
+                <a:solidFill>
+                  <a:srgbClr val="FFFFFF"/>
+                </a:solidFill>
+              </a14:hiddenFill>
+            </a:ext>
+          </a:extLst>
         </p:spPr>
       </p:pic>
     </p:spTree>
     <p:extLst>
       <p:ext uri="{BB962C8B-B14F-4D97-AF65-F5344CB8AC3E}">
-        <p14:creationId xmlns:p14="http://schemas.microsoft.com/office/powerpoint/2010/main" val="1530872201"/>
+        <p14:creationId xmlns:p14="http://schemas.microsoft.com/office/powerpoint/2010/main" val="2614745471"/>
       </p:ext>
     </p:extLst>
   </p:cSld>
@@ -20537,6 +20686,116 @@
 </file>
 
 <file path=ppt/slides/slide13.xml><?xml version="1.0" encoding="utf-8"?>
+<p:sld xmlns:a="http://schemas.openxmlformats.org/drawingml/2006/main" xmlns:r="http://schemas.openxmlformats.org/officeDocument/2006/relationships" xmlns:p="http://schemas.openxmlformats.org/presentationml/2006/main">
+  <p:cSld>
+    <p:bg>
+      <p:bgPr>
+        <a:solidFill>
+          <a:srgbClr val="0078D7"/>
+        </a:solidFill>
+        <a:effectLst/>
+      </p:bgPr>
+    </p:bg>
+    <p:spTree>
+      <p:nvGrpSpPr>
+        <p:cNvPr id="1" name=""/>
+        <p:cNvGrpSpPr/>
+        <p:nvPr/>
+      </p:nvGrpSpPr>
+      <p:grpSpPr>
+        <a:xfrm>
+          <a:off x="0" y="0"/>
+          <a:ext cx="0" cy="0"/>
+          <a:chOff x="0" y="0"/>
+          <a:chExt cx="0" cy="0"/>
+        </a:xfrm>
+      </p:grpSpPr>
+      <p:sp>
+        <p:nvSpPr>
+          <p:cNvPr id="2" name="Title 1" descr="Diagram depicting a wide range of Azure services: Domain Controller VM, SQL Server in VM, Web VM, Load Balancer, Azure Backup, Azure Site Recovery, SQL Server AlwaysOn Availability Groups, Traffic Manager, Availability Zones, Web Apps, Storage, VPN Gateway, SQL Database, Front Door"/>
+          <p:cNvSpPr>
+            <a:spLocks noGrp="1"/>
+          </p:cNvSpPr>
+          <p:nvPr>
+            <p:ph type="title"/>
+          </p:nvPr>
+        </p:nvSpPr>
+        <p:spPr/>
+        <p:txBody>
+          <a:bodyPr/>
+          <a:lstStyle/>
+          <a:p>
+            <a:r>
+              <a:rPr lang="en-US" dirty="0"/>
+              <a:t>Common scenarios</a:t>
+            </a:r>
+          </a:p>
+        </p:txBody>
+      </p:sp>
+      <p:pic>
+        <p:nvPicPr>
+          <p:cNvPr id="2050" name="Picture 2" descr="Azure Arc control plan">
+            <a:extLst>
+              <a:ext uri="{FF2B5EF4-FFF2-40B4-BE49-F238E27FC236}">
+                <a16:creationId xmlns:a16="http://schemas.microsoft.com/office/drawing/2014/main" id="{FF78414A-8784-4EFA-198B-ACA1AF9123B0}"/>
+              </a:ext>
+            </a:extLst>
+          </p:cNvPr>
+          <p:cNvPicPr>
+            <a:picLocks noChangeAspect="1" noChangeArrowheads="1"/>
+          </p:cNvPicPr>
+          <p:nvPr/>
+        </p:nvPicPr>
+        <p:blipFill>
+          <a:blip r:embed="rId3">
+            <a:extLst>
+              <a:ext uri="{28A0092B-C50C-407E-A947-70E740481C1C}">
+                <a14:useLocalDpi xmlns:a14="http://schemas.microsoft.com/office/drawing/2010/main" val="0"/>
+              </a:ext>
+            </a:extLst>
+          </a:blip>
+          <a:srcRect/>
+          <a:stretch>
+            <a:fillRect/>
+          </a:stretch>
+        </p:blipFill>
+        <p:spPr bwMode="auto">
+          <a:xfrm>
+            <a:off x="0" y="1657818"/>
+            <a:ext cx="12192000" cy="4171950"/>
+          </a:xfrm>
+          <a:prstGeom prst="rect">
+            <a:avLst/>
+          </a:prstGeom>
+          <a:noFill/>
+          <a:extLst>
+            <a:ext uri="{909E8E84-426E-40DD-AFC4-6F175D3DCCD1}">
+              <a14:hiddenFill xmlns:a14="http://schemas.microsoft.com/office/drawing/2010/main">
+                <a:solidFill>
+                  <a:srgbClr val="FFFFFF"/>
+                </a:solidFill>
+              </a14:hiddenFill>
+            </a:ext>
+          </a:extLst>
+        </p:spPr>
+      </p:pic>
+    </p:spTree>
+    <p:extLst>
+      <p:ext uri="{BB962C8B-B14F-4D97-AF65-F5344CB8AC3E}">
+        <p14:creationId xmlns:p14="http://schemas.microsoft.com/office/powerpoint/2010/main" val="2068889265"/>
+      </p:ext>
+    </p:extLst>
+  </p:cSld>
+  <p:clrMapOvr>
+    <a:masterClrMapping/>
+  </p:clrMapOvr>
+  <p:transition>
+    <p:fade/>
+  </p:transition>
+</p:sld>
+</file>
+
+<file path=ppt/slides/slide14.xml><?xml version="1.0" encoding="utf-8"?>
 <p:sld xmlns:a="http://schemas.openxmlformats.org/drawingml/2006/main" xmlns:r="http://schemas.openxmlformats.org/officeDocument/2006/relationships" xmlns:p="http://schemas.openxmlformats.org/presentationml/2006/main">
   <p:cSld>
     <p:spTree>
@@ -21190,662 +21449,6 @@
 </p:sld>
 </file>
 
-<file path=ppt/slides/slide14.xml><?xml version="1.0" encoding="utf-8"?>
-<p:sld xmlns:a="http://schemas.openxmlformats.org/drawingml/2006/main" xmlns:r="http://schemas.openxmlformats.org/officeDocument/2006/relationships" xmlns:p="http://schemas.openxmlformats.org/presentationml/2006/main">
-  <p:cSld>
-    <p:spTree>
-      <p:nvGrpSpPr>
-        <p:cNvPr id="1" name=""/>
-        <p:cNvGrpSpPr/>
-        <p:nvPr/>
-      </p:nvGrpSpPr>
-      <p:grpSpPr>
-        <a:xfrm>
-          <a:off x="0" y="0"/>
-          <a:ext cx="0" cy="0"/>
-          <a:chOff x="0" y="0"/>
-          <a:chExt cx="0" cy="0"/>
-        </a:xfrm>
-      </p:grpSpPr>
-      <p:sp>
-        <p:nvSpPr>
-          <p:cNvPr id="2" name="Title 1"/>
-          <p:cNvSpPr>
-            <a:spLocks noGrp="1"/>
-          </p:cNvSpPr>
-          <p:nvPr>
-            <p:ph type="title"/>
-          </p:nvPr>
-        </p:nvSpPr>
-        <p:spPr/>
-        <p:txBody>
-          <a:bodyPr>
-            <a:normAutofit/>
-          </a:bodyPr>
-          <a:lstStyle/>
-          <a:p>
-            <a:r>
-              <a:rPr lang="en-US" sz="4400" dirty="0">
-                <a:solidFill>
-                  <a:schemeClr val="tx1"/>
-                </a:solidFill>
-                <a:latin typeface="Segoe UI Light" panose="020B0502040204020203" pitchFamily="34" charset="0"/>
-                <a:cs typeface="Segoe UI Light" panose="020B0502040204020203" pitchFamily="34" charset="0"/>
-              </a:rPr>
-              <a:t>Step 3: Present the solution</a:t>
-            </a:r>
-          </a:p>
-        </p:txBody>
-      </p:sp>
-      <p:sp>
-        <p:nvSpPr>
-          <p:cNvPr id="9" name="TextBox 8">
-            <a:extLst>
-              <a:ext uri="{FF2B5EF4-FFF2-40B4-BE49-F238E27FC236}">
-                <a16:creationId xmlns:a16="http://schemas.microsoft.com/office/drawing/2014/main" id="{0F86F9F9-39B5-4CE6-AF48-9ADAE40EA728}"/>
-              </a:ext>
-            </a:extLst>
-          </p:cNvPr>
-          <p:cNvSpPr txBox="1"/>
-          <p:nvPr/>
-        </p:nvSpPr>
-        <p:spPr>
-          <a:xfrm>
-            <a:off x="340285" y="1062166"/>
-            <a:ext cx="10229103" cy="6035498"/>
-          </a:xfrm>
-          <a:prstGeom prst="rect">
-            <a:avLst/>
-          </a:prstGeom>
-          <a:noFill/>
-        </p:spPr>
-        <p:txBody>
-          <a:bodyPr wrap="square" lIns="182880" tIns="146304" rIns="182880" bIns="146304" rtlCol="0">
-            <a:spAutoFit/>
-          </a:bodyPr>
-          <a:lstStyle/>
-          <a:p>
-            <a:pPr marL="0" marR="0" lvl="0" indent="0" algn="l" defTabSz="914400" rtl="0" eaLnBrk="1" fontAlgn="auto" latinLnBrk="0" hangingPunct="1">
-              <a:lnSpc>
-                <a:spcPct val="90000"/>
-              </a:lnSpc>
-              <a:spcBef>
-                <a:spcPts val="0"/>
-              </a:spcBef>
-              <a:spcAft>
-                <a:spcPts val="600"/>
-              </a:spcAft>
-              <a:buClrTx/>
-              <a:buSzTx/>
-              <a:buFontTx/>
-              <a:buNone/>
-              <a:tabLst/>
-              <a:defRPr/>
-            </a:pPr>
-            <a:r>
-              <a:rPr kumimoji="0" lang="en-US" sz="3600" b="0" i="0" u="none" strike="noStrike" kern="1200" cap="none" spc="0" normalizeH="0" baseline="0" noProof="0" dirty="0">
-                <a:ln>
-                  <a:noFill/>
-                </a:ln>
-                <a:solidFill>
-                  <a:srgbClr val="FFFFFF"/>
-                </a:solidFill>
-                <a:effectLst/>
-                <a:uLnTx/>
-                <a:uFillTx/>
-                <a:latin typeface="Segoe UI Light"/>
-                <a:ea typeface="+mn-ea"/>
-                <a:cs typeface="+mn-cs"/>
-              </a:rPr>
-              <a:t>Outcome</a:t>
-            </a:r>
-          </a:p>
-          <a:p>
-            <a:pPr marL="0" marR="0" lvl="0" indent="0" algn="l" defTabSz="914400" rtl="0" eaLnBrk="1" fontAlgn="auto" latinLnBrk="0" hangingPunct="1">
-              <a:lnSpc>
-                <a:spcPct val="90000"/>
-              </a:lnSpc>
-              <a:spcBef>
-                <a:spcPts val="0"/>
-              </a:spcBef>
-              <a:spcAft>
-                <a:spcPts val="600"/>
-              </a:spcAft>
-              <a:buClrTx/>
-              <a:buSzTx/>
-              <a:buFontTx/>
-              <a:buNone/>
-              <a:tabLst/>
-              <a:defRPr/>
-            </a:pPr>
-            <a:r>
-              <a:rPr kumimoji="0" lang="en-US" sz="2400" b="0" i="0" u="none" strike="noStrike" kern="1200" cap="none" spc="0" normalizeH="0" baseline="0" noProof="0" dirty="0">
-                <a:ln>
-                  <a:noFill/>
-                </a:ln>
-                <a:solidFill>
-                  <a:srgbClr val="FFFFFF"/>
-                </a:solidFill>
-                <a:effectLst/>
-                <a:uLnTx/>
-                <a:uFillTx/>
-                <a:latin typeface="Segoe UI Semilight" panose="020B0402040204020203" pitchFamily="34" charset="0"/>
-                <a:ea typeface="+mn-ea"/>
-                <a:cs typeface="Segoe UI Semilight" panose="020B0402040204020203" pitchFamily="34" charset="0"/>
-              </a:rPr>
-              <a:t>Present a solution to the target customer in a 15-minute chalk-talk format. </a:t>
-            </a:r>
-            <a:endParaRPr kumimoji="0" lang="en-US" sz="3600" b="0" i="0" u="none" strike="noStrike" kern="1200" cap="none" spc="0" normalizeH="0" baseline="0" noProof="0" dirty="0">
-              <a:ln>
-                <a:noFill/>
-              </a:ln>
-              <a:solidFill>
-                <a:srgbClr val="FFFFFF"/>
-              </a:solidFill>
-              <a:effectLst/>
-              <a:uLnTx/>
-              <a:uFillTx/>
-              <a:latin typeface="Segoe UI Light"/>
-              <a:ea typeface="+mn-ea"/>
-              <a:cs typeface="+mn-cs"/>
-            </a:endParaRPr>
-          </a:p>
-          <a:p>
-            <a:pPr marL="0" marR="0" lvl="0" indent="0" algn="l" defTabSz="914400" rtl="0" eaLnBrk="1" fontAlgn="auto" latinLnBrk="0" hangingPunct="1">
-              <a:lnSpc>
-                <a:spcPct val="90000"/>
-              </a:lnSpc>
-              <a:spcBef>
-                <a:spcPts val="0"/>
-              </a:spcBef>
-              <a:spcAft>
-                <a:spcPts val="600"/>
-              </a:spcAft>
-              <a:buClrTx/>
-              <a:buSzTx/>
-              <a:buFontTx/>
-              <a:buNone/>
-              <a:tabLst/>
-              <a:defRPr/>
-            </a:pPr>
-            <a:endParaRPr kumimoji="0" lang="en-US" sz="2400" b="0" i="0" u="none" strike="noStrike" kern="1200" cap="none" spc="0" normalizeH="0" baseline="0" noProof="0" dirty="0">
-              <a:ln>
-                <a:noFill/>
-              </a:ln>
-              <a:solidFill>
-                <a:srgbClr val="FFFFFF"/>
-              </a:solidFill>
-              <a:effectLst/>
-              <a:uLnTx/>
-              <a:uFillTx/>
-              <a:latin typeface="Segoe UI Light"/>
-              <a:ea typeface="+mn-ea"/>
-              <a:cs typeface="+mn-cs"/>
-            </a:endParaRPr>
-          </a:p>
-          <a:p>
-            <a:pPr marL="0" marR="0" lvl="0" indent="0" algn="l" defTabSz="914400" rtl="0" eaLnBrk="1" fontAlgn="auto" latinLnBrk="0" hangingPunct="1">
-              <a:lnSpc>
-                <a:spcPct val="90000"/>
-              </a:lnSpc>
-              <a:spcBef>
-                <a:spcPts val="0"/>
-              </a:spcBef>
-              <a:spcAft>
-                <a:spcPts val="600"/>
-              </a:spcAft>
-              <a:buClrTx/>
-              <a:buSzTx/>
-              <a:buFontTx/>
-              <a:buNone/>
-              <a:tabLst/>
-              <a:defRPr/>
-            </a:pPr>
-            <a:r>
-              <a:rPr kumimoji="0" lang="en-US" sz="3600" b="0" i="0" u="none" strike="noStrike" kern="1200" cap="none" spc="0" normalizeH="0" baseline="0" noProof="0" dirty="0">
-                <a:ln>
-                  <a:noFill/>
-                </a:ln>
-                <a:solidFill>
-                  <a:srgbClr val="FFFFFF"/>
-                </a:solidFill>
-                <a:effectLst/>
-                <a:uLnTx/>
-                <a:uFillTx/>
-                <a:latin typeface="Segoe UI Light"/>
-                <a:ea typeface="+mn-ea"/>
-                <a:cs typeface="+mn-cs"/>
-              </a:rPr>
-              <a:t>Timeframe</a:t>
-            </a:r>
-          </a:p>
-          <a:p>
-            <a:pPr marL="0" marR="0" lvl="0" indent="0" algn="l" defTabSz="914400" rtl="0" eaLnBrk="1" fontAlgn="auto" latinLnBrk="0" hangingPunct="1">
-              <a:lnSpc>
-                <a:spcPct val="90000"/>
-              </a:lnSpc>
-              <a:spcBef>
-                <a:spcPts val="0"/>
-              </a:spcBef>
-              <a:spcAft>
-                <a:spcPts val="600"/>
-              </a:spcAft>
-              <a:buClrTx/>
-              <a:buSzTx/>
-              <a:buFontTx/>
-              <a:buNone/>
-              <a:tabLst/>
-              <a:defRPr/>
-            </a:pPr>
-            <a:r>
-              <a:rPr kumimoji="0" lang="en-US" sz="2400" b="0" i="0" u="none" strike="noStrike" kern="1200" cap="none" spc="0" normalizeH="0" baseline="0" noProof="0" dirty="0">
-                <a:ln>
-                  <a:noFill/>
-                </a:ln>
-                <a:solidFill>
-                  <a:srgbClr val="FFFFFF"/>
-                </a:solidFill>
-                <a:effectLst/>
-                <a:uLnTx/>
-                <a:uFillTx/>
-                <a:latin typeface="Segoe UI Semilight" panose="020B0402040204020203" pitchFamily="34" charset="0"/>
-                <a:ea typeface="+mn-ea"/>
-                <a:cs typeface="Segoe UI Semilight" panose="020B0402040204020203" pitchFamily="34" charset="0"/>
-              </a:rPr>
-              <a:t>30 minutes (15 minutes for each team to present and receive feedback) </a:t>
-            </a:r>
-          </a:p>
-          <a:p>
-            <a:pPr marL="0" marR="0" lvl="0" indent="0" algn="l" defTabSz="914400" rtl="0" eaLnBrk="1" fontAlgn="auto" latinLnBrk="0" hangingPunct="1">
-              <a:lnSpc>
-                <a:spcPct val="90000"/>
-              </a:lnSpc>
-              <a:spcBef>
-                <a:spcPts val="0"/>
-              </a:spcBef>
-              <a:spcAft>
-                <a:spcPts val="600"/>
-              </a:spcAft>
-              <a:buClrTx/>
-              <a:buSzTx/>
-              <a:buFontTx/>
-              <a:buNone/>
-              <a:tabLst/>
-              <a:defRPr/>
-            </a:pPr>
-            <a:endParaRPr kumimoji="0" lang="en-US" sz="1600" b="0" i="0" u="none" strike="noStrike" kern="1200" cap="none" spc="0" normalizeH="0" baseline="0" noProof="0" dirty="0">
-              <a:ln>
-                <a:noFill/>
-              </a:ln>
-              <a:solidFill>
-                <a:srgbClr val="FFFFFF"/>
-              </a:solidFill>
-              <a:effectLst/>
-              <a:uLnTx/>
-              <a:uFillTx/>
-              <a:latin typeface="Segoe UI Light"/>
-              <a:ea typeface="+mn-ea"/>
-              <a:cs typeface="+mn-cs"/>
-            </a:endParaRPr>
-          </a:p>
-          <a:p>
-            <a:pPr marL="0" marR="0" lvl="0" indent="0" algn="l" defTabSz="914400" rtl="0" eaLnBrk="1" fontAlgn="auto" latinLnBrk="0" hangingPunct="1">
-              <a:lnSpc>
-                <a:spcPct val="90000"/>
-              </a:lnSpc>
-              <a:spcBef>
-                <a:spcPts val="0"/>
-              </a:spcBef>
-              <a:spcAft>
-                <a:spcPts val="600"/>
-              </a:spcAft>
-              <a:buClrTx/>
-              <a:buSzTx/>
-              <a:buFontTx/>
-              <a:buNone/>
-              <a:tabLst/>
-              <a:defRPr/>
-            </a:pPr>
-            <a:r>
-              <a:rPr kumimoji="0" lang="en-US" sz="3600" b="0" i="0" u="none" strike="noStrike" kern="1200" cap="none" spc="0" normalizeH="0" baseline="0" noProof="0" dirty="0">
-                <a:ln>
-                  <a:noFill/>
-                </a:ln>
-                <a:solidFill>
-                  <a:srgbClr val="FFFFFF"/>
-                </a:solidFill>
-                <a:effectLst/>
-                <a:uLnTx/>
-                <a:uFillTx/>
-                <a:latin typeface="Segoe UI Light"/>
-                <a:ea typeface="+mn-ea"/>
-                <a:cs typeface="+mn-cs"/>
-              </a:rPr>
-              <a:t>Directions</a:t>
-            </a:r>
-          </a:p>
-          <a:p>
-            <a:pPr marL="342900" marR="0" lvl="0" indent="-342900" algn="l" defTabSz="914400" rtl="0" eaLnBrk="1" fontAlgn="auto" latinLnBrk="0" hangingPunct="1">
-              <a:lnSpc>
-                <a:spcPct val="100000"/>
-              </a:lnSpc>
-              <a:spcBef>
-                <a:spcPts val="0"/>
-              </a:spcBef>
-              <a:spcAft>
-                <a:spcPts val="0"/>
-              </a:spcAft>
-              <a:buClrTx/>
-              <a:buSzTx/>
-              <a:buFont typeface="Arial" panose="020B0604020202020204" pitchFamily="34" charset="0"/>
-              <a:buChar char="•"/>
-              <a:tabLst/>
-              <a:defRPr/>
-            </a:pPr>
-            <a:r>
-              <a:rPr kumimoji="0" lang="en-US" sz="2000" b="0" i="0" u="none" strike="noStrike" kern="1200" cap="none" spc="0" normalizeH="0" baseline="0" noProof="0" dirty="0">
-                <a:ln>
-                  <a:noFill/>
-                </a:ln>
-                <a:solidFill>
-                  <a:srgbClr val="FFFFFF"/>
-                </a:solidFill>
-                <a:effectLst/>
-                <a:uLnTx/>
-                <a:uFillTx/>
-                <a:latin typeface="Segoe UI Semilight" panose="020B0402040204020203" pitchFamily="34" charset="0"/>
-                <a:ea typeface="+mn-ea"/>
-                <a:cs typeface="Segoe UI Semilight" panose="020B0402040204020203" pitchFamily="34" charset="0"/>
-              </a:rPr>
-              <a:t>Pair with another team.</a:t>
-            </a:r>
-          </a:p>
-          <a:p>
-            <a:pPr marL="342900" marR="0" lvl="0" indent="-342900" algn="l" defTabSz="914400" rtl="0" eaLnBrk="1" fontAlgn="auto" latinLnBrk="0" hangingPunct="1">
-              <a:lnSpc>
-                <a:spcPct val="100000"/>
-              </a:lnSpc>
-              <a:spcBef>
-                <a:spcPts val="0"/>
-              </a:spcBef>
-              <a:spcAft>
-                <a:spcPts val="0"/>
-              </a:spcAft>
-              <a:buClrTx/>
-              <a:buSzTx/>
-              <a:buFont typeface="Arial" panose="020B0604020202020204" pitchFamily="34" charset="0"/>
-              <a:buChar char="•"/>
-              <a:tabLst/>
-              <a:defRPr/>
-            </a:pPr>
-            <a:r>
-              <a:rPr kumimoji="0" lang="en-US" sz="2000" b="0" i="0" u="none" strike="noStrike" kern="1200" cap="none" spc="0" normalizeH="0" baseline="0" noProof="0" dirty="0">
-                <a:ln>
-                  <a:noFill/>
-                </a:ln>
-                <a:solidFill>
-                  <a:srgbClr val="FFFFFF"/>
-                </a:solidFill>
-                <a:effectLst/>
-                <a:uLnTx/>
-                <a:uFillTx/>
-                <a:latin typeface="Segoe UI Semilight" panose="020B0402040204020203" pitchFamily="34" charset="0"/>
-                <a:ea typeface="+mn-ea"/>
-                <a:cs typeface="Segoe UI Semilight" panose="020B0402040204020203" pitchFamily="34" charset="0"/>
-              </a:rPr>
-              <a:t>One group is the Microsoft team and the other is the customer.</a:t>
-            </a:r>
-          </a:p>
-          <a:p>
-            <a:pPr marL="342900" marR="0" lvl="0" indent="-342900" algn="l" defTabSz="914400" rtl="0" eaLnBrk="1" fontAlgn="auto" latinLnBrk="0" hangingPunct="1">
-              <a:lnSpc>
-                <a:spcPct val="100000"/>
-              </a:lnSpc>
-              <a:spcBef>
-                <a:spcPts val="0"/>
-              </a:spcBef>
-              <a:spcAft>
-                <a:spcPts val="0"/>
-              </a:spcAft>
-              <a:buClrTx/>
-              <a:buSzTx/>
-              <a:buFont typeface="Arial" panose="020B0604020202020204" pitchFamily="34" charset="0"/>
-              <a:buChar char="•"/>
-              <a:tabLst/>
-              <a:defRPr/>
-            </a:pPr>
-            <a:r>
-              <a:rPr kumimoji="0" lang="en-US" sz="2000" b="0" i="0" u="none" strike="noStrike" kern="1200" cap="none" spc="0" normalizeH="0" baseline="0" noProof="0" dirty="0">
-                <a:ln>
-                  <a:noFill/>
-                </a:ln>
-                <a:solidFill>
-                  <a:srgbClr val="FFFFFF"/>
-                </a:solidFill>
-                <a:effectLst/>
-                <a:uLnTx/>
-                <a:uFillTx/>
-                <a:latin typeface="Segoe UI Semilight" panose="020B0402040204020203" pitchFamily="34" charset="0"/>
-                <a:ea typeface="+mn-ea"/>
-                <a:cs typeface="Segoe UI Semilight" panose="020B0402040204020203" pitchFamily="34" charset="0"/>
-              </a:rPr>
-              <a:t>The Microsoft team presents their proposed solution to the customer.</a:t>
-            </a:r>
-          </a:p>
-          <a:p>
-            <a:pPr marL="342900" marR="0" lvl="0" indent="-342900" algn="l" defTabSz="914400" rtl="0" eaLnBrk="1" fontAlgn="auto" latinLnBrk="0" hangingPunct="1">
-              <a:lnSpc>
-                <a:spcPct val="100000"/>
-              </a:lnSpc>
-              <a:spcBef>
-                <a:spcPts val="0"/>
-              </a:spcBef>
-              <a:spcAft>
-                <a:spcPts val="0"/>
-              </a:spcAft>
-              <a:buClrTx/>
-              <a:buSzTx/>
-              <a:buFont typeface="Arial" panose="020B0604020202020204" pitchFamily="34" charset="0"/>
-              <a:buChar char="•"/>
-              <a:tabLst/>
-              <a:defRPr/>
-            </a:pPr>
-            <a:r>
-              <a:rPr kumimoji="0" lang="en-US" sz="2000" b="0" i="0" u="none" strike="noStrike" kern="1200" cap="none" spc="0" normalizeH="0" baseline="0" noProof="0" dirty="0">
-                <a:ln>
-                  <a:noFill/>
-                </a:ln>
-                <a:solidFill>
-                  <a:srgbClr val="FFFFFF"/>
-                </a:solidFill>
-                <a:effectLst/>
-                <a:uLnTx/>
-                <a:uFillTx/>
-                <a:latin typeface="Segoe UI Semilight" panose="020B0402040204020203" pitchFamily="34" charset="0"/>
-                <a:ea typeface="+mn-ea"/>
-                <a:cs typeface="Segoe UI Semilight" panose="020B0402040204020203" pitchFamily="34" charset="0"/>
-              </a:rPr>
-              <a:t>The customer asks one of the objections from the list of objections in the case study.</a:t>
-            </a:r>
-          </a:p>
-          <a:p>
-            <a:pPr marL="342900" marR="0" lvl="0" indent="-342900" algn="l" defTabSz="914400" rtl="0" eaLnBrk="1" fontAlgn="auto" latinLnBrk="0" hangingPunct="1">
-              <a:lnSpc>
-                <a:spcPct val="100000"/>
-              </a:lnSpc>
-              <a:spcBef>
-                <a:spcPts val="0"/>
-              </a:spcBef>
-              <a:spcAft>
-                <a:spcPts val="0"/>
-              </a:spcAft>
-              <a:buClrTx/>
-              <a:buSzTx/>
-              <a:buFont typeface="Arial" panose="020B0604020202020204" pitchFamily="34" charset="0"/>
-              <a:buChar char="•"/>
-              <a:tabLst/>
-              <a:defRPr/>
-            </a:pPr>
-            <a:r>
-              <a:rPr kumimoji="0" lang="en-US" sz="2000" b="0" i="0" u="none" strike="noStrike" kern="1200" cap="none" spc="0" normalizeH="0" baseline="0" noProof="0" dirty="0">
-                <a:ln>
-                  <a:noFill/>
-                </a:ln>
-                <a:solidFill>
-                  <a:srgbClr val="FFFFFF"/>
-                </a:solidFill>
-                <a:effectLst/>
-                <a:uLnTx/>
-                <a:uFillTx/>
-                <a:latin typeface="Segoe UI Semilight" panose="020B0402040204020203" pitchFamily="34" charset="0"/>
-                <a:ea typeface="+mn-ea"/>
-                <a:cs typeface="Segoe UI Semilight" panose="020B0402040204020203" pitchFamily="34" charset="0"/>
-              </a:rPr>
-              <a:t>The Microsoft team responds to the objection.</a:t>
-            </a:r>
-          </a:p>
-          <a:p>
-            <a:pPr marL="342900" marR="0" lvl="0" indent="-342900" algn="l" defTabSz="914400" rtl="0" eaLnBrk="1" fontAlgn="auto" latinLnBrk="0" hangingPunct="1">
-              <a:lnSpc>
-                <a:spcPct val="100000"/>
-              </a:lnSpc>
-              <a:spcBef>
-                <a:spcPts val="0"/>
-              </a:spcBef>
-              <a:spcAft>
-                <a:spcPts val="0"/>
-              </a:spcAft>
-              <a:buClrTx/>
-              <a:buSzTx/>
-              <a:buFont typeface="Arial" panose="020B0604020202020204" pitchFamily="34" charset="0"/>
-              <a:buChar char="•"/>
-              <a:tabLst/>
-              <a:defRPr/>
-            </a:pPr>
-            <a:r>
-              <a:rPr kumimoji="0" lang="en-US" sz="2000" b="0" i="0" u="none" strike="noStrike" kern="1200" cap="none" spc="0" normalizeH="0" baseline="0" noProof="0" dirty="0">
-                <a:ln>
-                  <a:noFill/>
-                </a:ln>
-                <a:solidFill>
-                  <a:srgbClr val="FFFFFF"/>
-                </a:solidFill>
-                <a:effectLst/>
-                <a:uLnTx/>
-                <a:uFillTx/>
-                <a:latin typeface="Segoe UI Semilight" panose="020B0402040204020203" pitchFamily="34" charset="0"/>
-                <a:ea typeface="+mn-ea"/>
-                <a:cs typeface="Segoe UI Semilight" panose="020B0402040204020203" pitchFamily="34" charset="0"/>
-              </a:rPr>
-              <a:t>The customer team gives feedback to the Microsoft team.</a:t>
-            </a:r>
-          </a:p>
-          <a:p>
-            <a:pPr marL="342900" marR="0" lvl="0" indent="-342900" algn="l" defTabSz="914400" rtl="0" eaLnBrk="1" fontAlgn="auto" latinLnBrk="0" hangingPunct="1">
-              <a:lnSpc>
-                <a:spcPct val="100000"/>
-              </a:lnSpc>
-              <a:spcBef>
-                <a:spcPts val="0"/>
-              </a:spcBef>
-              <a:spcAft>
-                <a:spcPts val="0"/>
-              </a:spcAft>
-              <a:buClrTx/>
-              <a:buSzTx/>
-              <a:buFont typeface="Arial" panose="020B0604020202020204" pitchFamily="34" charset="0"/>
-              <a:buChar char="•"/>
-              <a:tabLst/>
-              <a:defRPr/>
-            </a:pPr>
-            <a:r>
-              <a:rPr kumimoji="0" lang="en-US" sz="2000" b="0" i="0" u="none" strike="noStrike" kern="1200" cap="none" spc="0" normalizeH="0" baseline="0" noProof="0" dirty="0">
-                <a:ln>
-                  <a:noFill/>
-                </a:ln>
-                <a:solidFill>
-                  <a:srgbClr val="FFFFFF"/>
-                </a:solidFill>
-                <a:effectLst/>
-                <a:uLnTx/>
-                <a:uFillTx/>
-                <a:latin typeface="Segoe UI Semilight" panose="020B0402040204020203" pitchFamily="34" charset="0"/>
-                <a:ea typeface="+mn-ea"/>
-                <a:cs typeface="Segoe UI Semilight" panose="020B0402040204020203" pitchFamily="34" charset="0"/>
-              </a:rPr>
-              <a:t>Switch roles and repeat Steps 2-6.</a:t>
-            </a:r>
-            <a:endParaRPr kumimoji="0" lang="en-US" sz="2400" b="0" i="0" u="none" strike="noStrike" kern="1200" cap="none" spc="0" normalizeH="0" baseline="0" noProof="0" dirty="0">
-              <a:ln>
-                <a:noFill/>
-              </a:ln>
-              <a:solidFill>
-                <a:srgbClr val="FFFFFF"/>
-              </a:solidFill>
-              <a:effectLst/>
-              <a:uLnTx/>
-              <a:uFillTx/>
-              <a:latin typeface="Segoe UI Semilight" panose="020B0402040204020203" pitchFamily="34" charset="0"/>
-              <a:ea typeface="+mn-ea"/>
-              <a:cs typeface="Segoe UI Semilight" panose="020B0402040204020203" pitchFamily="34" charset="0"/>
-            </a:endParaRPr>
-          </a:p>
-          <a:p>
-            <a:pPr marL="0" marR="0" lvl="0" indent="0" algn="l" defTabSz="914400" rtl="0" eaLnBrk="1" fontAlgn="auto" latinLnBrk="0" hangingPunct="1">
-              <a:lnSpc>
-                <a:spcPct val="90000"/>
-              </a:lnSpc>
-              <a:spcBef>
-                <a:spcPts val="0"/>
-              </a:spcBef>
-              <a:spcAft>
-                <a:spcPts val="600"/>
-              </a:spcAft>
-              <a:buClrTx/>
-              <a:buSzTx/>
-              <a:buFontTx/>
-              <a:buNone/>
-              <a:tabLst/>
-              <a:defRPr/>
-            </a:pPr>
-            <a:endParaRPr kumimoji="0" lang="en-US" sz="2400" b="0" i="0" u="none" strike="noStrike" kern="1200" cap="none" spc="0" normalizeH="0" baseline="0" noProof="0" dirty="0">
-              <a:ln>
-                <a:noFill/>
-              </a:ln>
-              <a:solidFill>
-                <a:srgbClr val="FFFFFF"/>
-              </a:solidFill>
-              <a:effectLst/>
-              <a:uLnTx/>
-              <a:uFillTx/>
-              <a:latin typeface="Segoe UI Semilight" panose="020B0402040204020203" pitchFamily="34" charset="0"/>
-              <a:ea typeface="+mn-ea"/>
-              <a:cs typeface="Segoe UI Semilight" panose="020B0402040204020203" pitchFamily="34" charset="0"/>
-            </a:endParaRPr>
-          </a:p>
-        </p:txBody>
-      </p:sp>
-    </p:spTree>
-    <p:extLst>
-      <p:ext uri="{BB962C8B-B14F-4D97-AF65-F5344CB8AC3E}">
-        <p14:creationId xmlns:p14="http://schemas.microsoft.com/office/powerpoint/2010/main" val="3717261927"/>
-      </p:ext>
-    </p:extLst>
-  </p:cSld>
-  <p:clrMapOvr>
-    <a:masterClrMapping/>
-  </p:clrMapOvr>
-  <mc:AlternateContent xmlns:mc="http://schemas.openxmlformats.org/markup-compatibility/2006" xmlns:p14="http://schemas.microsoft.com/office/powerpoint/2010/main">
-    <mc:Choice Requires="p14">
-      <p:transition p14:dur="0"/>
-    </mc:Choice>
-    <mc:Fallback xmlns="">
-      <p:transition/>
-    </mc:Fallback>
-  </mc:AlternateContent>
-</p:sld>
-</file>
-
 <file path=ppt/slides/slide15.xml><?xml version="1.0" encoding="utf-8"?>
 <p:sld xmlns:a="http://schemas.openxmlformats.org/drawingml/2006/main" xmlns:r="http://schemas.openxmlformats.org/officeDocument/2006/relationships" xmlns:p="http://schemas.openxmlformats.org/presentationml/2006/main">
   <p:cSld>
@@ -21888,6 +21491,662 @@
                 <a:latin typeface="Segoe UI Light" panose="020B0502040204020203" pitchFamily="34" charset="0"/>
                 <a:cs typeface="Segoe UI Light" panose="020B0502040204020203" pitchFamily="34" charset="0"/>
               </a:rPr>
+              <a:t>Step 3: Present the solution</a:t>
+            </a:r>
+          </a:p>
+        </p:txBody>
+      </p:sp>
+      <p:sp>
+        <p:nvSpPr>
+          <p:cNvPr id="9" name="TextBox 8">
+            <a:extLst>
+              <a:ext uri="{FF2B5EF4-FFF2-40B4-BE49-F238E27FC236}">
+                <a16:creationId xmlns:a16="http://schemas.microsoft.com/office/drawing/2014/main" id="{0F86F9F9-39B5-4CE6-AF48-9ADAE40EA728}"/>
+              </a:ext>
+            </a:extLst>
+          </p:cNvPr>
+          <p:cNvSpPr txBox="1"/>
+          <p:nvPr/>
+        </p:nvSpPr>
+        <p:spPr>
+          <a:xfrm>
+            <a:off x="340285" y="1062166"/>
+            <a:ext cx="10229103" cy="6035498"/>
+          </a:xfrm>
+          <a:prstGeom prst="rect">
+            <a:avLst/>
+          </a:prstGeom>
+          <a:noFill/>
+        </p:spPr>
+        <p:txBody>
+          <a:bodyPr wrap="square" lIns="182880" tIns="146304" rIns="182880" bIns="146304" rtlCol="0">
+            <a:spAutoFit/>
+          </a:bodyPr>
+          <a:lstStyle/>
+          <a:p>
+            <a:pPr marL="0" marR="0" lvl="0" indent="0" algn="l" defTabSz="914400" rtl="0" eaLnBrk="1" fontAlgn="auto" latinLnBrk="0" hangingPunct="1">
+              <a:lnSpc>
+                <a:spcPct val="90000"/>
+              </a:lnSpc>
+              <a:spcBef>
+                <a:spcPts val="0"/>
+              </a:spcBef>
+              <a:spcAft>
+                <a:spcPts val="600"/>
+              </a:spcAft>
+              <a:buClrTx/>
+              <a:buSzTx/>
+              <a:buFontTx/>
+              <a:buNone/>
+              <a:tabLst/>
+              <a:defRPr/>
+            </a:pPr>
+            <a:r>
+              <a:rPr kumimoji="0" lang="en-US" sz="3600" b="0" i="0" u="none" strike="noStrike" kern="1200" cap="none" spc="0" normalizeH="0" baseline="0" noProof="0" dirty="0">
+                <a:ln>
+                  <a:noFill/>
+                </a:ln>
+                <a:solidFill>
+                  <a:srgbClr val="FFFFFF"/>
+                </a:solidFill>
+                <a:effectLst/>
+                <a:uLnTx/>
+                <a:uFillTx/>
+                <a:latin typeface="Segoe UI Light"/>
+                <a:ea typeface="+mn-ea"/>
+                <a:cs typeface="+mn-cs"/>
+              </a:rPr>
+              <a:t>Outcome</a:t>
+            </a:r>
+          </a:p>
+          <a:p>
+            <a:pPr marL="0" marR="0" lvl="0" indent="0" algn="l" defTabSz="914400" rtl="0" eaLnBrk="1" fontAlgn="auto" latinLnBrk="0" hangingPunct="1">
+              <a:lnSpc>
+                <a:spcPct val="90000"/>
+              </a:lnSpc>
+              <a:spcBef>
+                <a:spcPts val="0"/>
+              </a:spcBef>
+              <a:spcAft>
+                <a:spcPts val="600"/>
+              </a:spcAft>
+              <a:buClrTx/>
+              <a:buSzTx/>
+              <a:buFontTx/>
+              <a:buNone/>
+              <a:tabLst/>
+              <a:defRPr/>
+            </a:pPr>
+            <a:r>
+              <a:rPr kumimoji="0" lang="en-US" sz="2400" b="0" i="0" u="none" strike="noStrike" kern="1200" cap="none" spc="0" normalizeH="0" baseline="0" noProof="0" dirty="0">
+                <a:ln>
+                  <a:noFill/>
+                </a:ln>
+                <a:solidFill>
+                  <a:srgbClr val="FFFFFF"/>
+                </a:solidFill>
+                <a:effectLst/>
+                <a:uLnTx/>
+                <a:uFillTx/>
+                <a:latin typeface="Segoe UI Semilight" panose="020B0402040204020203" pitchFamily="34" charset="0"/>
+                <a:ea typeface="+mn-ea"/>
+                <a:cs typeface="Segoe UI Semilight" panose="020B0402040204020203" pitchFamily="34" charset="0"/>
+              </a:rPr>
+              <a:t>Present a solution to the target customer in a 15-minute chalk-talk format. </a:t>
+            </a:r>
+            <a:endParaRPr kumimoji="0" lang="en-US" sz="3600" b="0" i="0" u="none" strike="noStrike" kern="1200" cap="none" spc="0" normalizeH="0" baseline="0" noProof="0" dirty="0">
+              <a:ln>
+                <a:noFill/>
+              </a:ln>
+              <a:solidFill>
+                <a:srgbClr val="FFFFFF"/>
+              </a:solidFill>
+              <a:effectLst/>
+              <a:uLnTx/>
+              <a:uFillTx/>
+              <a:latin typeface="Segoe UI Light"/>
+              <a:ea typeface="+mn-ea"/>
+              <a:cs typeface="+mn-cs"/>
+            </a:endParaRPr>
+          </a:p>
+          <a:p>
+            <a:pPr marL="0" marR="0" lvl="0" indent="0" algn="l" defTabSz="914400" rtl="0" eaLnBrk="1" fontAlgn="auto" latinLnBrk="0" hangingPunct="1">
+              <a:lnSpc>
+                <a:spcPct val="90000"/>
+              </a:lnSpc>
+              <a:spcBef>
+                <a:spcPts val="0"/>
+              </a:spcBef>
+              <a:spcAft>
+                <a:spcPts val="600"/>
+              </a:spcAft>
+              <a:buClrTx/>
+              <a:buSzTx/>
+              <a:buFontTx/>
+              <a:buNone/>
+              <a:tabLst/>
+              <a:defRPr/>
+            </a:pPr>
+            <a:endParaRPr kumimoji="0" lang="en-US" sz="2400" b="0" i="0" u="none" strike="noStrike" kern="1200" cap="none" spc="0" normalizeH="0" baseline="0" noProof="0" dirty="0">
+              <a:ln>
+                <a:noFill/>
+              </a:ln>
+              <a:solidFill>
+                <a:srgbClr val="FFFFFF"/>
+              </a:solidFill>
+              <a:effectLst/>
+              <a:uLnTx/>
+              <a:uFillTx/>
+              <a:latin typeface="Segoe UI Light"/>
+              <a:ea typeface="+mn-ea"/>
+              <a:cs typeface="+mn-cs"/>
+            </a:endParaRPr>
+          </a:p>
+          <a:p>
+            <a:pPr marL="0" marR="0" lvl="0" indent="0" algn="l" defTabSz="914400" rtl="0" eaLnBrk="1" fontAlgn="auto" latinLnBrk="0" hangingPunct="1">
+              <a:lnSpc>
+                <a:spcPct val="90000"/>
+              </a:lnSpc>
+              <a:spcBef>
+                <a:spcPts val="0"/>
+              </a:spcBef>
+              <a:spcAft>
+                <a:spcPts val="600"/>
+              </a:spcAft>
+              <a:buClrTx/>
+              <a:buSzTx/>
+              <a:buFontTx/>
+              <a:buNone/>
+              <a:tabLst/>
+              <a:defRPr/>
+            </a:pPr>
+            <a:r>
+              <a:rPr kumimoji="0" lang="en-US" sz="3600" b="0" i="0" u="none" strike="noStrike" kern="1200" cap="none" spc="0" normalizeH="0" baseline="0" noProof="0" dirty="0">
+                <a:ln>
+                  <a:noFill/>
+                </a:ln>
+                <a:solidFill>
+                  <a:srgbClr val="FFFFFF"/>
+                </a:solidFill>
+                <a:effectLst/>
+                <a:uLnTx/>
+                <a:uFillTx/>
+                <a:latin typeface="Segoe UI Light"/>
+                <a:ea typeface="+mn-ea"/>
+                <a:cs typeface="+mn-cs"/>
+              </a:rPr>
+              <a:t>Timeframe</a:t>
+            </a:r>
+          </a:p>
+          <a:p>
+            <a:pPr marL="0" marR="0" lvl="0" indent="0" algn="l" defTabSz="914400" rtl="0" eaLnBrk="1" fontAlgn="auto" latinLnBrk="0" hangingPunct="1">
+              <a:lnSpc>
+                <a:spcPct val="90000"/>
+              </a:lnSpc>
+              <a:spcBef>
+                <a:spcPts val="0"/>
+              </a:spcBef>
+              <a:spcAft>
+                <a:spcPts val="600"/>
+              </a:spcAft>
+              <a:buClrTx/>
+              <a:buSzTx/>
+              <a:buFontTx/>
+              <a:buNone/>
+              <a:tabLst/>
+              <a:defRPr/>
+            </a:pPr>
+            <a:r>
+              <a:rPr kumimoji="0" lang="en-US" sz="2400" b="0" i="0" u="none" strike="noStrike" kern="1200" cap="none" spc="0" normalizeH="0" baseline="0" noProof="0" dirty="0">
+                <a:ln>
+                  <a:noFill/>
+                </a:ln>
+                <a:solidFill>
+                  <a:srgbClr val="FFFFFF"/>
+                </a:solidFill>
+                <a:effectLst/>
+                <a:uLnTx/>
+                <a:uFillTx/>
+                <a:latin typeface="Segoe UI Semilight" panose="020B0402040204020203" pitchFamily="34" charset="0"/>
+                <a:ea typeface="+mn-ea"/>
+                <a:cs typeface="Segoe UI Semilight" panose="020B0402040204020203" pitchFamily="34" charset="0"/>
+              </a:rPr>
+              <a:t>30 minutes (15 minutes for each team to present and receive feedback) </a:t>
+            </a:r>
+          </a:p>
+          <a:p>
+            <a:pPr marL="0" marR="0" lvl="0" indent="0" algn="l" defTabSz="914400" rtl="0" eaLnBrk="1" fontAlgn="auto" latinLnBrk="0" hangingPunct="1">
+              <a:lnSpc>
+                <a:spcPct val="90000"/>
+              </a:lnSpc>
+              <a:spcBef>
+                <a:spcPts val="0"/>
+              </a:spcBef>
+              <a:spcAft>
+                <a:spcPts val="600"/>
+              </a:spcAft>
+              <a:buClrTx/>
+              <a:buSzTx/>
+              <a:buFontTx/>
+              <a:buNone/>
+              <a:tabLst/>
+              <a:defRPr/>
+            </a:pPr>
+            <a:endParaRPr kumimoji="0" lang="en-US" sz="1600" b="0" i="0" u="none" strike="noStrike" kern="1200" cap="none" spc="0" normalizeH="0" baseline="0" noProof="0" dirty="0">
+              <a:ln>
+                <a:noFill/>
+              </a:ln>
+              <a:solidFill>
+                <a:srgbClr val="FFFFFF"/>
+              </a:solidFill>
+              <a:effectLst/>
+              <a:uLnTx/>
+              <a:uFillTx/>
+              <a:latin typeface="Segoe UI Light"/>
+              <a:ea typeface="+mn-ea"/>
+              <a:cs typeface="+mn-cs"/>
+            </a:endParaRPr>
+          </a:p>
+          <a:p>
+            <a:pPr marL="0" marR="0" lvl="0" indent="0" algn="l" defTabSz="914400" rtl="0" eaLnBrk="1" fontAlgn="auto" latinLnBrk="0" hangingPunct="1">
+              <a:lnSpc>
+                <a:spcPct val="90000"/>
+              </a:lnSpc>
+              <a:spcBef>
+                <a:spcPts val="0"/>
+              </a:spcBef>
+              <a:spcAft>
+                <a:spcPts val="600"/>
+              </a:spcAft>
+              <a:buClrTx/>
+              <a:buSzTx/>
+              <a:buFontTx/>
+              <a:buNone/>
+              <a:tabLst/>
+              <a:defRPr/>
+            </a:pPr>
+            <a:r>
+              <a:rPr kumimoji="0" lang="en-US" sz="3600" b="0" i="0" u="none" strike="noStrike" kern="1200" cap="none" spc="0" normalizeH="0" baseline="0" noProof="0" dirty="0">
+                <a:ln>
+                  <a:noFill/>
+                </a:ln>
+                <a:solidFill>
+                  <a:srgbClr val="FFFFFF"/>
+                </a:solidFill>
+                <a:effectLst/>
+                <a:uLnTx/>
+                <a:uFillTx/>
+                <a:latin typeface="Segoe UI Light"/>
+                <a:ea typeface="+mn-ea"/>
+                <a:cs typeface="+mn-cs"/>
+              </a:rPr>
+              <a:t>Directions</a:t>
+            </a:r>
+          </a:p>
+          <a:p>
+            <a:pPr marL="342900" marR="0" lvl="0" indent="-342900" algn="l" defTabSz="914400" rtl="0" eaLnBrk="1" fontAlgn="auto" latinLnBrk="0" hangingPunct="1">
+              <a:lnSpc>
+                <a:spcPct val="100000"/>
+              </a:lnSpc>
+              <a:spcBef>
+                <a:spcPts val="0"/>
+              </a:spcBef>
+              <a:spcAft>
+                <a:spcPts val="0"/>
+              </a:spcAft>
+              <a:buClrTx/>
+              <a:buSzTx/>
+              <a:buFont typeface="Arial" panose="020B0604020202020204" pitchFamily="34" charset="0"/>
+              <a:buChar char="•"/>
+              <a:tabLst/>
+              <a:defRPr/>
+            </a:pPr>
+            <a:r>
+              <a:rPr kumimoji="0" lang="en-US" sz="2000" b="0" i="0" u="none" strike="noStrike" kern="1200" cap="none" spc="0" normalizeH="0" baseline="0" noProof="0" dirty="0">
+                <a:ln>
+                  <a:noFill/>
+                </a:ln>
+                <a:solidFill>
+                  <a:srgbClr val="FFFFFF"/>
+                </a:solidFill>
+                <a:effectLst/>
+                <a:uLnTx/>
+                <a:uFillTx/>
+                <a:latin typeface="Segoe UI Semilight" panose="020B0402040204020203" pitchFamily="34" charset="0"/>
+                <a:ea typeface="+mn-ea"/>
+                <a:cs typeface="Segoe UI Semilight" panose="020B0402040204020203" pitchFamily="34" charset="0"/>
+              </a:rPr>
+              <a:t>Pair with another team.</a:t>
+            </a:r>
+          </a:p>
+          <a:p>
+            <a:pPr marL="342900" marR="0" lvl="0" indent="-342900" algn="l" defTabSz="914400" rtl="0" eaLnBrk="1" fontAlgn="auto" latinLnBrk="0" hangingPunct="1">
+              <a:lnSpc>
+                <a:spcPct val="100000"/>
+              </a:lnSpc>
+              <a:spcBef>
+                <a:spcPts val="0"/>
+              </a:spcBef>
+              <a:spcAft>
+                <a:spcPts val="0"/>
+              </a:spcAft>
+              <a:buClrTx/>
+              <a:buSzTx/>
+              <a:buFont typeface="Arial" panose="020B0604020202020204" pitchFamily="34" charset="0"/>
+              <a:buChar char="•"/>
+              <a:tabLst/>
+              <a:defRPr/>
+            </a:pPr>
+            <a:r>
+              <a:rPr kumimoji="0" lang="en-US" sz="2000" b="0" i="0" u="none" strike="noStrike" kern="1200" cap="none" spc="0" normalizeH="0" baseline="0" noProof="0" dirty="0">
+                <a:ln>
+                  <a:noFill/>
+                </a:ln>
+                <a:solidFill>
+                  <a:srgbClr val="FFFFFF"/>
+                </a:solidFill>
+                <a:effectLst/>
+                <a:uLnTx/>
+                <a:uFillTx/>
+                <a:latin typeface="Segoe UI Semilight" panose="020B0402040204020203" pitchFamily="34" charset="0"/>
+                <a:ea typeface="+mn-ea"/>
+                <a:cs typeface="Segoe UI Semilight" panose="020B0402040204020203" pitchFamily="34" charset="0"/>
+              </a:rPr>
+              <a:t>One group is the Microsoft team and the other is the customer.</a:t>
+            </a:r>
+          </a:p>
+          <a:p>
+            <a:pPr marL="342900" marR="0" lvl="0" indent="-342900" algn="l" defTabSz="914400" rtl="0" eaLnBrk="1" fontAlgn="auto" latinLnBrk="0" hangingPunct="1">
+              <a:lnSpc>
+                <a:spcPct val="100000"/>
+              </a:lnSpc>
+              <a:spcBef>
+                <a:spcPts val="0"/>
+              </a:spcBef>
+              <a:spcAft>
+                <a:spcPts val="0"/>
+              </a:spcAft>
+              <a:buClrTx/>
+              <a:buSzTx/>
+              <a:buFont typeface="Arial" panose="020B0604020202020204" pitchFamily="34" charset="0"/>
+              <a:buChar char="•"/>
+              <a:tabLst/>
+              <a:defRPr/>
+            </a:pPr>
+            <a:r>
+              <a:rPr kumimoji="0" lang="en-US" sz="2000" b="0" i="0" u="none" strike="noStrike" kern="1200" cap="none" spc="0" normalizeH="0" baseline="0" noProof="0" dirty="0">
+                <a:ln>
+                  <a:noFill/>
+                </a:ln>
+                <a:solidFill>
+                  <a:srgbClr val="FFFFFF"/>
+                </a:solidFill>
+                <a:effectLst/>
+                <a:uLnTx/>
+                <a:uFillTx/>
+                <a:latin typeface="Segoe UI Semilight" panose="020B0402040204020203" pitchFamily="34" charset="0"/>
+                <a:ea typeface="+mn-ea"/>
+                <a:cs typeface="Segoe UI Semilight" panose="020B0402040204020203" pitchFamily="34" charset="0"/>
+              </a:rPr>
+              <a:t>The Microsoft team presents their proposed solution to the customer.</a:t>
+            </a:r>
+          </a:p>
+          <a:p>
+            <a:pPr marL="342900" marR="0" lvl="0" indent="-342900" algn="l" defTabSz="914400" rtl="0" eaLnBrk="1" fontAlgn="auto" latinLnBrk="0" hangingPunct="1">
+              <a:lnSpc>
+                <a:spcPct val="100000"/>
+              </a:lnSpc>
+              <a:spcBef>
+                <a:spcPts val="0"/>
+              </a:spcBef>
+              <a:spcAft>
+                <a:spcPts val="0"/>
+              </a:spcAft>
+              <a:buClrTx/>
+              <a:buSzTx/>
+              <a:buFont typeface="Arial" panose="020B0604020202020204" pitchFamily="34" charset="0"/>
+              <a:buChar char="•"/>
+              <a:tabLst/>
+              <a:defRPr/>
+            </a:pPr>
+            <a:r>
+              <a:rPr kumimoji="0" lang="en-US" sz="2000" b="0" i="0" u="none" strike="noStrike" kern="1200" cap="none" spc="0" normalizeH="0" baseline="0" noProof="0" dirty="0">
+                <a:ln>
+                  <a:noFill/>
+                </a:ln>
+                <a:solidFill>
+                  <a:srgbClr val="FFFFFF"/>
+                </a:solidFill>
+                <a:effectLst/>
+                <a:uLnTx/>
+                <a:uFillTx/>
+                <a:latin typeface="Segoe UI Semilight" panose="020B0402040204020203" pitchFamily="34" charset="0"/>
+                <a:ea typeface="+mn-ea"/>
+                <a:cs typeface="Segoe UI Semilight" panose="020B0402040204020203" pitchFamily="34" charset="0"/>
+              </a:rPr>
+              <a:t>The customer asks one of the objections from the list of objections in the case study.</a:t>
+            </a:r>
+          </a:p>
+          <a:p>
+            <a:pPr marL="342900" marR="0" lvl="0" indent="-342900" algn="l" defTabSz="914400" rtl="0" eaLnBrk="1" fontAlgn="auto" latinLnBrk="0" hangingPunct="1">
+              <a:lnSpc>
+                <a:spcPct val="100000"/>
+              </a:lnSpc>
+              <a:spcBef>
+                <a:spcPts val="0"/>
+              </a:spcBef>
+              <a:spcAft>
+                <a:spcPts val="0"/>
+              </a:spcAft>
+              <a:buClrTx/>
+              <a:buSzTx/>
+              <a:buFont typeface="Arial" panose="020B0604020202020204" pitchFamily="34" charset="0"/>
+              <a:buChar char="•"/>
+              <a:tabLst/>
+              <a:defRPr/>
+            </a:pPr>
+            <a:r>
+              <a:rPr kumimoji="0" lang="en-US" sz="2000" b="0" i="0" u="none" strike="noStrike" kern="1200" cap="none" spc="0" normalizeH="0" baseline="0" noProof="0" dirty="0">
+                <a:ln>
+                  <a:noFill/>
+                </a:ln>
+                <a:solidFill>
+                  <a:srgbClr val="FFFFFF"/>
+                </a:solidFill>
+                <a:effectLst/>
+                <a:uLnTx/>
+                <a:uFillTx/>
+                <a:latin typeface="Segoe UI Semilight" panose="020B0402040204020203" pitchFamily="34" charset="0"/>
+                <a:ea typeface="+mn-ea"/>
+                <a:cs typeface="Segoe UI Semilight" panose="020B0402040204020203" pitchFamily="34" charset="0"/>
+              </a:rPr>
+              <a:t>The Microsoft team responds to the objection.</a:t>
+            </a:r>
+          </a:p>
+          <a:p>
+            <a:pPr marL="342900" marR="0" lvl="0" indent="-342900" algn="l" defTabSz="914400" rtl="0" eaLnBrk="1" fontAlgn="auto" latinLnBrk="0" hangingPunct="1">
+              <a:lnSpc>
+                <a:spcPct val="100000"/>
+              </a:lnSpc>
+              <a:spcBef>
+                <a:spcPts val="0"/>
+              </a:spcBef>
+              <a:spcAft>
+                <a:spcPts val="0"/>
+              </a:spcAft>
+              <a:buClrTx/>
+              <a:buSzTx/>
+              <a:buFont typeface="Arial" panose="020B0604020202020204" pitchFamily="34" charset="0"/>
+              <a:buChar char="•"/>
+              <a:tabLst/>
+              <a:defRPr/>
+            </a:pPr>
+            <a:r>
+              <a:rPr kumimoji="0" lang="en-US" sz="2000" b="0" i="0" u="none" strike="noStrike" kern="1200" cap="none" spc="0" normalizeH="0" baseline="0" noProof="0" dirty="0">
+                <a:ln>
+                  <a:noFill/>
+                </a:ln>
+                <a:solidFill>
+                  <a:srgbClr val="FFFFFF"/>
+                </a:solidFill>
+                <a:effectLst/>
+                <a:uLnTx/>
+                <a:uFillTx/>
+                <a:latin typeface="Segoe UI Semilight" panose="020B0402040204020203" pitchFamily="34" charset="0"/>
+                <a:ea typeface="+mn-ea"/>
+                <a:cs typeface="Segoe UI Semilight" panose="020B0402040204020203" pitchFamily="34" charset="0"/>
+              </a:rPr>
+              <a:t>The customer team gives feedback to the Microsoft team.</a:t>
+            </a:r>
+          </a:p>
+          <a:p>
+            <a:pPr marL="342900" marR="0" lvl="0" indent="-342900" algn="l" defTabSz="914400" rtl="0" eaLnBrk="1" fontAlgn="auto" latinLnBrk="0" hangingPunct="1">
+              <a:lnSpc>
+                <a:spcPct val="100000"/>
+              </a:lnSpc>
+              <a:spcBef>
+                <a:spcPts val="0"/>
+              </a:spcBef>
+              <a:spcAft>
+                <a:spcPts val="0"/>
+              </a:spcAft>
+              <a:buClrTx/>
+              <a:buSzTx/>
+              <a:buFont typeface="Arial" panose="020B0604020202020204" pitchFamily="34" charset="0"/>
+              <a:buChar char="•"/>
+              <a:tabLst/>
+              <a:defRPr/>
+            </a:pPr>
+            <a:r>
+              <a:rPr kumimoji="0" lang="en-US" sz="2000" b="0" i="0" u="none" strike="noStrike" kern="1200" cap="none" spc="0" normalizeH="0" baseline="0" noProof="0" dirty="0">
+                <a:ln>
+                  <a:noFill/>
+                </a:ln>
+                <a:solidFill>
+                  <a:srgbClr val="FFFFFF"/>
+                </a:solidFill>
+                <a:effectLst/>
+                <a:uLnTx/>
+                <a:uFillTx/>
+                <a:latin typeface="Segoe UI Semilight" panose="020B0402040204020203" pitchFamily="34" charset="0"/>
+                <a:ea typeface="+mn-ea"/>
+                <a:cs typeface="Segoe UI Semilight" panose="020B0402040204020203" pitchFamily="34" charset="0"/>
+              </a:rPr>
+              <a:t>Switch roles and repeat Steps 2-6.</a:t>
+            </a:r>
+            <a:endParaRPr kumimoji="0" lang="en-US" sz="2400" b="0" i="0" u="none" strike="noStrike" kern="1200" cap="none" spc="0" normalizeH="0" baseline="0" noProof="0" dirty="0">
+              <a:ln>
+                <a:noFill/>
+              </a:ln>
+              <a:solidFill>
+                <a:srgbClr val="FFFFFF"/>
+              </a:solidFill>
+              <a:effectLst/>
+              <a:uLnTx/>
+              <a:uFillTx/>
+              <a:latin typeface="Segoe UI Semilight" panose="020B0402040204020203" pitchFamily="34" charset="0"/>
+              <a:ea typeface="+mn-ea"/>
+              <a:cs typeface="Segoe UI Semilight" panose="020B0402040204020203" pitchFamily="34" charset="0"/>
+            </a:endParaRPr>
+          </a:p>
+          <a:p>
+            <a:pPr marL="0" marR="0" lvl="0" indent="0" algn="l" defTabSz="914400" rtl="0" eaLnBrk="1" fontAlgn="auto" latinLnBrk="0" hangingPunct="1">
+              <a:lnSpc>
+                <a:spcPct val="90000"/>
+              </a:lnSpc>
+              <a:spcBef>
+                <a:spcPts val="0"/>
+              </a:spcBef>
+              <a:spcAft>
+                <a:spcPts val="600"/>
+              </a:spcAft>
+              <a:buClrTx/>
+              <a:buSzTx/>
+              <a:buFontTx/>
+              <a:buNone/>
+              <a:tabLst/>
+              <a:defRPr/>
+            </a:pPr>
+            <a:endParaRPr kumimoji="0" lang="en-US" sz="2400" b="0" i="0" u="none" strike="noStrike" kern="1200" cap="none" spc="0" normalizeH="0" baseline="0" noProof="0" dirty="0">
+              <a:ln>
+                <a:noFill/>
+              </a:ln>
+              <a:solidFill>
+                <a:srgbClr val="FFFFFF"/>
+              </a:solidFill>
+              <a:effectLst/>
+              <a:uLnTx/>
+              <a:uFillTx/>
+              <a:latin typeface="Segoe UI Semilight" panose="020B0402040204020203" pitchFamily="34" charset="0"/>
+              <a:ea typeface="+mn-ea"/>
+              <a:cs typeface="Segoe UI Semilight" panose="020B0402040204020203" pitchFamily="34" charset="0"/>
+            </a:endParaRPr>
+          </a:p>
+        </p:txBody>
+      </p:sp>
+    </p:spTree>
+    <p:extLst>
+      <p:ext uri="{BB962C8B-B14F-4D97-AF65-F5344CB8AC3E}">
+        <p14:creationId xmlns:p14="http://schemas.microsoft.com/office/powerpoint/2010/main" val="3717261927"/>
+      </p:ext>
+    </p:extLst>
+  </p:cSld>
+  <p:clrMapOvr>
+    <a:masterClrMapping/>
+  </p:clrMapOvr>
+  <mc:AlternateContent xmlns:mc="http://schemas.openxmlformats.org/markup-compatibility/2006" xmlns:p14="http://schemas.microsoft.com/office/powerpoint/2010/main">
+    <mc:Choice Requires="p14">
+      <p:transition p14:dur="0"/>
+    </mc:Choice>
+    <mc:Fallback xmlns="">
+      <p:transition/>
+    </mc:Fallback>
+  </mc:AlternateContent>
+</p:sld>
+</file>
+
+<file path=ppt/slides/slide16.xml><?xml version="1.0" encoding="utf-8"?>
+<p:sld xmlns:a="http://schemas.openxmlformats.org/drawingml/2006/main" xmlns:r="http://schemas.openxmlformats.org/officeDocument/2006/relationships" xmlns:p="http://schemas.openxmlformats.org/presentationml/2006/main">
+  <p:cSld>
+    <p:spTree>
+      <p:nvGrpSpPr>
+        <p:cNvPr id="1" name=""/>
+        <p:cNvGrpSpPr/>
+        <p:nvPr/>
+      </p:nvGrpSpPr>
+      <p:grpSpPr>
+        <a:xfrm>
+          <a:off x="0" y="0"/>
+          <a:ext cx="0" cy="0"/>
+          <a:chOff x="0" y="0"/>
+          <a:chExt cx="0" cy="0"/>
+        </a:xfrm>
+      </p:grpSpPr>
+      <p:sp>
+        <p:nvSpPr>
+          <p:cNvPr id="2" name="Title 1"/>
+          <p:cNvSpPr>
+            <a:spLocks noGrp="1"/>
+          </p:cNvSpPr>
+          <p:nvPr>
+            <p:ph type="title"/>
+          </p:nvPr>
+        </p:nvSpPr>
+        <p:spPr/>
+        <p:txBody>
+          <a:bodyPr>
+            <a:normAutofit/>
+          </a:bodyPr>
+          <a:lstStyle/>
+          <a:p>
+            <a:r>
+              <a:rPr lang="en-US" sz="4400" dirty="0">
+                <a:solidFill>
+                  <a:schemeClr val="tx1"/>
+                </a:solidFill>
+                <a:latin typeface="Segoe UI Light" panose="020B0502040204020203" pitchFamily="34" charset="0"/>
+                <a:cs typeface="Segoe UI Light" panose="020B0502040204020203" pitchFamily="34" charset="0"/>
+              </a:rPr>
               <a:t>Wrap-up</a:t>
             </a:r>
           </a:p>
@@ -22120,7 +22379,7 @@
 </p:sld>
 </file>
 
-<file path=ppt/slides/slide16.xml><?xml version="1.0" encoding="utf-8"?>
+<file path=ppt/slides/slide17.xml><?xml version="1.0" encoding="utf-8"?>
 <p:sld xmlns:a="http://schemas.openxmlformats.org/drawingml/2006/main" xmlns:r="http://schemas.openxmlformats.org/officeDocument/2006/relationships" xmlns:p="http://schemas.openxmlformats.org/presentationml/2006/main">
   <p:cSld>
     <p:bg>
@@ -22229,114 +22488,6 @@
       <p:transition/>
     </mc:Fallback>
   </mc:AlternateContent>
-</p:sld>
-</file>
-
-<file path=ppt/slides/slide17.xml><?xml version="1.0" encoding="utf-8"?>
-<p:sld xmlns:a="http://schemas.openxmlformats.org/drawingml/2006/main" xmlns:r="http://schemas.openxmlformats.org/officeDocument/2006/relationships" xmlns:p="http://schemas.openxmlformats.org/presentationml/2006/main">
-  <p:cSld>
-    <p:bg>
-      <p:bgPr>
-        <a:solidFill>
-          <a:srgbClr val="0078D7"/>
-        </a:solidFill>
-        <a:effectLst/>
-      </p:bgPr>
-    </p:bg>
-    <p:spTree>
-      <p:nvGrpSpPr>
-        <p:cNvPr id="1" name=""/>
-        <p:cNvGrpSpPr/>
-        <p:nvPr/>
-      </p:nvGrpSpPr>
-      <p:grpSpPr>
-        <a:xfrm>
-          <a:off x="0" y="0"/>
-          <a:ext cx="0" cy="0"/>
-          <a:chOff x="0" y="0"/>
-          <a:chExt cx="0" cy="0"/>
-        </a:xfrm>
-      </p:grpSpPr>
-      <p:sp>
-        <p:nvSpPr>
-          <p:cNvPr id="2" name="Title 1"/>
-          <p:cNvSpPr>
-            <a:spLocks noGrp="1"/>
-          </p:cNvSpPr>
-          <p:nvPr>
-            <p:ph type="title"/>
-          </p:nvPr>
-        </p:nvSpPr>
-        <p:spPr/>
-        <p:txBody>
-          <a:bodyPr/>
-          <a:lstStyle/>
-          <a:p>
-            <a:r>
-              <a:rPr lang="en-US" dirty="0"/>
-              <a:t>Solution Outcome 1</a:t>
-            </a:r>
-          </a:p>
-        </p:txBody>
-      </p:sp>
-      <p:sp>
-        <p:nvSpPr>
-          <p:cNvPr id="4" name="Text Placeholder 3">
-            <a:extLst>
-              <a:ext uri="{FF2B5EF4-FFF2-40B4-BE49-F238E27FC236}">
-                <a16:creationId xmlns:a16="http://schemas.microsoft.com/office/drawing/2014/main" id="{36E9075A-B9AD-4E5B-9193-F34DB65D2D3A}"/>
-              </a:ext>
-            </a:extLst>
-          </p:cNvPr>
-          <p:cNvSpPr>
-            <a:spLocks noGrp="1"/>
-          </p:cNvSpPr>
-          <p:nvPr>
-            <p:ph type="body" sz="quarter" idx="10"/>
-          </p:nvPr>
-        </p:nvSpPr>
-        <p:spPr>
-          <a:xfrm>
-            <a:off x="269239" y="1189177"/>
-            <a:ext cx="6248917" cy="1329595"/>
-          </a:xfrm>
-        </p:spPr>
-        <p:txBody>
-          <a:bodyPr/>
-          <a:lstStyle/>
-          <a:p>
-            <a:r>
-              <a:rPr lang="en-IE" sz="2400" dirty="0"/>
-              <a:t>?</a:t>
-            </a:r>
-          </a:p>
-          <a:p>
-            <a:r>
-              <a:rPr lang="en-IE" sz="2400" dirty="0"/>
-              <a:t>?</a:t>
-            </a:r>
-          </a:p>
-          <a:p>
-            <a:r>
-              <a:rPr lang="en-IE" sz="2400" dirty="0"/>
-              <a:t>?</a:t>
-            </a:r>
-          </a:p>
-        </p:txBody>
-      </p:sp>
-    </p:spTree>
-    <p:extLst>
-      <p:ext uri="{BB962C8B-B14F-4D97-AF65-F5344CB8AC3E}">
-        <p14:creationId xmlns:p14="http://schemas.microsoft.com/office/powerpoint/2010/main" val="1255810186"/>
-      </p:ext>
-    </p:extLst>
-  </p:cSld>
-  <p:clrMapOvr>
-    <a:masterClrMapping/>
-  </p:clrMapOvr>
-  <p:transition>
-    <p:fade/>
-  </p:transition>
 </p:sld>
 </file>
 
@@ -22382,7 +22533,7 @@
           <a:p>
             <a:r>
               <a:rPr lang="en-US" dirty="0"/>
-              <a:t>Solution Outcome 2</a:t>
+              <a:t>Solution Outcome 1</a:t>
             </a:r>
           </a:p>
         </p:txBody>
@@ -22435,7 +22586,7 @@
     </p:spTree>
     <p:extLst>
       <p:ext uri="{BB962C8B-B14F-4D97-AF65-F5344CB8AC3E}">
-        <p14:creationId xmlns:p14="http://schemas.microsoft.com/office/powerpoint/2010/main" val="1801370842"/>
+        <p14:creationId xmlns:p14="http://schemas.microsoft.com/office/powerpoint/2010/main" val="1255810186"/>
       </p:ext>
     </p:extLst>
   </p:cSld>
@@ -22490,14 +22641,20 @@
           <a:p>
             <a:r>
               <a:rPr lang="en-US" dirty="0"/>
-              <a:t>Customer objections</a:t>
+              <a:t>Solution Outcome 2</a:t>
             </a:r>
           </a:p>
         </p:txBody>
       </p:sp>
       <p:sp>
         <p:nvSpPr>
-          <p:cNvPr id="3" name="Content Placeholder 2"/>
+          <p:cNvPr id="4" name="Text Placeholder 3">
+            <a:extLst>
+              <a:ext uri="{FF2B5EF4-FFF2-40B4-BE49-F238E27FC236}">
+                <a16:creationId xmlns:a16="http://schemas.microsoft.com/office/drawing/2014/main" id="{36E9075A-B9AD-4E5B-9193-F34DB65D2D3A}"/>
+              </a:ext>
+            </a:extLst>
+          </p:cNvPr>
           <p:cNvSpPr>
             <a:spLocks noGrp="1"/>
           </p:cNvSpPr>
@@ -22508,67 +22665,27 @@
         <p:spPr>
           <a:xfrm>
             <a:off x="269239" y="1189177"/>
-            <a:ext cx="11653523" cy="2697662"/>
+            <a:ext cx="6248917" cy="1329595"/>
           </a:xfrm>
         </p:spPr>
         <p:txBody>
           <a:bodyPr/>
           <a:lstStyle/>
           <a:p>
-            <a:pPr lvl="0"/>
-            <a:r>
-              <a:rPr lang="en-US" sz="3600" dirty="0">
-                <a:latin typeface="Segoe UI Semibold" panose="020B0702040204020203" pitchFamily="34" charset="0"/>
-                <a:cs typeface="Segoe UI Semibold" panose="020B0702040204020203" pitchFamily="34" charset="0"/>
-              </a:rPr>
-              <a:t>Objection</a:t>
-            </a:r>
-            <a:r>
-              <a:rPr lang="en-US" sz="3600" dirty="0"/>
-              <a:t> </a:t>
-            </a:r>
-          </a:p>
-          <a:p>
-            <a:r>
-              <a:rPr lang="en-US" sz="2400" dirty="0">
-                <a:latin typeface="+mn-lt"/>
-              </a:rPr>
+            <a:r>
+              <a:rPr lang="en-IE" sz="2400" dirty="0"/>
               <a:t>?</a:t>
             </a:r>
           </a:p>
           <a:p>
-            <a:endParaRPr lang="en-US" sz="1100" dirty="0"/>
-          </a:p>
-          <a:p>
-            <a:r>
-              <a:rPr lang="en-US" sz="3600" dirty="0">
-                <a:latin typeface="Segoe UI Semibold" panose="020B0702040204020203" pitchFamily="34" charset="0"/>
-                <a:cs typeface="Segoe UI Semibold" panose="020B0702040204020203" pitchFamily="34" charset="0"/>
-              </a:rPr>
-              <a:t>Potential answer</a:t>
-            </a:r>
-          </a:p>
-          <a:p>
-            <a:pPr marL="342900" indent="-342900">
-              <a:buFont typeface="Arial" panose="020B0604020202020204" pitchFamily="34" charset="0"/>
-              <a:buChar char="•"/>
-            </a:pPr>
-            <a:r>
-              <a:rPr lang="en-US" sz="2400" dirty="0">
-                <a:latin typeface="+mn-lt"/>
-              </a:rPr>
+            <a:r>
+              <a:rPr lang="en-IE" sz="2400" dirty="0"/>
               <a:t>?</a:t>
             </a:r>
           </a:p>
           <a:p>
-            <a:pPr marL="342900" indent="-342900">
-              <a:buFont typeface="Arial" panose="020B0604020202020204" pitchFamily="34" charset="0"/>
-              <a:buChar char="•"/>
-            </a:pPr>
-            <a:r>
-              <a:rPr lang="en-US" sz="2400" dirty="0">
-                <a:latin typeface="+mn-lt"/>
-              </a:rPr>
+            <a:r>
+              <a:rPr lang="en-IE" sz="2400" dirty="0"/>
               <a:t>?</a:t>
             </a:r>
           </a:p>
@@ -22577,7 +22694,7 @@
     </p:spTree>
     <p:extLst>
       <p:ext uri="{BB962C8B-B14F-4D97-AF65-F5344CB8AC3E}">
-        <p14:creationId xmlns:p14="http://schemas.microsoft.com/office/powerpoint/2010/main" val="2015943278"/>
+        <p14:creationId xmlns:p14="http://schemas.microsoft.com/office/powerpoint/2010/main" val="1801370842"/>
       </p:ext>
     </p:extLst>
   </p:cSld>
@@ -22761,6 +22878,148 @@
           <a:p>
             <a:r>
               <a:rPr lang="en-US" dirty="0"/>
+              <a:t>Customer objections</a:t>
+            </a:r>
+          </a:p>
+        </p:txBody>
+      </p:sp>
+      <p:sp>
+        <p:nvSpPr>
+          <p:cNvPr id="3" name="Content Placeholder 2"/>
+          <p:cNvSpPr>
+            <a:spLocks noGrp="1"/>
+          </p:cNvSpPr>
+          <p:nvPr>
+            <p:ph type="body" sz="quarter" idx="10"/>
+          </p:nvPr>
+        </p:nvSpPr>
+        <p:spPr>
+          <a:xfrm>
+            <a:off x="269239" y="1189177"/>
+            <a:ext cx="11653523" cy="2697662"/>
+          </a:xfrm>
+        </p:spPr>
+        <p:txBody>
+          <a:bodyPr/>
+          <a:lstStyle/>
+          <a:p>
+            <a:pPr lvl="0"/>
+            <a:r>
+              <a:rPr lang="en-US" sz="3600" dirty="0">
+                <a:latin typeface="Segoe UI Semibold" panose="020B0702040204020203" pitchFamily="34" charset="0"/>
+                <a:cs typeface="Segoe UI Semibold" panose="020B0702040204020203" pitchFamily="34" charset="0"/>
+              </a:rPr>
+              <a:t>Objection</a:t>
+            </a:r>
+            <a:r>
+              <a:rPr lang="en-US" sz="3600" dirty="0"/>
+              <a:t> </a:t>
+            </a:r>
+          </a:p>
+          <a:p>
+            <a:r>
+              <a:rPr lang="en-US" sz="2400" dirty="0">
+                <a:latin typeface="+mn-lt"/>
+              </a:rPr>
+              <a:t>?</a:t>
+            </a:r>
+          </a:p>
+          <a:p>
+            <a:endParaRPr lang="en-US" sz="1100" dirty="0"/>
+          </a:p>
+          <a:p>
+            <a:r>
+              <a:rPr lang="en-US" sz="3600" dirty="0">
+                <a:latin typeface="Segoe UI Semibold" panose="020B0702040204020203" pitchFamily="34" charset="0"/>
+                <a:cs typeface="Segoe UI Semibold" panose="020B0702040204020203" pitchFamily="34" charset="0"/>
+              </a:rPr>
+              <a:t>Potential answer</a:t>
+            </a:r>
+          </a:p>
+          <a:p>
+            <a:pPr marL="342900" indent="-342900">
+              <a:buFont typeface="Arial" panose="020B0604020202020204" pitchFamily="34" charset="0"/>
+              <a:buChar char="•"/>
+            </a:pPr>
+            <a:r>
+              <a:rPr lang="en-US" sz="2400" dirty="0">
+                <a:latin typeface="+mn-lt"/>
+              </a:rPr>
+              <a:t>?</a:t>
+            </a:r>
+          </a:p>
+          <a:p>
+            <a:pPr marL="342900" indent="-342900">
+              <a:buFont typeface="Arial" panose="020B0604020202020204" pitchFamily="34" charset="0"/>
+              <a:buChar char="•"/>
+            </a:pPr>
+            <a:r>
+              <a:rPr lang="en-US" sz="2400" dirty="0">
+                <a:latin typeface="+mn-lt"/>
+              </a:rPr>
+              <a:t>?</a:t>
+            </a:r>
+          </a:p>
+        </p:txBody>
+      </p:sp>
+    </p:spTree>
+    <p:extLst>
+      <p:ext uri="{BB962C8B-B14F-4D97-AF65-F5344CB8AC3E}">
+        <p14:creationId xmlns:p14="http://schemas.microsoft.com/office/powerpoint/2010/main" val="2015943278"/>
+      </p:ext>
+    </p:extLst>
+  </p:cSld>
+  <p:clrMapOvr>
+    <a:masterClrMapping/>
+  </p:clrMapOvr>
+  <p:transition>
+    <p:fade/>
+  </p:transition>
+</p:sld>
+</file>
+
+<file path=ppt/slides/slide21.xml><?xml version="1.0" encoding="utf-8"?>
+<p:sld xmlns:a="http://schemas.openxmlformats.org/drawingml/2006/main" xmlns:r="http://schemas.openxmlformats.org/officeDocument/2006/relationships" xmlns:p="http://schemas.openxmlformats.org/presentationml/2006/main">
+  <p:cSld>
+    <p:bg>
+      <p:bgPr>
+        <a:solidFill>
+          <a:srgbClr val="0078D7"/>
+        </a:solidFill>
+        <a:effectLst/>
+      </p:bgPr>
+    </p:bg>
+    <p:spTree>
+      <p:nvGrpSpPr>
+        <p:cNvPr id="1" name=""/>
+        <p:cNvGrpSpPr/>
+        <p:nvPr/>
+      </p:nvGrpSpPr>
+      <p:grpSpPr>
+        <a:xfrm>
+          <a:off x="0" y="0"/>
+          <a:ext cx="0" cy="0"/>
+          <a:chOff x="0" y="0"/>
+          <a:chExt cx="0" cy="0"/>
+        </a:xfrm>
+      </p:grpSpPr>
+      <p:sp>
+        <p:nvSpPr>
+          <p:cNvPr id="2" name="Title 1"/>
+          <p:cNvSpPr>
+            <a:spLocks noGrp="1"/>
+          </p:cNvSpPr>
+          <p:nvPr>
+            <p:ph type="title"/>
+          </p:nvPr>
+        </p:nvSpPr>
+        <p:spPr/>
+        <p:txBody>
+          <a:bodyPr/>
+          <a:lstStyle/>
+          <a:p>
+            <a:r>
+              <a:rPr lang="en-US" dirty="0"/>
               <a:t>Customer quote</a:t>
             </a:r>
           </a:p>
@@ -23170,7 +23429,7 @@
         <p:spPr>
           <a:xfrm>
             <a:off x="269239" y="1189177"/>
-            <a:ext cx="11653523" cy="1520416"/>
+            <a:ext cx="11653523" cy="4407360"/>
           </a:xfrm>
         </p:spPr>
         <p:txBody>
@@ -23179,19 +23438,31 @@
           <a:p>
             <a:r>
               <a:rPr lang="en-US" sz="2800" dirty="0"/>
-              <a:t>?</a:t>
+              <a:t>Tailspin Toys is a global manufacturer of children’s toys headquartered in Milwaukee, WI</a:t>
             </a:r>
           </a:p>
           <a:p>
             <a:r>
               <a:rPr lang="en-US" sz="2800" dirty="0"/>
-              <a:t>?</a:t>
+              <a:t>They are currently hosting mission critical workloads in on-premises datacenter</a:t>
             </a:r>
           </a:p>
           <a:p>
             <a:r>
               <a:rPr lang="en-US" sz="2800" dirty="0"/>
-              <a:t>?</a:t>
+              <a:t>Kaylee Frye, CTO of Tailspin, has already had their Technical Architects create an assessment of their current environment, of which they’ve already identified apps and workloads to migrate first.</a:t>
+            </a:r>
+          </a:p>
+          <a:p>
+            <a:r>
+              <a:rPr lang="en-US" sz="2800" dirty="0"/>
+              <a:t>Their workloads are primarily Windows Server and SQL Server VMs</a:t>
+            </a:r>
+          </a:p>
+          <a:p>
+            <a:r>
+              <a:rPr lang="en-US" sz="2800" dirty="0"/>
+              <a:t>Their on-premises environment consists of over 250 servers and VMs and are hosted using Hyper-V</a:t>
             </a:r>
           </a:p>
         </p:txBody>
@@ -23272,7 +23543,7 @@
         <p:spPr>
           <a:xfrm>
             <a:off x="269239" y="1189177"/>
-            <a:ext cx="11653523" cy="1520416"/>
+            <a:ext cx="11653523" cy="2209836"/>
           </a:xfrm>
         </p:spPr>
         <p:txBody>
@@ -23281,19 +23552,14 @@
           <a:p>
             <a:r>
               <a:rPr lang="en-US" sz="2800" dirty="0"/>
-              <a:t>?</a:t>
-            </a:r>
+              <a:t>They’ve identified some initial workloads they’d like to migrate first including Window Server VMs hosting .NET Framework applications and SQL Server databases.</a:t>
+            </a:r>
+            <a:endParaRPr lang="en-US" sz="1232" dirty="0"/>
           </a:p>
           <a:p>
             <a:r>
               <a:rPr lang="en-US" sz="2800" dirty="0"/>
-              <a:t>?</a:t>
-            </a:r>
-          </a:p>
-          <a:p>
-            <a:r>
-              <a:rPr lang="en-US" sz="2800" dirty="0"/>
-              <a:t>?</a:t>
+              <a:t>They’ve also identifies some additional workloads that will remain on-premises but would like to ease their management burden.</a:t>
             </a:r>
           </a:p>
         </p:txBody>
@@ -23650,7 +23916,7 @@
         <p:spPr>
           <a:xfrm>
             <a:off x="269239" y="1189177"/>
-            <a:ext cx="11653523" cy="2252924"/>
+            <a:ext cx="11653523" cy="3139321"/>
           </a:xfrm>
         </p:spPr>
         <p:txBody>
@@ -23663,7 +23929,7 @@
             </a:pPr>
             <a:r>
               <a:rPr lang="en-US" sz="3200" dirty="0"/>
-              <a:t>?</a:t>
+              <a:t>Migrate existing workloads to Azure as efficiently as possible.</a:t>
             </a:r>
           </a:p>
           <a:p>
@@ -23673,7 +23939,7 @@
             </a:pPr>
             <a:r>
               <a:rPr lang="en-US" sz="3200" dirty="0"/>
-              <a:t>?</a:t>
+              <a:t>Lower the management burden with a consolidated view to manage VMs and Servers across Azure and on-premises</a:t>
             </a:r>
           </a:p>
           <a:p>
@@ -23683,7 +23949,7 @@
             </a:pPr>
             <a:r>
               <a:rPr lang="en-US" sz="3200" dirty="0"/>
-              <a:t>?</a:t>
+              <a:t>Network security is extremely important as we integrate on-premises networking with Microsoft Azure</a:t>
             </a:r>
           </a:p>
           <a:p>
@@ -23708,7 +23974,7 @@
 </file>
 
 <file path=ppt/slides/slide9.xml><?xml version="1.0" encoding="utf-8"?>
-<p:sld xmlns:a="http://schemas.openxmlformats.org/drawingml/2006/main" xmlns:r="http://schemas.openxmlformats.org/officeDocument/2006/relationships" xmlns:p="http://schemas.openxmlformats.org/presentationml/2006/main">
+<p:sld xmlns:a="http://schemas.openxmlformats.org/drawingml/2006/main" xmlns:r="http://schemas.openxmlformats.org/officeDocument/2006/relationships" xmlns:p="http://schemas.openxmlformats.org/presentationml/2006/main" show="0">
   <p:cSld>
     <p:bg>
       <p:bgPr>
@@ -25005,21 +25271,21 @@
 </file>
 
 <file path=customXml/item1.xml><?xml version="1.0" encoding="utf-8"?>
+<?mso-contentType ?>
+<FormTemplates xmlns="http://schemas.microsoft.com/sharepoint/v3/contenttype/forms">
+  <Display>DocumentLibraryForm</Display>
+  <Edit>DocumentLibraryForm</Edit>
+  <New>DocumentLibraryForm</New>
+</FormTemplates>
+</file>
+
+<file path=customXml/item2.xml><?xml version="1.0" encoding="utf-8"?>
 <p:properties xmlns:p="http://schemas.microsoft.com/office/2006/metadata/properties" xmlns:xsi="http://www.w3.org/2001/XMLSchema-instance" xmlns:pc="http://schemas.microsoft.com/office/infopath/2007/PartnerControls">
   <documentManagement>
     <_ip_UnifiedCompliancePolicyUIAction xmlns="http://schemas.microsoft.com/sharepoint/v3" xsi:nil="true"/>
     <_ip_UnifiedCompliancePolicyProperties xmlns="http://schemas.microsoft.com/sharepoint/v3" xsi:nil="true"/>
   </documentManagement>
 </p:properties>
-</file>
-
-<file path=customXml/item2.xml><?xml version="1.0" encoding="utf-8"?>
-<?mso-contentType ?>
-<FormTemplates xmlns="http://schemas.microsoft.com/sharepoint/v3/contenttype/forms">
-  <Display>DocumentLibraryForm</Display>
-  <Edit>DocumentLibraryForm</Edit>
-  <New>DocumentLibraryForm</New>
-</FormTemplates>
 </file>
 
 <file path=customXml/item3.xml><?xml version="1.0" encoding="utf-8"?>
@@ -25225,6 +25491,14 @@
 </file>
 
 <file path=customXml/itemProps1.xml><?xml version="1.0" encoding="utf-8"?>
+<ds:datastoreItem xmlns:ds="http://schemas.openxmlformats.org/officeDocument/2006/customXml" ds:itemID="{D5A22677-9165-4AB6-9580-CE94CCD209C5}">
+  <ds:schemaRefs>
+    <ds:schemaRef ds:uri="http://schemas.microsoft.com/sharepoint/v3/contenttype/forms"/>
+  </ds:schemaRefs>
+</ds:datastoreItem>
+</file>
+
+<file path=customXml/itemProps2.xml><?xml version="1.0" encoding="utf-8"?>
 <ds:datastoreItem xmlns:ds="http://schemas.openxmlformats.org/officeDocument/2006/customXml" ds:itemID="{7D07577D-30E5-48FB-B81C-E1B9EAC126B5}">
   <ds:schemaRefs>
     <ds:schemaRef ds:uri="http://schemas.openxmlformats.org/package/2006/metadata/core-properties"/>
@@ -25238,14 +25512,6 @@
     <ds:schemaRef ds:uri="http://schemas.microsoft.com/office/2006/metadata/properties"/>
     <ds:schemaRef ds:uri="http://www.w3.org/XML/1998/namespace"/>
     <ds:schemaRef ds:uri="http://purl.org/dc/dcmitype/"/>
-  </ds:schemaRefs>
-</ds:datastoreItem>
-</file>
-
-<file path=customXml/itemProps2.xml><?xml version="1.0" encoding="utf-8"?>
-<ds:datastoreItem xmlns:ds="http://schemas.openxmlformats.org/officeDocument/2006/customXml" ds:itemID="{D5A22677-9165-4AB6-9580-CE94CCD209C5}">
-  <ds:schemaRefs>
-    <ds:schemaRef ds:uri="http://schemas.microsoft.com/sharepoint/v3/contenttype/forms"/>
   </ds:schemaRefs>
 </ds:datastoreItem>
 </file>

--- a/Whiteboard design session/WDS trainer presentation - Building the business migration case with Windows Server and SQL Server.pptx
+++ b/Whiteboard design session/WDS trainer presentation - Building the business migration case with Windows Server and SQL Server.pptx
@@ -7,7 +7,7 @@
     <p:sldMasterId id="2147483700" r:id="rId6"/>
   </p:sldMasterIdLst>
   <p:notesMasterIdLst>
-    <p:notesMasterId r:id="rId28"/>
+    <p:notesMasterId r:id="rId32"/>
   </p:notesMasterIdLst>
   <p:sldIdLst>
     <p:sldId id="397" r:id="rId7"/>
@@ -30,7 +30,11 @@
     <p:sldId id="333" r:id="rId24"/>
     <p:sldId id="2080" r:id="rId25"/>
     <p:sldId id="336" r:id="rId26"/>
-    <p:sldId id="281" r:id="rId27"/>
+    <p:sldId id="2086" r:id="rId27"/>
+    <p:sldId id="2085" r:id="rId28"/>
+    <p:sldId id="2084" r:id="rId29"/>
+    <p:sldId id="2083" r:id="rId30"/>
+    <p:sldId id="281" r:id="rId31"/>
   </p:sldIdLst>
   <p:sldSz cx="12192000" cy="6858000"/>
   <p:notesSz cx="6858000" cy="9144000"/>
@@ -1953,6 +1957,342 @@
             <a:fld id="{148D4592-6837-45C4-B65B-13E03ECAF0B2}" type="slidenum">
               <a:rPr lang="en-US" smtClean="0"/>
               <a:t>21</a:t>
+            </a:fld>
+            <a:endParaRPr lang="en-US" dirty="0"/>
+          </a:p>
+        </p:txBody>
+      </p:sp>
+    </p:spTree>
+    <p:extLst>
+      <p:ext uri="{BB962C8B-B14F-4D97-AF65-F5344CB8AC3E}">
+        <p14:creationId xmlns:p14="http://schemas.microsoft.com/office/powerpoint/2010/main" val="4146053369"/>
+      </p:ext>
+    </p:extLst>
+  </p:cSld>
+  <p:clrMapOvr>
+    <a:masterClrMapping/>
+  </p:clrMapOvr>
+</p:notes>
+</file>
+
+<file path=ppt/notesSlides/notesSlide22.xml><?xml version="1.0" encoding="utf-8"?>
+<p:notes xmlns:a="http://schemas.openxmlformats.org/drawingml/2006/main" xmlns:r="http://schemas.openxmlformats.org/officeDocument/2006/relationships" xmlns:p="http://schemas.openxmlformats.org/presentationml/2006/main">
+  <p:cSld>
+    <p:spTree>
+      <p:nvGrpSpPr>
+        <p:cNvPr id="1" name=""/>
+        <p:cNvGrpSpPr/>
+        <p:nvPr/>
+      </p:nvGrpSpPr>
+      <p:grpSpPr>
+        <a:xfrm>
+          <a:off x="0" y="0"/>
+          <a:ext cx="0" cy="0"/>
+          <a:chOff x="0" y="0"/>
+          <a:chExt cx="0" cy="0"/>
+        </a:xfrm>
+      </p:grpSpPr>
+      <p:sp>
+        <p:nvSpPr>
+          <p:cNvPr id="2" name="Slide Image Placeholder 1"/>
+          <p:cNvSpPr>
+            <a:spLocks noGrp="1" noRot="1" noChangeAspect="1"/>
+          </p:cNvSpPr>
+          <p:nvPr>
+            <p:ph type="sldImg"/>
+          </p:nvPr>
+        </p:nvSpPr>
+        <p:spPr/>
+      </p:sp>
+      <p:sp>
+        <p:nvSpPr>
+          <p:cNvPr id="3" name="Notes Placeholder 2"/>
+          <p:cNvSpPr>
+            <a:spLocks noGrp="1"/>
+          </p:cNvSpPr>
+          <p:nvPr>
+            <p:ph type="body" idx="1"/>
+          </p:nvPr>
+        </p:nvSpPr>
+        <p:spPr/>
+        <p:txBody>
+          <a:bodyPr/>
+          <a:lstStyle/>
+          <a:p>
+            <a:endParaRPr lang="en-US" dirty="0"/>
+          </a:p>
+        </p:txBody>
+      </p:sp>
+      <p:sp>
+        <p:nvSpPr>
+          <p:cNvPr id="4" name="Slide Number Placeholder 3"/>
+          <p:cNvSpPr>
+            <a:spLocks noGrp="1"/>
+          </p:cNvSpPr>
+          <p:nvPr>
+            <p:ph type="sldNum" sz="quarter" idx="10"/>
+          </p:nvPr>
+        </p:nvSpPr>
+        <p:spPr/>
+        <p:txBody>
+          <a:bodyPr/>
+          <a:lstStyle/>
+          <a:p>
+            <a:fld id="{148D4592-6837-45C4-B65B-13E03ECAF0B2}" type="slidenum">
+              <a:rPr lang="en-US" smtClean="0"/>
+              <a:t>22</a:t>
+            </a:fld>
+            <a:endParaRPr lang="en-US" dirty="0"/>
+          </a:p>
+        </p:txBody>
+      </p:sp>
+    </p:spTree>
+    <p:extLst>
+      <p:ext uri="{BB962C8B-B14F-4D97-AF65-F5344CB8AC3E}">
+        <p14:creationId xmlns:p14="http://schemas.microsoft.com/office/powerpoint/2010/main" val="721195375"/>
+      </p:ext>
+    </p:extLst>
+  </p:cSld>
+  <p:clrMapOvr>
+    <a:masterClrMapping/>
+  </p:clrMapOvr>
+</p:notes>
+</file>
+
+<file path=ppt/notesSlides/notesSlide23.xml><?xml version="1.0" encoding="utf-8"?>
+<p:notes xmlns:a="http://schemas.openxmlformats.org/drawingml/2006/main" xmlns:r="http://schemas.openxmlformats.org/officeDocument/2006/relationships" xmlns:p="http://schemas.openxmlformats.org/presentationml/2006/main">
+  <p:cSld>
+    <p:spTree>
+      <p:nvGrpSpPr>
+        <p:cNvPr id="1" name=""/>
+        <p:cNvGrpSpPr/>
+        <p:nvPr/>
+      </p:nvGrpSpPr>
+      <p:grpSpPr>
+        <a:xfrm>
+          <a:off x="0" y="0"/>
+          <a:ext cx="0" cy="0"/>
+          <a:chOff x="0" y="0"/>
+          <a:chExt cx="0" cy="0"/>
+        </a:xfrm>
+      </p:grpSpPr>
+      <p:sp>
+        <p:nvSpPr>
+          <p:cNvPr id="2" name="Slide Image Placeholder 1"/>
+          <p:cNvSpPr>
+            <a:spLocks noGrp="1" noRot="1" noChangeAspect="1"/>
+          </p:cNvSpPr>
+          <p:nvPr>
+            <p:ph type="sldImg"/>
+          </p:nvPr>
+        </p:nvSpPr>
+        <p:spPr/>
+      </p:sp>
+      <p:sp>
+        <p:nvSpPr>
+          <p:cNvPr id="3" name="Notes Placeholder 2"/>
+          <p:cNvSpPr>
+            <a:spLocks noGrp="1"/>
+          </p:cNvSpPr>
+          <p:nvPr>
+            <p:ph type="body" idx="1"/>
+          </p:nvPr>
+        </p:nvSpPr>
+        <p:spPr/>
+        <p:txBody>
+          <a:bodyPr/>
+          <a:lstStyle/>
+          <a:p>
+            <a:endParaRPr lang="en-US" dirty="0"/>
+          </a:p>
+        </p:txBody>
+      </p:sp>
+      <p:sp>
+        <p:nvSpPr>
+          <p:cNvPr id="4" name="Slide Number Placeholder 3"/>
+          <p:cNvSpPr>
+            <a:spLocks noGrp="1"/>
+          </p:cNvSpPr>
+          <p:nvPr>
+            <p:ph type="sldNum" sz="quarter" idx="10"/>
+          </p:nvPr>
+        </p:nvSpPr>
+        <p:spPr/>
+        <p:txBody>
+          <a:bodyPr/>
+          <a:lstStyle/>
+          <a:p>
+            <a:fld id="{148D4592-6837-45C4-B65B-13E03ECAF0B2}" type="slidenum">
+              <a:rPr lang="en-US" smtClean="0"/>
+              <a:t>23</a:t>
+            </a:fld>
+            <a:endParaRPr lang="en-US" dirty="0"/>
+          </a:p>
+        </p:txBody>
+      </p:sp>
+    </p:spTree>
+    <p:extLst>
+      <p:ext uri="{BB962C8B-B14F-4D97-AF65-F5344CB8AC3E}">
+        <p14:creationId xmlns:p14="http://schemas.microsoft.com/office/powerpoint/2010/main" val="3679791561"/>
+      </p:ext>
+    </p:extLst>
+  </p:cSld>
+  <p:clrMapOvr>
+    <a:masterClrMapping/>
+  </p:clrMapOvr>
+</p:notes>
+</file>
+
+<file path=ppt/notesSlides/notesSlide24.xml><?xml version="1.0" encoding="utf-8"?>
+<p:notes xmlns:a="http://schemas.openxmlformats.org/drawingml/2006/main" xmlns:r="http://schemas.openxmlformats.org/officeDocument/2006/relationships" xmlns:p="http://schemas.openxmlformats.org/presentationml/2006/main">
+  <p:cSld>
+    <p:spTree>
+      <p:nvGrpSpPr>
+        <p:cNvPr id="1" name=""/>
+        <p:cNvGrpSpPr/>
+        <p:nvPr/>
+      </p:nvGrpSpPr>
+      <p:grpSpPr>
+        <a:xfrm>
+          <a:off x="0" y="0"/>
+          <a:ext cx="0" cy="0"/>
+          <a:chOff x="0" y="0"/>
+          <a:chExt cx="0" cy="0"/>
+        </a:xfrm>
+      </p:grpSpPr>
+      <p:sp>
+        <p:nvSpPr>
+          <p:cNvPr id="2" name="Slide Image Placeholder 1"/>
+          <p:cNvSpPr>
+            <a:spLocks noGrp="1" noRot="1" noChangeAspect="1"/>
+          </p:cNvSpPr>
+          <p:nvPr>
+            <p:ph type="sldImg"/>
+          </p:nvPr>
+        </p:nvSpPr>
+        <p:spPr/>
+      </p:sp>
+      <p:sp>
+        <p:nvSpPr>
+          <p:cNvPr id="3" name="Notes Placeholder 2"/>
+          <p:cNvSpPr>
+            <a:spLocks noGrp="1"/>
+          </p:cNvSpPr>
+          <p:nvPr>
+            <p:ph type="body" idx="1"/>
+          </p:nvPr>
+        </p:nvSpPr>
+        <p:spPr/>
+        <p:txBody>
+          <a:bodyPr/>
+          <a:lstStyle/>
+          <a:p>
+            <a:endParaRPr lang="en-US" dirty="0"/>
+          </a:p>
+        </p:txBody>
+      </p:sp>
+      <p:sp>
+        <p:nvSpPr>
+          <p:cNvPr id="4" name="Slide Number Placeholder 3"/>
+          <p:cNvSpPr>
+            <a:spLocks noGrp="1"/>
+          </p:cNvSpPr>
+          <p:nvPr>
+            <p:ph type="sldNum" sz="quarter" idx="10"/>
+          </p:nvPr>
+        </p:nvSpPr>
+        <p:spPr/>
+        <p:txBody>
+          <a:bodyPr/>
+          <a:lstStyle/>
+          <a:p>
+            <a:fld id="{148D4592-6837-45C4-B65B-13E03ECAF0B2}" type="slidenum">
+              <a:rPr lang="en-US" smtClean="0"/>
+              <a:t>24</a:t>
+            </a:fld>
+            <a:endParaRPr lang="en-US" dirty="0"/>
+          </a:p>
+        </p:txBody>
+      </p:sp>
+    </p:spTree>
+    <p:extLst>
+      <p:ext uri="{BB962C8B-B14F-4D97-AF65-F5344CB8AC3E}">
+        <p14:creationId xmlns:p14="http://schemas.microsoft.com/office/powerpoint/2010/main" val="1977273078"/>
+      </p:ext>
+    </p:extLst>
+  </p:cSld>
+  <p:clrMapOvr>
+    <a:masterClrMapping/>
+  </p:clrMapOvr>
+</p:notes>
+</file>
+
+<file path=ppt/notesSlides/notesSlide25.xml><?xml version="1.0" encoding="utf-8"?>
+<p:notes xmlns:a="http://schemas.openxmlformats.org/drawingml/2006/main" xmlns:r="http://schemas.openxmlformats.org/officeDocument/2006/relationships" xmlns:p="http://schemas.openxmlformats.org/presentationml/2006/main">
+  <p:cSld>
+    <p:spTree>
+      <p:nvGrpSpPr>
+        <p:cNvPr id="1" name=""/>
+        <p:cNvGrpSpPr/>
+        <p:nvPr/>
+      </p:nvGrpSpPr>
+      <p:grpSpPr>
+        <a:xfrm>
+          <a:off x="0" y="0"/>
+          <a:ext cx="0" cy="0"/>
+          <a:chOff x="0" y="0"/>
+          <a:chExt cx="0" cy="0"/>
+        </a:xfrm>
+      </p:grpSpPr>
+      <p:sp>
+        <p:nvSpPr>
+          <p:cNvPr id="2" name="Slide Image Placeholder 1"/>
+          <p:cNvSpPr>
+            <a:spLocks noGrp="1" noRot="1" noChangeAspect="1"/>
+          </p:cNvSpPr>
+          <p:nvPr>
+            <p:ph type="sldImg"/>
+          </p:nvPr>
+        </p:nvSpPr>
+        <p:spPr/>
+      </p:sp>
+      <p:sp>
+        <p:nvSpPr>
+          <p:cNvPr id="3" name="Notes Placeholder 2"/>
+          <p:cNvSpPr>
+            <a:spLocks noGrp="1"/>
+          </p:cNvSpPr>
+          <p:nvPr>
+            <p:ph type="body" idx="1"/>
+          </p:nvPr>
+        </p:nvSpPr>
+        <p:spPr/>
+        <p:txBody>
+          <a:bodyPr/>
+          <a:lstStyle/>
+          <a:p>
+            <a:endParaRPr lang="en-US" dirty="0"/>
+          </a:p>
+        </p:txBody>
+      </p:sp>
+      <p:sp>
+        <p:nvSpPr>
+          <p:cNvPr id="4" name="Slide Number Placeholder 3"/>
+          <p:cNvSpPr>
+            <a:spLocks noGrp="1"/>
+          </p:cNvSpPr>
+          <p:nvPr>
+            <p:ph type="sldNum" sz="quarter" idx="10"/>
+          </p:nvPr>
+        </p:nvSpPr>
+        <p:spPr/>
+        <p:txBody>
+          <a:bodyPr/>
+          <a:lstStyle/>
+          <a:p>
+            <a:fld id="{148D4592-6837-45C4-B65B-13E03ECAF0B2}" type="slidenum">
+              <a:rPr lang="en-US" smtClean="0"/>
+              <a:t>25</a:t>
             </a:fld>
             <a:endParaRPr lang="en-US" dirty="0"/>
           </a:p>
@@ -22896,7 +23236,7 @@
         <p:spPr>
           <a:xfrm>
             <a:off x="269239" y="1189177"/>
-            <a:ext cx="11653523" cy="2697662"/>
+            <a:ext cx="11653523" cy="5689250"/>
           </a:xfrm>
         </p:spPr>
         <p:txBody>
@@ -22921,7 +23261,7 @@
               <a:rPr lang="en-US" sz="2400" dirty="0">
                 <a:latin typeface="+mn-lt"/>
               </a:rPr>
-              <a:t>?</a:t>
+              <a:t>It appears there are multiple options of hosting SQL databases in Azure. What's the best option to choose, and how do you know it'll be compatible?</a:t>
             </a:r>
           </a:p>
           <a:p>
@@ -22945,7 +23285,7 @@
               <a:rPr lang="en-US" sz="2400" dirty="0">
                 <a:latin typeface="+mn-lt"/>
               </a:rPr>
-              <a:t>?</a:t>
+              <a:t>Microsoft Azure does provide multiple options for hosting SQL databases. Azure SQL refers to a family of managed, secure, and intelligent products that use the SQL Server database engine in the Azure cloud. There is some overlap between the different options available, with each targeting different use cases, scenarios and business motivations.</a:t>
             </a:r>
           </a:p>
           <a:p>
@@ -22957,7 +23297,7 @@
               <a:rPr lang="en-US" sz="2400" dirty="0">
                 <a:latin typeface="+mn-lt"/>
               </a:rPr>
-              <a:t>?</a:t>
+              <a:t>For Tailspin Toys, it is recommended to use Azure SQL Managed Instances (SQL MI) for migrating the SQL Server databases to Azure. SQL MI provides near 100% compatibility with on-premises SQL Server database instances and includes features to best handle the common isolation and security concerns required by Tailspins organization.</a:t>
             </a:r>
           </a:p>
         </p:txBody>
@@ -23020,6 +23360,562 @@
           <a:p>
             <a:r>
               <a:rPr lang="en-US" dirty="0"/>
+              <a:t>Customer objections</a:t>
+            </a:r>
+          </a:p>
+        </p:txBody>
+      </p:sp>
+      <p:sp>
+        <p:nvSpPr>
+          <p:cNvPr id="3" name="Content Placeholder 2"/>
+          <p:cNvSpPr>
+            <a:spLocks noGrp="1"/>
+          </p:cNvSpPr>
+          <p:nvPr>
+            <p:ph type="body" sz="quarter" idx="10"/>
+          </p:nvPr>
+        </p:nvSpPr>
+        <p:spPr>
+          <a:xfrm>
+            <a:off x="269239" y="1189177"/>
+            <a:ext cx="11653523" cy="4692054"/>
+          </a:xfrm>
+        </p:spPr>
+        <p:txBody>
+          <a:bodyPr/>
+          <a:lstStyle/>
+          <a:p>
+            <a:pPr lvl="0"/>
+            <a:r>
+              <a:rPr lang="en-US" sz="3600" dirty="0">
+                <a:latin typeface="Segoe UI Semibold" panose="020B0702040204020203" pitchFamily="34" charset="0"/>
+                <a:cs typeface="Segoe UI Semibold" panose="020B0702040204020203" pitchFamily="34" charset="0"/>
+              </a:rPr>
+              <a:t>Objection</a:t>
+            </a:r>
+            <a:r>
+              <a:rPr lang="en-US" sz="3600" dirty="0"/>
+              <a:t> </a:t>
+            </a:r>
+          </a:p>
+          <a:p>
+            <a:r>
+              <a:rPr lang="en-US" sz="2400" dirty="0">
+                <a:latin typeface="+mn-lt"/>
+              </a:rPr>
+              <a:t>What kind of downtime will be incurred when migrating the Windows Server and SQL Server workloads to Azure?</a:t>
+            </a:r>
+          </a:p>
+          <a:p>
+            <a:endParaRPr lang="en-US" sz="1100" dirty="0"/>
+          </a:p>
+          <a:p>
+            <a:r>
+              <a:rPr lang="en-US" sz="3600" dirty="0">
+                <a:latin typeface="Segoe UI Semibold" panose="020B0702040204020203" pitchFamily="34" charset="0"/>
+                <a:cs typeface="Segoe UI Semibold" panose="020B0702040204020203" pitchFamily="34" charset="0"/>
+              </a:rPr>
+              <a:t>Potential answer</a:t>
+            </a:r>
+          </a:p>
+          <a:p>
+            <a:pPr marL="171450" indent="-171450" algn="l">
+              <a:buFont typeface="Arial" panose="020B0604020202020204" pitchFamily="34" charset="0"/>
+              <a:buChar char="•"/>
+            </a:pPr>
+            <a:r>
+              <a:rPr lang="en-US" sz="2400" dirty="0">
+                <a:latin typeface="+mn-lt"/>
+              </a:rPr>
+              <a:t>All application tiers and database will be deployed to the Azure VMs in parallel to the on-premises VMs. This will enable minimal downtime when application load is redirected to the new VMs.</a:t>
+            </a:r>
+          </a:p>
+          <a:p>
+            <a:pPr marL="171450" indent="-171450" algn="l">
+              <a:buFont typeface="Arial" panose="020B0604020202020204" pitchFamily="34" charset="0"/>
+              <a:buChar char="•"/>
+            </a:pPr>
+            <a:r>
+              <a:rPr lang="en-US" sz="2400" dirty="0">
+                <a:latin typeface="+mn-lt"/>
+              </a:rPr>
+              <a:t>To ensure data consistency during the migration, there will be a short window of downtime required at the database level when the cut over to the new servers is performed. Data migration using DMS supports online migration, allowing the applications to be kept online while data is synchronized.</a:t>
+            </a:r>
+          </a:p>
+        </p:txBody>
+      </p:sp>
+    </p:spTree>
+    <p:extLst>
+      <p:ext uri="{BB962C8B-B14F-4D97-AF65-F5344CB8AC3E}">
+        <p14:creationId xmlns:p14="http://schemas.microsoft.com/office/powerpoint/2010/main" val="3961087545"/>
+      </p:ext>
+    </p:extLst>
+  </p:cSld>
+  <p:clrMapOvr>
+    <a:masterClrMapping/>
+  </p:clrMapOvr>
+  <p:transition>
+    <p:fade/>
+  </p:transition>
+</p:sld>
+</file>
+
+<file path=ppt/slides/slide22.xml><?xml version="1.0" encoding="utf-8"?>
+<p:sld xmlns:a="http://schemas.openxmlformats.org/drawingml/2006/main" xmlns:r="http://schemas.openxmlformats.org/officeDocument/2006/relationships" xmlns:p="http://schemas.openxmlformats.org/presentationml/2006/main">
+  <p:cSld>
+    <p:bg>
+      <p:bgPr>
+        <a:solidFill>
+          <a:srgbClr val="0078D7"/>
+        </a:solidFill>
+        <a:effectLst/>
+      </p:bgPr>
+    </p:bg>
+    <p:spTree>
+      <p:nvGrpSpPr>
+        <p:cNvPr id="1" name=""/>
+        <p:cNvGrpSpPr/>
+        <p:nvPr/>
+      </p:nvGrpSpPr>
+      <p:grpSpPr>
+        <a:xfrm>
+          <a:off x="0" y="0"/>
+          <a:ext cx="0" cy="0"/>
+          <a:chOff x="0" y="0"/>
+          <a:chExt cx="0" cy="0"/>
+        </a:xfrm>
+      </p:grpSpPr>
+      <p:sp>
+        <p:nvSpPr>
+          <p:cNvPr id="2" name="Title 1"/>
+          <p:cNvSpPr>
+            <a:spLocks noGrp="1"/>
+          </p:cNvSpPr>
+          <p:nvPr>
+            <p:ph type="title"/>
+          </p:nvPr>
+        </p:nvSpPr>
+        <p:spPr/>
+        <p:txBody>
+          <a:bodyPr/>
+          <a:lstStyle/>
+          <a:p>
+            <a:r>
+              <a:rPr lang="en-US" dirty="0"/>
+              <a:t>Customer objections</a:t>
+            </a:r>
+          </a:p>
+        </p:txBody>
+      </p:sp>
+      <p:sp>
+        <p:nvSpPr>
+          <p:cNvPr id="3" name="Content Placeholder 2"/>
+          <p:cNvSpPr>
+            <a:spLocks noGrp="1"/>
+          </p:cNvSpPr>
+          <p:nvPr>
+            <p:ph type="body" sz="quarter" idx="10"/>
+          </p:nvPr>
+        </p:nvSpPr>
+        <p:spPr>
+          <a:xfrm>
+            <a:off x="269239" y="1189177"/>
+            <a:ext cx="11653523" cy="4692054"/>
+          </a:xfrm>
+        </p:spPr>
+        <p:txBody>
+          <a:bodyPr/>
+          <a:lstStyle/>
+          <a:p>
+            <a:pPr lvl="0"/>
+            <a:r>
+              <a:rPr lang="en-US" sz="3600" dirty="0">
+                <a:latin typeface="Segoe UI Semibold" panose="020B0702040204020203" pitchFamily="34" charset="0"/>
+                <a:cs typeface="Segoe UI Semibold" panose="020B0702040204020203" pitchFamily="34" charset="0"/>
+              </a:rPr>
+              <a:t>Objection</a:t>
+            </a:r>
+            <a:r>
+              <a:rPr lang="en-US" sz="3600" dirty="0"/>
+              <a:t> </a:t>
+            </a:r>
+          </a:p>
+          <a:p>
+            <a:r>
+              <a:rPr lang="en-US" sz="2400" dirty="0">
+                <a:latin typeface="+mn-lt"/>
+              </a:rPr>
+              <a:t>Will we be able to rollback to the on-premises VMs if the migration fails?</a:t>
+            </a:r>
+          </a:p>
+          <a:p>
+            <a:endParaRPr lang="en-US" sz="1100" dirty="0"/>
+          </a:p>
+          <a:p>
+            <a:r>
+              <a:rPr lang="en-US" sz="3600" dirty="0">
+                <a:latin typeface="Segoe UI Semibold" panose="020B0702040204020203" pitchFamily="34" charset="0"/>
+                <a:cs typeface="Segoe UI Semibold" panose="020B0702040204020203" pitchFamily="34" charset="0"/>
+              </a:rPr>
+              <a:t>Potential answer</a:t>
+            </a:r>
+          </a:p>
+          <a:p>
+            <a:pPr marL="171450" indent="-171450" algn="l">
+              <a:buFont typeface="Arial" panose="020B0604020202020204" pitchFamily="34" charset="0"/>
+              <a:buChar char="•"/>
+            </a:pPr>
+            <a:r>
+              <a:rPr lang="en-US" sz="2400" dirty="0">
+                <a:latin typeface="+mn-lt"/>
+              </a:rPr>
+              <a:t>The migration process will be designed to create new application deployments within their CI/CD pipelines to release to the new Windows Server 2022 VMs in Azure in parallel to the existing on-premises VMs. This will allow traffic to be cut over to the new VMs when ready.</a:t>
+            </a:r>
+          </a:p>
+          <a:p>
+            <a:pPr marL="171450" indent="-171450" algn="l">
+              <a:buFont typeface="Arial" panose="020B0604020202020204" pitchFamily="34" charset="0"/>
+              <a:buChar char="•"/>
+            </a:pPr>
+            <a:r>
+              <a:rPr lang="en-US" sz="2400" dirty="0">
+                <a:latin typeface="+mn-lt"/>
+              </a:rPr>
+              <a:t>In the event of an unexpected issue during migration, the existing on-premises VMs, application deployments and databases will remain in place as a fall back. If there is an issue detected during the cut over process, the on-premises servers will be able to immediately pick up where they left off.</a:t>
+            </a:r>
+          </a:p>
+        </p:txBody>
+      </p:sp>
+    </p:spTree>
+    <p:extLst>
+      <p:ext uri="{BB962C8B-B14F-4D97-AF65-F5344CB8AC3E}">
+        <p14:creationId xmlns:p14="http://schemas.microsoft.com/office/powerpoint/2010/main" val="4271530713"/>
+      </p:ext>
+    </p:extLst>
+  </p:cSld>
+  <p:clrMapOvr>
+    <a:masterClrMapping/>
+  </p:clrMapOvr>
+  <p:transition>
+    <p:fade/>
+  </p:transition>
+</p:sld>
+</file>
+
+<file path=ppt/slides/slide23.xml><?xml version="1.0" encoding="utf-8"?>
+<p:sld xmlns:a="http://schemas.openxmlformats.org/drawingml/2006/main" xmlns:r="http://schemas.openxmlformats.org/officeDocument/2006/relationships" xmlns:p="http://schemas.openxmlformats.org/presentationml/2006/main">
+  <p:cSld>
+    <p:bg>
+      <p:bgPr>
+        <a:solidFill>
+          <a:srgbClr val="0078D7"/>
+        </a:solidFill>
+        <a:effectLst/>
+      </p:bgPr>
+    </p:bg>
+    <p:spTree>
+      <p:nvGrpSpPr>
+        <p:cNvPr id="1" name=""/>
+        <p:cNvGrpSpPr/>
+        <p:nvPr/>
+      </p:nvGrpSpPr>
+      <p:grpSpPr>
+        <a:xfrm>
+          <a:off x="0" y="0"/>
+          <a:ext cx="0" cy="0"/>
+          <a:chOff x="0" y="0"/>
+          <a:chExt cx="0" cy="0"/>
+        </a:xfrm>
+      </p:grpSpPr>
+      <p:sp>
+        <p:nvSpPr>
+          <p:cNvPr id="2" name="Title 1"/>
+          <p:cNvSpPr>
+            <a:spLocks noGrp="1"/>
+          </p:cNvSpPr>
+          <p:nvPr>
+            <p:ph type="title"/>
+          </p:nvPr>
+        </p:nvSpPr>
+        <p:spPr/>
+        <p:txBody>
+          <a:bodyPr/>
+          <a:lstStyle/>
+          <a:p>
+            <a:r>
+              <a:rPr lang="en-US" dirty="0"/>
+              <a:t>Customer objections</a:t>
+            </a:r>
+          </a:p>
+        </p:txBody>
+      </p:sp>
+      <p:sp>
+        <p:nvSpPr>
+          <p:cNvPr id="3" name="Content Placeholder 2"/>
+          <p:cNvSpPr>
+            <a:spLocks noGrp="1"/>
+          </p:cNvSpPr>
+          <p:nvPr>
+            <p:ph type="body" sz="quarter" idx="10"/>
+          </p:nvPr>
+        </p:nvSpPr>
+        <p:spPr>
+          <a:xfrm>
+            <a:off x="269239" y="1189177"/>
+            <a:ext cx="11653523" cy="2956194"/>
+          </a:xfrm>
+        </p:spPr>
+        <p:txBody>
+          <a:bodyPr/>
+          <a:lstStyle/>
+          <a:p>
+            <a:pPr lvl="0"/>
+            <a:r>
+              <a:rPr lang="en-US" sz="3600" dirty="0">
+                <a:latin typeface="Segoe UI Semibold" panose="020B0702040204020203" pitchFamily="34" charset="0"/>
+                <a:cs typeface="Segoe UI Semibold" panose="020B0702040204020203" pitchFamily="34" charset="0"/>
+              </a:rPr>
+              <a:t>Objection</a:t>
+            </a:r>
+            <a:r>
+              <a:rPr lang="en-US" sz="3600" dirty="0"/>
+              <a:t> </a:t>
+            </a:r>
+          </a:p>
+          <a:p>
+            <a:r>
+              <a:rPr lang="en-US" sz="2400" dirty="0">
+                <a:latin typeface="+mn-lt"/>
+              </a:rPr>
+              <a:t>Tailspin has negotiated an Enterprise Agreement (EA) with Microsoft for their Azure consumption. Any cost estimates need to reflect their EA discount.</a:t>
+            </a:r>
+          </a:p>
+          <a:p>
+            <a:endParaRPr lang="en-US" sz="1100" dirty="0"/>
+          </a:p>
+          <a:p>
+            <a:r>
+              <a:rPr lang="en-US" sz="3600" dirty="0">
+                <a:latin typeface="Segoe UI Semibold" panose="020B0702040204020203" pitchFamily="34" charset="0"/>
+                <a:cs typeface="Segoe UI Semibold" panose="020B0702040204020203" pitchFamily="34" charset="0"/>
+              </a:rPr>
+              <a:t>Potential answer</a:t>
+            </a:r>
+          </a:p>
+          <a:p>
+            <a:pPr marL="342900" indent="-342900">
+              <a:buFont typeface="Arial" panose="020B0604020202020204" pitchFamily="34" charset="0"/>
+              <a:buChar char="•"/>
+            </a:pPr>
+            <a:r>
+              <a:rPr lang="en-US" sz="2400" dirty="0">
+                <a:latin typeface="+mn-lt"/>
+              </a:rPr>
+              <a:t>We absolutely want to take advantage of these savings for them! The cost estimates from the Azure Pricing Calculator can be tailored to reflect their EA discount.</a:t>
+            </a:r>
+          </a:p>
+        </p:txBody>
+      </p:sp>
+    </p:spTree>
+    <p:extLst>
+      <p:ext uri="{BB962C8B-B14F-4D97-AF65-F5344CB8AC3E}">
+        <p14:creationId xmlns:p14="http://schemas.microsoft.com/office/powerpoint/2010/main" val="263894384"/>
+      </p:ext>
+    </p:extLst>
+  </p:cSld>
+  <p:clrMapOvr>
+    <a:masterClrMapping/>
+  </p:clrMapOvr>
+  <p:transition>
+    <p:fade/>
+  </p:transition>
+</p:sld>
+</file>
+
+<file path=ppt/slides/slide24.xml><?xml version="1.0" encoding="utf-8"?>
+<p:sld xmlns:a="http://schemas.openxmlformats.org/drawingml/2006/main" xmlns:r="http://schemas.openxmlformats.org/officeDocument/2006/relationships" xmlns:p="http://schemas.openxmlformats.org/presentationml/2006/main">
+  <p:cSld>
+    <p:bg>
+      <p:bgPr>
+        <a:solidFill>
+          <a:srgbClr val="0078D7"/>
+        </a:solidFill>
+        <a:effectLst/>
+      </p:bgPr>
+    </p:bg>
+    <p:spTree>
+      <p:nvGrpSpPr>
+        <p:cNvPr id="1" name=""/>
+        <p:cNvGrpSpPr/>
+        <p:nvPr/>
+      </p:nvGrpSpPr>
+      <p:grpSpPr>
+        <a:xfrm>
+          <a:off x="0" y="0"/>
+          <a:ext cx="0" cy="0"/>
+          <a:chOff x="0" y="0"/>
+          <a:chExt cx="0" cy="0"/>
+        </a:xfrm>
+      </p:grpSpPr>
+      <p:sp>
+        <p:nvSpPr>
+          <p:cNvPr id="2" name="Title 1"/>
+          <p:cNvSpPr>
+            <a:spLocks noGrp="1"/>
+          </p:cNvSpPr>
+          <p:nvPr>
+            <p:ph type="title"/>
+          </p:nvPr>
+        </p:nvSpPr>
+        <p:spPr/>
+        <p:txBody>
+          <a:bodyPr/>
+          <a:lstStyle/>
+          <a:p>
+            <a:r>
+              <a:rPr lang="en-US" dirty="0"/>
+              <a:t>Customer objections</a:t>
+            </a:r>
+          </a:p>
+        </p:txBody>
+      </p:sp>
+      <p:sp>
+        <p:nvSpPr>
+          <p:cNvPr id="3" name="Content Placeholder 2"/>
+          <p:cNvSpPr>
+            <a:spLocks noGrp="1"/>
+          </p:cNvSpPr>
+          <p:nvPr>
+            <p:ph type="body" sz="quarter" idx="10"/>
+          </p:nvPr>
+        </p:nvSpPr>
+        <p:spPr>
+          <a:xfrm>
+            <a:off x="269239" y="1189177"/>
+            <a:ext cx="11653523" cy="5689250"/>
+          </a:xfrm>
+        </p:spPr>
+        <p:txBody>
+          <a:bodyPr/>
+          <a:lstStyle/>
+          <a:p>
+            <a:pPr lvl="0"/>
+            <a:r>
+              <a:rPr lang="en-US" sz="3600" dirty="0">
+                <a:latin typeface="Segoe UI Semibold" panose="020B0702040204020203" pitchFamily="34" charset="0"/>
+                <a:cs typeface="Segoe UI Semibold" panose="020B0702040204020203" pitchFamily="34" charset="0"/>
+              </a:rPr>
+              <a:t>Objection</a:t>
+            </a:r>
+            <a:r>
+              <a:rPr lang="en-US" sz="3600" dirty="0"/>
+              <a:t> </a:t>
+            </a:r>
+          </a:p>
+          <a:p>
+            <a:r>
+              <a:rPr lang="en-US" sz="2400" dirty="0">
+                <a:latin typeface="+mn-lt"/>
+              </a:rPr>
+              <a:t>Would there be further savings from the use of PaaS services?</a:t>
+            </a:r>
+          </a:p>
+          <a:p>
+            <a:endParaRPr lang="en-US" sz="1100" dirty="0"/>
+          </a:p>
+          <a:p>
+            <a:r>
+              <a:rPr lang="en-US" sz="3600" dirty="0">
+                <a:latin typeface="Segoe UI Semibold" panose="020B0702040204020203" pitchFamily="34" charset="0"/>
+                <a:cs typeface="Segoe UI Semibold" panose="020B0702040204020203" pitchFamily="34" charset="0"/>
+              </a:rPr>
+              <a:t>Potential answer</a:t>
+            </a:r>
+          </a:p>
+          <a:p>
+            <a:pPr marL="171450" indent="-171450" algn="l">
+              <a:buFont typeface="Arial" panose="020B0604020202020204" pitchFamily="34" charset="0"/>
+              <a:buChar char="•"/>
+            </a:pPr>
+            <a:r>
+              <a:rPr lang="en-US" sz="2400" dirty="0">
+                <a:latin typeface="+mn-lt"/>
+              </a:rPr>
+              <a:t>Further evaluation of the front-end and back-end .NET Framework applications will be necessary to determine the requirements for hosting these applications using Azure App Service. Azure App Service Web Apps provide a PaaS hosting option for applications that further reduces the management burden over IaaS VMs, and does support hosting applications build with .NET Framework, and .NET Core, among other development languages.</a:t>
+            </a:r>
+          </a:p>
+          <a:p>
+            <a:pPr marL="171450" indent="-171450" algn="l">
+              <a:buFont typeface="Arial" panose="020B0604020202020204" pitchFamily="34" charset="0"/>
+              <a:buChar char="•"/>
+            </a:pPr>
+            <a:r>
+              <a:rPr lang="en-US" sz="2400" dirty="0">
+                <a:latin typeface="+mn-lt"/>
+              </a:rPr>
+              <a:t>Azure Kubernetes Service (AKS) is another potential option for hosting applications. For Tailspin Toys, this may not be the best option as it would require further redesign and architecture of the applications to host in AKS. If Azure App Service doesn't meet the requirements of Tailspin Toys applications, then AKS may offer an alternative that fits better.</a:t>
+            </a:r>
+          </a:p>
+        </p:txBody>
+      </p:sp>
+    </p:spTree>
+    <p:extLst>
+      <p:ext uri="{BB962C8B-B14F-4D97-AF65-F5344CB8AC3E}">
+        <p14:creationId xmlns:p14="http://schemas.microsoft.com/office/powerpoint/2010/main" val="4037058941"/>
+      </p:ext>
+    </p:extLst>
+  </p:cSld>
+  <p:clrMapOvr>
+    <a:masterClrMapping/>
+  </p:clrMapOvr>
+  <p:transition>
+    <p:fade/>
+  </p:transition>
+</p:sld>
+</file>
+
+<file path=ppt/slides/slide25.xml><?xml version="1.0" encoding="utf-8"?>
+<p:sld xmlns:a="http://schemas.openxmlformats.org/drawingml/2006/main" xmlns:r="http://schemas.openxmlformats.org/officeDocument/2006/relationships" xmlns:p="http://schemas.openxmlformats.org/presentationml/2006/main">
+  <p:cSld>
+    <p:bg>
+      <p:bgPr>
+        <a:solidFill>
+          <a:srgbClr val="0078D7"/>
+        </a:solidFill>
+        <a:effectLst/>
+      </p:bgPr>
+    </p:bg>
+    <p:spTree>
+      <p:nvGrpSpPr>
+        <p:cNvPr id="1" name=""/>
+        <p:cNvGrpSpPr/>
+        <p:nvPr/>
+      </p:nvGrpSpPr>
+      <p:grpSpPr>
+        <a:xfrm>
+          <a:off x="0" y="0"/>
+          <a:ext cx="0" cy="0"/>
+          <a:chOff x="0" y="0"/>
+          <a:chExt cx="0" cy="0"/>
+        </a:xfrm>
+      </p:grpSpPr>
+      <p:sp>
+        <p:nvSpPr>
+          <p:cNvPr id="2" name="Title 1"/>
+          <p:cNvSpPr>
+            <a:spLocks noGrp="1"/>
+          </p:cNvSpPr>
+          <p:nvPr>
+            <p:ph type="title"/>
+          </p:nvPr>
+        </p:nvSpPr>
+        <p:spPr/>
+        <p:txBody>
+          <a:bodyPr/>
+          <a:lstStyle/>
+          <a:p>
+            <a:r>
+              <a:rPr lang="en-US" dirty="0"/>
               <a:t>Customer quote</a:t>
             </a:r>
           </a:p>
@@ -23044,7 +23940,7 @@
         <p:spPr>
           <a:xfrm>
             <a:off x="271557" y="1385120"/>
-            <a:ext cx="11653523" cy="2048702"/>
+            <a:ext cx="11653523" cy="3599896"/>
           </a:xfrm>
         </p:spPr>
         <p:txBody>
@@ -23053,7 +23949,7 @@
           <a:p>
             <a:r>
               <a:rPr lang="en-US" sz="2800" i="1" dirty="0"/>
-              <a:t>“?”</a:t>
+              <a:t>“We recognized the need and benefits to migrating our aging infrastructure to Azure. I know this migration is going to help us increase reliability while lowering operation and maintenance costs. I'm really looking forward to the shiny new capabilities we are now able to take advantage of, including the ability to manage our on-premises and Azure VMs using Azure Arc.”</a:t>
             </a:r>
           </a:p>
           <a:p>

--- a/Whiteboard design session/WDS trainer presentation - Building the business migration case with Windows Server and SQL Server.pptx
+++ b/Whiteboard design session/WDS trainer presentation - Building the business migration case with Windows Server and SQL Server.pptx
@@ -7,7 +7,7 @@
     <p:sldMasterId id="2147483700" r:id="rId6"/>
   </p:sldMasterIdLst>
   <p:notesMasterIdLst>
-    <p:notesMasterId r:id="rId32"/>
+    <p:notesMasterId r:id="rId33"/>
   </p:notesMasterIdLst>
   <p:sldIdLst>
     <p:sldId id="397" r:id="rId7"/>
@@ -15,26 +15,27 @@
     <p:sldId id="400" r:id="rId9"/>
     <p:sldId id="259" r:id="rId10"/>
     <p:sldId id="389" r:id="rId11"/>
-    <p:sldId id="407" r:id="rId12"/>
-    <p:sldId id="408" r:id="rId13"/>
-    <p:sldId id="375" r:id="rId14"/>
-    <p:sldId id="419" r:id="rId15"/>
-    <p:sldId id="357" r:id="rId16"/>
-    <p:sldId id="2081" r:id="rId17"/>
-    <p:sldId id="326" r:id="rId18"/>
-    <p:sldId id="2082" r:id="rId19"/>
-    <p:sldId id="401" r:id="rId20"/>
-    <p:sldId id="402" r:id="rId21"/>
-    <p:sldId id="403" r:id="rId22"/>
-    <p:sldId id="404" r:id="rId23"/>
-    <p:sldId id="333" r:id="rId24"/>
-    <p:sldId id="2080" r:id="rId25"/>
-    <p:sldId id="336" r:id="rId26"/>
-    <p:sldId id="2086" r:id="rId27"/>
-    <p:sldId id="2085" r:id="rId28"/>
-    <p:sldId id="2084" r:id="rId29"/>
-    <p:sldId id="2083" r:id="rId30"/>
-    <p:sldId id="281" r:id="rId31"/>
+    <p:sldId id="375" r:id="rId12"/>
+    <p:sldId id="357" r:id="rId13"/>
+    <p:sldId id="2081" r:id="rId14"/>
+    <p:sldId id="326" r:id="rId15"/>
+    <p:sldId id="2082" r:id="rId16"/>
+    <p:sldId id="401" r:id="rId17"/>
+    <p:sldId id="402" r:id="rId18"/>
+    <p:sldId id="403" r:id="rId19"/>
+    <p:sldId id="404" r:id="rId20"/>
+    <p:sldId id="333" r:id="rId21"/>
+    <p:sldId id="2080" r:id="rId22"/>
+    <p:sldId id="2088" r:id="rId23"/>
+    <p:sldId id="2087" r:id="rId24"/>
+    <p:sldId id="2089" r:id="rId25"/>
+    <p:sldId id="2090" r:id="rId26"/>
+    <p:sldId id="336" r:id="rId27"/>
+    <p:sldId id="2086" r:id="rId28"/>
+    <p:sldId id="2085" r:id="rId29"/>
+    <p:sldId id="2084" r:id="rId30"/>
+    <p:sldId id="2083" r:id="rId31"/>
+    <p:sldId id="281" r:id="rId32"/>
   </p:sldIdLst>
   <p:sldSz cx="12192000" cy="6858000"/>
   <p:notesSz cx="6858000" cy="9144000"/>
@@ -717,7 +718,7 @@
     </p:spTree>
     <p:extLst>
       <p:ext uri="{BB962C8B-B14F-4D97-AF65-F5344CB8AC3E}">
-        <p14:creationId xmlns:p14="http://schemas.microsoft.com/office/powerpoint/2010/main" val="2012625935"/>
+        <p14:creationId xmlns:p14="http://schemas.microsoft.com/office/powerpoint/2010/main" val="83723741"/>
       </p:ext>
     </p:extLst>
   </p:cSld>
@@ -790,18 +791,78 @@
           <a:bodyPr/>
           <a:lstStyle/>
           <a:p>
-            <a:fld id="{148D4592-6837-45C4-B65B-13E03ECAF0B2}" type="slidenum">
-              <a:rPr lang="en-US" smtClean="0"/>
+            <a:pPr marL="0" marR="0" lvl="0" indent="0" algn="r" defTabSz="914400" rtl="0" eaLnBrk="1" fontAlgn="auto" latinLnBrk="0" hangingPunct="1">
+              <a:lnSpc>
+                <a:spcPct val="100000"/>
+              </a:lnSpc>
+              <a:spcBef>
+                <a:spcPts val="0"/>
+              </a:spcBef>
+              <a:spcAft>
+                <a:spcPts val="0"/>
+              </a:spcAft>
+              <a:buClrTx/>
+              <a:buSzTx/>
+              <a:buFontTx/>
+              <a:buNone/>
+              <a:tabLst/>
+              <a:defRPr/>
+            </a:pPr>
+            <a:fld id="{0998D5BB-B127-481F-BC0A-2F77C576BB34}" type="slidenum">
+              <a:rPr kumimoji="0" lang="en-US" sz="1200" b="0" i="0" u="none" strike="noStrike" kern="1200" cap="none" spc="0" normalizeH="0" baseline="0" noProof="0" smtClean="0">
+                <a:ln>
+                  <a:noFill/>
+                </a:ln>
+                <a:solidFill>
+                  <a:prstClr val="black"/>
+                </a:solidFill>
+                <a:effectLst/>
+                <a:uLnTx/>
+                <a:uFillTx/>
+                <a:latin typeface="Calibri" panose="020F0502020204030204"/>
+                <a:ea typeface="+mn-ea"/>
+                <a:cs typeface="+mn-cs"/>
+              </a:rPr>
+              <a:pPr marL="0" marR="0" lvl="0" indent="0" algn="r" defTabSz="914400" rtl="0" eaLnBrk="1" fontAlgn="auto" latinLnBrk="0" hangingPunct="1">
+                <a:lnSpc>
+                  <a:spcPct val="100000"/>
+                </a:lnSpc>
+                <a:spcBef>
+                  <a:spcPts val="0"/>
+                </a:spcBef>
+                <a:spcAft>
+                  <a:spcPts val="0"/>
+                </a:spcAft>
+                <a:buClrTx/>
+                <a:buSzTx/>
+                <a:buFontTx/>
+                <a:buNone/>
+                <a:tabLst/>
+                <a:defRPr/>
+              </a:pPr>
               <a:t>11</a:t>
             </a:fld>
-            <a:endParaRPr lang="en-US" dirty="0"/>
+            <a:endParaRPr kumimoji="0" lang="en-US" sz="1200" b="0" i="0" u="none" strike="noStrike" kern="1200" cap="none" spc="0" normalizeH="0" baseline="0" noProof="0" dirty="0">
+              <a:ln>
+                <a:noFill/>
+              </a:ln>
+              <a:solidFill>
+                <a:prstClr val="black"/>
+              </a:solidFill>
+              <a:effectLst/>
+              <a:uLnTx/>
+              <a:uFillTx/>
+              <a:latin typeface="Calibri" panose="020F0502020204030204"/>
+              <a:ea typeface="+mn-ea"/>
+              <a:cs typeface="+mn-cs"/>
+            </a:endParaRPr>
           </a:p>
         </p:txBody>
       </p:sp>
     </p:spTree>
     <p:extLst>
       <p:ext uri="{BB962C8B-B14F-4D97-AF65-F5344CB8AC3E}">
-        <p14:creationId xmlns:p14="http://schemas.microsoft.com/office/powerpoint/2010/main" val="3158462973"/>
+        <p14:creationId xmlns:p14="http://schemas.microsoft.com/office/powerpoint/2010/main" val="1846163416"/>
       </p:ext>
     </p:extLst>
   </p:cSld>
@@ -874,18 +935,78 @@
           <a:bodyPr/>
           <a:lstStyle/>
           <a:p>
-            <a:fld id="{148D4592-6837-45C4-B65B-13E03ECAF0B2}" type="slidenum">
-              <a:rPr lang="en-US" smtClean="0"/>
+            <a:pPr marL="0" marR="0" lvl="0" indent="0" algn="r" defTabSz="914400" rtl="0" eaLnBrk="1" fontAlgn="auto" latinLnBrk="0" hangingPunct="1">
+              <a:lnSpc>
+                <a:spcPct val="100000"/>
+              </a:lnSpc>
+              <a:spcBef>
+                <a:spcPts val="0"/>
+              </a:spcBef>
+              <a:spcAft>
+                <a:spcPts val="0"/>
+              </a:spcAft>
+              <a:buClrTx/>
+              <a:buSzTx/>
+              <a:buFontTx/>
+              <a:buNone/>
+              <a:tabLst/>
+              <a:defRPr/>
+            </a:pPr>
+            <a:fld id="{0998D5BB-B127-481F-BC0A-2F77C576BB34}" type="slidenum">
+              <a:rPr kumimoji="0" lang="en-US" sz="1200" b="0" i="0" u="none" strike="noStrike" kern="1200" cap="none" spc="0" normalizeH="0" baseline="0" noProof="0" smtClean="0">
+                <a:ln>
+                  <a:noFill/>
+                </a:ln>
+                <a:solidFill>
+                  <a:prstClr val="black"/>
+                </a:solidFill>
+                <a:effectLst/>
+                <a:uLnTx/>
+                <a:uFillTx/>
+                <a:latin typeface="Calibri" panose="020F0502020204030204"/>
+                <a:ea typeface="+mn-ea"/>
+                <a:cs typeface="+mn-cs"/>
+              </a:rPr>
+              <a:pPr marL="0" marR="0" lvl="0" indent="0" algn="r" defTabSz="914400" rtl="0" eaLnBrk="1" fontAlgn="auto" latinLnBrk="0" hangingPunct="1">
+                <a:lnSpc>
+                  <a:spcPct val="100000"/>
+                </a:lnSpc>
+                <a:spcBef>
+                  <a:spcPts val="0"/>
+                </a:spcBef>
+                <a:spcAft>
+                  <a:spcPts val="0"/>
+                </a:spcAft>
+                <a:buClrTx/>
+                <a:buSzTx/>
+                <a:buFontTx/>
+                <a:buNone/>
+                <a:tabLst/>
+                <a:defRPr/>
+              </a:pPr>
               <a:t>12</a:t>
             </a:fld>
-            <a:endParaRPr lang="en-US" dirty="0"/>
+            <a:endParaRPr kumimoji="0" lang="en-US" sz="1200" b="0" i="0" u="none" strike="noStrike" kern="1200" cap="none" spc="0" normalizeH="0" baseline="0" noProof="0" dirty="0">
+              <a:ln>
+                <a:noFill/>
+              </a:ln>
+              <a:solidFill>
+                <a:prstClr val="black"/>
+              </a:solidFill>
+              <a:effectLst/>
+              <a:uLnTx/>
+              <a:uFillTx/>
+              <a:latin typeface="Calibri" panose="020F0502020204030204"/>
+              <a:ea typeface="+mn-ea"/>
+              <a:cs typeface="+mn-cs"/>
+            </a:endParaRPr>
           </a:p>
         </p:txBody>
       </p:sp>
     </p:spTree>
     <p:extLst>
       <p:ext uri="{BB962C8B-B14F-4D97-AF65-F5344CB8AC3E}">
-        <p14:creationId xmlns:p14="http://schemas.microsoft.com/office/powerpoint/2010/main" val="814882985"/>
+        <p14:creationId xmlns:p14="http://schemas.microsoft.com/office/powerpoint/2010/main" val="4216022599"/>
       </p:ext>
     </p:extLst>
   </p:cSld>
@@ -958,18 +1079,78 @@
           <a:bodyPr/>
           <a:lstStyle/>
           <a:p>
-            <a:fld id="{148D4592-6837-45C4-B65B-13E03ECAF0B2}" type="slidenum">
-              <a:rPr lang="en-US" smtClean="0"/>
+            <a:pPr marL="0" marR="0" lvl="0" indent="0" algn="r" defTabSz="914400" rtl="0" eaLnBrk="1" fontAlgn="auto" latinLnBrk="0" hangingPunct="1">
+              <a:lnSpc>
+                <a:spcPct val="100000"/>
+              </a:lnSpc>
+              <a:spcBef>
+                <a:spcPts val="0"/>
+              </a:spcBef>
+              <a:spcAft>
+                <a:spcPts val="0"/>
+              </a:spcAft>
+              <a:buClrTx/>
+              <a:buSzTx/>
+              <a:buFontTx/>
+              <a:buNone/>
+              <a:tabLst/>
+              <a:defRPr/>
+            </a:pPr>
+            <a:fld id="{0998D5BB-B127-481F-BC0A-2F77C576BB34}" type="slidenum">
+              <a:rPr kumimoji="0" lang="en-US" sz="1200" b="0" i="0" u="none" strike="noStrike" kern="1200" cap="none" spc="0" normalizeH="0" baseline="0" noProof="0" smtClean="0">
+                <a:ln>
+                  <a:noFill/>
+                </a:ln>
+                <a:solidFill>
+                  <a:prstClr val="black"/>
+                </a:solidFill>
+                <a:effectLst/>
+                <a:uLnTx/>
+                <a:uFillTx/>
+                <a:latin typeface="Calibri" panose="020F0502020204030204"/>
+                <a:ea typeface="+mn-ea"/>
+                <a:cs typeface="+mn-cs"/>
+              </a:rPr>
+              <a:pPr marL="0" marR="0" lvl="0" indent="0" algn="r" defTabSz="914400" rtl="0" eaLnBrk="1" fontAlgn="auto" latinLnBrk="0" hangingPunct="1">
+                <a:lnSpc>
+                  <a:spcPct val="100000"/>
+                </a:lnSpc>
+                <a:spcBef>
+                  <a:spcPts val="0"/>
+                </a:spcBef>
+                <a:spcAft>
+                  <a:spcPts val="0"/>
+                </a:spcAft>
+                <a:buClrTx/>
+                <a:buSzTx/>
+                <a:buFontTx/>
+                <a:buNone/>
+                <a:tabLst/>
+                <a:defRPr/>
+              </a:pPr>
               <a:t>13</a:t>
             </a:fld>
-            <a:endParaRPr lang="en-US" dirty="0"/>
+            <a:endParaRPr kumimoji="0" lang="en-US" sz="1200" b="0" i="0" u="none" strike="noStrike" kern="1200" cap="none" spc="0" normalizeH="0" baseline="0" noProof="0" dirty="0">
+              <a:ln>
+                <a:noFill/>
+              </a:ln>
+              <a:solidFill>
+                <a:prstClr val="black"/>
+              </a:solidFill>
+              <a:effectLst/>
+              <a:uLnTx/>
+              <a:uFillTx/>
+              <a:latin typeface="Calibri" panose="020F0502020204030204"/>
+              <a:ea typeface="+mn-ea"/>
+              <a:cs typeface="+mn-cs"/>
+            </a:endParaRPr>
           </a:p>
         </p:txBody>
       </p:sp>
     </p:spTree>
     <p:extLst>
       <p:ext uri="{BB962C8B-B14F-4D97-AF65-F5344CB8AC3E}">
-        <p14:creationId xmlns:p14="http://schemas.microsoft.com/office/powerpoint/2010/main" val="83723741"/>
+        <p14:creationId xmlns:p14="http://schemas.microsoft.com/office/powerpoint/2010/main" val="3128936438"/>
       </p:ext>
     </p:extLst>
   </p:cSld>
@@ -1113,7 +1294,7 @@
     </p:spTree>
     <p:extLst>
       <p:ext uri="{BB962C8B-B14F-4D97-AF65-F5344CB8AC3E}">
-        <p14:creationId xmlns:p14="http://schemas.microsoft.com/office/powerpoint/2010/main" val="1846163416"/>
+        <p14:creationId xmlns:p14="http://schemas.microsoft.com/office/powerpoint/2010/main" val="2146906751"/>
       </p:ext>
     </p:extLst>
   </p:cSld>
@@ -1186,78 +1367,18 @@
           <a:bodyPr/>
           <a:lstStyle/>
           <a:p>
-            <a:pPr marL="0" marR="0" lvl="0" indent="0" algn="r" defTabSz="914400" rtl="0" eaLnBrk="1" fontAlgn="auto" latinLnBrk="0" hangingPunct="1">
-              <a:lnSpc>
-                <a:spcPct val="100000"/>
-              </a:lnSpc>
-              <a:spcBef>
-                <a:spcPts val="0"/>
-              </a:spcBef>
-              <a:spcAft>
-                <a:spcPts val="0"/>
-              </a:spcAft>
-              <a:buClrTx/>
-              <a:buSzTx/>
-              <a:buFontTx/>
-              <a:buNone/>
-              <a:tabLst/>
-              <a:defRPr/>
-            </a:pPr>
-            <a:fld id="{0998D5BB-B127-481F-BC0A-2F77C576BB34}" type="slidenum">
-              <a:rPr kumimoji="0" lang="en-US" sz="1200" b="0" i="0" u="none" strike="noStrike" kern="1200" cap="none" spc="0" normalizeH="0" baseline="0" noProof="0" smtClean="0">
-                <a:ln>
-                  <a:noFill/>
-                </a:ln>
-                <a:solidFill>
-                  <a:prstClr val="black"/>
-                </a:solidFill>
-                <a:effectLst/>
-                <a:uLnTx/>
-                <a:uFillTx/>
-                <a:latin typeface="Calibri" panose="020F0502020204030204"/>
-                <a:ea typeface="+mn-ea"/>
-                <a:cs typeface="+mn-cs"/>
-              </a:rPr>
-              <a:pPr marL="0" marR="0" lvl="0" indent="0" algn="r" defTabSz="914400" rtl="0" eaLnBrk="1" fontAlgn="auto" latinLnBrk="0" hangingPunct="1">
-                <a:lnSpc>
-                  <a:spcPct val="100000"/>
-                </a:lnSpc>
-                <a:spcBef>
-                  <a:spcPts val="0"/>
-                </a:spcBef>
-                <a:spcAft>
-                  <a:spcPts val="0"/>
-                </a:spcAft>
-                <a:buClrTx/>
-                <a:buSzTx/>
-                <a:buFontTx/>
-                <a:buNone/>
-                <a:tabLst/>
-                <a:defRPr/>
-              </a:pPr>
+            <a:fld id="{148D4592-6837-45C4-B65B-13E03ECAF0B2}" type="slidenum">
+              <a:rPr lang="en-US" smtClean="0"/>
               <a:t>15</a:t>
             </a:fld>
-            <a:endParaRPr kumimoji="0" lang="en-US" sz="1200" b="0" i="0" u="none" strike="noStrike" kern="1200" cap="none" spc="0" normalizeH="0" baseline="0" noProof="0" dirty="0">
-              <a:ln>
-                <a:noFill/>
-              </a:ln>
-              <a:solidFill>
-                <a:prstClr val="black"/>
-              </a:solidFill>
-              <a:effectLst/>
-              <a:uLnTx/>
-              <a:uFillTx/>
-              <a:latin typeface="Calibri" panose="020F0502020204030204"/>
-              <a:ea typeface="+mn-ea"/>
-              <a:cs typeface="+mn-cs"/>
-            </a:endParaRPr>
+            <a:endParaRPr lang="en-US" dirty="0"/>
           </a:p>
         </p:txBody>
       </p:sp>
     </p:spTree>
     <p:extLst>
       <p:ext uri="{BB962C8B-B14F-4D97-AF65-F5344CB8AC3E}">
-        <p14:creationId xmlns:p14="http://schemas.microsoft.com/office/powerpoint/2010/main" val="4216022599"/>
+        <p14:creationId xmlns:p14="http://schemas.microsoft.com/office/powerpoint/2010/main" val="288628987"/>
       </p:ext>
     </p:extLst>
   </p:cSld>
@@ -1330,78 +1451,18 @@
           <a:bodyPr/>
           <a:lstStyle/>
           <a:p>
-            <a:pPr marL="0" marR="0" lvl="0" indent="0" algn="r" defTabSz="914400" rtl="0" eaLnBrk="1" fontAlgn="auto" latinLnBrk="0" hangingPunct="1">
-              <a:lnSpc>
-                <a:spcPct val="100000"/>
-              </a:lnSpc>
-              <a:spcBef>
-                <a:spcPts val="0"/>
-              </a:spcBef>
-              <a:spcAft>
-                <a:spcPts val="0"/>
-              </a:spcAft>
-              <a:buClrTx/>
-              <a:buSzTx/>
-              <a:buFontTx/>
-              <a:buNone/>
-              <a:tabLst/>
-              <a:defRPr/>
-            </a:pPr>
-            <a:fld id="{0998D5BB-B127-481F-BC0A-2F77C576BB34}" type="slidenum">
-              <a:rPr kumimoji="0" lang="en-US" sz="1200" b="0" i="0" u="none" strike="noStrike" kern="1200" cap="none" spc="0" normalizeH="0" baseline="0" noProof="0" smtClean="0">
-                <a:ln>
-                  <a:noFill/>
-                </a:ln>
-                <a:solidFill>
-                  <a:prstClr val="black"/>
-                </a:solidFill>
-                <a:effectLst/>
-                <a:uLnTx/>
-                <a:uFillTx/>
-                <a:latin typeface="Calibri" panose="020F0502020204030204"/>
-                <a:ea typeface="+mn-ea"/>
-                <a:cs typeface="+mn-cs"/>
-              </a:rPr>
-              <a:pPr marL="0" marR="0" lvl="0" indent="0" algn="r" defTabSz="914400" rtl="0" eaLnBrk="1" fontAlgn="auto" latinLnBrk="0" hangingPunct="1">
-                <a:lnSpc>
-                  <a:spcPct val="100000"/>
-                </a:lnSpc>
-                <a:spcBef>
-                  <a:spcPts val="0"/>
-                </a:spcBef>
-                <a:spcAft>
-                  <a:spcPts val="0"/>
-                </a:spcAft>
-                <a:buClrTx/>
-                <a:buSzTx/>
-                <a:buFontTx/>
-                <a:buNone/>
-                <a:tabLst/>
-                <a:defRPr/>
-              </a:pPr>
+            <a:fld id="{148D4592-6837-45C4-B65B-13E03ECAF0B2}" type="slidenum">
+              <a:rPr lang="en-US" smtClean="0"/>
               <a:t>16</a:t>
             </a:fld>
-            <a:endParaRPr kumimoji="0" lang="en-US" sz="1200" b="0" i="0" u="none" strike="noStrike" kern="1200" cap="none" spc="0" normalizeH="0" baseline="0" noProof="0" dirty="0">
-              <a:ln>
-                <a:noFill/>
-              </a:ln>
-              <a:solidFill>
-                <a:prstClr val="black"/>
-              </a:solidFill>
-              <a:effectLst/>
-              <a:uLnTx/>
-              <a:uFillTx/>
-              <a:latin typeface="Calibri" panose="020F0502020204030204"/>
-              <a:ea typeface="+mn-ea"/>
-              <a:cs typeface="+mn-cs"/>
-            </a:endParaRPr>
+            <a:endParaRPr lang="en-US" dirty="0"/>
           </a:p>
         </p:txBody>
       </p:sp>
     </p:spTree>
     <p:extLst>
       <p:ext uri="{BB962C8B-B14F-4D97-AF65-F5344CB8AC3E}">
-        <p14:creationId xmlns:p14="http://schemas.microsoft.com/office/powerpoint/2010/main" val="3128936438"/>
+        <p14:creationId xmlns:p14="http://schemas.microsoft.com/office/powerpoint/2010/main" val="1305218719"/>
       </p:ext>
     </p:extLst>
   </p:cSld>
@@ -1474,78 +1535,18 @@
           <a:bodyPr/>
           <a:lstStyle/>
           <a:p>
-            <a:pPr marL="0" marR="0" lvl="0" indent="0" algn="r" defTabSz="914400" rtl="0" eaLnBrk="1" fontAlgn="auto" latinLnBrk="0" hangingPunct="1">
-              <a:lnSpc>
-                <a:spcPct val="100000"/>
-              </a:lnSpc>
-              <a:spcBef>
-                <a:spcPts val="0"/>
-              </a:spcBef>
-              <a:spcAft>
-                <a:spcPts val="0"/>
-              </a:spcAft>
-              <a:buClrTx/>
-              <a:buSzTx/>
-              <a:buFontTx/>
-              <a:buNone/>
-              <a:tabLst/>
-              <a:defRPr/>
-            </a:pPr>
-            <a:fld id="{0998D5BB-B127-481F-BC0A-2F77C576BB34}" type="slidenum">
-              <a:rPr kumimoji="0" lang="en-US" sz="1200" b="0" i="0" u="none" strike="noStrike" kern="1200" cap="none" spc="0" normalizeH="0" baseline="0" noProof="0" smtClean="0">
-                <a:ln>
-                  <a:noFill/>
-                </a:ln>
-                <a:solidFill>
-                  <a:prstClr val="black"/>
-                </a:solidFill>
-                <a:effectLst/>
-                <a:uLnTx/>
-                <a:uFillTx/>
-                <a:latin typeface="Calibri" panose="020F0502020204030204"/>
-                <a:ea typeface="+mn-ea"/>
-                <a:cs typeface="+mn-cs"/>
-              </a:rPr>
-              <a:pPr marL="0" marR="0" lvl="0" indent="0" algn="r" defTabSz="914400" rtl="0" eaLnBrk="1" fontAlgn="auto" latinLnBrk="0" hangingPunct="1">
-                <a:lnSpc>
-                  <a:spcPct val="100000"/>
-                </a:lnSpc>
-                <a:spcBef>
-                  <a:spcPts val="0"/>
-                </a:spcBef>
-                <a:spcAft>
-                  <a:spcPts val="0"/>
-                </a:spcAft>
-                <a:buClrTx/>
-                <a:buSzTx/>
-                <a:buFontTx/>
-                <a:buNone/>
-                <a:tabLst/>
-                <a:defRPr/>
-              </a:pPr>
+            <a:fld id="{148D4592-6837-45C4-B65B-13E03ECAF0B2}" type="slidenum">
+              <a:rPr lang="en-US" smtClean="0"/>
               <a:t>17</a:t>
             </a:fld>
-            <a:endParaRPr kumimoji="0" lang="en-US" sz="1200" b="0" i="0" u="none" strike="noStrike" kern="1200" cap="none" spc="0" normalizeH="0" baseline="0" noProof="0" dirty="0">
-              <a:ln>
-                <a:noFill/>
-              </a:ln>
-              <a:solidFill>
-                <a:prstClr val="black"/>
-              </a:solidFill>
-              <a:effectLst/>
-              <a:uLnTx/>
-              <a:uFillTx/>
-              <a:latin typeface="Calibri" panose="020F0502020204030204"/>
-              <a:ea typeface="+mn-ea"/>
-              <a:cs typeface="+mn-cs"/>
-            </a:endParaRPr>
+            <a:endParaRPr lang="en-US" dirty="0"/>
           </a:p>
         </p:txBody>
       </p:sp>
     </p:spTree>
     <p:extLst>
       <p:ext uri="{BB962C8B-B14F-4D97-AF65-F5344CB8AC3E}">
-        <p14:creationId xmlns:p14="http://schemas.microsoft.com/office/powerpoint/2010/main" val="2146906751"/>
+        <p14:creationId xmlns:p14="http://schemas.microsoft.com/office/powerpoint/2010/main" val="1319908667"/>
       </p:ext>
     </p:extLst>
   </p:cSld>
@@ -1629,7 +1630,7 @@
     </p:spTree>
     <p:extLst>
       <p:ext uri="{BB962C8B-B14F-4D97-AF65-F5344CB8AC3E}">
-        <p14:creationId xmlns:p14="http://schemas.microsoft.com/office/powerpoint/2010/main" val="288628987"/>
+        <p14:creationId xmlns:p14="http://schemas.microsoft.com/office/powerpoint/2010/main" val="2150156660"/>
       </p:ext>
     </p:extLst>
   </p:cSld>
@@ -1704,7 +1705,7 @@
           <a:p>
             <a:fld id="{148D4592-6837-45C4-B65B-13E03ECAF0B2}" type="slidenum">
               <a:rPr lang="en-US" smtClean="0"/>
-              <a:t>19</a:t>
+              <a:t>21</a:t>
             </a:fld>
             <a:endParaRPr lang="en-US" dirty="0"/>
           </a:p>
@@ -1713,7 +1714,7 @@
     </p:spTree>
     <p:extLst>
       <p:ext uri="{BB962C8B-B14F-4D97-AF65-F5344CB8AC3E}">
-        <p14:creationId xmlns:p14="http://schemas.microsoft.com/office/powerpoint/2010/main" val="1305218719"/>
+        <p14:creationId xmlns:p14="http://schemas.microsoft.com/office/powerpoint/2010/main" val="1008654983"/>
       </p:ext>
     </p:extLst>
   </p:cSld>
@@ -1872,7 +1873,7 @@
           <a:p>
             <a:fld id="{148D4592-6837-45C4-B65B-13E03ECAF0B2}" type="slidenum">
               <a:rPr lang="en-US" smtClean="0"/>
-              <a:t>20</a:t>
+              <a:t>22</a:t>
             </a:fld>
             <a:endParaRPr lang="en-US" dirty="0"/>
           </a:p>
@@ -1881,7 +1882,7 @@
     </p:spTree>
     <p:extLst>
       <p:ext uri="{BB962C8B-B14F-4D97-AF65-F5344CB8AC3E}">
-        <p14:creationId xmlns:p14="http://schemas.microsoft.com/office/powerpoint/2010/main" val="1008654983"/>
+        <p14:creationId xmlns:p14="http://schemas.microsoft.com/office/powerpoint/2010/main" val="4146053369"/>
       </p:ext>
     </p:extLst>
   </p:cSld>
@@ -1956,7 +1957,7 @@
           <a:p>
             <a:fld id="{148D4592-6837-45C4-B65B-13E03ECAF0B2}" type="slidenum">
               <a:rPr lang="en-US" smtClean="0"/>
-              <a:t>21</a:t>
+              <a:t>23</a:t>
             </a:fld>
             <a:endParaRPr lang="en-US" dirty="0"/>
           </a:p>
@@ -1965,7 +1966,7 @@
     </p:spTree>
     <p:extLst>
       <p:ext uri="{BB962C8B-B14F-4D97-AF65-F5344CB8AC3E}">
-        <p14:creationId xmlns:p14="http://schemas.microsoft.com/office/powerpoint/2010/main" val="4146053369"/>
+        <p14:creationId xmlns:p14="http://schemas.microsoft.com/office/powerpoint/2010/main" val="721195375"/>
       </p:ext>
     </p:extLst>
   </p:cSld>
@@ -2040,7 +2041,7 @@
           <a:p>
             <a:fld id="{148D4592-6837-45C4-B65B-13E03ECAF0B2}" type="slidenum">
               <a:rPr lang="en-US" smtClean="0"/>
-              <a:t>22</a:t>
+              <a:t>24</a:t>
             </a:fld>
             <a:endParaRPr lang="en-US" dirty="0"/>
           </a:p>
@@ -2049,7 +2050,7 @@
     </p:spTree>
     <p:extLst>
       <p:ext uri="{BB962C8B-B14F-4D97-AF65-F5344CB8AC3E}">
-        <p14:creationId xmlns:p14="http://schemas.microsoft.com/office/powerpoint/2010/main" val="721195375"/>
+        <p14:creationId xmlns:p14="http://schemas.microsoft.com/office/powerpoint/2010/main" val="3679791561"/>
       </p:ext>
     </p:extLst>
   </p:cSld>
@@ -2124,7 +2125,7 @@
           <a:p>
             <a:fld id="{148D4592-6837-45C4-B65B-13E03ECAF0B2}" type="slidenum">
               <a:rPr lang="en-US" smtClean="0"/>
-              <a:t>23</a:t>
+              <a:t>25</a:t>
             </a:fld>
             <a:endParaRPr lang="en-US" dirty="0"/>
           </a:p>
@@ -2133,7 +2134,7 @@
     </p:spTree>
     <p:extLst>
       <p:ext uri="{BB962C8B-B14F-4D97-AF65-F5344CB8AC3E}">
-        <p14:creationId xmlns:p14="http://schemas.microsoft.com/office/powerpoint/2010/main" val="3679791561"/>
+        <p14:creationId xmlns:p14="http://schemas.microsoft.com/office/powerpoint/2010/main" val="1977273078"/>
       </p:ext>
     </p:extLst>
   </p:cSld>
@@ -2208,91 +2209,7 @@
           <a:p>
             <a:fld id="{148D4592-6837-45C4-B65B-13E03ECAF0B2}" type="slidenum">
               <a:rPr lang="en-US" smtClean="0"/>
-              <a:t>24</a:t>
-            </a:fld>
-            <a:endParaRPr lang="en-US" dirty="0"/>
-          </a:p>
-        </p:txBody>
-      </p:sp>
-    </p:spTree>
-    <p:extLst>
-      <p:ext uri="{BB962C8B-B14F-4D97-AF65-F5344CB8AC3E}">
-        <p14:creationId xmlns:p14="http://schemas.microsoft.com/office/powerpoint/2010/main" val="1977273078"/>
-      </p:ext>
-    </p:extLst>
-  </p:cSld>
-  <p:clrMapOvr>
-    <a:masterClrMapping/>
-  </p:clrMapOvr>
-</p:notes>
-</file>
-
-<file path=ppt/notesSlides/notesSlide25.xml><?xml version="1.0" encoding="utf-8"?>
-<p:notes xmlns:a="http://schemas.openxmlformats.org/drawingml/2006/main" xmlns:r="http://schemas.openxmlformats.org/officeDocument/2006/relationships" xmlns:p="http://schemas.openxmlformats.org/presentationml/2006/main">
-  <p:cSld>
-    <p:spTree>
-      <p:nvGrpSpPr>
-        <p:cNvPr id="1" name=""/>
-        <p:cNvGrpSpPr/>
-        <p:nvPr/>
-      </p:nvGrpSpPr>
-      <p:grpSpPr>
-        <a:xfrm>
-          <a:off x="0" y="0"/>
-          <a:ext cx="0" cy="0"/>
-          <a:chOff x="0" y="0"/>
-          <a:chExt cx="0" cy="0"/>
-        </a:xfrm>
-      </p:grpSpPr>
-      <p:sp>
-        <p:nvSpPr>
-          <p:cNvPr id="2" name="Slide Image Placeholder 1"/>
-          <p:cNvSpPr>
-            <a:spLocks noGrp="1" noRot="1" noChangeAspect="1"/>
-          </p:cNvSpPr>
-          <p:nvPr>
-            <p:ph type="sldImg"/>
-          </p:nvPr>
-        </p:nvSpPr>
-        <p:spPr/>
-      </p:sp>
-      <p:sp>
-        <p:nvSpPr>
-          <p:cNvPr id="3" name="Notes Placeholder 2"/>
-          <p:cNvSpPr>
-            <a:spLocks noGrp="1"/>
-          </p:cNvSpPr>
-          <p:nvPr>
-            <p:ph type="body" idx="1"/>
-          </p:nvPr>
-        </p:nvSpPr>
-        <p:spPr/>
-        <p:txBody>
-          <a:bodyPr/>
-          <a:lstStyle/>
-          <a:p>
-            <a:endParaRPr lang="en-US" dirty="0"/>
-          </a:p>
-        </p:txBody>
-      </p:sp>
-      <p:sp>
-        <p:nvSpPr>
-          <p:cNvPr id="4" name="Slide Number Placeholder 3"/>
-          <p:cNvSpPr>
-            <a:spLocks noGrp="1"/>
-          </p:cNvSpPr>
-          <p:nvPr>
-            <p:ph type="sldNum" sz="quarter" idx="10"/>
-          </p:nvPr>
-        </p:nvSpPr>
-        <p:spPr/>
-        <p:txBody>
-          <a:bodyPr/>
-          <a:lstStyle/>
-          <a:p>
-            <a:fld id="{148D4592-6837-45C4-B65B-13E03ECAF0B2}" type="slidenum">
-              <a:rPr lang="en-US" smtClean="0"/>
-              <a:t>25</a:t>
+              <a:t>26</a:t>
             </a:fld>
             <a:endParaRPr lang="en-US" dirty="0"/>
           </a:p>
@@ -2697,7 +2614,7 @@
     </p:spTree>
     <p:extLst>
       <p:ext uri="{BB962C8B-B14F-4D97-AF65-F5344CB8AC3E}">
-        <p14:creationId xmlns:p14="http://schemas.microsoft.com/office/powerpoint/2010/main" val="1186273417"/>
+        <p14:creationId xmlns:p14="http://schemas.microsoft.com/office/powerpoint/2010/main" val="3538490224"/>
       </p:ext>
     </p:extLst>
   </p:cSld>
@@ -2781,7 +2698,7 @@
     </p:spTree>
     <p:extLst>
       <p:ext uri="{BB962C8B-B14F-4D97-AF65-F5344CB8AC3E}">
-        <p14:creationId xmlns:p14="http://schemas.microsoft.com/office/powerpoint/2010/main" val="2096713939"/>
+        <p14:creationId xmlns:p14="http://schemas.microsoft.com/office/powerpoint/2010/main" val="2012625935"/>
       </p:ext>
     </p:extLst>
   </p:cSld>
@@ -2865,7 +2782,7 @@
     </p:spTree>
     <p:extLst>
       <p:ext uri="{BB962C8B-B14F-4D97-AF65-F5344CB8AC3E}">
-        <p14:creationId xmlns:p14="http://schemas.microsoft.com/office/powerpoint/2010/main" val="3538490224"/>
+        <p14:creationId xmlns:p14="http://schemas.microsoft.com/office/powerpoint/2010/main" val="3158462973"/>
       </p:ext>
     </p:extLst>
   </p:cSld>
@@ -2949,7 +2866,7 @@
     </p:spTree>
     <p:extLst>
       <p:ext uri="{BB962C8B-B14F-4D97-AF65-F5344CB8AC3E}">
-        <p14:creationId xmlns:p14="http://schemas.microsoft.com/office/powerpoint/2010/main" val="861583635"/>
+        <p14:creationId xmlns:p14="http://schemas.microsoft.com/office/powerpoint/2010/main" val="814882985"/>
       </p:ext>
     </p:extLst>
   </p:cSld>
@@ -20717,341 +20634,6 @@
       </p:grpSpPr>
       <p:sp>
         <p:nvSpPr>
-          <p:cNvPr id="2" name="Title 1"/>
-          <p:cNvSpPr>
-            <a:spLocks noGrp="1"/>
-          </p:cNvSpPr>
-          <p:nvPr>
-            <p:ph type="title"/>
-          </p:nvPr>
-        </p:nvSpPr>
-        <p:spPr/>
-        <p:txBody>
-          <a:bodyPr/>
-          <a:lstStyle/>
-          <a:p>
-            <a:r>
-              <a:rPr lang="en-US" dirty="0"/>
-              <a:t>Customer objections</a:t>
-            </a:r>
-          </a:p>
-        </p:txBody>
-      </p:sp>
-      <p:sp>
-        <p:nvSpPr>
-          <p:cNvPr id="3" name="Content Placeholder 2"/>
-          <p:cNvSpPr>
-            <a:spLocks noGrp="1"/>
-          </p:cNvSpPr>
-          <p:nvPr>
-            <p:ph type="body" sz="quarter" idx="10"/>
-          </p:nvPr>
-        </p:nvSpPr>
-        <p:spPr>
-          <a:xfrm>
-            <a:off x="269239" y="1189177"/>
-            <a:ext cx="11653523" cy="3705886"/>
-          </a:xfrm>
-        </p:spPr>
-        <p:txBody>
-          <a:bodyPr/>
-          <a:lstStyle/>
-          <a:p>
-            <a:pPr marL="514350" indent="-514350">
-              <a:buFont typeface="+mj-lt"/>
-              <a:buAutoNum type="arabicPeriod"/>
-            </a:pPr>
-            <a:r>
-              <a:rPr lang="en-US" sz="3200" dirty="0"/>
-              <a:t>It appears there are multiple options of hosting SQL databases in Azure. What's the best option to choose, and how do you know it'll be compatible?</a:t>
-            </a:r>
-          </a:p>
-          <a:p>
-            <a:pPr marL="514350" indent="-514350">
-              <a:buFont typeface="+mj-lt"/>
-              <a:buAutoNum type="arabicPeriod"/>
-            </a:pPr>
-            <a:r>
-              <a:rPr lang="en-US" sz="3200" dirty="0"/>
-              <a:t>What kind of downtime will be incurred when migrating the Windows Server and SQL Server workloads to Azure?</a:t>
-            </a:r>
-          </a:p>
-          <a:p>
-            <a:pPr marL="514350" indent="-514350">
-              <a:buFont typeface="+mj-lt"/>
-              <a:buAutoNum type="arabicPeriod"/>
-            </a:pPr>
-            <a:r>
-              <a:rPr lang="en-US" dirty="0"/>
-              <a:t>Will we be able to rollback to the on-premises VMs if the migration fails?</a:t>
-            </a:r>
-          </a:p>
-        </p:txBody>
-      </p:sp>
-    </p:spTree>
-    <p:extLst>
-      <p:ext uri="{BB962C8B-B14F-4D97-AF65-F5344CB8AC3E}">
-        <p14:creationId xmlns:p14="http://schemas.microsoft.com/office/powerpoint/2010/main" val="1896905197"/>
-      </p:ext>
-    </p:extLst>
-  </p:cSld>
-  <p:clrMapOvr>
-    <a:masterClrMapping/>
-  </p:clrMapOvr>
-  <p:transition>
-    <p:fade/>
-  </p:transition>
-</p:sld>
-</file>
-
-<file path=ppt/slides/slide11.xml><?xml version="1.0" encoding="utf-8"?>
-<p:sld xmlns:a="http://schemas.openxmlformats.org/drawingml/2006/main" xmlns:r="http://schemas.openxmlformats.org/officeDocument/2006/relationships" xmlns:p="http://schemas.openxmlformats.org/presentationml/2006/main">
-  <p:cSld>
-    <p:bg>
-      <p:bgPr>
-        <a:solidFill>
-          <a:srgbClr val="0078D7"/>
-        </a:solidFill>
-        <a:effectLst/>
-      </p:bgPr>
-    </p:bg>
-    <p:spTree>
-      <p:nvGrpSpPr>
-        <p:cNvPr id="1" name=""/>
-        <p:cNvGrpSpPr/>
-        <p:nvPr/>
-      </p:nvGrpSpPr>
-      <p:grpSpPr>
-        <a:xfrm>
-          <a:off x="0" y="0"/>
-          <a:ext cx="0" cy="0"/>
-          <a:chOff x="0" y="0"/>
-          <a:chExt cx="0" cy="0"/>
-        </a:xfrm>
-      </p:grpSpPr>
-      <p:sp>
-        <p:nvSpPr>
-          <p:cNvPr id="2" name="Title 1"/>
-          <p:cNvSpPr>
-            <a:spLocks noGrp="1"/>
-          </p:cNvSpPr>
-          <p:nvPr>
-            <p:ph type="title"/>
-          </p:nvPr>
-        </p:nvSpPr>
-        <p:spPr/>
-        <p:txBody>
-          <a:bodyPr/>
-          <a:lstStyle/>
-          <a:p>
-            <a:r>
-              <a:rPr lang="en-US" dirty="0"/>
-              <a:t>Customer objections (continued)</a:t>
-            </a:r>
-          </a:p>
-        </p:txBody>
-      </p:sp>
-      <p:sp>
-        <p:nvSpPr>
-          <p:cNvPr id="3" name="Content Placeholder 2"/>
-          <p:cNvSpPr>
-            <a:spLocks noGrp="1"/>
-          </p:cNvSpPr>
-          <p:nvPr>
-            <p:ph type="body" sz="quarter" idx="10"/>
-          </p:nvPr>
-        </p:nvSpPr>
-        <p:spPr>
-          <a:xfrm>
-            <a:off x="269239" y="1189177"/>
-            <a:ext cx="11653523" cy="2719655"/>
-          </a:xfrm>
-        </p:spPr>
-        <p:txBody>
-          <a:bodyPr/>
-          <a:lstStyle/>
-          <a:p>
-            <a:pPr marL="514350" indent="-514350">
-              <a:buFont typeface="+mj-lt"/>
-              <a:buAutoNum type="arabicPeriod"/>
-            </a:pPr>
-            <a:r>
-              <a:rPr lang="en-US" sz="3200" dirty="0"/>
-              <a:t>Tailspin has negotiated an Enterprise Agreement (EA) with Microsoft for their Azure consumption. Any cost estimates need to reflect their EA discount.</a:t>
-            </a:r>
-          </a:p>
-          <a:p>
-            <a:pPr marL="514350" indent="-514350">
-              <a:buFont typeface="+mj-lt"/>
-              <a:buAutoNum type="arabicPeriod"/>
-            </a:pPr>
-            <a:r>
-              <a:rPr lang="en-US" sz="3200" dirty="0"/>
-              <a:t>Would there be further savings from the use of PaaS services?</a:t>
-            </a:r>
-          </a:p>
-          <a:p>
-            <a:pPr marL="514350" indent="-514350">
-              <a:buFont typeface="+mj-lt"/>
-              <a:buAutoNum type="arabicPeriod"/>
-            </a:pPr>
-            <a:endParaRPr lang="en-US" dirty="0"/>
-          </a:p>
-        </p:txBody>
-      </p:sp>
-    </p:spTree>
-    <p:extLst>
-      <p:ext uri="{BB962C8B-B14F-4D97-AF65-F5344CB8AC3E}">
-        <p14:creationId xmlns:p14="http://schemas.microsoft.com/office/powerpoint/2010/main" val="3338709942"/>
-      </p:ext>
-    </p:extLst>
-  </p:cSld>
-  <p:clrMapOvr>
-    <a:masterClrMapping/>
-  </p:clrMapOvr>
-  <p:transition>
-    <p:fade/>
-  </p:transition>
-</p:sld>
-</file>
-
-<file path=ppt/slides/slide12.xml><?xml version="1.0" encoding="utf-8"?>
-<p:sld xmlns:a="http://schemas.openxmlformats.org/drawingml/2006/main" xmlns:r="http://schemas.openxmlformats.org/officeDocument/2006/relationships" xmlns:p="http://schemas.openxmlformats.org/presentationml/2006/main">
-  <p:cSld>
-    <p:bg>
-      <p:bgPr>
-        <a:solidFill>
-          <a:srgbClr val="0078D7"/>
-        </a:solidFill>
-        <a:effectLst/>
-      </p:bgPr>
-    </p:bg>
-    <p:spTree>
-      <p:nvGrpSpPr>
-        <p:cNvPr id="1" name=""/>
-        <p:cNvGrpSpPr/>
-        <p:nvPr/>
-      </p:nvGrpSpPr>
-      <p:grpSpPr>
-        <a:xfrm>
-          <a:off x="0" y="0"/>
-          <a:ext cx="0" cy="0"/>
-          <a:chOff x="0" y="0"/>
-          <a:chExt cx="0" cy="0"/>
-        </a:xfrm>
-      </p:grpSpPr>
-      <p:sp>
-        <p:nvSpPr>
-          <p:cNvPr id="2" name="Title 1" descr="Diagram depicting a wide range of Azure services: Domain Controller VM, SQL Server in VM, Web VM, Load Balancer, Azure Backup, Azure Site Recovery, SQL Server AlwaysOn Availability Groups, Traffic Manager, Availability Zones, Web Apps, Storage, VPN Gateway, SQL Database, Front Door"/>
-          <p:cNvSpPr>
-            <a:spLocks noGrp="1"/>
-          </p:cNvSpPr>
-          <p:nvPr>
-            <p:ph type="title"/>
-          </p:nvPr>
-        </p:nvSpPr>
-        <p:spPr/>
-        <p:txBody>
-          <a:bodyPr/>
-          <a:lstStyle/>
-          <a:p>
-            <a:r>
-              <a:rPr lang="en-US" dirty="0"/>
-              <a:t>Common scenarios</a:t>
-            </a:r>
-          </a:p>
-        </p:txBody>
-      </p:sp>
-      <p:pic>
-        <p:nvPicPr>
-          <p:cNvPr id="1026" name="Picture 2" descr="Hub-spoke network topology in Azure">
-            <a:extLst>
-              <a:ext uri="{FF2B5EF4-FFF2-40B4-BE49-F238E27FC236}">
-                <a16:creationId xmlns:a16="http://schemas.microsoft.com/office/drawing/2014/main" id="{D4686063-FA50-7605-92DE-7912FACEE7C9}"/>
-              </a:ext>
-            </a:extLst>
-          </p:cNvPr>
-          <p:cNvPicPr>
-            <a:picLocks noChangeAspect="1" noChangeArrowheads="1"/>
-          </p:cNvPicPr>
-          <p:nvPr/>
-        </p:nvPicPr>
-        <p:blipFill>
-          <a:blip r:embed="rId3">
-            <a:extLst>
-              <a:ext uri="{28A0092B-C50C-407E-A947-70E740481C1C}">
-                <a14:useLocalDpi xmlns:a14="http://schemas.microsoft.com/office/drawing/2010/main" val="0"/>
-              </a:ext>
-            </a:extLst>
-          </a:blip>
-          <a:srcRect/>
-          <a:stretch>
-            <a:fillRect/>
-          </a:stretch>
-        </p:blipFill>
-        <p:spPr bwMode="auto">
-          <a:xfrm>
-            <a:off x="1011836" y="1353248"/>
-            <a:ext cx="10168328" cy="5215241"/>
-          </a:xfrm>
-          <a:prstGeom prst="rect">
-            <a:avLst/>
-          </a:prstGeom>
-          <a:noFill/>
-          <a:extLst>
-            <a:ext uri="{909E8E84-426E-40DD-AFC4-6F175D3DCCD1}">
-              <a14:hiddenFill xmlns:a14="http://schemas.microsoft.com/office/drawing/2010/main">
-                <a:solidFill>
-                  <a:srgbClr val="FFFFFF"/>
-                </a:solidFill>
-              </a14:hiddenFill>
-            </a:ext>
-          </a:extLst>
-        </p:spPr>
-      </p:pic>
-    </p:spTree>
-    <p:extLst>
-      <p:ext uri="{BB962C8B-B14F-4D97-AF65-F5344CB8AC3E}">
-        <p14:creationId xmlns:p14="http://schemas.microsoft.com/office/powerpoint/2010/main" val="2614745471"/>
-      </p:ext>
-    </p:extLst>
-  </p:cSld>
-  <p:clrMapOvr>
-    <a:masterClrMapping/>
-  </p:clrMapOvr>
-  <p:transition>
-    <p:fade/>
-  </p:transition>
-</p:sld>
-</file>
-
-<file path=ppt/slides/slide13.xml><?xml version="1.0" encoding="utf-8"?>
-<p:sld xmlns:a="http://schemas.openxmlformats.org/drawingml/2006/main" xmlns:r="http://schemas.openxmlformats.org/officeDocument/2006/relationships" xmlns:p="http://schemas.openxmlformats.org/presentationml/2006/main">
-  <p:cSld>
-    <p:bg>
-      <p:bgPr>
-        <a:solidFill>
-          <a:srgbClr val="0078D7"/>
-        </a:solidFill>
-        <a:effectLst/>
-      </p:bgPr>
-    </p:bg>
-    <p:spTree>
-      <p:nvGrpSpPr>
-        <p:cNvPr id="1" name=""/>
-        <p:cNvGrpSpPr/>
-        <p:nvPr/>
-      </p:nvGrpSpPr>
-      <p:grpSpPr>
-        <a:xfrm>
-          <a:off x="0" y="0"/>
-          <a:ext cx="0" cy="0"/>
-          <a:chOff x="0" y="0"/>
-          <a:chExt cx="0" cy="0"/>
-        </a:xfrm>
-      </p:grpSpPr>
-      <p:sp>
-        <p:nvSpPr>
           <p:cNvPr id="2" name="Title 1" descr="Diagram depicting a wide range of Azure services: Domain Controller VM, SQL Server in VM, Web VM, Load Balancer, Azure Backup, Azure Site Recovery, SQL Server AlwaysOn Availability Groups, Traffic Manager, Availability Zones, Web Apps, Storage, VPN Gateway, SQL Database, Front Door"/>
           <p:cNvSpPr>
             <a:spLocks noGrp="1"/>
@@ -21135,7 +20717,7 @@
 </p:sld>
 </file>
 
-<file path=ppt/slides/slide14.xml><?xml version="1.0" encoding="utf-8"?>
+<file path=ppt/slides/slide11.xml><?xml version="1.0" encoding="utf-8"?>
 <p:sld xmlns:a="http://schemas.openxmlformats.org/drawingml/2006/main" xmlns:r="http://schemas.openxmlformats.org/officeDocument/2006/relationships" xmlns:p="http://schemas.openxmlformats.org/presentationml/2006/main">
   <p:cSld>
     <p:spTree>
@@ -21789,7 +21371,7 @@
 </p:sld>
 </file>
 
-<file path=ppt/slides/slide15.xml><?xml version="1.0" encoding="utf-8"?>
+<file path=ppt/slides/slide12.xml><?xml version="1.0" encoding="utf-8"?>
 <p:sld xmlns:a="http://schemas.openxmlformats.org/drawingml/2006/main" xmlns:r="http://schemas.openxmlformats.org/officeDocument/2006/relationships" xmlns:p="http://schemas.openxmlformats.org/presentationml/2006/main">
   <p:cSld>
     <p:spTree>
@@ -22445,7 +22027,7 @@
 </p:sld>
 </file>
 
-<file path=ppt/slides/slide16.xml><?xml version="1.0" encoding="utf-8"?>
+<file path=ppt/slides/slide13.xml><?xml version="1.0" encoding="utf-8"?>
 <p:sld xmlns:a="http://schemas.openxmlformats.org/drawingml/2006/main" xmlns:r="http://schemas.openxmlformats.org/officeDocument/2006/relationships" xmlns:p="http://schemas.openxmlformats.org/presentationml/2006/main">
   <p:cSld>
     <p:spTree>
@@ -22719,7 +22301,7 @@
 </p:sld>
 </file>
 
-<file path=ppt/slides/slide17.xml><?xml version="1.0" encoding="utf-8"?>
+<file path=ppt/slides/slide14.xml><?xml version="1.0" encoding="utf-8"?>
 <p:sld xmlns:a="http://schemas.openxmlformats.org/drawingml/2006/main" xmlns:r="http://schemas.openxmlformats.org/officeDocument/2006/relationships" xmlns:p="http://schemas.openxmlformats.org/presentationml/2006/main">
   <p:cSld>
     <p:bg>
@@ -22828,6 +22410,380 @@
       <p:transition/>
     </mc:Fallback>
   </mc:AlternateContent>
+</p:sld>
+</file>
+
+<file path=ppt/slides/slide15.xml><?xml version="1.0" encoding="utf-8"?>
+<p:sld xmlns:a="http://schemas.openxmlformats.org/drawingml/2006/main" xmlns:r="http://schemas.openxmlformats.org/officeDocument/2006/relationships" xmlns:p="http://schemas.openxmlformats.org/presentationml/2006/main">
+  <p:cSld>
+    <p:bg>
+      <p:bgPr>
+        <a:solidFill>
+          <a:srgbClr val="0078D7"/>
+        </a:solidFill>
+        <a:effectLst/>
+      </p:bgPr>
+    </p:bg>
+    <p:spTree>
+      <p:nvGrpSpPr>
+        <p:cNvPr id="1" name=""/>
+        <p:cNvGrpSpPr/>
+        <p:nvPr/>
+      </p:nvGrpSpPr>
+      <p:grpSpPr>
+        <a:xfrm>
+          <a:off x="0" y="0"/>
+          <a:ext cx="0" cy="0"/>
+          <a:chOff x="0" y="0"/>
+          <a:chExt cx="0" cy="0"/>
+        </a:xfrm>
+      </p:grpSpPr>
+      <p:sp>
+        <p:nvSpPr>
+          <p:cNvPr id="2" name="Title 1"/>
+          <p:cNvSpPr>
+            <a:spLocks noGrp="1"/>
+          </p:cNvSpPr>
+          <p:nvPr>
+            <p:ph type="title"/>
+          </p:nvPr>
+        </p:nvSpPr>
+        <p:spPr/>
+        <p:txBody>
+          <a:bodyPr/>
+          <a:lstStyle/>
+          <a:p>
+            <a:r>
+              <a:rPr lang="en-US" dirty="0"/>
+              <a:t>Preferred Solution</a:t>
+            </a:r>
+          </a:p>
+        </p:txBody>
+      </p:sp>
+      <p:sp>
+        <p:nvSpPr>
+          <p:cNvPr id="4" name="Text Placeholder 3">
+            <a:extLst>
+              <a:ext uri="{FF2B5EF4-FFF2-40B4-BE49-F238E27FC236}">
+                <a16:creationId xmlns:a16="http://schemas.microsoft.com/office/drawing/2014/main" id="{36E9075A-B9AD-4E5B-9193-F34DB65D2D3A}"/>
+              </a:ext>
+            </a:extLst>
+          </p:cNvPr>
+          <p:cNvSpPr>
+            <a:spLocks noGrp="1"/>
+          </p:cNvSpPr>
+          <p:nvPr>
+            <p:ph type="body" sz="quarter" idx="10"/>
+          </p:nvPr>
+        </p:nvSpPr>
+        <p:spPr>
+          <a:xfrm>
+            <a:off x="269239" y="1189177"/>
+            <a:ext cx="11655840" cy="4333494"/>
+          </a:xfrm>
+        </p:spPr>
+        <p:txBody>
+          <a:bodyPr/>
+          <a:lstStyle/>
+          <a:p>
+            <a:pPr marL="0" indent="0">
+              <a:buNone/>
+            </a:pPr>
+            <a:r>
+              <a:rPr lang="en-IE" sz="3200" dirty="0"/>
+              <a:t>How will you migrate the on-premises workloads to Azure?</a:t>
+            </a:r>
+          </a:p>
+          <a:p>
+            <a:pPr marL="0" indent="0">
+              <a:buNone/>
+            </a:pPr>
+            <a:endParaRPr lang="en-IE" sz="3200" dirty="0"/>
+          </a:p>
+          <a:p>
+            <a:pPr marL="0" indent="0">
+              <a:buNone/>
+            </a:pPr>
+            <a:r>
+              <a:rPr lang="en-US" sz="3200" dirty="0"/>
+              <a:t>Since it is recommended to upgrade the version of Windows Server from 2012 to 2022, it will be necessary to create new servers. In this case, Azure Migrate wont be able to be used to lift and shift the on-premises VMs into Azure. For this reason, the Azure VMs will be created new and the application workloads will be installed and configured on the new VMs.</a:t>
+            </a:r>
+            <a:endParaRPr lang="en-IE" sz="3200" dirty="0"/>
+          </a:p>
+          <a:p>
+            <a:pPr marL="0" indent="0">
+              <a:buNone/>
+            </a:pPr>
+            <a:endParaRPr lang="en-IE" sz="2400" dirty="0"/>
+          </a:p>
+        </p:txBody>
+      </p:sp>
+    </p:spTree>
+    <p:extLst>
+      <p:ext uri="{BB962C8B-B14F-4D97-AF65-F5344CB8AC3E}">
+        <p14:creationId xmlns:p14="http://schemas.microsoft.com/office/powerpoint/2010/main" val="1255810186"/>
+      </p:ext>
+    </p:extLst>
+  </p:cSld>
+  <p:clrMapOvr>
+    <a:masterClrMapping/>
+  </p:clrMapOvr>
+  <p:transition>
+    <p:fade/>
+  </p:transition>
+</p:sld>
+</file>
+
+<file path=ppt/slides/slide16.xml><?xml version="1.0" encoding="utf-8"?>
+<p:sld xmlns:a="http://schemas.openxmlformats.org/drawingml/2006/main" xmlns:r="http://schemas.openxmlformats.org/officeDocument/2006/relationships" xmlns:p="http://schemas.openxmlformats.org/presentationml/2006/main">
+  <p:cSld>
+    <p:bg>
+      <p:bgPr>
+        <a:solidFill>
+          <a:srgbClr val="0078D7"/>
+        </a:solidFill>
+        <a:effectLst/>
+      </p:bgPr>
+    </p:bg>
+    <p:spTree>
+      <p:nvGrpSpPr>
+        <p:cNvPr id="1" name=""/>
+        <p:cNvGrpSpPr/>
+        <p:nvPr/>
+      </p:nvGrpSpPr>
+      <p:grpSpPr>
+        <a:xfrm>
+          <a:off x="0" y="0"/>
+          <a:ext cx="0" cy="0"/>
+          <a:chOff x="0" y="0"/>
+          <a:chExt cx="0" cy="0"/>
+        </a:xfrm>
+      </p:grpSpPr>
+      <p:sp>
+        <p:nvSpPr>
+          <p:cNvPr id="2" name="Title 1"/>
+          <p:cNvSpPr>
+            <a:spLocks noGrp="1"/>
+          </p:cNvSpPr>
+          <p:nvPr>
+            <p:ph type="title"/>
+          </p:nvPr>
+        </p:nvSpPr>
+        <p:spPr/>
+        <p:txBody>
+          <a:bodyPr/>
+          <a:lstStyle/>
+          <a:p>
+            <a:r>
+              <a:rPr lang="en-US" dirty="0"/>
+              <a:t>Preferred Solution</a:t>
+            </a:r>
+          </a:p>
+        </p:txBody>
+      </p:sp>
+      <p:sp>
+        <p:nvSpPr>
+          <p:cNvPr id="7" name="Text Placeholder 3">
+            <a:extLst>
+              <a:ext uri="{FF2B5EF4-FFF2-40B4-BE49-F238E27FC236}">
+                <a16:creationId xmlns:a16="http://schemas.microsoft.com/office/drawing/2014/main" id="{C9E3FBCA-8DE2-28ED-569C-4BE0F1341CF3}"/>
+              </a:ext>
+            </a:extLst>
+          </p:cNvPr>
+          <p:cNvSpPr>
+            <a:spLocks noGrp="1"/>
+          </p:cNvSpPr>
+          <p:nvPr>
+            <p:ph type="body" sz="quarter" idx="10"/>
+          </p:nvPr>
+        </p:nvSpPr>
+        <p:spPr>
+          <a:xfrm>
+            <a:off x="269239" y="1189177"/>
+            <a:ext cx="11655840" cy="5906232"/>
+          </a:xfrm>
+        </p:spPr>
+        <p:txBody>
+          <a:bodyPr/>
+          <a:lstStyle/>
+          <a:p>
+            <a:pPr marL="0" indent="0">
+              <a:buNone/>
+            </a:pPr>
+            <a:r>
+              <a:rPr lang="en-IE" sz="3200" dirty="0"/>
+              <a:t>How will you migrate the SQL Server workloads to Azure?</a:t>
+            </a:r>
+          </a:p>
+          <a:p>
+            <a:pPr marL="0" indent="0">
+              <a:buNone/>
+            </a:pPr>
+            <a:endParaRPr lang="en-IE" sz="800" dirty="0"/>
+          </a:p>
+          <a:p>
+            <a:pPr marL="0" indent="0">
+              <a:buNone/>
+            </a:pPr>
+            <a:r>
+              <a:rPr lang="en-IE" sz="3200" dirty="0"/>
+              <a:t>For the SQL Server databases, Tailspin should use the Microsoft Data Migration Assistant (DMA) to assess database migration readiness. Using DMA to examine the existing on-premises databases will report any compatibility issues ahead of attempting the migration. Typically, SQL Server databases can be migrated to Azure SQL Database or Azure SQL Database Managed Instances. Also, Azure SQL Managed Instances offers greater compatibility with the on-premises SQL Server. SQL Server in Azure VMs could be used, however this will negate the advantages of using a managed service that eliminates the requirement for on-going VM maintenance.</a:t>
+            </a:r>
+            <a:endParaRPr lang="en-IE" sz="2400" dirty="0"/>
+          </a:p>
+        </p:txBody>
+      </p:sp>
+    </p:spTree>
+    <p:extLst>
+      <p:ext uri="{BB962C8B-B14F-4D97-AF65-F5344CB8AC3E}">
+        <p14:creationId xmlns:p14="http://schemas.microsoft.com/office/powerpoint/2010/main" val="1801370842"/>
+      </p:ext>
+    </p:extLst>
+  </p:cSld>
+  <p:clrMapOvr>
+    <a:overrideClrMapping bg1="dk1" tx1="lt1" bg2="dk2" tx2="lt2" accent1="accent1" accent2="accent2" accent3="accent3" accent4="accent4" accent5="accent5" accent6="accent6" hlink="hlink" folHlink="folHlink"/>
+  </p:clrMapOvr>
+  <p:transition>
+    <p:fade/>
+  </p:transition>
+</p:sld>
+</file>
+
+<file path=ppt/slides/slide17.xml><?xml version="1.0" encoding="utf-8"?>
+<p:sld xmlns:a="http://schemas.openxmlformats.org/drawingml/2006/main" xmlns:r="http://schemas.openxmlformats.org/officeDocument/2006/relationships" xmlns:p="http://schemas.openxmlformats.org/presentationml/2006/main">
+  <p:cSld>
+    <p:bg>
+      <p:bgPr>
+        <a:solidFill>
+          <a:srgbClr val="0078D7"/>
+        </a:solidFill>
+        <a:effectLst/>
+      </p:bgPr>
+    </p:bg>
+    <p:spTree>
+      <p:nvGrpSpPr>
+        <p:cNvPr id="1" name=""/>
+        <p:cNvGrpSpPr/>
+        <p:nvPr/>
+      </p:nvGrpSpPr>
+      <p:grpSpPr>
+        <a:xfrm>
+          <a:off x="0" y="0"/>
+          <a:ext cx="0" cy="0"/>
+          <a:chOff x="0" y="0"/>
+          <a:chExt cx="0" cy="0"/>
+        </a:xfrm>
+      </p:grpSpPr>
+      <p:sp>
+        <p:nvSpPr>
+          <p:cNvPr id="2" name="Title 1"/>
+          <p:cNvSpPr>
+            <a:spLocks noGrp="1"/>
+          </p:cNvSpPr>
+          <p:nvPr>
+            <p:ph type="title"/>
+          </p:nvPr>
+        </p:nvSpPr>
+        <p:spPr/>
+        <p:txBody>
+          <a:bodyPr/>
+          <a:lstStyle/>
+          <a:p>
+            <a:r>
+              <a:rPr lang="en-US" dirty="0"/>
+              <a:t>Preferred Solution</a:t>
+            </a:r>
+          </a:p>
+        </p:txBody>
+      </p:sp>
+      <p:sp>
+        <p:nvSpPr>
+          <p:cNvPr id="7" name="Text Placeholder 3">
+            <a:extLst>
+              <a:ext uri="{FF2B5EF4-FFF2-40B4-BE49-F238E27FC236}">
+                <a16:creationId xmlns:a16="http://schemas.microsoft.com/office/drawing/2014/main" id="{C9E3FBCA-8DE2-28ED-569C-4BE0F1341CF3}"/>
+              </a:ext>
+            </a:extLst>
+          </p:cNvPr>
+          <p:cNvSpPr>
+            <a:spLocks noGrp="1"/>
+          </p:cNvSpPr>
+          <p:nvPr>
+            <p:ph type="body" sz="quarter" idx="10"/>
+          </p:nvPr>
+        </p:nvSpPr>
+        <p:spPr>
+          <a:xfrm>
+            <a:off x="269239" y="1189177"/>
+            <a:ext cx="11655840" cy="5626156"/>
+          </a:xfrm>
+        </p:spPr>
+        <p:txBody>
+          <a:bodyPr/>
+          <a:lstStyle/>
+          <a:p>
+            <a:pPr marL="0" indent="0">
+              <a:buNone/>
+            </a:pPr>
+            <a:r>
+              <a:rPr lang="en-IE" sz="3200" dirty="0"/>
+              <a:t>Which workloads should remain on-premises and which should be considered to be migrated at a later time?</a:t>
+            </a:r>
+          </a:p>
+          <a:p>
+            <a:pPr marL="0" indent="0">
+              <a:buNone/>
+            </a:pPr>
+            <a:endParaRPr lang="en-IE" sz="1800" dirty="0"/>
+          </a:p>
+          <a:p>
+            <a:pPr marL="0" indent="0">
+              <a:buNone/>
+            </a:pPr>
+            <a:r>
+              <a:rPr lang="en-IE" sz="3200" dirty="0"/>
+              <a:t>Among the workloads that have identified for advice on migration to Azure, the Windows Domain Controllers are recommended to keep in the on-premises data-</a:t>
+            </a:r>
+            <a:r>
+              <a:rPr lang="en-IE" sz="3200" dirty="0" err="1"/>
+              <a:t>center</a:t>
+            </a:r>
+            <a:r>
+              <a:rPr lang="en-IE" sz="3200" dirty="0"/>
+              <a:t> at this time.</a:t>
+            </a:r>
+          </a:p>
+          <a:p>
+            <a:pPr marL="0" indent="0">
+              <a:buNone/>
+            </a:pPr>
+            <a:endParaRPr lang="en-IE" sz="2000" dirty="0"/>
+          </a:p>
+          <a:p>
+            <a:pPr marL="0" indent="0">
+              <a:buNone/>
+            </a:pPr>
+            <a:r>
+              <a:rPr lang="en-IE" sz="3200" dirty="0"/>
+              <a:t>It is recommended to migrate the on-premises Network File Shares and Ubuntu VMs to Azure in a later phase of their Azure adoption. A phased approach to the migration process will enable each workload to be methodically migrated to Azure while limiting the risk of downtime across the organization.</a:t>
+            </a:r>
+            <a:endParaRPr lang="en-IE" sz="2400" dirty="0"/>
+          </a:p>
+        </p:txBody>
+      </p:sp>
+    </p:spTree>
+    <p:extLst>
+      <p:ext uri="{BB962C8B-B14F-4D97-AF65-F5344CB8AC3E}">
+        <p14:creationId xmlns:p14="http://schemas.microsoft.com/office/powerpoint/2010/main" val="2076645318"/>
+      </p:ext>
+    </p:extLst>
+  </p:cSld>
+  <p:clrMapOvr>
+    <a:overrideClrMapping bg1="dk1" tx1="lt1" bg2="dk2" tx2="lt2" accent1="accent1" accent2="accent2" accent3="accent3" accent4="accent4" accent5="accent5" accent6="accent6" hlink="hlink" folHlink="folHlink"/>
+  </p:clrMapOvr>
+  <p:transition>
+    <p:fade/>
+  </p:transition>
 </p:sld>
 </file>
 
@@ -22873,17 +22829,17 @@
           <a:p>
             <a:r>
               <a:rPr lang="en-US" dirty="0"/>
-              <a:t>Solution Outcome 1</a:t>
+              <a:t>Preferred Solution</a:t>
             </a:r>
           </a:p>
         </p:txBody>
       </p:sp>
       <p:sp>
         <p:nvSpPr>
-          <p:cNvPr id="4" name="Text Placeholder 3">
+          <p:cNvPr id="7" name="Text Placeholder 3">
             <a:extLst>
               <a:ext uri="{FF2B5EF4-FFF2-40B4-BE49-F238E27FC236}">
-                <a16:creationId xmlns:a16="http://schemas.microsoft.com/office/drawing/2014/main" id="{36E9075A-B9AD-4E5B-9193-F34DB65D2D3A}"/>
+                <a16:creationId xmlns:a16="http://schemas.microsoft.com/office/drawing/2014/main" id="{C9E3FBCA-8DE2-28ED-569C-4BE0F1341CF3}"/>
               </a:ext>
             </a:extLst>
           </p:cNvPr>
@@ -22897,41 +22853,55 @@
         <p:spPr>
           <a:xfrm>
             <a:off x="269239" y="1189177"/>
-            <a:ext cx="6248917" cy="1329595"/>
+            <a:ext cx="11655840" cy="5886228"/>
           </a:xfrm>
         </p:spPr>
         <p:txBody>
           <a:bodyPr/>
           <a:lstStyle/>
           <a:p>
-            <a:r>
-              <a:rPr lang="en-IE" sz="2400" dirty="0"/>
-              <a:t>?</a:t>
-            </a:r>
-          </a:p>
-          <a:p>
-            <a:r>
-              <a:rPr lang="en-IE" sz="2400" dirty="0"/>
-              <a:t>?</a:t>
-            </a:r>
-          </a:p>
-          <a:p>
-            <a:r>
-              <a:rPr lang="en-IE" sz="2400" dirty="0"/>
-              <a:t>?</a:t>
-            </a:r>
+            <a:pPr marL="0" indent="0">
+              <a:buNone/>
+            </a:pPr>
+            <a:r>
+              <a:rPr lang="en-IE" sz="3200" dirty="0"/>
+              <a:t>How will they reduce the burden of managing both on-premises and Azure workloads?</a:t>
+            </a:r>
+          </a:p>
+          <a:p>
+            <a:pPr marL="0" indent="0">
+              <a:buNone/>
+            </a:pPr>
+            <a:endParaRPr lang="en-IE" sz="1100" dirty="0"/>
+          </a:p>
+          <a:p>
+            <a:pPr marL="0" indent="0">
+              <a:buNone/>
+            </a:pPr>
+            <a:r>
+              <a:rPr lang="en-IE" sz="3200" dirty="0"/>
+              <a:t>After some of their VMs are migrated to Azure, and others are still on-premises, it may be more burdensome to manage all their workloads in one place. For this, the use of Azure Arc is recommended. Azure Arc will enable Tailspin to centrally manage all their VMs in Azure and on-premises. Azure Arc supports managing both Windows and Linux servers and VMs.</a:t>
+            </a:r>
+            <a:br>
+              <a:rPr lang="en-IE" sz="800" dirty="0"/>
+            </a:br>
+            <a:r>
+              <a:rPr lang="en-IE" sz="3200" dirty="0"/>
+              <a:t>The on-premises Windows and Linux VMs can be Azure Arc-enabled by installing the Azure Connected Machine agent. The agent brings with it the ability to manage the VMs with Azure Arc, as well as all the great features the service has to offer.</a:t>
+            </a:r>
+            <a:endParaRPr lang="en-IE" sz="2400" dirty="0"/>
           </a:p>
         </p:txBody>
       </p:sp>
     </p:spTree>
     <p:extLst>
       <p:ext uri="{BB962C8B-B14F-4D97-AF65-F5344CB8AC3E}">
-        <p14:creationId xmlns:p14="http://schemas.microsoft.com/office/powerpoint/2010/main" val="1255810186"/>
+        <p14:creationId xmlns:p14="http://schemas.microsoft.com/office/powerpoint/2010/main" val="2834277284"/>
       </p:ext>
     </p:extLst>
   </p:cSld>
   <p:clrMapOvr>
-    <a:masterClrMapping/>
+    <a:overrideClrMapping bg1="dk1" tx1="lt1" bg2="dk2" tx2="lt2" accent1="accent1" accent2="accent2" accent3="accent3" accent4="accent4" accent5="accent5" accent6="accent6" hlink="hlink" folHlink="folHlink"/>
   </p:clrMapOvr>
   <p:transition>
     <p:fade/>
@@ -22942,14 +22912,6 @@
 <file path=ppt/slides/slide19.xml><?xml version="1.0" encoding="utf-8"?>
 <p:sld xmlns:a="http://schemas.openxmlformats.org/drawingml/2006/main" xmlns:r="http://schemas.openxmlformats.org/officeDocument/2006/relationships" xmlns:p="http://schemas.openxmlformats.org/presentationml/2006/main">
   <p:cSld>
-    <p:bg>
-      <p:bgPr>
-        <a:solidFill>
-          <a:srgbClr val="0078D7"/>
-        </a:solidFill>
-        <a:effectLst/>
-      </p:bgPr>
-    </p:bg>
     <p:spTree>
       <p:nvGrpSpPr>
         <p:cNvPr id="1" name=""/>
@@ -22966,32 +22928,10 @@
       </p:grpSpPr>
       <p:sp>
         <p:nvSpPr>
-          <p:cNvPr id="2" name="Title 1"/>
-          <p:cNvSpPr>
-            <a:spLocks noGrp="1"/>
-          </p:cNvSpPr>
-          <p:nvPr>
-            <p:ph type="title"/>
-          </p:nvPr>
-        </p:nvSpPr>
-        <p:spPr/>
-        <p:txBody>
-          <a:bodyPr/>
-          <a:lstStyle/>
-          <a:p>
-            <a:r>
-              <a:rPr lang="en-US" dirty="0"/>
-              <a:t>Solution Outcome 2</a:t>
-            </a:r>
-          </a:p>
-        </p:txBody>
-      </p:sp>
-      <p:sp>
-        <p:nvSpPr>
-          <p:cNvPr id="4" name="Text Placeholder 3">
+          <p:cNvPr id="2" name="Text Placeholder 1">
             <a:extLst>
               <a:ext uri="{FF2B5EF4-FFF2-40B4-BE49-F238E27FC236}">
-                <a16:creationId xmlns:a16="http://schemas.microsoft.com/office/drawing/2014/main" id="{36E9075A-B9AD-4E5B-9193-F34DB65D2D3A}"/>
+                <a16:creationId xmlns:a16="http://schemas.microsoft.com/office/drawing/2014/main" id="{09AE80E4-691C-E331-5972-7153DBB4E89E}"/>
               </a:ext>
             </a:extLst>
           </p:cNvPr>
@@ -23005,7 +22945,7 @@
         <p:spPr>
           <a:xfrm>
             <a:off x="269239" y="1189177"/>
-            <a:ext cx="6248917" cy="1329595"/>
+            <a:ext cx="11653523" cy="1514261"/>
           </a:xfrm>
         </p:spPr>
         <p:txBody>
@@ -23013,20 +22953,36 @@
           <a:lstStyle/>
           <a:p>
             <a:r>
-              <a:rPr lang="en-IE" sz="2400" dirty="0"/>
-              <a:t>?</a:t>
-            </a:r>
-          </a:p>
-          <a:p>
-            <a:r>
-              <a:rPr lang="en-IE" sz="2400" dirty="0"/>
-              <a:t>?</a:t>
-            </a:r>
-          </a:p>
-          <a:p>
-            <a:r>
-              <a:rPr lang="en-IE" sz="2400" dirty="0"/>
-              <a:t>?</a:t>
+              <a:rPr lang="en-US" sz="3200" dirty="0"/>
+              <a:t>Since Tailspin Toys and their current on-premises data center is in Milwaukee, WI. The nearest Azure Region to use will be North Central US.</a:t>
+            </a:r>
+          </a:p>
+        </p:txBody>
+      </p:sp>
+      <p:sp>
+        <p:nvSpPr>
+          <p:cNvPr id="3" name="Title 2">
+            <a:extLst>
+              <a:ext uri="{FF2B5EF4-FFF2-40B4-BE49-F238E27FC236}">
+                <a16:creationId xmlns:a16="http://schemas.microsoft.com/office/drawing/2014/main" id="{42DFD2E0-FC35-CEAB-760A-FA206E4A849E}"/>
+              </a:ext>
+            </a:extLst>
+          </p:cNvPr>
+          <p:cNvSpPr>
+            <a:spLocks noGrp="1"/>
+          </p:cNvSpPr>
+          <p:nvPr>
+            <p:ph type="title"/>
+          </p:nvPr>
+        </p:nvSpPr>
+        <p:spPr/>
+        <p:txBody>
+          <a:bodyPr/>
+          <a:lstStyle/>
+          <a:p>
+            <a:r>
+              <a:rPr lang="en-US" dirty="0"/>
+              <a:t>Preferred Solution (Pricing)</a:t>
             </a:r>
           </a:p>
         </p:txBody>
@@ -23034,7 +22990,7 @@
     </p:spTree>
     <p:extLst>
       <p:ext uri="{BB962C8B-B14F-4D97-AF65-F5344CB8AC3E}">
-        <p14:creationId xmlns:p14="http://schemas.microsoft.com/office/powerpoint/2010/main" val="1801370842"/>
+        <p14:creationId xmlns:p14="http://schemas.microsoft.com/office/powerpoint/2010/main" val="3428838001"/>
       </p:ext>
     </p:extLst>
   </p:cSld>
@@ -23179,14 +23135,6 @@
 <file path=ppt/slides/slide20.xml><?xml version="1.0" encoding="utf-8"?>
 <p:sld xmlns:a="http://schemas.openxmlformats.org/drawingml/2006/main" xmlns:r="http://schemas.openxmlformats.org/officeDocument/2006/relationships" xmlns:p="http://schemas.openxmlformats.org/presentationml/2006/main">
   <p:cSld>
-    <p:bg>
-      <p:bgPr>
-        <a:solidFill>
-          <a:srgbClr val="0078D7"/>
-        </a:solidFill>
-        <a:effectLst/>
-      </p:bgPr>
-    </p:bg>
     <p:spTree>
       <p:nvGrpSpPr>
         <p:cNvPr id="1" name=""/>
@@ -23203,7 +23151,13 @@
       </p:grpSpPr>
       <p:sp>
         <p:nvSpPr>
-          <p:cNvPr id="2" name="Title 1"/>
+          <p:cNvPr id="3" name="Title 2">
+            <a:extLst>
+              <a:ext uri="{FF2B5EF4-FFF2-40B4-BE49-F238E27FC236}">
+                <a16:creationId xmlns:a16="http://schemas.microsoft.com/office/drawing/2014/main" id="{42DFD2E0-FC35-CEAB-760A-FA206E4A849E}"/>
+              </a:ext>
+            </a:extLst>
+          </p:cNvPr>
           <p:cNvSpPr>
             <a:spLocks noGrp="1"/>
           </p:cNvSpPr>
@@ -23218,86 +23172,1521 @@
           <a:p>
             <a:r>
               <a:rPr lang="en-US" dirty="0"/>
-              <a:t>Customer objections</a:t>
+              <a:t>Preferred Solution (Pricing)</a:t>
             </a:r>
           </a:p>
         </p:txBody>
       </p:sp>
+      <p:graphicFrame>
+        <p:nvGraphicFramePr>
+          <p:cNvPr id="4" name="Table 3">
+            <a:extLst>
+              <a:ext uri="{FF2B5EF4-FFF2-40B4-BE49-F238E27FC236}">
+                <a16:creationId xmlns:a16="http://schemas.microsoft.com/office/drawing/2014/main" id="{A8566C2C-4600-8DDE-12BB-AF8353AE5438}"/>
+              </a:ext>
+            </a:extLst>
+          </p:cNvPr>
+          <p:cNvGraphicFramePr>
+            <a:graphicFrameLocks noGrp="1"/>
+          </p:cNvGraphicFramePr>
+          <p:nvPr>
+            <p:extLst>
+              <p:ext uri="{D42A27DB-BD31-4B8C-83A1-F6EECF244321}">
+                <p14:modId xmlns:p14="http://schemas.microsoft.com/office/powerpoint/2010/main" val="1533165101"/>
+              </p:ext>
+            </p:extLst>
+          </p:nvPr>
+        </p:nvGraphicFramePr>
+        <p:xfrm>
+          <a:off x="266920" y="1815955"/>
+          <a:ext cx="11652248" cy="1325880"/>
+        </p:xfrm>
+        <a:graphic>
+          <a:graphicData uri="http://schemas.openxmlformats.org/drawingml/2006/table">
+            <a:tbl>
+              <a:tblPr/>
+              <a:tblGrid>
+                <a:gridCol w="2913062">
+                  <a:extLst>
+                    <a:ext uri="{9D8B030D-6E8A-4147-A177-3AD203B41FA5}">
+                      <a16:colId xmlns:a16="http://schemas.microsoft.com/office/drawing/2014/main" val="3916417627"/>
+                    </a:ext>
+                  </a:extLst>
+                </a:gridCol>
+                <a:gridCol w="2913062">
+                  <a:extLst>
+                    <a:ext uri="{9D8B030D-6E8A-4147-A177-3AD203B41FA5}">
+                      <a16:colId xmlns:a16="http://schemas.microsoft.com/office/drawing/2014/main" val="3707413470"/>
+                    </a:ext>
+                  </a:extLst>
+                </a:gridCol>
+                <a:gridCol w="2913062">
+                  <a:extLst>
+                    <a:ext uri="{9D8B030D-6E8A-4147-A177-3AD203B41FA5}">
+                      <a16:colId xmlns:a16="http://schemas.microsoft.com/office/drawing/2014/main" val="3859286024"/>
+                    </a:ext>
+                  </a:extLst>
+                </a:gridCol>
+                <a:gridCol w="2913062">
+                  <a:extLst>
+                    <a:ext uri="{9D8B030D-6E8A-4147-A177-3AD203B41FA5}">
+                      <a16:colId xmlns:a16="http://schemas.microsoft.com/office/drawing/2014/main" val="353082666"/>
+                    </a:ext>
+                  </a:extLst>
+                </a:gridCol>
+              </a:tblGrid>
+              <a:tr h="383286">
+                <a:tc>
+                  <a:txBody>
+                    <a:bodyPr/>
+                    <a:lstStyle/>
+                    <a:p>
+                      <a:r>
+                        <a:rPr lang="en-US" sz="1800" b="1">
+                          <a:effectLst/>
+                        </a:rPr>
+                        <a:t>Component</a:t>
+                      </a:r>
+                      <a:endParaRPr lang="en-US" sz="1800">
+                        <a:effectLst/>
+                      </a:endParaRPr>
+                    </a:p>
+                  </a:txBody>
+                  <a:tcPr marL="123825" marR="123825" marT="57150" marB="57150" anchor="ctr">
+                    <a:lnL>
+                      <a:noFill/>
+                    </a:lnL>
+                    <a:lnR>
+                      <a:noFill/>
+                    </a:lnR>
+                    <a:lnT>
+                      <a:noFill/>
+                    </a:lnT>
+                    <a:lnB>
+                      <a:noFill/>
+                    </a:lnB>
+                    <a:solidFill>
+                      <a:srgbClr val="0D1117"/>
+                    </a:solidFill>
+                  </a:tcPr>
+                </a:tc>
+                <a:tc>
+                  <a:txBody>
+                    <a:bodyPr/>
+                    <a:lstStyle/>
+                    <a:p>
+                      <a:pPr algn="ctr"/>
+                      <a:r>
+                        <a:rPr lang="en-US" sz="1800" b="1">
+                          <a:effectLst/>
+                        </a:rPr>
+                        <a:t>Region</a:t>
+                      </a:r>
+                      <a:endParaRPr lang="en-US" sz="1800">
+                        <a:effectLst/>
+                      </a:endParaRPr>
+                    </a:p>
+                  </a:txBody>
+                  <a:tcPr marL="123825" marR="123825" marT="57150" marB="57150" anchor="ctr">
+                    <a:lnL>
+                      <a:noFill/>
+                    </a:lnL>
+                    <a:lnR>
+                      <a:noFill/>
+                    </a:lnR>
+                    <a:lnT>
+                      <a:noFill/>
+                    </a:lnT>
+                    <a:lnB>
+                      <a:noFill/>
+                    </a:lnB>
+                    <a:solidFill>
+                      <a:srgbClr val="0D1117"/>
+                    </a:solidFill>
+                  </a:tcPr>
+                </a:tc>
+                <a:tc>
+                  <a:txBody>
+                    <a:bodyPr/>
+                    <a:lstStyle/>
+                    <a:p>
+                      <a:pPr algn="ctr"/>
+                      <a:r>
+                        <a:rPr lang="en-US" sz="1800" b="1">
+                          <a:effectLst/>
+                        </a:rPr>
+                        <a:t>Details / Assumptions</a:t>
+                      </a:r>
+                      <a:endParaRPr lang="en-US" sz="1800">
+                        <a:effectLst/>
+                      </a:endParaRPr>
+                    </a:p>
+                  </a:txBody>
+                  <a:tcPr marL="123825" marR="123825" marT="57150" marB="57150" anchor="ctr">
+                    <a:lnL>
+                      <a:noFill/>
+                    </a:lnL>
+                    <a:lnR>
+                      <a:noFill/>
+                    </a:lnR>
+                    <a:lnT>
+                      <a:noFill/>
+                    </a:lnT>
+                    <a:lnB>
+                      <a:noFill/>
+                    </a:lnB>
+                    <a:solidFill>
+                      <a:srgbClr val="0D1117"/>
+                    </a:solidFill>
+                  </a:tcPr>
+                </a:tc>
+                <a:tc>
+                  <a:txBody>
+                    <a:bodyPr/>
+                    <a:lstStyle/>
+                    <a:p>
+                      <a:pPr algn="ctr"/>
+                      <a:r>
+                        <a:rPr lang="en-US" sz="1800" b="1">
+                          <a:effectLst/>
+                        </a:rPr>
+                        <a:t>Est. Monthly Cost (USD)</a:t>
+                      </a:r>
+                      <a:endParaRPr lang="en-US" sz="1800">
+                        <a:effectLst/>
+                      </a:endParaRPr>
+                    </a:p>
+                  </a:txBody>
+                  <a:tcPr marL="123825" marR="123825" marT="57150" marB="57150" anchor="ctr">
+                    <a:lnL>
+                      <a:noFill/>
+                    </a:lnL>
+                    <a:lnR>
+                      <a:noFill/>
+                    </a:lnR>
+                    <a:lnT>
+                      <a:noFill/>
+                    </a:lnT>
+                    <a:lnB>
+                      <a:noFill/>
+                    </a:lnB>
+                    <a:solidFill>
+                      <a:srgbClr val="0D1117"/>
+                    </a:solidFill>
+                  </a:tcPr>
+                </a:tc>
+                <a:extLst>
+                  <a:ext uri="{0D108BD9-81ED-4DB2-BD59-A6C34878D82A}">
+                    <a16:rowId xmlns:a16="http://schemas.microsoft.com/office/drawing/2014/main" val="245914466"/>
+                  </a:ext>
+                </a:extLst>
+              </a:tr>
+              <a:tr h="921258">
+                <a:tc>
+                  <a:txBody>
+                    <a:bodyPr/>
+                    <a:lstStyle/>
+                    <a:p>
+                      <a:r>
+                        <a:rPr lang="en-US" sz="1800">
+                          <a:effectLst/>
+                        </a:rPr>
+                        <a:t>Web VMs</a:t>
+                      </a:r>
+                    </a:p>
+                  </a:txBody>
+                  <a:tcPr marL="123825" marR="123825" marT="57150" marB="57150" anchor="ctr">
+                    <a:lnL>
+                      <a:noFill/>
+                    </a:lnL>
+                    <a:lnR>
+                      <a:noFill/>
+                    </a:lnR>
+                    <a:lnT>
+                      <a:noFill/>
+                    </a:lnT>
+                    <a:lnB>
+                      <a:noFill/>
+                    </a:lnB>
+                    <a:solidFill>
+                      <a:srgbClr val="0D1117"/>
+                    </a:solidFill>
+                  </a:tcPr>
+                </a:tc>
+                <a:tc>
+                  <a:txBody>
+                    <a:bodyPr/>
+                    <a:lstStyle/>
+                    <a:p>
+                      <a:pPr algn="ctr"/>
+                      <a:r>
+                        <a:rPr lang="en-US" sz="1800" dirty="0">
+                          <a:effectLst/>
+                        </a:rPr>
+                        <a:t>North Central US</a:t>
+                      </a:r>
+                    </a:p>
+                  </a:txBody>
+                  <a:tcPr marL="123825" marR="123825" marT="57150" marB="57150" anchor="ctr">
+                    <a:lnL>
+                      <a:noFill/>
+                    </a:lnL>
+                    <a:lnR>
+                      <a:noFill/>
+                    </a:lnR>
+                    <a:lnT>
+                      <a:noFill/>
+                    </a:lnT>
+                    <a:lnB>
+                      <a:noFill/>
+                    </a:lnB>
+                    <a:solidFill>
+                      <a:srgbClr val="0D1117"/>
+                    </a:solidFill>
+                  </a:tcPr>
+                </a:tc>
+                <a:tc>
+                  <a:txBody>
+                    <a:bodyPr/>
+                    <a:lstStyle/>
+                    <a:p>
+                      <a:pPr algn="ctr"/>
+                      <a:r>
+                        <a:rPr lang="en-US" sz="1800">
+                          <a:effectLst/>
+                        </a:rPr>
+                        <a:t>2x D4s v5 VMs (4 vCores, 16 GiB RAM) &amp; Windows Server 2022</a:t>
+                      </a:r>
+                    </a:p>
+                  </a:txBody>
+                  <a:tcPr marL="123825" marR="123825" marT="57150" marB="57150" anchor="ctr">
+                    <a:lnL>
+                      <a:noFill/>
+                    </a:lnL>
+                    <a:lnR>
+                      <a:noFill/>
+                    </a:lnR>
+                    <a:lnT>
+                      <a:noFill/>
+                    </a:lnT>
+                    <a:lnB>
+                      <a:noFill/>
+                    </a:lnB>
+                    <a:solidFill>
+                      <a:srgbClr val="0D1117"/>
+                    </a:solidFill>
+                  </a:tcPr>
+                </a:tc>
+                <a:tc>
+                  <a:txBody>
+                    <a:bodyPr/>
+                    <a:lstStyle/>
+                    <a:p>
+                      <a:pPr algn="ctr"/>
+                      <a:r>
+                        <a:rPr lang="en-US" sz="1800" dirty="0">
+                          <a:effectLst/>
+                        </a:rPr>
+                        <a:t>$140.00 each</a:t>
+                      </a:r>
+                    </a:p>
+                  </a:txBody>
+                  <a:tcPr marL="123825" marR="123825" marT="57150" marB="57150" anchor="ctr">
+                    <a:lnL>
+                      <a:noFill/>
+                    </a:lnL>
+                    <a:lnR>
+                      <a:noFill/>
+                    </a:lnR>
+                    <a:lnT>
+                      <a:noFill/>
+                    </a:lnT>
+                    <a:lnB>
+                      <a:noFill/>
+                    </a:lnB>
+                    <a:solidFill>
+                      <a:srgbClr val="0D1117"/>
+                    </a:solidFill>
+                  </a:tcPr>
+                </a:tc>
+                <a:extLst>
+                  <a:ext uri="{0D108BD9-81ED-4DB2-BD59-A6C34878D82A}">
+                    <a16:rowId xmlns:a16="http://schemas.microsoft.com/office/drawing/2014/main" val="1126006594"/>
+                  </a:ext>
+                </a:extLst>
+              </a:tr>
+            </a:tbl>
+          </a:graphicData>
+        </a:graphic>
+      </p:graphicFrame>
       <p:sp>
         <p:nvSpPr>
-          <p:cNvPr id="3" name="Content Placeholder 2"/>
-          <p:cNvSpPr>
-            <a:spLocks noGrp="1"/>
+          <p:cNvPr id="5" name="Text Placeholder 1">
+            <a:extLst>
+              <a:ext uri="{FF2B5EF4-FFF2-40B4-BE49-F238E27FC236}">
+                <a16:creationId xmlns:a16="http://schemas.microsoft.com/office/drawing/2014/main" id="{00FE0A81-7A29-5CD1-19C6-F09A25B0D307}"/>
+              </a:ext>
+            </a:extLst>
+          </p:cNvPr>
+          <p:cNvSpPr txBox="1">
+            <a:spLocks/>
           </p:cNvSpPr>
-          <p:nvPr>
-            <p:ph type="body" sz="quarter" idx="10"/>
-          </p:nvPr>
+          <p:nvPr/>
         </p:nvSpPr>
         <p:spPr>
           <a:xfrm>
-            <a:off x="269239" y="1189177"/>
-            <a:ext cx="11653523" cy="5689250"/>
+            <a:off x="265644" y="1125468"/>
+            <a:ext cx="11653523" cy="627864"/>
           </a:xfrm>
+          <a:prstGeom prst="rect">
+            <a:avLst/>
+          </a:prstGeom>
         </p:spPr>
         <p:txBody>
-          <a:bodyPr/>
-          <a:lstStyle/>
-          <a:p>
-            <a:pPr lvl="0"/>
-            <a:r>
-              <a:rPr lang="en-US" sz="3600" dirty="0">
-                <a:latin typeface="Segoe UI Semibold" panose="020B0702040204020203" pitchFamily="34" charset="0"/>
-                <a:cs typeface="Segoe UI Semibold" panose="020B0702040204020203" pitchFamily="34" charset="0"/>
-              </a:rPr>
-              <a:t>Objection</a:t>
-            </a:r>
-            <a:r>
-              <a:rPr lang="en-US" sz="3600" dirty="0"/>
-              <a:t> </a:t>
-            </a:r>
-          </a:p>
-          <a:p>
-            <a:r>
-              <a:rPr lang="en-US" sz="2400" dirty="0">
+          <a:bodyPr vert="horz" wrap="square" lIns="146304" tIns="91440" rIns="146304" bIns="91440" rtlCol="0">
+            <a:spAutoFit/>
+          </a:bodyPr>
+          <a:lstStyle>
+            <a:lvl1pPr marL="336145" marR="0" indent="-336145" algn="l" defTabSz="914367" rtl="0" eaLnBrk="1" fontAlgn="auto" latinLnBrk="0" hangingPunct="1">
+              <a:lnSpc>
+                <a:spcPct val="90000"/>
+              </a:lnSpc>
+              <a:spcBef>
+                <a:spcPct val="20000"/>
+              </a:spcBef>
+              <a:spcAft>
+                <a:spcPts val="0"/>
+              </a:spcAft>
+              <a:buClrTx/>
+              <a:buSzPct val="90000"/>
+              <a:buFont typeface="Arial" pitchFamily="34" charset="0"/>
+              <a:buChar char="•"/>
+              <a:tabLst/>
+              <a:defRPr sz="3921" kern="1200" spc="0" baseline="0">
+                <a:gradFill>
+                  <a:gsLst>
+                    <a:gs pos="1250">
+                      <a:schemeClr val="tx1"/>
+                    </a:gs>
+                    <a:gs pos="100000">
+                      <a:schemeClr val="tx1"/>
+                    </a:gs>
+                  </a:gsLst>
+                  <a:lin ang="5400000" scaled="0"/>
+                </a:gradFill>
+                <a:latin typeface="+mj-lt"/>
+                <a:ea typeface="+mn-ea"/>
+                <a:cs typeface="+mn-cs"/>
+              </a:defRPr>
+            </a:lvl1pPr>
+            <a:lvl2pPr marL="572691" marR="0" indent="-236546" algn="l" defTabSz="914367" rtl="0" eaLnBrk="1" fontAlgn="auto" latinLnBrk="0" hangingPunct="1">
+              <a:lnSpc>
+                <a:spcPct val="90000"/>
+              </a:lnSpc>
+              <a:spcBef>
+                <a:spcPct val="20000"/>
+              </a:spcBef>
+              <a:spcAft>
+                <a:spcPts val="0"/>
+              </a:spcAft>
+              <a:buClrTx/>
+              <a:buSzPct val="90000"/>
+              <a:buFont typeface="Arial" pitchFamily="34" charset="0"/>
+              <a:buChar char="•"/>
+              <a:tabLst/>
+              <a:defRPr sz="2353" kern="1200" spc="0" baseline="0">
+                <a:gradFill>
+                  <a:gsLst>
+                    <a:gs pos="1250">
+                      <a:schemeClr val="tx1"/>
+                    </a:gs>
+                    <a:gs pos="100000">
+                      <a:schemeClr val="tx1"/>
+                    </a:gs>
+                  </a:gsLst>
+                  <a:lin ang="5400000" scaled="0"/>
+                </a:gradFill>
                 <a:latin typeface="+mn-lt"/>
-              </a:rPr>
-              <a:t>It appears there are multiple options of hosting SQL databases in Azure. What's the best option to choose, and how do you know it'll be compatible?</a:t>
-            </a:r>
-          </a:p>
-          <a:p>
-            <a:endParaRPr lang="en-US" sz="1100" dirty="0"/>
-          </a:p>
-          <a:p>
-            <a:r>
-              <a:rPr lang="en-US" sz="3600" dirty="0">
-                <a:latin typeface="Segoe UI Semibold" panose="020B0702040204020203" pitchFamily="34" charset="0"/>
-                <a:cs typeface="Segoe UI Semibold" panose="020B0702040204020203" pitchFamily="34" charset="0"/>
-              </a:rPr>
-              <a:t>Potential answer</a:t>
-            </a:r>
-          </a:p>
-          <a:p>
-            <a:pPr marL="342900" indent="-342900">
-              <a:buFont typeface="Arial" panose="020B0604020202020204" pitchFamily="34" charset="0"/>
+                <a:ea typeface="+mn-ea"/>
+                <a:cs typeface="+mn-cs"/>
+              </a:defRPr>
+            </a:lvl2pPr>
+            <a:lvl3pPr marL="784338" marR="0" indent="-224097" algn="l" defTabSz="914367" rtl="0" eaLnBrk="1" fontAlgn="auto" latinLnBrk="0" hangingPunct="1">
+              <a:lnSpc>
+                <a:spcPct val="90000"/>
+              </a:lnSpc>
+              <a:spcBef>
+                <a:spcPct val="20000"/>
+              </a:spcBef>
+              <a:spcAft>
+                <a:spcPts val="0"/>
+              </a:spcAft>
+              <a:buClrTx/>
+              <a:buSzPct val="90000"/>
+              <a:buFont typeface="Arial" pitchFamily="34" charset="0"/>
               <a:buChar char="•"/>
+              <a:tabLst/>
+              <a:defRPr sz="1961" kern="1200" spc="0" baseline="0">
+                <a:gradFill>
+                  <a:gsLst>
+                    <a:gs pos="1250">
+                      <a:schemeClr val="tx1"/>
+                    </a:gs>
+                    <a:gs pos="100000">
+                      <a:schemeClr val="tx1"/>
+                    </a:gs>
+                  </a:gsLst>
+                  <a:lin ang="5400000" scaled="0"/>
+                </a:gradFill>
+                <a:latin typeface="+mn-lt"/>
+                <a:ea typeface="+mn-ea"/>
+                <a:cs typeface="+mn-cs"/>
+              </a:defRPr>
+            </a:lvl3pPr>
+            <a:lvl4pPr marL="1008435" marR="0" indent="-224097" algn="l" defTabSz="914367" rtl="0" eaLnBrk="1" fontAlgn="auto" latinLnBrk="0" hangingPunct="1">
+              <a:lnSpc>
+                <a:spcPct val="90000"/>
+              </a:lnSpc>
+              <a:spcBef>
+                <a:spcPct val="20000"/>
+              </a:spcBef>
+              <a:spcAft>
+                <a:spcPts val="0"/>
+              </a:spcAft>
+              <a:buClrTx/>
+              <a:buSzPct val="90000"/>
+              <a:buFont typeface="Arial" pitchFamily="34" charset="0"/>
+              <a:buChar char="•"/>
+              <a:tabLst/>
+              <a:defRPr sz="1765" kern="1200" spc="0" baseline="0">
+                <a:gradFill>
+                  <a:gsLst>
+                    <a:gs pos="1250">
+                      <a:schemeClr val="tx1"/>
+                    </a:gs>
+                    <a:gs pos="100000">
+                      <a:schemeClr val="tx1"/>
+                    </a:gs>
+                  </a:gsLst>
+                  <a:lin ang="5400000" scaled="0"/>
+                </a:gradFill>
+                <a:latin typeface="+mn-lt"/>
+                <a:ea typeface="+mn-ea"/>
+                <a:cs typeface="+mn-cs"/>
+              </a:defRPr>
+            </a:lvl4pPr>
+            <a:lvl5pPr marL="1232531" marR="0" indent="-224097" algn="l" defTabSz="914367" rtl="0" eaLnBrk="1" fontAlgn="auto" latinLnBrk="0" hangingPunct="1">
+              <a:lnSpc>
+                <a:spcPct val="90000"/>
+              </a:lnSpc>
+              <a:spcBef>
+                <a:spcPct val="20000"/>
+              </a:spcBef>
+              <a:spcAft>
+                <a:spcPts val="0"/>
+              </a:spcAft>
+              <a:buClrTx/>
+              <a:buSzPct val="90000"/>
+              <a:buFont typeface="Arial" pitchFamily="34" charset="0"/>
+              <a:buChar char="•"/>
+              <a:tabLst/>
+              <a:defRPr sz="1765" kern="1200" spc="0" baseline="0">
+                <a:gradFill>
+                  <a:gsLst>
+                    <a:gs pos="1250">
+                      <a:schemeClr val="tx1"/>
+                    </a:gs>
+                    <a:gs pos="100000">
+                      <a:schemeClr val="tx1"/>
+                    </a:gs>
+                  </a:gsLst>
+                  <a:lin ang="5400000" scaled="0"/>
+                </a:gradFill>
+                <a:latin typeface="+mn-lt"/>
+                <a:ea typeface="+mn-ea"/>
+                <a:cs typeface="+mn-cs"/>
+              </a:defRPr>
+            </a:lvl5pPr>
+            <a:lvl6pPr marL="2514509" indent="-228592" algn="l" defTabSz="914367" rtl="0" eaLnBrk="1" latinLnBrk="0" hangingPunct="1">
+              <a:spcBef>
+                <a:spcPct val="20000"/>
+              </a:spcBef>
+              <a:buFont typeface="Arial" pitchFamily="34" charset="0"/>
+              <a:buChar char="•"/>
+              <a:defRPr sz="1961" kern="1200">
+                <a:solidFill>
+                  <a:schemeClr val="tx1"/>
+                </a:solidFill>
+                <a:latin typeface="+mn-lt"/>
+                <a:ea typeface="+mn-ea"/>
+                <a:cs typeface="+mn-cs"/>
+              </a:defRPr>
+            </a:lvl6pPr>
+            <a:lvl7pPr marL="2971693" indent="-228592" algn="l" defTabSz="914367" rtl="0" eaLnBrk="1" latinLnBrk="0" hangingPunct="1">
+              <a:spcBef>
+                <a:spcPct val="20000"/>
+              </a:spcBef>
+              <a:buFont typeface="Arial" pitchFamily="34" charset="0"/>
+              <a:buChar char="•"/>
+              <a:defRPr sz="1961" kern="1200">
+                <a:solidFill>
+                  <a:schemeClr val="tx1"/>
+                </a:solidFill>
+                <a:latin typeface="+mn-lt"/>
+                <a:ea typeface="+mn-ea"/>
+                <a:cs typeface="+mn-cs"/>
+              </a:defRPr>
+            </a:lvl7pPr>
+            <a:lvl8pPr marL="3428877" indent="-228592" algn="l" defTabSz="914367" rtl="0" eaLnBrk="1" latinLnBrk="0" hangingPunct="1">
+              <a:spcBef>
+                <a:spcPct val="20000"/>
+              </a:spcBef>
+              <a:buFont typeface="Arial" pitchFamily="34" charset="0"/>
+              <a:buChar char="•"/>
+              <a:defRPr sz="1961" kern="1200">
+                <a:solidFill>
+                  <a:schemeClr val="tx1"/>
+                </a:solidFill>
+                <a:latin typeface="+mn-lt"/>
+                <a:ea typeface="+mn-ea"/>
+                <a:cs typeface="+mn-cs"/>
+              </a:defRPr>
+            </a:lvl8pPr>
+            <a:lvl9pPr marL="3886061" indent="-228592" algn="l" defTabSz="914367" rtl="0" eaLnBrk="1" latinLnBrk="0" hangingPunct="1">
+              <a:spcBef>
+                <a:spcPct val="20000"/>
+              </a:spcBef>
+              <a:buFont typeface="Arial" pitchFamily="34" charset="0"/>
+              <a:buChar char="•"/>
+              <a:defRPr sz="1961" kern="1200">
+                <a:solidFill>
+                  <a:schemeClr val="tx1"/>
+                </a:solidFill>
+                <a:latin typeface="+mn-lt"/>
+                <a:ea typeface="+mn-ea"/>
+                <a:cs typeface="+mn-cs"/>
+              </a:defRPr>
+            </a:lvl9pPr>
+          </a:lstStyle>
+          <a:p>
+            <a:pPr marL="0" indent="0">
+              <a:buNone/>
             </a:pPr>
             <a:r>
-              <a:rPr lang="en-US" sz="2400" dirty="0">
+              <a:rPr lang="en-US" sz="3200" dirty="0"/>
+              <a:t>Web Application Front-end</a:t>
+            </a:r>
+          </a:p>
+        </p:txBody>
+      </p:sp>
+      <p:graphicFrame>
+        <p:nvGraphicFramePr>
+          <p:cNvPr id="8" name="Table 7">
+            <a:extLst>
+              <a:ext uri="{FF2B5EF4-FFF2-40B4-BE49-F238E27FC236}">
+                <a16:creationId xmlns:a16="http://schemas.microsoft.com/office/drawing/2014/main" id="{A3A78868-20A1-C1D2-F84F-A1EF0C80850B}"/>
+              </a:ext>
+            </a:extLst>
+          </p:cNvPr>
+          <p:cNvGraphicFramePr>
+            <a:graphicFrameLocks noGrp="1"/>
+          </p:cNvGraphicFramePr>
+          <p:nvPr>
+            <p:extLst>
+              <p:ext uri="{D42A27DB-BD31-4B8C-83A1-F6EECF244321}">
+                <p14:modId xmlns:p14="http://schemas.microsoft.com/office/powerpoint/2010/main" val="3582998546"/>
+              </p:ext>
+            </p:extLst>
+          </p:nvPr>
+        </p:nvGraphicFramePr>
+        <p:xfrm>
+          <a:off x="265644" y="3778789"/>
+          <a:ext cx="11652248" cy="937260"/>
+        </p:xfrm>
+        <a:graphic>
+          <a:graphicData uri="http://schemas.openxmlformats.org/drawingml/2006/table">
+            <a:tbl>
+              <a:tblPr/>
+              <a:tblGrid>
+                <a:gridCol w="2913062">
+                  <a:extLst>
+                    <a:ext uri="{9D8B030D-6E8A-4147-A177-3AD203B41FA5}">
+                      <a16:colId xmlns:a16="http://schemas.microsoft.com/office/drawing/2014/main" val="1925133211"/>
+                    </a:ext>
+                  </a:extLst>
+                </a:gridCol>
+                <a:gridCol w="2913062">
+                  <a:extLst>
+                    <a:ext uri="{9D8B030D-6E8A-4147-A177-3AD203B41FA5}">
+                      <a16:colId xmlns:a16="http://schemas.microsoft.com/office/drawing/2014/main" val="3115118980"/>
+                    </a:ext>
+                  </a:extLst>
+                </a:gridCol>
+                <a:gridCol w="2913062">
+                  <a:extLst>
+                    <a:ext uri="{9D8B030D-6E8A-4147-A177-3AD203B41FA5}">
+                      <a16:colId xmlns:a16="http://schemas.microsoft.com/office/drawing/2014/main" val="2096006452"/>
+                    </a:ext>
+                  </a:extLst>
+                </a:gridCol>
+                <a:gridCol w="2913062">
+                  <a:extLst>
+                    <a:ext uri="{9D8B030D-6E8A-4147-A177-3AD203B41FA5}">
+                      <a16:colId xmlns:a16="http://schemas.microsoft.com/office/drawing/2014/main" val="628011887"/>
+                    </a:ext>
+                  </a:extLst>
+                </a:gridCol>
+              </a:tblGrid>
+              <a:tr h="921258">
+                <a:tc>
+                  <a:txBody>
+                    <a:bodyPr/>
+                    <a:lstStyle/>
+                    <a:p>
+                      <a:r>
+                        <a:rPr lang="en-US" sz="1800" dirty="0">
+                          <a:effectLst/>
+                        </a:rPr>
+                        <a:t>Web VMs</a:t>
+                      </a:r>
+                    </a:p>
+                  </a:txBody>
+                  <a:tcPr marL="123825" marR="123825" marT="57150" marB="57150" anchor="ctr">
+                    <a:lnL>
+                      <a:noFill/>
+                    </a:lnL>
+                    <a:lnR>
+                      <a:noFill/>
+                    </a:lnR>
+                    <a:lnT>
+                      <a:noFill/>
+                    </a:lnT>
+                    <a:lnB>
+                      <a:noFill/>
+                    </a:lnB>
+                    <a:solidFill>
+                      <a:srgbClr val="0D1117"/>
+                    </a:solidFill>
+                  </a:tcPr>
+                </a:tc>
+                <a:tc>
+                  <a:txBody>
+                    <a:bodyPr/>
+                    <a:lstStyle/>
+                    <a:p>
+                      <a:pPr algn="ctr"/>
+                      <a:r>
+                        <a:rPr lang="en-US" sz="1800">
+                          <a:effectLst/>
+                        </a:rPr>
+                        <a:t>North Central US</a:t>
+                      </a:r>
+                    </a:p>
+                  </a:txBody>
+                  <a:tcPr marL="123825" marR="123825" marT="57150" marB="57150" anchor="ctr">
+                    <a:lnL>
+                      <a:noFill/>
+                    </a:lnL>
+                    <a:lnR>
+                      <a:noFill/>
+                    </a:lnR>
+                    <a:lnT>
+                      <a:noFill/>
+                    </a:lnT>
+                    <a:lnB>
+                      <a:noFill/>
+                    </a:lnB>
+                    <a:solidFill>
+                      <a:srgbClr val="0D1117"/>
+                    </a:solidFill>
+                  </a:tcPr>
+                </a:tc>
+                <a:tc>
+                  <a:txBody>
+                    <a:bodyPr/>
+                    <a:lstStyle/>
+                    <a:p>
+                      <a:pPr algn="ctr"/>
+                      <a:r>
+                        <a:rPr lang="en-US" sz="1800">
+                          <a:effectLst/>
+                        </a:rPr>
+                        <a:t>2x D8s v5 VMs (8 vCores, 32 GiB RAM) &amp; Windows Server 2022</a:t>
+                      </a:r>
+                    </a:p>
+                  </a:txBody>
+                  <a:tcPr marL="123825" marR="123825" marT="57150" marB="57150" anchor="ctr">
+                    <a:lnL>
+                      <a:noFill/>
+                    </a:lnL>
+                    <a:lnR>
+                      <a:noFill/>
+                    </a:lnR>
+                    <a:lnT>
+                      <a:noFill/>
+                    </a:lnT>
+                    <a:lnB>
+                      <a:noFill/>
+                    </a:lnB>
+                    <a:solidFill>
+                      <a:srgbClr val="0D1117"/>
+                    </a:solidFill>
+                  </a:tcPr>
+                </a:tc>
+                <a:tc>
+                  <a:txBody>
+                    <a:bodyPr/>
+                    <a:lstStyle/>
+                    <a:p>
+                      <a:pPr algn="ctr"/>
+                      <a:r>
+                        <a:rPr lang="en-US" sz="1800" dirty="0">
+                          <a:effectLst/>
+                        </a:rPr>
+                        <a:t>$280.00 each</a:t>
+                      </a:r>
+                    </a:p>
+                  </a:txBody>
+                  <a:tcPr marL="123825" marR="123825" marT="57150" marB="57150" anchor="ctr">
+                    <a:lnL>
+                      <a:noFill/>
+                    </a:lnL>
+                    <a:lnR>
+                      <a:noFill/>
+                    </a:lnR>
+                    <a:lnT>
+                      <a:noFill/>
+                    </a:lnT>
+                    <a:lnB>
+                      <a:noFill/>
+                    </a:lnB>
+                    <a:solidFill>
+                      <a:srgbClr val="0D1117"/>
+                    </a:solidFill>
+                  </a:tcPr>
+                </a:tc>
+                <a:extLst>
+                  <a:ext uri="{0D108BD9-81ED-4DB2-BD59-A6C34878D82A}">
+                    <a16:rowId xmlns:a16="http://schemas.microsoft.com/office/drawing/2014/main" val="2776118148"/>
+                  </a:ext>
+                </a:extLst>
+              </a:tr>
+            </a:tbl>
+          </a:graphicData>
+        </a:graphic>
+      </p:graphicFrame>
+      <p:sp>
+        <p:nvSpPr>
+          <p:cNvPr id="9" name="Text Placeholder 1">
+            <a:extLst>
+              <a:ext uri="{FF2B5EF4-FFF2-40B4-BE49-F238E27FC236}">
+                <a16:creationId xmlns:a16="http://schemas.microsoft.com/office/drawing/2014/main" id="{4404B44F-6705-0806-72CC-97493697DCAE}"/>
+              </a:ext>
+            </a:extLst>
+          </p:cNvPr>
+          <p:cNvSpPr txBox="1">
+            <a:spLocks/>
+          </p:cNvSpPr>
+          <p:nvPr/>
+        </p:nvSpPr>
+        <p:spPr>
+          <a:xfrm>
+            <a:off x="272832" y="3140750"/>
+            <a:ext cx="11653523" cy="627864"/>
+          </a:xfrm>
+          <a:prstGeom prst="rect">
+            <a:avLst/>
+          </a:prstGeom>
+        </p:spPr>
+        <p:txBody>
+          <a:bodyPr vert="horz" wrap="square" lIns="146304" tIns="91440" rIns="146304" bIns="91440" rtlCol="0">
+            <a:spAutoFit/>
+          </a:bodyPr>
+          <a:lstStyle>
+            <a:lvl1pPr marL="336145" marR="0" indent="-336145" algn="l" defTabSz="914367" rtl="0" eaLnBrk="1" fontAlgn="auto" latinLnBrk="0" hangingPunct="1">
+              <a:lnSpc>
+                <a:spcPct val="90000"/>
+              </a:lnSpc>
+              <a:spcBef>
+                <a:spcPct val="20000"/>
+              </a:spcBef>
+              <a:spcAft>
+                <a:spcPts val="0"/>
+              </a:spcAft>
+              <a:buClrTx/>
+              <a:buSzPct val="90000"/>
+              <a:buFont typeface="Arial" pitchFamily="34" charset="0"/>
+              <a:buChar char="•"/>
+              <a:tabLst/>
+              <a:defRPr sz="3921" kern="1200" spc="0" baseline="0">
+                <a:gradFill>
+                  <a:gsLst>
+                    <a:gs pos="1250">
+                      <a:schemeClr val="tx1"/>
+                    </a:gs>
+                    <a:gs pos="100000">
+                      <a:schemeClr val="tx1"/>
+                    </a:gs>
+                  </a:gsLst>
+                  <a:lin ang="5400000" scaled="0"/>
+                </a:gradFill>
+                <a:latin typeface="+mj-lt"/>
+                <a:ea typeface="+mn-ea"/>
+                <a:cs typeface="+mn-cs"/>
+              </a:defRPr>
+            </a:lvl1pPr>
+            <a:lvl2pPr marL="572691" marR="0" indent="-236546" algn="l" defTabSz="914367" rtl="0" eaLnBrk="1" fontAlgn="auto" latinLnBrk="0" hangingPunct="1">
+              <a:lnSpc>
+                <a:spcPct val="90000"/>
+              </a:lnSpc>
+              <a:spcBef>
+                <a:spcPct val="20000"/>
+              </a:spcBef>
+              <a:spcAft>
+                <a:spcPts val="0"/>
+              </a:spcAft>
+              <a:buClrTx/>
+              <a:buSzPct val="90000"/>
+              <a:buFont typeface="Arial" pitchFamily="34" charset="0"/>
+              <a:buChar char="•"/>
+              <a:tabLst/>
+              <a:defRPr sz="2353" kern="1200" spc="0" baseline="0">
+                <a:gradFill>
+                  <a:gsLst>
+                    <a:gs pos="1250">
+                      <a:schemeClr val="tx1"/>
+                    </a:gs>
+                    <a:gs pos="100000">
+                      <a:schemeClr val="tx1"/>
+                    </a:gs>
+                  </a:gsLst>
+                  <a:lin ang="5400000" scaled="0"/>
+                </a:gradFill>
                 <a:latin typeface="+mn-lt"/>
-              </a:rPr>
-              <a:t>Microsoft Azure does provide multiple options for hosting SQL databases. Azure SQL refers to a family of managed, secure, and intelligent products that use the SQL Server database engine in the Azure cloud. There is some overlap between the different options available, with each targeting different use cases, scenarios and business motivations.</a:t>
-            </a:r>
-          </a:p>
-          <a:p>
-            <a:pPr marL="342900" indent="-342900">
-              <a:buFont typeface="Arial" panose="020B0604020202020204" pitchFamily="34" charset="0"/>
+                <a:ea typeface="+mn-ea"/>
+                <a:cs typeface="+mn-cs"/>
+              </a:defRPr>
+            </a:lvl2pPr>
+            <a:lvl3pPr marL="784338" marR="0" indent="-224097" algn="l" defTabSz="914367" rtl="0" eaLnBrk="1" fontAlgn="auto" latinLnBrk="0" hangingPunct="1">
+              <a:lnSpc>
+                <a:spcPct val="90000"/>
+              </a:lnSpc>
+              <a:spcBef>
+                <a:spcPct val="20000"/>
+              </a:spcBef>
+              <a:spcAft>
+                <a:spcPts val="0"/>
+              </a:spcAft>
+              <a:buClrTx/>
+              <a:buSzPct val="90000"/>
+              <a:buFont typeface="Arial" pitchFamily="34" charset="0"/>
               <a:buChar char="•"/>
+              <a:tabLst/>
+              <a:defRPr sz="1961" kern="1200" spc="0" baseline="0">
+                <a:gradFill>
+                  <a:gsLst>
+                    <a:gs pos="1250">
+                      <a:schemeClr val="tx1"/>
+                    </a:gs>
+                    <a:gs pos="100000">
+                      <a:schemeClr val="tx1"/>
+                    </a:gs>
+                  </a:gsLst>
+                  <a:lin ang="5400000" scaled="0"/>
+                </a:gradFill>
+                <a:latin typeface="+mn-lt"/>
+                <a:ea typeface="+mn-ea"/>
+                <a:cs typeface="+mn-cs"/>
+              </a:defRPr>
+            </a:lvl3pPr>
+            <a:lvl4pPr marL="1008435" marR="0" indent="-224097" algn="l" defTabSz="914367" rtl="0" eaLnBrk="1" fontAlgn="auto" latinLnBrk="0" hangingPunct="1">
+              <a:lnSpc>
+                <a:spcPct val="90000"/>
+              </a:lnSpc>
+              <a:spcBef>
+                <a:spcPct val="20000"/>
+              </a:spcBef>
+              <a:spcAft>
+                <a:spcPts val="0"/>
+              </a:spcAft>
+              <a:buClrTx/>
+              <a:buSzPct val="90000"/>
+              <a:buFont typeface="Arial" pitchFamily="34" charset="0"/>
+              <a:buChar char="•"/>
+              <a:tabLst/>
+              <a:defRPr sz="1765" kern="1200" spc="0" baseline="0">
+                <a:gradFill>
+                  <a:gsLst>
+                    <a:gs pos="1250">
+                      <a:schemeClr val="tx1"/>
+                    </a:gs>
+                    <a:gs pos="100000">
+                      <a:schemeClr val="tx1"/>
+                    </a:gs>
+                  </a:gsLst>
+                  <a:lin ang="5400000" scaled="0"/>
+                </a:gradFill>
+                <a:latin typeface="+mn-lt"/>
+                <a:ea typeface="+mn-ea"/>
+                <a:cs typeface="+mn-cs"/>
+              </a:defRPr>
+            </a:lvl4pPr>
+            <a:lvl5pPr marL="1232531" marR="0" indent="-224097" algn="l" defTabSz="914367" rtl="0" eaLnBrk="1" fontAlgn="auto" latinLnBrk="0" hangingPunct="1">
+              <a:lnSpc>
+                <a:spcPct val="90000"/>
+              </a:lnSpc>
+              <a:spcBef>
+                <a:spcPct val="20000"/>
+              </a:spcBef>
+              <a:spcAft>
+                <a:spcPts val="0"/>
+              </a:spcAft>
+              <a:buClrTx/>
+              <a:buSzPct val="90000"/>
+              <a:buFont typeface="Arial" pitchFamily="34" charset="0"/>
+              <a:buChar char="•"/>
+              <a:tabLst/>
+              <a:defRPr sz="1765" kern="1200" spc="0" baseline="0">
+                <a:gradFill>
+                  <a:gsLst>
+                    <a:gs pos="1250">
+                      <a:schemeClr val="tx1"/>
+                    </a:gs>
+                    <a:gs pos="100000">
+                      <a:schemeClr val="tx1"/>
+                    </a:gs>
+                  </a:gsLst>
+                  <a:lin ang="5400000" scaled="0"/>
+                </a:gradFill>
+                <a:latin typeface="+mn-lt"/>
+                <a:ea typeface="+mn-ea"/>
+                <a:cs typeface="+mn-cs"/>
+              </a:defRPr>
+            </a:lvl5pPr>
+            <a:lvl6pPr marL="2514509" indent="-228592" algn="l" defTabSz="914367" rtl="0" eaLnBrk="1" latinLnBrk="0" hangingPunct="1">
+              <a:spcBef>
+                <a:spcPct val="20000"/>
+              </a:spcBef>
+              <a:buFont typeface="Arial" pitchFamily="34" charset="0"/>
+              <a:buChar char="•"/>
+              <a:defRPr sz="1961" kern="1200">
+                <a:solidFill>
+                  <a:schemeClr val="tx1"/>
+                </a:solidFill>
+                <a:latin typeface="+mn-lt"/>
+                <a:ea typeface="+mn-ea"/>
+                <a:cs typeface="+mn-cs"/>
+              </a:defRPr>
+            </a:lvl6pPr>
+            <a:lvl7pPr marL="2971693" indent="-228592" algn="l" defTabSz="914367" rtl="0" eaLnBrk="1" latinLnBrk="0" hangingPunct="1">
+              <a:spcBef>
+                <a:spcPct val="20000"/>
+              </a:spcBef>
+              <a:buFont typeface="Arial" pitchFamily="34" charset="0"/>
+              <a:buChar char="•"/>
+              <a:defRPr sz="1961" kern="1200">
+                <a:solidFill>
+                  <a:schemeClr val="tx1"/>
+                </a:solidFill>
+                <a:latin typeface="+mn-lt"/>
+                <a:ea typeface="+mn-ea"/>
+                <a:cs typeface="+mn-cs"/>
+              </a:defRPr>
+            </a:lvl7pPr>
+            <a:lvl8pPr marL="3428877" indent="-228592" algn="l" defTabSz="914367" rtl="0" eaLnBrk="1" latinLnBrk="0" hangingPunct="1">
+              <a:spcBef>
+                <a:spcPct val="20000"/>
+              </a:spcBef>
+              <a:buFont typeface="Arial" pitchFamily="34" charset="0"/>
+              <a:buChar char="•"/>
+              <a:defRPr sz="1961" kern="1200">
+                <a:solidFill>
+                  <a:schemeClr val="tx1"/>
+                </a:solidFill>
+                <a:latin typeface="+mn-lt"/>
+                <a:ea typeface="+mn-ea"/>
+                <a:cs typeface="+mn-cs"/>
+              </a:defRPr>
+            </a:lvl8pPr>
+            <a:lvl9pPr marL="3886061" indent="-228592" algn="l" defTabSz="914367" rtl="0" eaLnBrk="1" latinLnBrk="0" hangingPunct="1">
+              <a:spcBef>
+                <a:spcPct val="20000"/>
+              </a:spcBef>
+              <a:buFont typeface="Arial" pitchFamily="34" charset="0"/>
+              <a:buChar char="•"/>
+              <a:defRPr sz="1961" kern="1200">
+                <a:solidFill>
+                  <a:schemeClr val="tx1"/>
+                </a:solidFill>
+                <a:latin typeface="+mn-lt"/>
+                <a:ea typeface="+mn-ea"/>
+                <a:cs typeface="+mn-cs"/>
+              </a:defRPr>
+            </a:lvl9pPr>
+          </a:lstStyle>
+          <a:p>
+            <a:pPr marL="0" indent="0">
+              <a:buNone/>
             </a:pPr>
             <a:r>
-              <a:rPr lang="en-US" sz="2400" dirty="0">
+              <a:rPr lang="en-US" sz="3200" dirty="0"/>
+              <a:t>REST API Back-end</a:t>
+            </a:r>
+          </a:p>
+        </p:txBody>
+      </p:sp>
+      <p:graphicFrame>
+        <p:nvGraphicFramePr>
+          <p:cNvPr id="10" name="Table 9">
+            <a:extLst>
+              <a:ext uri="{FF2B5EF4-FFF2-40B4-BE49-F238E27FC236}">
+                <a16:creationId xmlns:a16="http://schemas.microsoft.com/office/drawing/2014/main" id="{0F1AF265-4D85-F13D-D310-C107EB5997C2}"/>
+              </a:ext>
+            </a:extLst>
+          </p:cNvPr>
+          <p:cNvGraphicFramePr>
+            <a:graphicFrameLocks noGrp="1"/>
+          </p:cNvGraphicFramePr>
+          <p:nvPr>
+            <p:extLst>
+              <p:ext uri="{D42A27DB-BD31-4B8C-83A1-F6EECF244321}">
+                <p14:modId xmlns:p14="http://schemas.microsoft.com/office/powerpoint/2010/main" val="1706662964"/>
+              </p:ext>
+            </p:extLst>
+          </p:nvPr>
+        </p:nvGraphicFramePr>
+        <p:xfrm>
+          <a:off x="265644" y="5371315"/>
+          <a:ext cx="11652248" cy="1211580"/>
+        </p:xfrm>
+        <a:graphic>
+          <a:graphicData uri="http://schemas.openxmlformats.org/drawingml/2006/table">
+            <a:tbl>
+              <a:tblPr/>
+              <a:tblGrid>
+                <a:gridCol w="2913062">
+                  <a:extLst>
+                    <a:ext uri="{9D8B030D-6E8A-4147-A177-3AD203B41FA5}">
+                      <a16:colId xmlns:a16="http://schemas.microsoft.com/office/drawing/2014/main" val="2796500501"/>
+                    </a:ext>
+                  </a:extLst>
+                </a:gridCol>
+                <a:gridCol w="2913062">
+                  <a:extLst>
+                    <a:ext uri="{9D8B030D-6E8A-4147-A177-3AD203B41FA5}">
+                      <a16:colId xmlns:a16="http://schemas.microsoft.com/office/drawing/2014/main" val="3655084290"/>
+                    </a:ext>
+                  </a:extLst>
+                </a:gridCol>
+                <a:gridCol w="2913062">
+                  <a:extLst>
+                    <a:ext uri="{9D8B030D-6E8A-4147-A177-3AD203B41FA5}">
+                      <a16:colId xmlns:a16="http://schemas.microsoft.com/office/drawing/2014/main" val="37596059"/>
+                    </a:ext>
+                  </a:extLst>
+                </a:gridCol>
+                <a:gridCol w="2913062">
+                  <a:extLst>
+                    <a:ext uri="{9D8B030D-6E8A-4147-A177-3AD203B41FA5}">
+                      <a16:colId xmlns:a16="http://schemas.microsoft.com/office/drawing/2014/main" val="1939615951"/>
+                    </a:ext>
+                  </a:extLst>
+                </a:gridCol>
+              </a:tblGrid>
+              <a:tr h="921258">
+                <a:tc>
+                  <a:txBody>
+                    <a:bodyPr/>
+                    <a:lstStyle/>
+                    <a:p>
+                      <a:r>
+                        <a:rPr lang="en-US" sz="1800">
+                          <a:effectLst/>
+                        </a:rPr>
+                        <a:t>Azure SQL Managed Instance</a:t>
+                      </a:r>
+                    </a:p>
+                  </a:txBody>
+                  <a:tcPr marL="123825" marR="123825" marT="57150" marB="57150" anchor="ctr">
+                    <a:lnL>
+                      <a:noFill/>
+                    </a:lnL>
+                    <a:lnR>
+                      <a:noFill/>
+                    </a:lnR>
+                    <a:lnT>
+                      <a:noFill/>
+                    </a:lnT>
+                    <a:lnB>
+                      <a:noFill/>
+                    </a:lnB>
+                    <a:solidFill>
+                      <a:srgbClr val="0D1117"/>
+                    </a:solidFill>
+                  </a:tcPr>
+                </a:tc>
+                <a:tc>
+                  <a:txBody>
+                    <a:bodyPr/>
+                    <a:lstStyle/>
+                    <a:p>
+                      <a:pPr algn="ctr"/>
+                      <a:r>
+                        <a:rPr lang="en-US" sz="1800" dirty="0">
+                          <a:effectLst/>
+                        </a:rPr>
+                        <a:t>North Central US</a:t>
+                      </a:r>
+                    </a:p>
+                  </a:txBody>
+                  <a:tcPr marL="123825" marR="123825" marT="57150" marB="57150" anchor="ctr">
+                    <a:lnL>
+                      <a:noFill/>
+                    </a:lnL>
+                    <a:lnR>
+                      <a:noFill/>
+                    </a:lnR>
+                    <a:lnT>
+                      <a:noFill/>
+                    </a:lnT>
+                    <a:lnB>
+                      <a:noFill/>
+                    </a:lnB>
+                    <a:solidFill>
+                      <a:srgbClr val="0D1117"/>
+                    </a:solidFill>
+                  </a:tcPr>
+                </a:tc>
+                <a:tc>
+                  <a:txBody>
+                    <a:bodyPr/>
+                    <a:lstStyle/>
+                    <a:p>
+                      <a:pPr algn="ctr"/>
+                      <a:r>
+                        <a:rPr lang="en-US" sz="1800">
+                          <a:effectLst/>
+                        </a:rPr>
+                        <a:t>16 vCores Premium-series General Purpose (7 GB RAM/vCore) &amp; 2 TB storage</a:t>
+                      </a:r>
+                    </a:p>
+                  </a:txBody>
+                  <a:tcPr marL="123825" marR="123825" marT="57150" marB="57150" anchor="ctr">
+                    <a:lnL>
+                      <a:noFill/>
+                    </a:lnL>
+                    <a:lnR>
+                      <a:noFill/>
+                    </a:lnR>
+                    <a:lnT>
+                      <a:noFill/>
+                    </a:lnT>
+                    <a:lnB>
+                      <a:noFill/>
+                    </a:lnB>
+                    <a:solidFill>
+                      <a:srgbClr val="0D1117"/>
+                    </a:solidFill>
+                  </a:tcPr>
+                </a:tc>
+                <a:tc>
+                  <a:txBody>
+                    <a:bodyPr/>
+                    <a:lstStyle/>
+                    <a:p>
+                      <a:pPr algn="ctr"/>
+                      <a:r>
+                        <a:rPr lang="en-US" sz="1800" dirty="0">
+                          <a:effectLst/>
+                        </a:rPr>
+                        <a:t>$1,265.92</a:t>
+                      </a:r>
+                    </a:p>
+                  </a:txBody>
+                  <a:tcPr marL="123825" marR="123825" marT="57150" marB="57150" anchor="ctr">
+                    <a:lnL>
+                      <a:noFill/>
+                    </a:lnL>
+                    <a:lnR>
+                      <a:noFill/>
+                    </a:lnR>
+                    <a:lnT>
+                      <a:noFill/>
+                    </a:lnT>
+                    <a:lnB>
+                      <a:noFill/>
+                    </a:lnB>
+                    <a:solidFill>
+                      <a:srgbClr val="0D1117"/>
+                    </a:solidFill>
+                  </a:tcPr>
+                </a:tc>
+                <a:extLst>
+                  <a:ext uri="{0D108BD9-81ED-4DB2-BD59-A6C34878D82A}">
+                    <a16:rowId xmlns:a16="http://schemas.microsoft.com/office/drawing/2014/main" val="3283508044"/>
+                  </a:ext>
+                </a:extLst>
+              </a:tr>
+            </a:tbl>
+          </a:graphicData>
+        </a:graphic>
+      </p:graphicFrame>
+      <p:sp>
+        <p:nvSpPr>
+          <p:cNvPr id="11" name="Text Placeholder 1">
+            <a:extLst>
+              <a:ext uri="{FF2B5EF4-FFF2-40B4-BE49-F238E27FC236}">
+                <a16:creationId xmlns:a16="http://schemas.microsoft.com/office/drawing/2014/main" id="{9D5E710E-43F0-E5E0-F96F-410FDBF4B24F}"/>
+              </a:ext>
+            </a:extLst>
+          </p:cNvPr>
+          <p:cNvSpPr txBox="1">
+            <a:spLocks/>
+          </p:cNvSpPr>
+          <p:nvPr/>
+        </p:nvSpPr>
+        <p:spPr>
+          <a:xfrm>
+            <a:off x="272832" y="4729222"/>
+            <a:ext cx="11653523" cy="627864"/>
+          </a:xfrm>
+          <a:prstGeom prst="rect">
+            <a:avLst/>
+          </a:prstGeom>
+        </p:spPr>
+        <p:txBody>
+          <a:bodyPr vert="horz" wrap="square" lIns="146304" tIns="91440" rIns="146304" bIns="91440" rtlCol="0">
+            <a:spAutoFit/>
+          </a:bodyPr>
+          <a:lstStyle>
+            <a:lvl1pPr marL="336145" marR="0" indent="-336145" algn="l" defTabSz="914367" rtl="0" eaLnBrk="1" fontAlgn="auto" latinLnBrk="0" hangingPunct="1">
+              <a:lnSpc>
+                <a:spcPct val="90000"/>
+              </a:lnSpc>
+              <a:spcBef>
+                <a:spcPct val="20000"/>
+              </a:spcBef>
+              <a:spcAft>
+                <a:spcPts val="0"/>
+              </a:spcAft>
+              <a:buClrTx/>
+              <a:buSzPct val="90000"/>
+              <a:buFont typeface="Arial" pitchFamily="34" charset="0"/>
+              <a:buChar char="•"/>
+              <a:tabLst/>
+              <a:defRPr sz="3921" kern="1200" spc="0" baseline="0">
+                <a:gradFill>
+                  <a:gsLst>
+                    <a:gs pos="1250">
+                      <a:schemeClr val="tx1"/>
+                    </a:gs>
+                    <a:gs pos="100000">
+                      <a:schemeClr val="tx1"/>
+                    </a:gs>
+                  </a:gsLst>
+                  <a:lin ang="5400000" scaled="0"/>
+                </a:gradFill>
+                <a:latin typeface="+mj-lt"/>
+                <a:ea typeface="+mn-ea"/>
+                <a:cs typeface="+mn-cs"/>
+              </a:defRPr>
+            </a:lvl1pPr>
+            <a:lvl2pPr marL="572691" marR="0" indent="-236546" algn="l" defTabSz="914367" rtl="0" eaLnBrk="1" fontAlgn="auto" latinLnBrk="0" hangingPunct="1">
+              <a:lnSpc>
+                <a:spcPct val="90000"/>
+              </a:lnSpc>
+              <a:spcBef>
+                <a:spcPct val="20000"/>
+              </a:spcBef>
+              <a:spcAft>
+                <a:spcPts val="0"/>
+              </a:spcAft>
+              <a:buClrTx/>
+              <a:buSzPct val="90000"/>
+              <a:buFont typeface="Arial" pitchFamily="34" charset="0"/>
+              <a:buChar char="•"/>
+              <a:tabLst/>
+              <a:defRPr sz="2353" kern="1200" spc="0" baseline="0">
+                <a:gradFill>
+                  <a:gsLst>
+                    <a:gs pos="1250">
+                      <a:schemeClr val="tx1"/>
+                    </a:gs>
+                    <a:gs pos="100000">
+                      <a:schemeClr val="tx1"/>
+                    </a:gs>
+                  </a:gsLst>
+                  <a:lin ang="5400000" scaled="0"/>
+                </a:gradFill>
                 <a:latin typeface="+mn-lt"/>
-              </a:rPr>
-              <a:t>For Tailspin Toys, it is recommended to use Azure SQL Managed Instances (SQL MI) for migrating the SQL Server databases to Azure. SQL MI provides near 100% compatibility with on-premises SQL Server database instances and includes features to best handle the common isolation and security concerns required by Tailspins organization.</a:t>
+                <a:ea typeface="+mn-ea"/>
+                <a:cs typeface="+mn-cs"/>
+              </a:defRPr>
+            </a:lvl2pPr>
+            <a:lvl3pPr marL="784338" marR="0" indent="-224097" algn="l" defTabSz="914367" rtl="0" eaLnBrk="1" fontAlgn="auto" latinLnBrk="0" hangingPunct="1">
+              <a:lnSpc>
+                <a:spcPct val="90000"/>
+              </a:lnSpc>
+              <a:spcBef>
+                <a:spcPct val="20000"/>
+              </a:spcBef>
+              <a:spcAft>
+                <a:spcPts val="0"/>
+              </a:spcAft>
+              <a:buClrTx/>
+              <a:buSzPct val="90000"/>
+              <a:buFont typeface="Arial" pitchFamily="34" charset="0"/>
+              <a:buChar char="•"/>
+              <a:tabLst/>
+              <a:defRPr sz="1961" kern="1200" spc="0" baseline="0">
+                <a:gradFill>
+                  <a:gsLst>
+                    <a:gs pos="1250">
+                      <a:schemeClr val="tx1"/>
+                    </a:gs>
+                    <a:gs pos="100000">
+                      <a:schemeClr val="tx1"/>
+                    </a:gs>
+                  </a:gsLst>
+                  <a:lin ang="5400000" scaled="0"/>
+                </a:gradFill>
+                <a:latin typeface="+mn-lt"/>
+                <a:ea typeface="+mn-ea"/>
+                <a:cs typeface="+mn-cs"/>
+              </a:defRPr>
+            </a:lvl3pPr>
+            <a:lvl4pPr marL="1008435" marR="0" indent="-224097" algn="l" defTabSz="914367" rtl="0" eaLnBrk="1" fontAlgn="auto" latinLnBrk="0" hangingPunct="1">
+              <a:lnSpc>
+                <a:spcPct val="90000"/>
+              </a:lnSpc>
+              <a:spcBef>
+                <a:spcPct val="20000"/>
+              </a:spcBef>
+              <a:spcAft>
+                <a:spcPts val="0"/>
+              </a:spcAft>
+              <a:buClrTx/>
+              <a:buSzPct val="90000"/>
+              <a:buFont typeface="Arial" pitchFamily="34" charset="0"/>
+              <a:buChar char="•"/>
+              <a:tabLst/>
+              <a:defRPr sz="1765" kern="1200" spc="0" baseline="0">
+                <a:gradFill>
+                  <a:gsLst>
+                    <a:gs pos="1250">
+                      <a:schemeClr val="tx1"/>
+                    </a:gs>
+                    <a:gs pos="100000">
+                      <a:schemeClr val="tx1"/>
+                    </a:gs>
+                  </a:gsLst>
+                  <a:lin ang="5400000" scaled="0"/>
+                </a:gradFill>
+                <a:latin typeface="+mn-lt"/>
+                <a:ea typeface="+mn-ea"/>
+                <a:cs typeface="+mn-cs"/>
+              </a:defRPr>
+            </a:lvl4pPr>
+            <a:lvl5pPr marL="1232531" marR="0" indent="-224097" algn="l" defTabSz="914367" rtl="0" eaLnBrk="1" fontAlgn="auto" latinLnBrk="0" hangingPunct="1">
+              <a:lnSpc>
+                <a:spcPct val="90000"/>
+              </a:lnSpc>
+              <a:spcBef>
+                <a:spcPct val="20000"/>
+              </a:spcBef>
+              <a:spcAft>
+                <a:spcPts val="0"/>
+              </a:spcAft>
+              <a:buClrTx/>
+              <a:buSzPct val="90000"/>
+              <a:buFont typeface="Arial" pitchFamily="34" charset="0"/>
+              <a:buChar char="•"/>
+              <a:tabLst/>
+              <a:defRPr sz="1765" kern="1200" spc="0" baseline="0">
+                <a:gradFill>
+                  <a:gsLst>
+                    <a:gs pos="1250">
+                      <a:schemeClr val="tx1"/>
+                    </a:gs>
+                    <a:gs pos="100000">
+                      <a:schemeClr val="tx1"/>
+                    </a:gs>
+                  </a:gsLst>
+                  <a:lin ang="5400000" scaled="0"/>
+                </a:gradFill>
+                <a:latin typeface="+mn-lt"/>
+                <a:ea typeface="+mn-ea"/>
+                <a:cs typeface="+mn-cs"/>
+              </a:defRPr>
+            </a:lvl5pPr>
+            <a:lvl6pPr marL="2514509" indent="-228592" algn="l" defTabSz="914367" rtl="0" eaLnBrk="1" latinLnBrk="0" hangingPunct="1">
+              <a:spcBef>
+                <a:spcPct val="20000"/>
+              </a:spcBef>
+              <a:buFont typeface="Arial" pitchFamily="34" charset="0"/>
+              <a:buChar char="•"/>
+              <a:defRPr sz="1961" kern="1200">
+                <a:solidFill>
+                  <a:schemeClr val="tx1"/>
+                </a:solidFill>
+                <a:latin typeface="+mn-lt"/>
+                <a:ea typeface="+mn-ea"/>
+                <a:cs typeface="+mn-cs"/>
+              </a:defRPr>
+            </a:lvl6pPr>
+            <a:lvl7pPr marL="2971693" indent="-228592" algn="l" defTabSz="914367" rtl="0" eaLnBrk="1" latinLnBrk="0" hangingPunct="1">
+              <a:spcBef>
+                <a:spcPct val="20000"/>
+              </a:spcBef>
+              <a:buFont typeface="Arial" pitchFamily="34" charset="0"/>
+              <a:buChar char="•"/>
+              <a:defRPr sz="1961" kern="1200">
+                <a:solidFill>
+                  <a:schemeClr val="tx1"/>
+                </a:solidFill>
+                <a:latin typeface="+mn-lt"/>
+                <a:ea typeface="+mn-ea"/>
+                <a:cs typeface="+mn-cs"/>
+              </a:defRPr>
+            </a:lvl7pPr>
+            <a:lvl8pPr marL="3428877" indent="-228592" algn="l" defTabSz="914367" rtl="0" eaLnBrk="1" latinLnBrk="0" hangingPunct="1">
+              <a:spcBef>
+                <a:spcPct val="20000"/>
+              </a:spcBef>
+              <a:buFont typeface="Arial" pitchFamily="34" charset="0"/>
+              <a:buChar char="•"/>
+              <a:defRPr sz="1961" kern="1200">
+                <a:solidFill>
+                  <a:schemeClr val="tx1"/>
+                </a:solidFill>
+                <a:latin typeface="+mn-lt"/>
+                <a:ea typeface="+mn-ea"/>
+                <a:cs typeface="+mn-cs"/>
+              </a:defRPr>
+            </a:lvl8pPr>
+            <a:lvl9pPr marL="3886061" indent="-228592" algn="l" defTabSz="914367" rtl="0" eaLnBrk="1" latinLnBrk="0" hangingPunct="1">
+              <a:spcBef>
+                <a:spcPct val="20000"/>
+              </a:spcBef>
+              <a:buFont typeface="Arial" pitchFamily="34" charset="0"/>
+              <a:buChar char="•"/>
+              <a:defRPr sz="1961" kern="1200">
+                <a:solidFill>
+                  <a:schemeClr val="tx1"/>
+                </a:solidFill>
+                <a:latin typeface="+mn-lt"/>
+                <a:ea typeface="+mn-ea"/>
+                <a:cs typeface="+mn-cs"/>
+              </a:defRPr>
+            </a:lvl9pPr>
+          </a:lstStyle>
+          <a:p>
+            <a:pPr marL="0" indent="0">
+              <a:buNone/>
+            </a:pPr>
+            <a:r>
+              <a:rPr lang="en-US" sz="3200" dirty="0"/>
+              <a:t>Application SQL Database</a:t>
             </a:r>
           </a:p>
         </p:txBody>
@@ -23305,7 +24694,7 @@
     </p:spTree>
     <p:extLst>
       <p:ext uri="{BB962C8B-B14F-4D97-AF65-F5344CB8AC3E}">
-        <p14:creationId xmlns:p14="http://schemas.microsoft.com/office/powerpoint/2010/main" val="2015943278"/>
+        <p14:creationId xmlns:p14="http://schemas.microsoft.com/office/powerpoint/2010/main" val="2847463155"/>
       </p:ext>
     </p:extLst>
   </p:cSld>
@@ -23378,7 +24767,7 @@
         <p:spPr>
           <a:xfrm>
             <a:off x="269239" y="1189177"/>
-            <a:ext cx="11653523" cy="4692054"/>
+            <a:ext cx="11653523" cy="5689250"/>
           </a:xfrm>
         </p:spPr>
         <p:txBody>
@@ -23403,7 +24792,7 @@
               <a:rPr lang="en-US" sz="2400" dirty="0">
                 <a:latin typeface="+mn-lt"/>
               </a:rPr>
-              <a:t>What kind of downtime will be incurred when migrating the Windows Server and SQL Server workloads to Azure?</a:t>
+              <a:t>It appears there are multiple options of hosting SQL databases in Azure. What's the best option to choose, and how do you know it'll be compatible?</a:t>
             </a:r>
           </a:p>
           <a:p>
@@ -23419,7 +24808,7 @@
             </a:r>
           </a:p>
           <a:p>
-            <a:pPr marL="171450" indent="-171450" algn="l">
+            <a:pPr marL="342900" indent="-342900">
               <a:buFont typeface="Arial" panose="020B0604020202020204" pitchFamily="34" charset="0"/>
               <a:buChar char="•"/>
             </a:pPr>
@@ -23427,11 +24816,11 @@
               <a:rPr lang="en-US" sz="2400" dirty="0">
                 <a:latin typeface="+mn-lt"/>
               </a:rPr>
-              <a:t>All application tiers and database will be deployed to the Azure VMs in parallel to the on-premises VMs. This will enable minimal downtime when application load is redirected to the new VMs.</a:t>
-            </a:r>
-          </a:p>
-          <a:p>
-            <a:pPr marL="171450" indent="-171450" algn="l">
+              <a:t>Microsoft Azure does provide multiple options for hosting SQL databases. Azure SQL refers to a family of managed, secure, and intelligent products that use the SQL Server database engine in the Azure cloud. There is some overlap between the different options available, with each targeting different use cases, scenarios and business motivations.</a:t>
+            </a:r>
+          </a:p>
+          <a:p>
+            <a:pPr marL="342900" indent="-342900">
               <a:buFont typeface="Arial" panose="020B0604020202020204" pitchFamily="34" charset="0"/>
               <a:buChar char="•"/>
             </a:pPr>
@@ -23439,7 +24828,7 @@
               <a:rPr lang="en-US" sz="2400" dirty="0">
                 <a:latin typeface="+mn-lt"/>
               </a:rPr>
-              <a:t>To ensure data consistency during the migration, there will be a short window of downtime required at the database level when the cut over to the new servers is performed. Data migration using DMS supports online migration, allowing the applications to be kept online while data is synchronized.</a:t>
+              <a:t>For Tailspin Toys, it is recommended to use Azure SQL Managed Instances (SQL MI) for migrating the SQL Server databases to Azure. SQL MI provides near 100% compatibility with on-premises SQL Server database instances and includes features to best handle the common isolation and security concerns required by Tailspins organization.</a:t>
             </a:r>
           </a:p>
         </p:txBody>
@@ -23447,7 +24836,7 @@
     </p:spTree>
     <p:extLst>
       <p:ext uri="{BB962C8B-B14F-4D97-AF65-F5344CB8AC3E}">
-        <p14:creationId xmlns:p14="http://schemas.microsoft.com/office/powerpoint/2010/main" val="3961087545"/>
+        <p14:creationId xmlns:p14="http://schemas.microsoft.com/office/powerpoint/2010/main" val="2015943278"/>
       </p:ext>
     </p:extLst>
   </p:cSld>
@@ -23545,7 +24934,7 @@
               <a:rPr lang="en-US" sz="2400" dirty="0">
                 <a:latin typeface="+mn-lt"/>
               </a:rPr>
-              <a:t>Will we be able to rollback to the on-premises VMs if the migration fails?</a:t>
+              <a:t>What kind of downtime will be incurred when migrating the Windows Server and SQL Server workloads to Azure?</a:t>
             </a:r>
           </a:p>
           <a:p>
@@ -23569,7 +24958,7 @@
               <a:rPr lang="en-US" sz="2400" dirty="0">
                 <a:latin typeface="+mn-lt"/>
               </a:rPr>
-              <a:t>The migration process will be designed to create new application deployments within their CI/CD pipelines to release to the new Windows Server 2022 VMs in Azure in parallel to the existing on-premises VMs. This will allow traffic to be cut over to the new VMs when ready.</a:t>
+              <a:t>All application tiers and database will be deployed to the Azure VMs in parallel to the on-premises VMs. This will enable minimal downtime when application load is redirected to the new VMs.</a:t>
             </a:r>
           </a:p>
           <a:p>
@@ -23581,7 +24970,7 @@
               <a:rPr lang="en-US" sz="2400" dirty="0">
                 <a:latin typeface="+mn-lt"/>
               </a:rPr>
-              <a:t>In the event of an unexpected issue during migration, the existing on-premises VMs, application deployments and databases will remain in place as a fall back. If there is an issue detected during the cut over process, the on-premises servers will be able to immediately pick up where they left off.</a:t>
+              <a:t>To ensure data consistency during the migration, there will be a short window of downtime required at the database level when the cut over to the new servers is performed. Data migration using DMS supports online migration, allowing the applications to be kept online while data is synchronized.</a:t>
             </a:r>
           </a:p>
         </p:txBody>
@@ -23589,7 +24978,7 @@
     </p:spTree>
     <p:extLst>
       <p:ext uri="{BB962C8B-B14F-4D97-AF65-F5344CB8AC3E}">
-        <p14:creationId xmlns:p14="http://schemas.microsoft.com/office/powerpoint/2010/main" val="4271530713"/>
+        <p14:creationId xmlns:p14="http://schemas.microsoft.com/office/powerpoint/2010/main" val="3961087545"/>
       </p:ext>
     </p:extLst>
   </p:cSld>
@@ -23662,7 +25051,7 @@
         <p:spPr>
           <a:xfrm>
             <a:off x="269239" y="1189177"/>
-            <a:ext cx="11653523" cy="2956194"/>
+            <a:ext cx="11653523" cy="4692054"/>
           </a:xfrm>
         </p:spPr>
         <p:txBody>
@@ -23687,7 +25076,7 @@
               <a:rPr lang="en-US" sz="2400" dirty="0">
                 <a:latin typeface="+mn-lt"/>
               </a:rPr>
-              <a:t>Tailspin has negotiated an Enterprise Agreement (EA) with Microsoft for their Azure consumption. Any cost estimates need to reflect their EA discount.</a:t>
+              <a:t>Will we be able to rollback to the on-premises VMs if the migration fails?</a:t>
             </a:r>
           </a:p>
           <a:p>
@@ -23703,7 +25092,7 @@
             </a:r>
           </a:p>
           <a:p>
-            <a:pPr marL="342900" indent="-342900">
+            <a:pPr marL="171450" indent="-171450" algn="l">
               <a:buFont typeface="Arial" panose="020B0604020202020204" pitchFamily="34" charset="0"/>
               <a:buChar char="•"/>
             </a:pPr>
@@ -23711,7 +25100,19 @@
               <a:rPr lang="en-US" sz="2400" dirty="0">
                 <a:latin typeface="+mn-lt"/>
               </a:rPr>
-              <a:t>We absolutely want to take advantage of these savings for them! The cost estimates from the Azure Pricing Calculator can be tailored to reflect their EA discount.</a:t>
+              <a:t>The migration process will be designed to create new application deployments within their CI/CD pipelines to release to the new Windows Server 2022 VMs in Azure in parallel to the existing on-premises VMs. This will allow traffic to be cut over to the new VMs when ready.</a:t>
+            </a:r>
+          </a:p>
+          <a:p>
+            <a:pPr marL="171450" indent="-171450" algn="l">
+              <a:buFont typeface="Arial" panose="020B0604020202020204" pitchFamily="34" charset="0"/>
+              <a:buChar char="•"/>
+            </a:pPr>
+            <a:r>
+              <a:rPr lang="en-US" sz="2400" dirty="0">
+                <a:latin typeface="+mn-lt"/>
+              </a:rPr>
+              <a:t>In the event of an unexpected issue during migration, the existing on-premises VMs, application deployments and databases will remain in place as a fall back. If there is an issue detected during the cut over process, the on-premises servers will be able to immediately pick up where they left off.</a:t>
             </a:r>
           </a:p>
         </p:txBody>
@@ -23719,7 +25120,7 @@
     </p:spTree>
     <p:extLst>
       <p:ext uri="{BB962C8B-B14F-4D97-AF65-F5344CB8AC3E}">
-        <p14:creationId xmlns:p14="http://schemas.microsoft.com/office/powerpoint/2010/main" val="263894384"/>
+        <p14:creationId xmlns:p14="http://schemas.microsoft.com/office/powerpoint/2010/main" val="4271530713"/>
       </p:ext>
     </p:extLst>
   </p:cSld>
@@ -23792,6 +25193,136 @@
         <p:spPr>
           <a:xfrm>
             <a:off x="269239" y="1189177"/>
+            <a:ext cx="11653523" cy="2956194"/>
+          </a:xfrm>
+        </p:spPr>
+        <p:txBody>
+          <a:bodyPr/>
+          <a:lstStyle/>
+          <a:p>
+            <a:pPr lvl="0"/>
+            <a:r>
+              <a:rPr lang="en-US" sz="3600" dirty="0">
+                <a:latin typeface="Segoe UI Semibold" panose="020B0702040204020203" pitchFamily="34" charset="0"/>
+                <a:cs typeface="Segoe UI Semibold" panose="020B0702040204020203" pitchFamily="34" charset="0"/>
+              </a:rPr>
+              <a:t>Objection</a:t>
+            </a:r>
+            <a:r>
+              <a:rPr lang="en-US" sz="3600" dirty="0"/>
+              <a:t> </a:t>
+            </a:r>
+          </a:p>
+          <a:p>
+            <a:r>
+              <a:rPr lang="en-US" sz="2400" dirty="0">
+                <a:latin typeface="+mn-lt"/>
+              </a:rPr>
+              <a:t>Tailspin has negotiated an Enterprise Agreement (EA) with Microsoft for their Azure consumption. Any cost estimates need to reflect their EA discount.</a:t>
+            </a:r>
+          </a:p>
+          <a:p>
+            <a:endParaRPr lang="en-US" sz="1100" dirty="0"/>
+          </a:p>
+          <a:p>
+            <a:r>
+              <a:rPr lang="en-US" sz="3600" dirty="0">
+                <a:latin typeface="Segoe UI Semibold" panose="020B0702040204020203" pitchFamily="34" charset="0"/>
+                <a:cs typeface="Segoe UI Semibold" panose="020B0702040204020203" pitchFamily="34" charset="0"/>
+              </a:rPr>
+              <a:t>Potential answer</a:t>
+            </a:r>
+          </a:p>
+          <a:p>
+            <a:pPr marL="342900" indent="-342900">
+              <a:buFont typeface="Arial" panose="020B0604020202020204" pitchFamily="34" charset="0"/>
+              <a:buChar char="•"/>
+            </a:pPr>
+            <a:r>
+              <a:rPr lang="en-US" sz="2400" dirty="0">
+                <a:latin typeface="+mn-lt"/>
+              </a:rPr>
+              <a:t>We absolutely want to take advantage of these savings for them! The cost estimates from the Azure Pricing Calculator can be tailored to reflect their EA discount.</a:t>
+            </a:r>
+          </a:p>
+        </p:txBody>
+      </p:sp>
+    </p:spTree>
+    <p:extLst>
+      <p:ext uri="{BB962C8B-B14F-4D97-AF65-F5344CB8AC3E}">
+        <p14:creationId xmlns:p14="http://schemas.microsoft.com/office/powerpoint/2010/main" val="263894384"/>
+      </p:ext>
+    </p:extLst>
+  </p:cSld>
+  <p:clrMapOvr>
+    <a:masterClrMapping/>
+  </p:clrMapOvr>
+  <p:transition>
+    <p:fade/>
+  </p:transition>
+</p:sld>
+</file>
+
+<file path=ppt/slides/slide25.xml><?xml version="1.0" encoding="utf-8"?>
+<p:sld xmlns:a="http://schemas.openxmlformats.org/drawingml/2006/main" xmlns:r="http://schemas.openxmlformats.org/officeDocument/2006/relationships" xmlns:p="http://schemas.openxmlformats.org/presentationml/2006/main">
+  <p:cSld>
+    <p:bg>
+      <p:bgPr>
+        <a:solidFill>
+          <a:srgbClr val="0078D7"/>
+        </a:solidFill>
+        <a:effectLst/>
+      </p:bgPr>
+    </p:bg>
+    <p:spTree>
+      <p:nvGrpSpPr>
+        <p:cNvPr id="1" name=""/>
+        <p:cNvGrpSpPr/>
+        <p:nvPr/>
+      </p:nvGrpSpPr>
+      <p:grpSpPr>
+        <a:xfrm>
+          <a:off x="0" y="0"/>
+          <a:ext cx="0" cy="0"/>
+          <a:chOff x="0" y="0"/>
+          <a:chExt cx="0" cy="0"/>
+        </a:xfrm>
+      </p:grpSpPr>
+      <p:sp>
+        <p:nvSpPr>
+          <p:cNvPr id="2" name="Title 1"/>
+          <p:cNvSpPr>
+            <a:spLocks noGrp="1"/>
+          </p:cNvSpPr>
+          <p:nvPr>
+            <p:ph type="title"/>
+          </p:nvPr>
+        </p:nvSpPr>
+        <p:spPr/>
+        <p:txBody>
+          <a:bodyPr/>
+          <a:lstStyle/>
+          <a:p>
+            <a:r>
+              <a:rPr lang="en-US" dirty="0"/>
+              <a:t>Customer objections</a:t>
+            </a:r>
+          </a:p>
+        </p:txBody>
+      </p:sp>
+      <p:sp>
+        <p:nvSpPr>
+          <p:cNvPr id="3" name="Content Placeholder 2"/>
+          <p:cNvSpPr>
+            <a:spLocks noGrp="1"/>
+          </p:cNvSpPr>
+          <p:nvPr>
+            <p:ph type="body" sz="quarter" idx="10"/>
+          </p:nvPr>
+        </p:nvSpPr>
+        <p:spPr>
+          <a:xfrm>
+            <a:off x="269239" y="1189177"/>
             <a:ext cx="11653523" cy="5689250"/>
           </a:xfrm>
         </p:spPr>
@@ -23874,7 +25405,7 @@
 </p:sld>
 </file>
 
-<file path=ppt/slides/slide25.xml><?xml version="1.0" encoding="utf-8"?>
+<file path=ppt/slides/slide26.xml><?xml version="1.0" encoding="utf-8"?>
 <p:sld xmlns:a="http://schemas.openxmlformats.org/drawingml/2006/main" xmlns:r="http://schemas.openxmlformats.org/officeDocument/2006/relationships" xmlns:p="http://schemas.openxmlformats.org/presentationml/2006/main">
   <p:cSld>
     <p:bg>
@@ -24477,8 +26008,16 @@
 </file>
 
 <file path=ppt/slides/slide6.xml><?xml version="1.0" encoding="utf-8"?>
-<p:sld xmlns:a="http://schemas.openxmlformats.org/drawingml/2006/main" xmlns:r="http://schemas.openxmlformats.org/officeDocument/2006/relationships" xmlns:p="http://schemas.openxmlformats.org/presentationml/2006/main" show="0">
+<p:sld xmlns:a="http://schemas.openxmlformats.org/drawingml/2006/main" xmlns:r="http://schemas.openxmlformats.org/officeDocument/2006/relationships" xmlns:p="http://schemas.openxmlformats.org/presentationml/2006/main">
   <p:cSld>
+    <p:bg>
+      <p:bgPr>
+        <a:solidFill>
+          <a:srgbClr val="0078D7"/>
+        </a:solidFill>
+        <a:effectLst/>
+      </p:bgPr>
+    </p:bg>
     <p:spTree>
       <p:nvGrpSpPr>
         <p:cNvPr id="1" name=""/>
@@ -24510,20 +26049,14 @@
           <a:p>
             <a:r>
               <a:rPr lang="en-US" dirty="0"/>
-              <a:t>Current Active Directory Configuration</a:t>
+              <a:t>Customer needs</a:t>
             </a:r>
           </a:p>
         </p:txBody>
       </p:sp>
       <p:sp>
         <p:nvSpPr>
-          <p:cNvPr id="30" name="Text Placeholder 29">
-            <a:extLst>
-              <a:ext uri="{FF2B5EF4-FFF2-40B4-BE49-F238E27FC236}">
-                <a16:creationId xmlns:a16="http://schemas.microsoft.com/office/drawing/2014/main" id="{04A24531-2D0F-4126-9F8A-57456672C08A}"/>
-              </a:ext>
-            </a:extLst>
-          </p:cNvPr>
+          <p:cNvPr id="3" name="Content Placeholder 2"/>
           <p:cNvSpPr>
             <a:spLocks noGrp="1"/>
           </p:cNvSpPr>
@@ -24533,67 +26066,52 @@
         </p:nvSpPr>
         <p:spPr>
           <a:xfrm>
-            <a:off x="269240" y="1915064"/>
-            <a:ext cx="5678674" cy="2724134"/>
+            <a:off x="269239" y="1189177"/>
+            <a:ext cx="11653523" cy="3139321"/>
           </a:xfrm>
         </p:spPr>
         <p:txBody>
           <a:bodyPr/>
           <a:lstStyle/>
           <a:p>
-            <a:r>
-              <a:rPr lang="en-US" sz="2800" dirty="0"/>
-              <a:t>Currently have a single domain controller deployed in west central US</a:t>
-            </a:r>
-          </a:p>
-          <a:p>
-            <a:endParaRPr lang="en-US" sz="2800" dirty="0"/>
-          </a:p>
-          <a:p>
-            <a:r>
-              <a:rPr lang="en-US" sz="2800" dirty="0"/>
-              <a:t>Connectivity is enabled with a site-to-site VPN gateway</a:t>
-            </a:r>
-          </a:p>
-          <a:p>
-            <a:endParaRPr lang="en-US" dirty="0"/>
+            <a:pPr marL="742950" indent="-742950">
+              <a:buFont typeface="+mj-lt"/>
+              <a:buAutoNum type="arabicPeriod"/>
+            </a:pPr>
+            <a:r>
+              <a:rPr lang="en-US" sz="3200" dirty="0"/>
+              <a:t>Migrate existing workloads to Azure as efficiently as possible.</a:t>
+            </a:r>
+          </a:p>
+          <a:p>
+            <a:pPr marL="742950" indent="-742950">
+              <a:buFont typeface="+mj-lt"/>
+              <a:buAutoNum type="arabicPeriod"/>
+            </a:pPr>
+            <a:r>
+              <a:rPr lang="en-US" sz="3200" dirty="0"/>
+              <a:t>Lower the management burden with a consolidated view to manage VMs and Servers across Azure and on-premises</a:t>
+            </a:r>
+          </a:p>
+          <a:p>
+            <a:pPr marL="742950" indent="-742950">
+              <a:buFont typeface="+mj-lt"/>
+              <a:buAutoNum type="arabicPeriod"/>
+            </a:pPr>
+            <a:r>
+              <a:rPr lang="en-US" sz="3200" dirty="0"/>
+              <a:t>Network security is extremely important as we integrate on-premises networking with Microsoft Azure</a:t>
+            </a:r>
+          </a:p>
+          <a:p>
+            <a:endParaRPr lang="en-US" sz="3200" dirty="0"/>
           </a:p>
         </p:txBody>
       </p:sp>
-      <p:pic>
-        <p:nvPicPr>
-          <p:cNvPr id="5" name="Picture 4" descr="This image represents a single domain controller in the West Central US region with a site to site VPN gateway connecting the on-premises environment with the cloud.">
-            <a:extLst>
-              <a:ext uri="{FF2B5EF4-FFF2-40B4-BE49-F238E27FC236}">
-                <a16:creationId xmlns:a16="http://schemas.microsoft.com/office/drawing/2014/main" id="{5E93E597-2E80-4B10-9DEF-85834DFCF0CF}"/>
-              </a:ext>
-            </a:extLst>
-          </p:cNvPr>
-          <p:cNvPicPr>
-            <a:picLocks noChangeAspect="1"/>
-          </p:cNvPicPr>
-          <p:nvPr/>
-        </p:nvPicPr>
-        <p:blipFill>
-          <a:blip r:embed="rId3"/>
-          <a:stretch>
-            <a:fillRect/>
-          </a:stretch>
-        </p:blipFill>
-        <p:spPr>
-          <a:xfrm>
-            <a:off x="6608885" y="1427672"/>
-            <a:ext cx="4125552" cy="4757468"/>
-          </a:xfrm>
-          <a:prstGeom prst="rect">
-            <a:avLst/>
-          </a:prstGeom>
-        </p:spPr>
-      </p:pic>
     </p:spTree>
     <p:extLst>
       <p:ext uri="{BB962C8B-B14F-4D97-AF65-F5344CB8AC3E}">
-        <p14:creationId xmlns:p14="http://schemas.microsoft.com/office/powerpoint/2010/main" val="2510256739"/>
+        <p14:creationId xmlns:p14="http://schemas.microsoft.com/office/powerpoint/2010/main" val="2280883477"/>
       </p:ext>
     </p:extLst>
   </p:cSld>
@@ -24607,8 +26125,16 @@
 </file>
 
 <file path=ppt/slides/slide7.xml><?xml version="1.0" encoding="utf-8"?>
-<p:sld xmlns:a="http://schemas.openxmlformats.org/drawingml/2006/main" xmlns:r="http://schemas.openxmlformats.org/officeDocument/2006/relationships" xmlns:p="http://schemas.openxmlformats.org/presentationml/2006/main" show="0">
+<p:sld xmlns:a="http://schemas.openxmlformats.org/drawingml/2006/main" xmlns:r="http://schemas.openxmlformats.org/officeDocument/2006/relationships" xmlns:p="http://schemas.openxmlformats.org/presentationml/2006/main">
   <p:cSld>
+    <p:bg>
+      <p:bgPr>
+        <a:solidFill>
+          <a:srgbClr val="0078D7"/>
+        </a:solidFill>
+        <a:effectLst/>
+      </p:bgPr>
+    </p:bg>
     <p:spTree>
       <p:nvGrpSpPr>
         <p:cNvPr id="1" name=""/>
@@ -24640,20 +26166,14 @@
           <a:p>
             <a:r>
               <a:rPr lang="en-US" dirty="0"/>
-              <a:t>Current configuration for claims application</a:t>
+              <a:t>Customer objections</a:t>
             </a:r>
           </a:p>
         </p:txBody>
       </p:sp>
       <p:sp>
         <p:nvSpPr>
-          <p:cNvPr id="11" name="Text Placeholder 10">
-            <a:extLst>
-              <a:ext uri="{FF2B5EF4-FFF2-40B4-BE49-F238E27FC236}">
-                <a16:creationId xmlns:a16="http://schemas.microsoft.com/office/drawing/2014/main" id="{1BD96DDA-972A-4A2F-B58A-273E632474ED}"/>
-              </a:ext>
-            </a:extLst>
-          </p:cNvPr>
+          <p:cNvPr id="3" name="Content Placeholder 2"/>
           <p:cNvSpPr>
             <a:spLocks noGrp="1"/>
           </p:cNvSpPr>
@@ -24663,83 +26183,49 @@
         </p:nvSpPr>
         <p:spPr>
           <a:xfrm>
-            <a:off x="269240" y="1686464"/>
-            <a:ext cx="5463014" cy="4344716"/>
+            <a:off x="269239" y="1189177"/>
+            <a:ext cx="11653523" cy="3705886"/>
           </a:xfrm>
         </p:spPr>
         <p:txBody>
           <a:bodyPr/>
           <a:lstStyle/>
           <a:p>
+            <a:pPr marL="514350" indent="-514350">
+              <a:buFont typeface="+mj-lt"/>
+              <a:buAutoNum type="arabicPeriod"/>
+            </a:pPr>
             <a:r>
               <a:rPr lang="en-US" sz="3200" dirty="0"/>
-              <a:t>Web servers deployed into an availability set</a:t>
-            </a:r>
-          </a:p>
-          <a:p>
-            <a:endParaRPr lang="en-US" sz="3200" dirty="0"/>
-          </a:p>
-          <a:p>
+              <a:t>It appears there are multiple options of hosting SQL databases in Azure. What's the best option to choose, and how do you know it'll be compatible?</a:t>
+            </a:r>
+          </a:p>
+          <a:p>
+            <a:pPr marL="514350" indent="-514350">
+              <a:buFont typeface="+mj-lt"/>
+              <a:buAutoNum type="arabicPeriod"/>
+            </a:pPr>
             <a:r>
               <a:rPr lang="en-US" sz="3200" dirty="0"/>
-              <a:t>SQL Server backend</a:t>
-            </a:r>
-            <a:br>
-              <a:rPr lang="en-US" sz="3200" dirty="0"/>
-            </a:br>
-            <a:r>
-              <a:rPr lang="en-US" sz="3200" dirty="0"/>
-              <a:t>(single VM)</a:t>
-            </a:r>
-          </a:p>
-          <a:p>
-            <a:endParaRPr lang="en-US" sz="3200" dirty="0"/>
-          </a:p>
-          <a:p>
-            <a:r>
-              <a:rPr lang="en-US" sz="3200" dirty="0"/>
-              <a:t>West Central US</a:t>
-            </a:r>
-          </a:p>
-          <a:p>
-            <a:endParaRPr lang="en-US" dirty="0"/>
+              <a:t>What kind of downtime will be incurred when migrating the Windows Server and SQL Server workloads to Azure?</a:t>
+            </a:r>
+          </a:p>
+          <a:p>
+            <a:pPr marL="514350" indent="-514350">
+              <a:buFont typeface="+mj-lt"/>
+              <a:buAutoNum type="arabicPeriod"/>
+            </a:pPr>
+            <a:r>
+              <a:rPr lang="en-US" dirty="0"/>
+              <a:t>Will we be able to rollback to the on-premises VMs if the migration fails?</a:t>
+            </a:r>
           </a:p>
         </p:txBody>
       </p:sp>
-      <p:pic>
-        <p:nvPicPr>
-          <p:cNvPr id="4" name="Picture 3" descr="The SQL and Web Server Current Implementation diagram depicts three virtual machines behind a load balancer and availability set, and a single virtual machine for SQL server with two disks for data.">
-            <a:extLst>
-              <a:ext uri="{FF2B5EF4-FFF2-40B4-BE49-F238E27FC236}">
-                <a16:creationId xmlns:a16="http://schemas.microsoft.com/office/drawing/2014/main" id="{FF9CD701-825D-4984-8FBD-42BF8752629D}"/>
-              </a:ext>
-            </a:extLst>
-          </p:cNvPr>
-          <p:cNvPicPr>
-            <a:picLocks noChangeAspect="1"/>
-          </p:cNvPicPr>
-          <p:nvPr/>
-        </p:nvPicPr>
-        <p:blipFill>
-          <a:blip r:embed="rId3"/>
-          <a:stretch>
-            <a:fillRect/>
-          </a:stretch>
-        </p:blipFill>
-        <p:spPr>
-          <a:xfrm>
-            <a:off x="6927011" y="1367873"/>
-            <a:ext cx="4499056" cy="5200616"/>
-          </a:xfrm>
-          <a:prstGeom prst="rect">
-            <a:avLst/>
-          </a:prstGeom>
-        </p:spPr>
-      </p:pic>
     </p:spTree>
     <p:extLst>
       <p:ext uri="{BB962C8B-B14F-4D97-AF65-F5344CB8AC3E}">
-        <p14:creationId xmlns:p14="http://schemas.microsoft.com/office/powerpoint/2010/main" val="1928088804"/>
+        <p14:creationId xmlns:p14="http://schemas.microsoft.com/office/powerpoint/2010/main" val="1896905197"/>
       </p:ext>
     </p:extLst>
   </p:cSld>
@@ -24794,7 +26280,7 @@
           <a:p>
             <a:r>
               <a:rPr lang="en-US" dirty="0"/>
-              <a:t>Customer needs</a:t>
+              <a:t>Customer objections (continued)</a:t>
             </a:r>
           </a:p>
         </p:txBody>
@@ -24812,51 +26298,45 @@
         <p:spPr>
           <a:xfrm>
             <a:off x="269239" y="1189177"/>
-            <a:ext cx="11653523" cy="3139321"/>
+            <a:ext cx="11653523" cy="2719655"/>
           </a:xfrm>
         </p:spPr>
         <p:txBody>
           <a:bodyPr/>
           <a:lstStyle/>
           <a:p>
-            <a:pPr marL="742950" indent="-742950">
+            <a:pPr marL="514350" indent="-514350">
               <a:buFont typeface="+mj-lt"/>
               <a:buAutoNum type="arabicPeriod"/>
             </a:pPr>
             <a:r>
               <a:rPr lang="en-US" sz="3200" dirty="0"/>
-              <a:t>Migrate existing workloads to Azure as efficiently as possible.</a:t>
-            </a:r>
-          </a:p>
-          <a:p>
-            <a:pPr marL="742950" indent="-742950">
+              <a:t>Tailspin has negotiated an Enterprise Agreement (EA) with Microsoft for their Azure consumption. Any cost estimates need to reflect their EA discount.</a:t>
+            </a:r>
+          </a:p>
+          <a:p>
+            <a:pPr marL="514350" indent="-514350">
               <a:buFont typeface="+mj-lt"/>
               <a:buAutoNum type="arabicPeriod"/>
             </a:pPr>
             <a:r>
               <a:rPr lang="en-US" sz="3200" dirty="0"/>
-              <a:t>Lower the management burden with a consolidated view to manage VMs and Servers across Azure and on-premises</a:t>
-            </a:r>
-          </a:p>
-          <a:p>
-            <a:pPr marL="742950" indent="-742950">
+              <a:t>Would there be further savings from the use of PaaS services?</a:t>
+            </a:r>
+          </a:p>
+          <a:p>
+            <a:pPr marL="514350" indent="-514350">
               <a:buFont typeface="+mj-lt"/>
               <a:buAutoNum type="arabicPeriod"/>
             </a:pPr>
-            <a:r>
-              <a:rPr lang="en-US" sz="3200" dirty="0"/>
-              <a:t>Network security is extremely important as we integrate on-premises networking with Microsoft Azure</a:t>
-            </a:r>
-          </a:p>
-          <a:p>
-            <a:endParaRPr lang="en-US" sz="3200" dirty="0"/>
+            <a:endParaRPr lang="en-US" dirty="0"/>
           </a:p>
         </p:txBody>
       </p:sp>
     </p:spTree>
     <p:extLst>
       <p:ext uri="{BB962C8B-B14F-4D97-AF65-F5344CB8AC3E}">
-        <p14:creationId xmlns:p14="http://schemas.microsoft.com/office/powerpoint/2010/main" val="2280883477"/>
+        <p14:creationId xmlns:p14="http://schemas.microsoft.com/office/powerpoint/2010/main" val="3338709942"/>
       </p:ext>
     </p:extLst>
   </p:cSld>
@@ -24870,7 +26350,7 @@
 </file>
 
 <file path=ppt/slides/slide9.xml><?xml version="1.0" encoding="utf-8"?>
-<p:sld xmlns:a="http://schemas.openxmlformats.org/drawingml/2006/main" xmlns:r="http://schemas.openxmlformats.org/officeDocument/2006/relationships" xmlns:p="http://schemas.openxmlformats.org/presentationml/2006/main" show="0">
+<p:sld xmlns:a="http://schemas.openxmlformats.org/drawingml/2006/main" xmlns:r="http://schemas.openxmlformats.org/officeDocument/2006/relationships" xmlns:p="http://schemas.openxmlformats.org/presentationml/2006/main">
   <p:cSld>
     <p:bg>
       <p:bgPr>
@@ -24896,7 +26376,7 @@
       </p:grpSpPr>
       <p:sp>
         <p:nvSpPr>
-          <p:cNvPr id="2" name="Title 1"/>
+          <p:cNvPr id="2" name="Title 1" descr="Diagram depicting a wide range of Azure services: Domain Controller VM, SQL Server in VM, Web VM, Load Balancer, Azure Backup, Azure Site Recovery, SQL Server AlwaysOn Availability Groups, Traffic Manager, Availability Zones, Web Apps, Storage, VPN Gateway, SQL Database, Front Door"/>
           <p:cNvSpPr>
             <a:spLocks noGrp="1"/>
           </p:cNvSpPr>
@@ -24911,82 +26391,62 @@
           <a:p>
             <a:r>
               <a:rPr lang="en-US" dirty="0"/>
-              <a:t>Customer needs - continued</a:t>
+              <a:t>Common scenarios</a:t>
             </a:r>
           </a:p>
         </p:txBody>
       </p:sp>
-      <p:sp>
-        <p:nvSpPr>
-          <p:cNvPr id="3" name="Content Placeholder 2"/>
-          <p:cNvSpPr>
-            <a:spLocks noGrp="1"/>
-          </p:cNvSpPr>
-          <p:nvPr>
-            <p:ph type="body" sz="quarter" idx="10"/>
-          </p:nvPr>
-        </p:nvSpPr>
-        <p:spPr>
+      <p:pic>
+        <p:nvPicPr>
+          <p:cNvPr id="1026" name="Picture 2" descr="Hub-spoke network topology in Azure">
+            <a:extLst>
+              <a:ext uri="{FF2B5EF4-FFF2-40B4-BE49-F238E27FC236}">
+                <a16:creationId xmlns:a16="http://schemas.microsoft.com/office/drawing/2014/main" id="{D4686063-FA50-7605-92DE-7912FACEE7C9}"/>
+              </a:ext>
+            </a:extLst>
+          </p:cNvPr>
+          <p:cNvPicPr>
+            <a:picLocks noChangeAspect="1" noChangeArrowheads="1"/>
+          </p:cNvPicPr>
+          <p:nvPr/>
+        </p:nvPicPr>
+        <p:blipFill>
+          <a:blip r:embed="rId3">
+            <a:extLst>
+              <a:ext uri="{28A0092B-C50C-407E-A947-70E740481C1C}">
+                <a14:useLocalDpi xmlns:a14="http://schemas.microsoft.com/office/drawing/2010/main" val="0"/>
+              </a:ext>
+            </a:extLst>
+          </a:blip>
+          <a:srcRect/>
+          <a:stretch>
+            <a:fillRect/>
+          </a:stretch>
+        </p:blipFill>
+        <p:spPr bwMode="auto">
           <a:xfrm>
-            <a:off x="269240" y="1322992"/>
-            <a:ext cx="11653523" cy="3237809"/>
+            <a:off x="1011836" y="1353248"/>
+            <a:ext cx="10168328" cy="5215241"/>
           </a:xfrm>
+          <a:prstGeom prst="rect">
+            <a:avLst/>
+          </a:prstGeom>
+          <a:noFill/>
+          <a:extLst>
+            <a:ext uri="{909E8E84-426E-40DD-AFC4-6F175D3DCCD1}">
+              <a14:hiddenFill xmlns:a14="http://schemas.microsoft.com/office/drawing/2010/main">
+                <a:solidFill>
+                  <a:srgbClr val="FFFFFF"/>
+                </a:solidFill>
+              </a14:hiddenFill>
+            </a:ext>
+          </a:extLst>
         </p:spPr>
-        <p:txBody>
-          <a:bodyPr/>
-          <a:lstStyle/>
-          <a:p>
-            <a:pPr marL="742950" indent="-742950">
-              <a:buFont typeface="+mj-lt"/>
-              <a:buAutoNum type="arabicPeriod" startAt="4"/>
-            </a:pPr>
-            <a:r>
-              <a:rPr lang="en-US" sz="3200" dirty="0"/>
-              <a:t>?</a:t>
-            </a:r>
-          </a:p>
-          <a:p>
-            <a:pPr marL="742950" indent="-742950">
-              <a:buFont typeface="+mj-lt"/>
-              <a:buAutoNum type="arabicPeriod" startAt="4"/>
-            </a:pPr>
-            <a:r>
-              <a:rPr lang="en-US" sz="3200" dirty="0"/>
-              <a:t>?</a:t>
-            </a:r>
-          </a:p>
-          <a:p>
-            <a:pPr marL="742950" indent="-742950">
-              <a:buFont typeface="+mj-lt"/>
-              <a:buAutoNum type="arabicPeriod" startAt="4"/>
-            </a:pPr>
-            <a:r>
-              <a:rPr lang="en-US" sz="3200" dirty="0"/>
-              <a:t>?</a:t>
-            </a:r>
-          </a:p>
-          <a:p>
-            <a:pPr marL="742950" indent="-742950">
-              <a:buFont typeface="+mj-lt"/>
-              <a:buAutoNum type="arabicPeriod" startAt="4"/>
-            </a:pPr>
-            <a:endParaRPr lang="en-US" sz="3200" dirty="0"/>
-          </a:p>
-          <a:p>
-            <a:pPr marL="0" indent="0">
-              <a:buNone/>
-            </a:pPr>
-            <a:r>
-              <a:rPr lang="en-US" sz="3200" dirty="0"/>
-              <a:t>Contoso also want to fully understand the costs associated with each of 1 – 6 above.</a:t>
-            </a:r>
-          </a:p>
-        </p:txBody>
-      </p:sp>
+      </p:pic>
     </p:spTree>
     <p:extLst>
       <p:ext uri="{BB962C8B-B14F-4D97-AF65-F5344CB8AC3E}">
-        <p14:creationId xmlns:p14="http://schemas.microsoft.com/office/powerpoint/2010/main" val="1447668670"/>
+        <p14:creationId xmlns:p14="http://schemas.microsoft.com/office/powerpoint/2010/main" val="2614745471"/>
       </p:ext>
     </p:extLst>
   </p:cSld>
@@ -26166,6 +27626,135 @@
 </a:theme>
 </file>
 
+<file path=ppt/theme/themeOverride1.xml><?xml version="1.0" encoding="utf-8"?>
+<a:themeOverride xmlns:a="http://schemas.openxmlformats.org/drawingml/2006/main">
+  <a:clrScheme name="Custom 2">
+    <a:dk1>
+      <a:srgbClr val="353535"/>
+    </a:dk1>
+    <a:lt1>
+      <a:srgbClr val="FFFFFF"/>
+    </a:lt1>
+    <a:dk2>
+      <a:srgbClr val="0078D7"/>
+    </a:dk2>
+    <a:lt2>
+      <a:srgbClr val="E6E6E6"/>
+    </a:lt2>
+    <a:accent1>
+      <a:srgbClr val="00188F"/>
+    </a:accent1>
+    <a:accent2>
+      <a:srgbClr val="002050"/>
+    </a:accent2>
+    <a:accent3>
+      <a:srgbClr val="E6E6E6"/>
+    </a:accent3>
+    <a:accent4>
+      <a:srgbClr val="107C10"/>
+    </a:accent4>
+    <a:accent5>
+      <a:srgbClr val="737373"/>
+    </a:accent5>
+    <a:accent6>
+      <a:srgbClr val="D2D2D2"/>
+    </a:accent6>
+    <a:hlink>
+      <a:srgbClr val="0078D7"/>
+    </a:hlink>
+    <a:folHlink>
+      <a:srgbClr val="0078D7"/>
+    </a:folHlink>
+  </a:clrScheme>
+</a:themeOverride>
+</file>
+
+<file path=ppt/theme/themeOverride2.xml><?xml version="1.0" encoding="utf-8"?>
+<a:themeOverride xmlns:a="http://schemas.openxmlformats.org/drawingml/2006/main">
+  <a:clrScheme name="Custom 2">
+    <a:dk1>
+      <a:srgbClr val="353535"/>
+    </a:dk1>
+    <a:lt1>
+      <a:srgbClr val="FFFFFF"/>
+    </a:lt1>
+    <a:dk2>
+      <a:srgbClr val="0078D7"/>
+    </a:dk2>
+    <a:lt2>
+      <a:srgbClr val="E6E6E6"/>
+    </a:lt2>
+    <a:accent1>
+      <a:srgbClr val="00188F"/>
+    </a:accent1>
+    <a:accent2>
+      <a:srgbClr val="002050"/>
+    </a:accent2>
+    <a:accent3>
+      <a:srgbClr val="E6E6E6"/>
+    </a:accent3>
+    <a:accent4>
+      <a:srgbClr val="107C10"/>
+    </a:accent4>
+    <a:accent5>
+      <a:srgbClr val="737373"/>
+    </a:accent5>
+    <a:accent6>
+      <a:srgbClr val="D2D2D2"/>
+    </a:accent6>
+    <a:hlink>
+      <a:srgbClr val="0078D7"/>
+    </a:hlink>
+    <a:folHlink>
+      <a:srgbClr val="0078D7"/>
+    </a:folHlink>
+  </a:clrScheme>
+</a:themeOverride>
+</file>
+
+<file path=ppt/theme/themeOverride3.xml><?xml version="1.0" encoding="utf-8"?>
+<a:themeOverride xmlns:a="http://schemas.openxmlformats.org/drawingml/2006/main">
+  <a:clrScheme name="Custom 2">
+    <a:dk1>
+      <a:srgbClr val="353535"/>
+    </a:dk1>
+    <a:lt1>
+      <a:srgbClr val="FFFFFF"/>
+    </a:lt1>
+    <a:dk2>
+      <a:srgbClr val="0078D7"/>
+    </a:dk2>
+    <a:lt2>
+      <a:srgbClr val="E6E6E6"/>
+    </a:lt2>
+    <a:accent1>
+      <a:srgbClr val="00188F"/>
+    </a:accent1>
+    <a:accent2>
+      <a:srgbClr val="002050"/>
+    </a:accent2>
+    <a:accent3>
+      <a:srgbClr val="E6E6E6"/>
+    </a:accent3>
+    <a:accent4>
+      <a:srgbClr val="107C10"/>
+    </a:accent4>
+    <a:accent5>
+      <a:srgbClr val="737373"/>
+    </a:accent5>
+    <a:accent6>
+      <a:srgbClr val="D2D2D2"/>
+    </a:accent6>
+    <a:hlink>
+      <a:srgbClr val="0078D7"/>
+    </a:hlink>
+    <a:folHlink>
+      <a:srgbClr val="0078D7"/>
+    </a:folHlink>
+  </a:clrScheme>
+</a:themeOverride>
+</file>
+
 <file path=customXml/item1.xml><?xml version="1.0" encoding="utf-8"?>
 <?mso-contentType ?>
 <FormTemplates xmlns="http://schemas.microsoft.com/sharepoint/v3/contenttype/forms">

--- a/Whiteboard design session/WDS trainer presentation - Building the business migration case with Windows Server and SQL Server.pptx
+++ b/Whiteboard design session/WDS trainer presentation - Building the business migration case with Windows Server and SQL Server.pptx
@@ -7,7 +7,7 @@
     <p:sldMasterId id="2147483700" r:id="rId6"/>
   </p:sldMasterIdLst>
   <p:notesMasterIdLst>
-    <p:notesMasterId r:id="rId33"/>
+    <p:notesMasterId r:id="rId36"/>
   </p:notesMasterIdLst>
   <p:sldIdLst>
     <p:sldId id="397" r:id="rId7"/>
@@ -23,19 +23,22 @@
     <p:sldId id="401" r:id="rId17"/>
     <p:sldId id="402" r:id="rId18"/>
     <p:sldId id="403" r:id="rId19"/>
-    <p:sldId id="404" r:id="rId20"/>
-    <p:sldId id="333" r:id="rId21"/>
-    <p:sldId id="2080" r:id="rId22"/>
-    <p:sldId id="2088" r:id="rId23"/>
-    <p:sldId id="2087" r:id="rId24"/>
-    <p:sldId id="2089" r:id="rId25"/>
-    <p:sldId id="2090" r:id="rId26"/>
-    <p:sldId id="336" r:id="rId27"/>
-    <p:sldId id="2086" r:id="rId28"/>
-    <p:sldId id="2085" r:id="rId29"/>
-    <p:sldId id="2084" r:id="rId30"/>
-    <p:sldId id="2083" r:id="rId31"/>
-    <p:sldId id="281" r:id="rId32"/>
+    <p:sldId id="374" r:id="rId20"/>
+    <p:sldId id="404" r:id="rId21"/>
+    <p:sldId id="333" r:id="rId22"/>
+    <p:sldId id="2080" r:id="rId23"/>
+    <p:sldId id="2088" r:id="rId24"/>
+    <p:sldId id="2087" r:id="rId25"/>
+    <p:sldId id="2089" r:id="rId26"/>
+    <p:sldId id="2091" r:id="rId27"/>
+    <p:sldId id="336" r:id="rId28"/>
+    <p:sldId id="2086" r:id="rId29"/>
+    <p:sldId id="2085" r:id="rId30"/>
+    <p:sldId id="2084" r:id="rId31"/>
+    <p:sldId id="2092" r:id="rId32"/>
+    <p:sldId id="2083" r:id="rId33"/>
+    <p:sldId id="2093" r:id="rId34"/>
+    <p:sldId id="281" r:id="rId35"/>
   </p:sldIdLst>
   <p:sldSz cx="12192000" cy="6858000"/>
   <p:notesSz cx="6858000" cy="9144000"/>
@@ -233,7 +236,7 @@
           <a:p>
             <a:fld id="{D12B4A29-5F37-4DEF-BB05-EEA5E91F514E}" type="datetimeFigureOut">
               <a:rPr lang="en-US" smtClean="0"/>
-              <a:t>9/9/22</a:t>
+              <a:t>9/13/22</a:t>
             </a:fld>
             <a:endParaRPr lang="en-US" dirty="0"/>
           </a:p>
@@ -688,6 +691,83 @@
           <a:bodyPr/>
           <a:lstStyle/>
           <a:p>
+            <a:r>
+              <a:rPr lang="en-US" b="0" i="0" dirty="0">
+                <a:solidFill>
+                  <a:srgbClr val="E6E6E6"/>
+                </a:solidFill>
+                <a:effectLst/>
+                <a:latin typeface="Segoe UI" panose="020B0502040204020203" pitchFamily="34" charset="0"/>
+              </a:rPr>
+              <a:t>Azure Arc simplifies governance and management by delivering a consistent multi-cloud and on-premises management platform.</a:t>
+            </a:r>
+          </a:p>
+          <a:p>
+            <a:endParaRPr lang="en-US" b="0" i="0" dirty="0">
+              <a:solidFill>
+                <a:srgbClr val="E6E6E6"/>
+              </a:solidFill>
+              <a:effectLst/>
+              <a:latin typeface="Segoe UI" panose="020B0502040204020203" pitchFamily="34" charset="0"/>
+            </a:endParaRPr>
+          </a:p>
+          <a:p>
+            <a:pPr marL="0" marR="0" lvl="0" indent="0" algn="l" defTabSz="914400" rtl="0" eaLnBrk="1" fontAlgn="auto" latinLnBrk="0" hangingPunct="1">
+              <a:lnSpc>
+                <a:spcPct val="100000"/>
+              </a:lnSpc>
+              <a:spcBef>
+                <a:spcPts val="0"/>
+              </a:spcBef>
+              <a:spcAft>
+                <a:spcPts val="0"/>
+              </a:spcAft>
+              <a:buClrTx/>
+              <a:buSzTx/>
+              <a:buFontTx/>
+              <a:buNone/>
+              <a:tabLst/>
+              <a:defRPr/>
+            </a:pPr>
+            <a:r>
+              <a:rPr lang="en-US" b="0" u="sng" dirty="0">
+                <a:solidFill>
+                  <a:srgbClr val="D4D4D4"/>
+                </a:solidFill>
+                <a:effectLst/>
+                <a:latin typeface="Menlo" panose="020B0609030804020204" pitchFamily="49" charset="0"/>
+              </a:rPr>
+              <a:t>https://</a:t>
+            </a:r>
+            <a:r>
+              <a:rPr lang="en-US" b="0" u="sng" dirty="0" err="1">
+                <a:solidFill>
+                  <a:srgbClr val="D4D4D4"/>
+                </a:solidFill>
+                <a:effectLst/>
+                <a:latin typeface="Menlo" panose="020B0609030804020204" pitchFamily="49" charset="0"/>
+              </a:rPr>
+              <a:t>docs.microsoft.com</a:t>
+            </a:r>
+            <a:r>
+              <a:rPr lang="en-US" b="0" u="sng" dirty="0">
+                <a:solidFill>
+                  <a:srgbClr val="D4D4D4"/>
+                </a:solidFill>
+                <a:effectLst/>
+                <a:latin typeface="Menlo" panose="020B0609030804020204" pitchFamily="49" charset="0"/>
+              </a:rPr>
+              <a:t>/azure/azure-arc/overview</a:t>
+            </a:r>
+            <a:endParaRPr lang="en-US" b="0" dirty="0">
+              <a:solidFill>
+                <a:srgbClr val="D4D4D4"/>
+              </a:solidFill>
+              <a:effectLst/>
+              <a:latin typeface="Menlo" panose="020B0609030804020204" pitchFamily="49" charset="0"/>
+            </a:endParaRPr>
+          </a:p>
+          <a:p>
             <a:endParaRPr lang="en-US" dirty="0"/>
           </a:p>
         </p:txBody>
@@ -1223,78 +1303,18 @@
           <a:bodyPr/>
           <a:lstStyle/>
           <a:p>
-            <a:pPr marL="0" marR="0" lvl="0" indent="0" algn="r" defTabSz="914400" rtl="0" eaLnBrk="1" fontAlgn="auto" latinLnBrk="0" hangingPunct="1">
-              <a:lnSpc>
-                <a:spcPct val="100000"/>
-              </a:lnSpc>
-              <a:spcBef>
-                <a:spcPts val="0"/>
-              </a:spcBef>
-              <a:spcAft>
-                <a:spcPts val="0"/>
-              </a:spcAft>
-              <a:buClrTx/>
-              <a:buSzTx/>
-              <a:buFontTx/>
-              <a:buNone/>
-              <a:tabLst/>
-              <a:defRPr/>
-            </a:pPr>
             <a:fld id="{0998D5BB-B127-481F-BC0A-2F77C576BB34}" type="slidenum">
-              <a:rPr kumimoji="0" lang="en-US" sz="1200" b="0" i="0" u="none" strike="noStrike" kern="1200" cap="none" spc="0" normalizeH="0" baseline="0" noProof="0" smtClean="0">
-                <a:ln>
-                  <a:noFill/>
-                </a:ln>
-                <a:solidFill>
-                  <a:prstClr val="black"/>
-                </a:solidFill>
-                <a:effectLst/>
-                <a:uLnTx/>
-                <a:uFillTx/>
-                <a:latin typeface="Calibri" panose="020F0502020204030204"/>
-                <a:ea typeface="+mn-ea"/>
-                <a:cs typeface="+mn-cs"/>
-              </a:rPr>
-              <a:pPr marL="0" marR="0" lvl="0" indent="0" algn="r" defTabSz="914400" rtl="0" eaLnBrk="1" fontAlgn="auto" latinLnBrk="0" hangingPunct="1">
-                <a:lnSpc>
-                  <a:spcPct val="100000"/>
-                </a:lnSpc>
-                <a:spcBef>
-                  <a:spcPts val="0"/>
-                </a:spcBef>
-                <a:spcAft>
-                  <a:spcPts val="0"/>
-                </a:spcAft>
-                <a:buClrTx/>
-                <a:buSzTx/>
-                <a:buFontTx/>
-                <a:buNone/>
-                <a:tabLst/>
-                <a:defRPr/>
-              </a:pPr>
+              <a:rPr lang="en-US" smtClean="0"/>
               <a:t>14</a:t>
             </a:fld>
-            <a:endParaRPr kumimoji="0" lang="en-US" sz="1200" b="0" i="0" u="none" strike="noStrike" kern="1200" cap="none" spc="0" normalizeH="0" baseline="0" noProof="0" dirty="0">
-              <a:ln>
-                <a:noFill/>
-              </a:ln>
-              <a:solidFill>
-                <a:prstClr val="black"/>
-              </a:solidFill>
-              <a:effectLst/>
-              <a:uLnTx/>
-              <a:uFillTx/>
-              <a:latin typeface="Calibri" panose="020F0502020204030204"/>
-              <a:ea typeface="+mn-ea"/>
-              <a:cs typeface="+mn-cs"/>
-            </a:endParaRPr>
+            <a:endParaRPr lang="en-US" dirty="0"/>
           </a:p>
         </p:txBody>
       </p:sp>
     </p:spTree>
     <p:extLst>
       <p:ext uri="{BB962C8B-B14F-4D97-AF65-F5344CB8AC3E}">
-        <p14:creationId xmlns:p14="http://schemas.microsoft.com/office/powerpoint/2010/main" val="2146906751"/>
+        <p14:creationId xmlns:p14="http://schemas.microsoft.com/office/powerpoint/2010/main" val="958117686"/>
       </p:ext>
     </p:extLst>
   </p:cSld>
@@ -1367,18 +1387,78 @@
           <a:bodyPr/>
           <a:lstStyle/>
           <a:p>
-            <a:fld id="{148D4592-6837-45C4-B65B-13E03ECAF0B2}" type="slidenum">
-              <a:rPr lang="en-US" smtClean="0"/>
+            <a:pPr marL="0" marR="0" lvl="0" indent="0" algn="r" defTabSz="914400" rtl="0" eaLnBrk="1" fontAlgn="auto" latinLnBrk="0" hangingPunct="1">
+              <a:lnSpc>
+                <a:spcPct val="100000"/>
+              </a:lnSpc>
+              <a:spcBef>
+                <a:spcPts val="0"/>
+              </a:spcBef>
+              <a:spcAft>
+                <a:spcPts val="0"/>
+              </a:spcAft>
+              <a:buClrTx/>
+              <a:buSzTx/>
+              <a:buFontTx/>
+              <a:buNone/>
+              <a:tabLst/>
+              <a:defRPr/>
+            </a:pPr>
+            <a:fld id="{0998D5BB-B127-481F-BC0A-2F77C576BB34}" type="slidenum">
+              <a:rPr kumimoji="0" lang="en-US" sz="1200" b="0" i="0" u="none" strike="noStrike" kern="1200" cap="none" spc="0" normalizeH="0" baseline="0" noProof="0" smtClean="0">
+                <a:ln>
+                  <a:noFill/>
+                </a:ln>
+                <a:solidFill>
+                  <a:prstClr val="black"/>
+                </a:solidFill>
+                <a:effectLst/>
+                <a:uLnTx/>
+                <a:uFillTx/>
+                <a:latin typeface="Calibri" panose="020F0502020204030204"/>
+                <a:ea typeface="+mn-ea"/>
+                <a:cs typeface="+mn-cs"/>
+              </a:rPr>
+              <a:pPr marL="0" marR="0" lvl="0" indent="0" algn="r" defTabSz="914400" rtl="0" eaLnBrk="1" fontAlgn="auto" latinLnBrk="0" hangingPunct="1">
+                <a:lnSpc>
+                  <a:spcPct val="100000"/>
+                </a:lnSpc>
+                <a:spcBef>
+                  <a:spcPts val="0"/>
+                </a:spcBef>
+                <a:spcAft>
+                  <a:spcPts val="0"/>
+                </a:spcAft>
+                <a:buClrTx/>
+                <a:buSzTx/>
+                <a:buFontTx/>
+                <a:buNone/>
+                <a:tabLst/>
+                <a:defRPr/>
+              </a:pPr>
               <a:t>15</a:t>
             </a:fld>
-            <a:endParaRPr lang="en-US" dirty="0"/>
+            <a:endParaRPr kumimoji="0" lang="en-US" sz="1200" b="0" i="0" u="none" strike="noStrike" kern="1200" cap="none" spc="0" normalizeH="0" baseline="0" noProof="0" dirty="0">
+              <a:ln>
+                <a:noFill/>
+              </a:ln>
+              <a:solidFill>
+                <a:prstClr val="black"/>
+              </a:solidFill>
+              <a:effectLst/>
+              <a:uLnTx/>
+              <a:uFillTx/>
+              <a:latin typeface="Calibri" panose="020F0502020204030204"/>
+              <a:ea typeface="+mn-ea"/>
+              <a:cs typeface="+mn-cs"/>
+            </a:endParaRPr>
           </a:p>
         </p:txBody>
       </p:sp>
     </p:spTree>
     <p:extLst>
       <p:ext uri="{BB962C8B-B14F-4D97-AF65-F5344CB8AC3E}">
-        <p14:creationId xmlns:p14="http://schemas.microsoft.com/office/powerpoint/2010/main" val="288628987"/>
+        <p14:creationId xmlns:p14="http://schemas.microsoft.com/office/powerpoint/2010/main" val="2146906751"/>
       </p:ext>
     </p:extLst>
   </p:cSld>
@@ -1462,7 +1542,7 @@
     </p:spTree>
     <p:extLst>
       <p:ext uri="{BB962C8B-B14F-4D97-AF65-F5344CB8AC3E}">
-        <p14:creationId xmlns:p14="http://schemas.microsoft.com/office/powerpoint/2010/main" val="1305218719"/>
+        <p14:creationId xmlns:p14="http://schemas.microsoft.com/office/powerpoint/2010/main" val="288628987"/>
       </p:ext>
     </p:extLst>
   </p:cSld>
@@ -1546,7 +1626,7 @@
     </p:spTree>
     <p:extLst>
       <p:ext uri="{BB962C8B-B14F-4D97-AF65-F5344CB8AC3E}">
-        <p14:creationId xmlns:p14="http://schemas.microsoft.com/office/powerpoint/2010/main" val="1319908667"/>
+        <p14:creationId xmlns:p14="http://schemas.microsoft.com/office/powerpoint/2010/main" val="1305218719"/>
       </p:ext>
     </p:extLst>
   </p:cSld>
@@ -1630,7 +1710,7 @@
     </p:spTree>
     <p:extLst>
       <p:ext uri="{BB962C8B-B14F-4D97-AF65-F5344CB8AC3E}">
-        <p14:creationId xmlns:p14="http://schemas.microsoft.com/office/powerpoint/2010/main" val="2150156660"/>
+        <p14:creationId xmlns:p14="http://schemas.microsoft.com/office/powerpoint/2010/main" val="1319908667"/>
       </p:ext>
     </p:extLst>
   </p:cSld>
@@ -1705,7 +1785,7 @@
           <a:p>
             <a:fld id="{148D4592-6837-45C4-B65B-13E03ECAF0B2}" type="slidenum">
               <a:rPr lang="en-US" smtClean="0"/>
-              <a:t>21</a:t>
+              <a:t>19</a:t>
             </a:fld>
             <a:endParaRPr lang="en-US" dirty="0"/>
           </a:p>
@@ -1714,7 +1794,7 @@
     </p:spTree>
     <p:extLst>
       <p:ext uri="{BB962C8B-B14F-4D97-AF65-F5344CB8AC3E}">
-        <p14:creationId xmlns:p14="http://schemas.microsoft.com/office/powerpoint/2010/main" val="1008654983"/>
+        <p14:creationId xmlns:p14="http://schemas.microsoft.com/office/powerpoint/2010/main" val="2150156660"/>
       </p:ext>
     </p:extLst>
   </p:cSld>
@@ -1882,7 +1962,7 @@
     </p:spTree>
     <p:extLst>
       <p:ext uri="{BB962C8B-B14F-4D97-AF65-F5344CB8AC3E}">
-        <p14:creationId xmlns:p14="http://schemas.microsoft.com/office/powerpoint/2010/main" val="4146053369"/>
+        <p14:creationId xmlns:p14="http://schemas.microsoft.com/office/powerpoint/2010/main" val="1008654983"/>
       </p:ext>
     </p:extLst>
   </p:cSld>
@@ -1966,7 +2046,7 @@
     </p:spTree>
     <p:extLst>
       <p:ext uri="{BB962C8B-B14F-4D97-AF65-F5344CB8AC3E}">
-        <p14:creationId xmlns:p14="http://schemas.microsoft.com/office/powerpoint/2010/main" val="721195375"/>
+        <p14:creationId xmlns:p14="http://schemas.microsoft.com/office/powerpoint/2010/main" val="4146053369"/>
       </p:ext>
     </p:extLst>
   </p:cSld>
@@ -2050,7 +2130,7 @@
     </p:spTree>
     <p:extLst>
       <p:ext uri="{BB962C8B-B14F-4D97-AF65-F5344CB8AC3E}">
-        <p14:creationId xmlns:p14="http://schemas.microsoft.com/office/powerpoint/2010/main" val="3679791561"/>
+        <p14:creationId xmlns:p14="http://schemas.microsoft.com/office/powerpoint/2010/main" val="721195375"/>
       </p:ext>
     </p:extLst>
   </p:cSld>
@@ -2134,7 +2214,7 @@
     </p:spTree>
     <p:extLst>
       <p:ext uri="{BB962C8B-B14F-4D97-AF65-F5344CB8AC3E}">
-        <p14:creationId xmlns:p14="http://schemas.microsoft.com/office/powerpoint/2010/main" val="1977273078"/>
+        <p14:creationId xmlns:p14="http://schemas.microsoft.com/office/powerpoint/2010/main" val="3679791561"/>
       </p:ext>
     </p:extLst>
   </p:cSld>
@@ -2210,6 +2290,258 @@
             <a:fld id="{148D4592-6837-45C4-B65B-13E03ECAF0B2}" type="slidenum">
               <a:rPr lang="en-US" smtClean="0"/>
               <a:t>26</a:t>
+            </a:fld>
+            <a:endParaRPr lang="en-US" dirty="0"/>
+          </a:p>
+        </p:txBody>
+      </p:sp>
+    </p:spTree>
+    <p:extLst>
+      <p:ext uri="{BB962C8B-B14F-4D97-AF65-F5344CB8AC3E}">
+        <p14:creationId xmlns:p14="http://schemas.microsoft.com/office/powerpoint/2010/main" val="1063636187"/>
+      </p:ext>
+    </p:extLst>
+  </p:cSld>
+  <p:clrMapOvr>
+    <a:masterClrMapping/>
+  </p:clrMapOvr>
+</p:notes>
+</file>
+
+<file path=ppt/notesSlides/notesSlide25.xml><?xml version="1.0" encoding="utf-8"?>
+<p:notes xmlns:a="http://schemas.openxmlformats.org/drawingml/2006/main" xmlns:r="http://schemas.openxmlformats.org/officeDocument/2006/relationships" xmlns:p="http://schemas.openxmlformats.org/presentationml/2006/main">
+  <p:cSld>
+    <p:spTree>
+      <p:nvGrpSpPr>
+        <p:cNvPr id="1" name=""/>
+        <p:cNvGrpSpPr/>
+        <p:nvPr/>
+      </p:nvGrpSpPr>
+      <p:grpSpPr>
+        <a:xfrm>
+          <a:off x="0" y="0"/>
+          <a:ext cx="0" cy="0"/>
+          <a:chOff x="0" y="0"/>
+          <a:chExt cx="0" cy="0"/>
+        </a:xfrm>
+      </p:grpSpPr>
+      <p:sp>
+        <p:nvSpPr>
+          <p:cNvPr id="2" name="Slide Image Placeholder 1"/>
+          <p:cNvSpPr>
+            <a:spLocks noGrp="1" noRot="1" noChangeAspect="1"/>
+          </p:cNvSpPr>
+          <p:nvPr>
+            <p:ph type="sldImg"/>
+          </p:nvPr>
+        </p:nvSpPr>
+        <p:spPr/>
+      </p:sp>
+      <p:sp>
+        <p:nvSpPr>
+          <p:cNvPr id="3" name="Notes Placeholder 2"/>
+          <p:cNvSpPr>
+            <a:spLocks noGrp="1"/>
+          </p:cNvSpPr>
+          <p:nvPr>
+            <p:ph type="body" idx="1"/>
+          </p:nvPr>
+        </p:nvSpPr>
+        <p:spPr/>
+        <p:txBody>
+          <a:bodyPr/>
+          <a:lstStyle/>
+          <a:p>
+            <a:endParaRPr lang="en-US" dirty="0"/>
+          </a:p>
+        </p:txBody>
+      </p:sp>
+      <p:sp>
+        <p:nvSpPr>
+          <p:cNvPr id="4" name="Slide Number Placeholder 3"/>
+          <p:cNvSpPr>
+            <a:spLocks noGrp="1"/>
+          </p:cNvSpPr>
+          <p:nvPr>
+            <p:ph type="sldNum" sz="quarter" idx="10"/>
+          </p:nvPr>
+        </p:nvSpPr>
+        <p:spPr/>
+        <p:txBody>
+          <a:bodyPr/>
+          <a:lstStyle/>
+          <a:p>
+            <a:fld id="{148D4592-6837-45C4-B65B-13E03ECAF0B2}" type="slidenum">
+              <a:rPr lang="en-US" smtClean="0"/>
+              <a:t>27</a:t>
+            </a:fld>
+            <a:endParaRPr lang="en-US" dirty="0"/>
+          </a:p>
+        </p:txBody>
+      </p:sp>
+    </p:spTree>
+    <p:extLst>
+      <p:ext uri="{BB962C8B-B14F-4D97-AF65-F5344CB8AC3E}">
+        <p14:creationId xmlns:p14="http://schemas.microsoft.com/office/powerpoint/2010/main" val="1977273078"/>
+      </p:ext>
+    </p:extLst>
+  </p:cSld>
+  <p:clrMapOvr>
+    <a:masterClrMapping/>
+  </p:clrMapOvr>
+</p:notes>
+</file>
+
+<file path=ppt/notesSlides/notesSlide26.xml><?xml version="1.0" encoding="utf-8"?>
+<p:notes xmlns:a="http://schemas.openxmlformats.org/drawingml/2006/main" xmlns:r="http://schemas.openxmlformats.org/officeDocument/2006/relationships" xmlns:p="http://schemas.openxmlformats.org/presentationml/2006/main">
+  <p:cSld>
+    <p:spTree>
+      <p:nvGrpSpPr>
+        <p:cNvPr id="1" name=""/>
+        <p:cNvGrpSpPr/>
+        <p:nvPr/>
+      </p:nvGrpSpPr>
+      <p:grpSpPr>
+        <a:xfrm>
+          <a:off x="0" y="0"/>
+          <a:ext cx="0" cy="0"/>
+          <a:chOff x="0" y="0"/>
+          <a:chExt cx="0" cy="0"/>
+        </a:xfrm>
+      </p:grpSpPr>
+      <p:sp>
+        <p:nvSpPr>
+          <p:cNvPr id="2" name="Slide Image Placeholder 1"/>
+          <p:cNvSpPr>
+            <a:spLocks noGrp="1" noRot="1" noChangeAspect="1"/>
+          </p:cNvSpPr>
+          <p:nvPr>
+            <p:ph type="sldImg"/>
+          </p:nvPr>
+        </p:nvSpPr>
+        <p:spPr/>
+      </p:sp>
+      <p:sp>
+        <p:nvSpPr>
+          <p:cNvPr id="3" name="Notes Placeholder 2"/>
+          <p:cNvSpPr>
+            <a:spLocks noGrp="1"/>
+          </p:cNvSpPr>
+          <p:nvPr>
+            <p:ph type="body" idx="1"/>
+          </p:nvPr>
+        </p:nvSpPr>
+        <p:spPr/>
+        <p:txBody>
+          <a:bodyPr/>
+          <a:lstStyle/>
+          <a:p>
+            <a:endParaRPr lang="en-US" dirty="0"/>
+          </a:p>
+        </p:txBody>
+      </p:sp>
+      <p:sp>
+        <p:nvSpPr>
+          <p:cNvPr id="4" name="Slide Number Placeholder 3"/>
+          <p:cNvSpPr>
+            <a:spLocks noGrp="1"/>
+          </p:cNvSpPr>
+          <p:nvPr>
+            <p:ph type="sldNum" sz="quarter" idx="10"/>
+          </p:nvPr>
+        </p:nvSpPr>
+        <p:spPr/>
+        <p:txBody>
+          <a:bodyPr/>
+          <a:lstStyle/>
+          <a:p>
+            <a:fld id="{148D4592-6837-45C4-B65B-13E03ECAF0B2}" type="slidenum">
+              <a:rPr lang="en-US" smtClean="0"/>
+              <a:t>28</a:t>
+            </a:fld>
+            <a:endParaRPr lang="en-US" dirty="0"/>
+          </a:p>
+        </p:txBody>
+      </p:sp>
+    </p:spTree>
+    <p:extLst>
+      <p:ext uri="{BB962C8B-B14F-4D97-AF65-F5344CB8AC3E}">
+        <p14:creationId xmlns:p14="http://schemas.microsoft.com/office/powerpoint/2010/main" val="3221716663"/>
+      </p:ext>
+    </p:extLst>
+  </p:cSld>
+  <p:clrMapOvr>
+    <a:masterClrMapping/>
+  </p:clrMapOvr>
+</p:notes>
+</file>
+
+<file path=ppt/notesSlides/notesSlide27.xml><?xml version="1.0" encoding="utf-8"?>
+<p:notes xmlns:a="http://schemas.openxmlformats.org/drawingml/2006/main" xmlns:r="http://schemas.openxmlformats.org/officeDocument/2006/relationships" xmlns:p="http://schemas.openxmlformats.org/presentationml/2006/main">
+  <p:cSld>
+    <p:spTree>
+      <p:nvGrpSpPr>
+        <p:cNvPr id="1" name=""/>
+        <p:cNvGrpSpPr/>
+        <p:nvPr/>
+      </p:nvGrpSpPr>
+      <p:grpSpPr>
+        <a:xfrm>
+          <a:off x="0" y="0"/>
+          <a:ext cx="0" cy="0"/>
+          <a:chOff x="0" y="0"/>
+          <a:chExt cx="0" cy="0"/>
+        </a:xfrm>
+      </p:grpSpPr>
+      <p:sp>
+        <p:nvSpPr>
+          <p:cNvPr id="2" name="Slide Image Placeholder 1"/>
+          <p:cNvSpPr>
+            <a:spLocks noGrp="1" noRot="1" noChangeAspect="1"/>
+          </p:cNvSpPr>
+          <p:nvPr>
+            <p:ph type="sldImg"/>
+          </p:nvPr>
+        </p:nvSpPr>
+        <p:spPr/>
+      </p:sp>
+      <p:sp>
+        <p:nvSpPr>
+          <p:cNvPr id="3" name="Notes Placeholder 2"/>
+          <p:cNvSpPr>
+            <a:spLocks noGrp="1"/>
+          </p:cNvSpPr>
+          <p:nvPr>
+            <p:ph type="body" idx="1"/>
+          </p:nvPr>
+        </p:nvSpPr>
+        <p:spPr/>
+        <p:txBody>
+          <a:bodyPr/>
+          <a:lstStyle/>
+          <a:p>
+            <a:endParaRPr lang="en-US" dirty="0"/>
+          </a:p>
+        </p:txBody>
+      </p:sp>
+      <p:sp>
+        <p:nvSpPr>
+          <p:cNvPr id="4" name="Slide Number Placeholder 3"/>
+          <p:cNvSpPr>
+            <a:spLocks noGrp="1"/>
+          </p:cNvSpPr>
+          <p:nvPr>
+            <p:ph type="sldNum" sz="quarter" idx="10"/>
+          </p:nvPr>
+        </p:nvSpPr>
+        <p:spPr/>
+        <p:txBody>
+          <a:bodyPr/>
+          <a:lstStyle/>
+          <a:p>
+            <a:fld id="{148D4592-6837-45C4-B65B-13E03ECAF0B2}" type="slidenum">
+              <a:rPr lang="en-US" smtClean="0"/>
+              <a:t>29</a:t>
             </a:fld>
             <a:endParaRPr lang="en-US" dirty="0"/>
           </a:p>
@@ -2835,6 +3167,83 @@
         <p:txBody>
           <a:bodyPr/>
           <a:lstStyle/>
+          <a:p>
+            <a:r>
+              <a:rPr lang="en-US" b="0" i="0" dirty="0">
+                <a:solidFill>
+                  <a:srgbClr val="E6E6E6"/>
+                </a:solidFill>
+                <a:effectLst/>
+                <a:latin typeface="Segoe UI" panose="020B0502040204020203" pitchFamily="34" charset="0"/>
+              </a:rPr>
+              <a:t>The hub virtual network acts as a central point of connectivity to many spoke virtual networks. The hub can also be used as the connectivity point to your on-premises networks. The spoke virtual networks peer with the hub and can be used to isolate workloads.</a:t>
+            </a:r>
+          </a:p>
+          <a:p>
+            <a:endParaRPr lang="en-US" b="0" i="0" dirty="0">
+              <a:solidFill>
+                <a:srgbClr val="E6E6E6"/>
+              </a:solidFill>
+              <a:effectLst/>
+              <a:latin typeface="Segoe UI" panose="020B0502040204020203" pitchFamily="34" charset="0"/>
+            </a:endParaRPr>
+          </a:p>
+          <a:p>
+            <a:pPr marL="0" marR="0" lvl="0" indent="0" algn="l" defTabSz="914400" rtl="0" eaLnBrk="1" fontAlgn="auto" latinLnBrk="0" hangingPunct="1">
+              <a:lnSpc>
+                <a:spcPct val="100000"/>
+              </a:lnSpc>
+              <a:spcBef>
+                <a:spcPts val="0"/>
+              </a:spcBef>
+              <a:spcAft>
+                <a:spcPts val="0"/>
+              </a:spcAft>
+              <a:buClrTx/>
+              <a:buSzTx/>
+              <a:buFontTx/>
+              <a:buNone/>
+              <a:tabLst/>
+              <a:defRPr/>
+            </a:pPr>
+            <a:r>
+              <a:rPr lang="en-US" b="0" u="sng" dirty="0">
+                <a:solidFill>
+                  <a:srgbClr val="D4D4D4"/>
+                </a:solidFill>
+                <a:effectLst/>
+                <a:latin typeface="Menlo" panose="020B0609030804020204" pitchFamily="49" charset="0"/>
+              </a:rPr>
+              <a:t>https://</a:t>
+            </a:r>
+            <a:r>
+              <a:rPr lang="en-US" b="0" u="sng" dirty="0" err="1">
+                <a:solidFill>
+                  <a:srgbClr val="D4D4D4"/>
+                </a:solidFill>
+                <a:effectLst/>
+                <a:latin typeface="Menlo" panose="020B0609030804020204" pitchFamily="49" charset="0"/>
+              </a:rPr>
+              <a:t>docs.microsoft.com</a:t>
+            </a:r>
+            <a:r>
+              <a:rPr lang="en-US" b="0" u="sng" dirty="0">
+                <a:solidFill>
+                  <a:srgbClr val="D4D4D4"/>
+                </a:solidFill>
+                <a:effectLst/>
+                <a:latin typeface="Menlo" panose="020B0609030804020204" pitchFamily="49" charset="0"/>
+              </a:rPr>
+              <a:t>/azure/architecture/reference-architectures/hybrid-networking/hub-spoke</a:t>
+            </a:r>
+            <a:endParaRPr lang="en-US" b="0" dirty="0">
+              <a:solidFill>
+                <a:srgbClr val="D4D4D4"/>
+              </a:solidFill>
+              <a:effectLst/>
+              <a:latin typeface="Menlo" panose="020B0609030804020204" pitchFamily="49" charset="0"/>
+            </a:endParaRPr>
+          </a:p>
           <a:p>
             <a:endParaRPr lang="en-US" dirty="0"/>
           </a:p>
@@ -20577,7 +20986,7 @@
           <a:p>
             <a:r>
               <a:rPr lang="en-US" dirty="0"/>
-              <a:t>September 2022</a:t>
+              <a:t>Presenter Name </a:t>
             </a:r>
           </a:p>
         </p:txBody>
@@ -20656,7 +21065,7 @@
       </p:sp>
       <p:pic>
         <p:nvPicPr>
-          <p:cNvPr id="2050" name="Picture 2" descr="Azure Arc control plan">
+          <p:cNvPr id="2050" name="Picture 2" descr="Azure Arc simplifies governance and management by delivering a consistent multi-cloud and on-premises management platform.&#10;">
             <a:extLst>
               <a:ext uri="{FF2B5EF4-FFF2-40B4-BE49-F238E27FC236}">
                 <a16:creationId xmlns:a16="http://schemas.microsoft.com/office/drawing/2014/main" id="{FF78414A-8784-4EFA-198B-ACA1AF9123B0}"/>
@@ -20683,7 +21092,7 @@
         </p:blipFill>
         <p:spPr bwMode="auto">
           <a:xfrm>
-            <a:off x="0" y="1657818"/>
+            <a:off x="0" y="1674751"/>
             <a:ext cx="12192000" cy="4171950"/>
           </a:xfrm>
           <a:prstGeom prst="rect">
@@ -22304,6 +22713,91 @@
 <file path=ppt/slides/slide14.xml><?xml version="1.0" encoding="utf-8"?>
 <p:sld xmlns:a="http://schemas.openxmlformats.org/drawingml/2006/main" xmlns:r="http://schemas.openxmlformats.org/officeDocument/2006/relationships" xmlns:p="http://schemas.openxmlformats.org/presentationml/2006/main">
   <p:cSld>
+    <p:spTree>
+      <p:nvGrpSpPr>
+        <p:cNvPr id="1" name=""/>
+        <p:cNvGrpSpPr/>
+        <p:nvPr/>
+      </p:nvGrpSpPr>
+      <p:grpSpPr>
+        <a:xfrm>
+          <a:off x="0" y="0"/>
+          <a:ext cx="0" cy="0"/>
+          <a:chOff x="0" y="0"/>
+          <a:chExt cx="0" cy="0"/>
+        </a:xfrm>
+      </p:grpSpPr>
+      <p:sp>
+        <p:nvSpPr>
+          <p:cNvPr id="2" name="Title 1"/>
+          <p:cNvSpPr>
+            <a:spLocks noGrp="1"/>
+          </p:cNvSpPr>
+          <p:nvPr>
+            <p:ph type="title"/>
+          </p:nvPr>
+        </p:nvSpPr>
+        <p:spPr/>
+        <p:txBody>
+          <a:bodyPr/>
+          <a:lstStyle/>
+          <a:p>
+            <a:r>
+              <a:rPr lang="en-US" sz="4400" b="1" dirty="0"/>
+              <a:t>Building the business migration case with Windows Server and SQL Server</a:t>
+            </a:r>
+            <a:endParaRPr lang="en-US" dirty="0"/>
+          </a:p>
+        </p:txBody>
+      </p:sp>
+      <p:sp>
+        <p:nvSpPr>
+          <p:cNvPr id="3" name="Content Placeholder 2"/>
+          <p:cNvSpPr>
+            <a:spLocks noGrp="1"/>
+          </p:cNvSpPr>
+          <p:nvPr>
+            <p:ph type="body" sz="quarter" idx="12"/>
+          </p:nvPr>
+        </p:nvSpPr>
+        <p:spPr/>
+        <p:txBody>
+          <a:bodyPr/>
+          <a:lstStyle/>
+          <a:p>
+            <a:r>
+              <a:rPr lang="en-US" sz="3600" dirty="0">
+                <a:latin typeface="+mn-lt"/>
+              </a:rPr>
+              <a:t>Whiteboard Design Session – Preferred Solution</a:t>
+            </a:r>
+          </a:p>
+        </p:txBody>
+      </p:sp>
+    </p:spTree>
+    <p:extLst>
+      <p:ext uri="{BB962C8B-B14F-4D97-AF65-F5344CB8AC3E}">
+        <p14:creationId xmlns:p14="http://schemas.microsoft.com/office/powerpoint/2010/main" val="2895972232"/>
+      </p:ext>
+    </p:extLst>
+  </p:cSld>
+  <p:clrMapOvr>
+    <a:masterClrMapping/>
+  </p:clrMapOvr>
+  <mc:AlternateContent xmlns:mc="http://schemas.openxmlformats.org/markup-compatibility/2006" xmlns:p14="http://schemas.microsoft.com/office/powerpoint/2010/main">
+    <mc:Choice Requires="p14">
+      <p:transition p14:dur="0"/>
+    </mc:Choice>
+    <mc:Fallback xmlns="">
+      <p:transition/>
+    </mc:Fallback>
+  </mc:AlternateContent>
+</p:sld>
+</file>
+
+<file path=ppt/slides/slide15.xml><?xml version="1.0" encoding="utf-8"?>
+<p:sld xmlns:a="http://schemas.openxmlformats.org/drawingml/2006/main" xmlns:r="http://schemas.openxmlformats.org/officeDocument/2006/relationships" xmlns:p="http://schemas.openxmlformats.org/presentationml/2006/main">
+  <p:cSld>
     <p:bg>
       <p:bgPr>
         <a:solidFill>
@@ -22410,127 +22904,6 @@
       <p:transition/>
     </mc:Fallback>
   </mc:AlternateContent>
-</p:sld>
-</file>
-
-<file path=ppt/slides/slide15.xml><?xml version="1.0" encoding="utf-8"?>
-<p:sld xmlns:a="http://schemas.openxmlformats.org/drawingml/2006/main" xmlns:r="http://schemas.openxmlformats.org/officeDocument/2006/relationships" xmlns:p="http://schemas.openxmlformats.org/presentationml/2006/main">
-  <p:cSld>
-    <p:bg>
-      <p:bgPr>
-        <a:solidFill>
-          <a:srgbClr val="0078D7"/>
-        </a:solidFill>
-        <a:effectLst/>
-      </p:bgPr>
-    </p:bg>
-    <p:spTree>
-      <p:nvGrpSpPr>
-        <p:cNvPr id="1" name=""/>
-        <p:cNvGrpSpPr/>
-        <p:nvPr/>
-      </p:nvGrpSpPr>
-      <p:grpSpPr>
-        <a:xfrm>
-          <a:off x="0" y="0"/>
-          <a:ext cx="0" cy="0"/>
-          <a:chOff x="0" y="0"/>
-          <a:chExt cx="0" cy="0"/>
-        </a:xfrm>
-      </p:grpSpPr>
-      <p:sp>
-        <p:nvSpPr>
-          <p:cNvPr id="2" name="Title 1"/>
-          <p:cNvSpPr>
-            <a:spLocks noGrp="1"/>
-          </p:cNvSpPr>
-          <p:nvPr>
-            <p:ph type="title"/>
-          </p:nvPr>
-        </p:nvSpPr>
-        <p:spPr/>
-        <p:txBody>
-          <a:bodyPr/>
-          <a:lstStyle/>
-          <a:p>
-            <a:r>
-              <a:rPr lang="en-US" dirty="0"/>
-              <a:t>Preferred Solution</a:t>
-            </a:r>
-          </a:p>
-        </p:txBody>
-      </p:sp>
-      <p:sp>
-        <p:nvSpPr>
-          <p:cNvPr id="4" name="Text Placeholder 3">
-            <a:extLst>
-              <a:ext uri="{FF2B5EF4-FFF2-40B4-BE49-F238E27FC236}">
-                <a16:creationId xmlns:a16="http://schemas.microsoft.com/office/drawing/2014/main" id="{36E9075A-B9AD-4E5B-9193-F34DB65D2D3A}"/>
-              </a:ext>
-            </a:extLst>
-          </p:cNvPr>
-          <p:cNvSpPr>
-            <a:spLocks noGrp="1"/>
-          </p:cNvSpPr>
-          <p:nvPr>
-            <p:ph type="body" sz="quarter" idx="10"/>
-          </p:nvPr>
-        </p:nvSpPr>
-        <p:spPr>
-          <a:xfrm>
-            <a:off x="269239" y="1189177"/>
-            <a:ext cx="11655840" cy="4333494"/>
-          </a:xfrm>
-        </p:spPr>
-        <p:txBody>
-          <a:bodyPr/>
-          <a:lstStyle/>
-          <a:p>
-            <a:pPr marL="0" indent="0">
-              <a:buNone/>
-            </a:pPr>
-            <a:r>
-              <a:rPr lang="en-IE" sz="3200" dirty="0"/>
-              <a:t>How will you migrate the on-premises workloads to Azure?</a:t>
-            </a:r>
-          </a:p>
-          <a:p>
-            <a:pPr marL="0" indent="0">
-              <a:buNone/>
-            </a:pPr>
-            <a:endParaRPr lang="en-IE" sz="3200" dirty="0"/>
-          </a:p>
-          <a:p>
-            <a:pPr marL="0" indent="0">
-              <a:buNone/>
-            </a:pPr>
-            <a:r>
-              <a:rPr lang="en-US" sz="3200" dirty="0"/>
-              <a:t>Since it is recommended to upgrade the version of Windows Server from 2012 to 2022, it will be necessary to create new servers. In this case, Azure Migrate wont be able to be used to lift and shift the on-premises VMs into Azure. For this reason, the Azure VMs will be created new and the application workloads will be installed and configured on the new VMs.</a:t>
-            </a:r>
-            <a:endParaRPr lang="en-IE" sz="3200" dirty="0"/>
-          </a:p>
-          <a:p>
-            <a:pPr marL="0" indent="0">
-              <a:buNone/>
-            </a:pPr>
-            <a:endParaRPr lang="en-IE" sz="2400" dirty="0"/>
-          </a:p>
-        </p:txBody>
-      </p:sp>
-    </p:spTree>
-    <p:extLst>
-      <p:ext uri="{BB962C8B-B14F-4D97-AF65-F5344CB8AC3E}">
-        <p14:creationId xmlns:p14="http://schemas.microsoft.com/office/powerpoint/2010/main" val="1255810186"/>
-      </p:ext>
-    </p:extLst>
-  </p:cSld>
-  <p:clrMapOvr>
-    <a:masterClrMapping/>
-  </p:clrMapOvr>
-  <p:transition>
-    <p:fade/>
-  </p:transition>
 </p:sld>
 </file>
 
@@ -22576,17 +22949,17 @@
           <a:p>
             <a:r>
               <a:rPr lang="en-US" dirty="0"/>
-              <a:t>Preferred Solution</a:t>
+              <a:t>Preferred Solution-#1</a:t>
             </a:r>
           </a:p>
         </p:txBody>
       </p:sp>
       <p:sp>
         <p:nvSpPr>
-          <p:cNvPr id="7" name="Text Placeholder 3">
+          <p:cNvPr id="4" name="Text Placeholder 3">
             <a:extLst>
               <a:ext uri="{FF2B5EF4-FFF2-40B4-BE49-F238E27FC236}">
-                <a16:creationId xmlns:a16="http://schemas.microsoft.com/office/drawing/2014/main" id="{C9E3FBCA-8DE2-28ED-569C-4BE0F1341CF3}"/>
+                <a16:creationId xmlns:a16="http://schemas.microsoft.com/office/drawing/2014/main" id="{36E9075A-B9AD-4E5B-9193-F34DB65D2D3A}"/>
               </a:ext>
             </a:extLst>
           </p:cNvPr>
@@ -22600,7 +22973,7 @@
         <p:spPr>
           <a:xfrm>
             <a:off x="269239" y="1189177"/>
-            <a:ext cx="11655840" cy="5906232"/>
+            <a:ext cx="11655840" cy="3927229"/>
           </a:xfrm>
         </p:spPr>
         <p:txBody>
@@ -22612,22 +22985,22 @@
             </a:pPr>
             <a:r>
               <a:rPr lang="en-IE" sz="3200" dirty="0"/>
-              <a:t>How will you migrate the SQL Server workloads to Azure?</a:t>
+              <a:t>How will you migrate the on-premises workloads to Azure?</a:t>
             </a:r>
           </a:p>
           <a:p>
             <a:pPr marL="0" indent="0">
               <a:buNone/>
             </a:pPr>
-            <a:endParaRPr lang="en-IE" sz="800" dirty="0"/>
+            <a:endParaRPr lang="en-IE" sz="3200" dirty="0"/>
           </a:p>
           <a:p>
             <a:pPr marL="0" indent="0">
               <a:buNone/>
             </a:pPr>
             <a:r>
-              <a:rPr lang="en-IE" sz="3200" dirty="0"/>
-              <a:t>For the SQL Server databases, Tailspin should use the Microsoft Data Migration Assistant (DMA) to assess database migration readiness. Using DMA to examine the existing on-premises databases will report any compatibility issues ahead of attempting the migration. Typically, SQL Server databases can be migrated to Azure SQL Database or Azure SQL Database Managed Instances. Also, Azure SQL Managed Instances offers greater compatibility with the on-premises SQL Server. SQL Server in Azure VMs could be used, however this will negate the advantages of using a managed service that eliminates the requirement for on-going VM maintenance.</a:t>
+              <a:rPr lang="en-US" sz="3200" dirty="0"/>
+              <a:t>Since it is recommended to upgrade the version of Windows Server from 2012 to 2022, it will be necessary to create new servers. In this case, Azure Migrate won't be able to be used to lift and shift the on-premises VMs into Azure. For this reason, the Azure VMs will be created new and the application workloads will be installed and configured on the new VMs.</a:t>
             </a:r>
             <a:endParaRPr lang="en-IE" sz="2400" dirty="0"/>
           </a:p>
@@ -22636,12 +23009,12 @@
     </p:spTree>
     <p:extLst>
       <p:ext uri="{BB962C8B-B14F-4D97-AF65-F5344CB8AC3E}">
-        <p14:creationId xmlns:p14="http://schemas.microsoft.com/office/powerpoint/2010/main" val="1801370842"/>
+        <p14:creationId xmlns:p14="http://schemas.microsoft.com/office/powerpoint/2010/main" val="1255810186"/>
       </p:ext>
     </p:extLst>
   </p:cSld>
   <p:clrMapOvr>
-    <a:overrideClrMapping bg1="dk1" tx1="lt1" bg2="dk2" tx2="lt2" accent1="accent1" accent2="accent2" accent3="accent3" accent4="accent4" accent5="accent5" accent6="accent6" hlink="hlink" folHlink="folHlink"/>
+    <a:masterClrMapping/>
   </p:clrMapOvr>
   <p:transition>
     <p:fade/>
@@ -22691,7 +23064,7 @@
           <a:p>
             <a:r>
               <a:rPr lang="en-US" dirty="0"/>
-              <a:t>Preferred Solution</a:t>
+              <a:t>Preferred Solution-#2</a:t>
             </a:r>
           </a:p>
         </p:txBody>
@@ -22715,7 +23088,7 @@
         <p:spPr>
           <a:xfrm>
             <a:off x="269239" y="1189177"/>
-            <a:ext cx="11655840" cy="5626156"/>
+            <a:ext cx="11655840" cy="5906232"/>
           </a:xfrm>
         </p:spPr>
         <p:txBody>
@@ -22727,14 +23100,14 @@
             </a:pPr>
             <a:r>
               <a:rPr lang="en-IE" sz="3200" dirty="0"/>
-              <a:t>Which workloads should remain on-premises and which should be considered to be migrated at a later time?</a:t>
+              <a:t>How will you migrate the SQL Server workloads to Azure?</a:t>
             </a:r>
           </a:p>
           <a:p>
             <a:pPr marL="0" indent="0">
               <a:buNone/>
             </a:pPr>
-            <a:endParaRPr lang="en-IE" sz="1800" dirty="0"/>
+            <a:endParaRPr lang="en-IE" sz="800" dirty="0"/>
           </a:p>
           <a:p>
             <a:pPr marL="0" indent="0">
@@ -22742,30 +23115,7 @@
             </a:pPr>
             <a:r>
               <a:rPr lang="en-IE" sz="3200" dirty="0"/>
-              <a:t>Among the workloads that have identified for advice on migration to Azure, the Windows Domain Controllers are recommended to keep in the on-premises data-</a:t>
-            </a:r>
-            <a:r>
-              <a:rPr lang="en-IE" sz="3200" dirty="0" err="1"/>
-              <a:t>center</a:t>
-            </a:r>
-            <a:r>
-              <a:rPr lang="en-IE" sz="3200" dirty="0"/>
-              <a:t> at this time.</a:t>
-            </a:r>
-          </a:p>
-          <a:p>
-            <a:pPr marL="0" indent="0">
-              <a:buNone/>
-            </a:pPr>
-            <a:endParaRPr lang="en-IE" sz="2000" dirty="0"/>
-          </a:p>
-          <a:p>
-            <a:pPr marL="0" indent="0">
-              <a:buNone/>
-            </a:pPr>
-            <a:r>
-              <a:rPr lang="en-IE" sz="3200" dirty="0"/>
-              <a:t>It is recommended to migrate the on-premises Network File Shares and Ubuntu VMs to Azure in a later phase of their Azure adoption. A phased approach to the migration process will enable each workload to be methodically migrated to Azure while limiting the risk of downtime across the organization.</a:t>
+              <a:t>For the SQL Server databases, Tailspin should use the Microsoft Data Migration Assistant (DMA) to assess database migration readiness. Using DMA to examine the existing on-premises databases will report any compatibility issues ahead of attempting the migration. Typically, SQL Server databases can be migrated to Azure SQL Database or Azure SQL Database Managed Instances. Also, Azure SQL Managed Instances offers greater compatibility with the on-premises SQL Server. SQL Server in Azure VMs could be used, however this will negate the advantages of using a managed service that eliminates the requirement for ongoing VM maintenance.</a:t>
             </a:r>
             <a:endParaRPr lang="en-IE" sz="2400" dirty="0"/>
           </a:p>
@@ -22774,7 +23124,7 @@
     </p:spTree>
     <p:extLst>
       <p:ext uri="{BB962C8B-B14F-4D97-AF65-F5344CB8AC3E}">
-        <p14:creationId xmlns:p14="http://schemas.microsoft.com/office/powerpoint/2010/main" val="2076645318"/>
+        <p14:creationId xmlns:p14="http://schemas.microsoft.com/office/powerpoint/2010/main" val="1801370842"/>
       </p:ext>
     </p:extLst>
   </p:cSld>
@@ -22829,7 +23179,7 @@
           <a:p>
             <a:r>
               <a:rPr lang="en-US" dirty="0"/>
-              <a:t>Preferred Solution</a:t>
+              <a:t>Preferred Solution-#3</a:t>
             </a:r>
           </a:p>
         </p:txBody>
@@ -22853,7 +23203,7 @@
         <p:spPr>
           <a:xfrm>
             <a:off x="269239" y="1189177"/>
-            <a:ext cx="11655840" cy="5886228"/>
+            <a:ext cx="11655840" cy="5660011"/>
           </a:xfrm>
         </p:spPr>
         <p:txBody>
@@ -22865,14 +23215,14 @@
             </a:pPr>
             <a:r>
               <a:rPr lang="en-IE" sz="3200" dirty="0"/>
-              <a:t>How will they reduce the burden of managing both on-premises and Azure workloads?</a:t>
+              <a:t>Which workloads should remain on-premises and which should be considered to be migrated at a later time?</a:t>
             </a:r>
           </a:p>
           <a:p>
             <a:pPr marL="0" indent="0">
               <a:buNone/>
             </a:pPr>
-            <a:endParaRPr lang="en-IE" sz="1100" dirty="0"/>
+            <a:endParaRPr lang="en-IE" sz="1800" dirty="0"/>
           </a:p>
           <a:p>
             <a:pPr marL="0" indent="0">
@@ -22880,23 +23230,38 @@
             </a:pPr>
             <a:r>
               <a:rPr lang="en-IE" sz="3200" dirty="0"/>
-              <a:t>After some of their VMs are migrated to Azure, and others are still on-premises, it may be more burdensome to manage all their workloads in one place. For this, the use of Azure Arc is recommended. Azure Arc will enable Tailspin to centrally manage all their VMs in Azure and on-premises. Azure Arc supports managing both Windows and Linux servers and VMs.</a:t>
-            </a:r>
-            <a:br>
-              <a:rPr lang="en-IE" sz="800" dirty="0"/>
-            </a:br>
+              <a:t>Among the workloads that have been identified for advice on migration to Azure, the Windows Domain Controllers are recommended to keep in the on-premises data-</a:t>
+            </a:r>
+            <a:r>
+              <a:rPr lang="en-IE" sz="3200" dirty="0" err="1"/>
+              <a:t>center</a:t>
+            </a:r>
             <a:r>
               <a:rPr lang="en-IE" sz="3200" dirty="0"/>
-              <a:t>The on-premises Windows and Linux VMs can be Azure Arc-enabled by installing the Azure Connected Machine agent. The agent brings with it the ability to manage the VMs with Azure Arc, as well as all the great features the service has to offer.</a:t>
-            </a:r>
-            <a:endParaRPr lang="en-IE" sz="2400" dirty="0"/>
+              <a:t> at this time.</a:t>
+            </a:r>
+          </a:p>
+          <a:p>
+            <a:pPr marL="0" indent="0">
+              <a:buNone/>
+            </a:pPr>
+            <a:endParaRPr lang="en-IE" sz="3200" dirty="0"/>
+          </a:p>
+          <a:p>
+            <a:pPr marL="0" indent="0">
+              <a:buNone/>
+            </a:pPr>
+            <a:r>
+              <a:rPr lang="en-IE" sz="3200" dirty="0"/>
+              <a:t>It is recommended to migrate the on-premises Network File Shares and Ubuntu VMs to Azure in a later phase of their Azure adoption. A phased approach to the migration process will enable each workload to be methodically migrated to Azure while limiting the risk of downtime across the organization.</a:t>
+            </a:r>
           </a:p>
         </p:txBody>
       </p:sp>
     </p:spTree>
     <p:extLst>
       <p:ext uri="{BB962C8B-B14F-4D97-AF65-F5344CB8AC3E}">
-        <p14:creationId xmlns:p14="http://schemas.microsoft.com/office/powerpoint/2010/main" val="2834277284"/>
+        <p14:creationId xmlns:p14="http://schemas.microsoft.com/office/powerpoint/2010/main" val="2076645318"/>
       </p:ext>
     </p:extLst>
   </p:cSld>
@@ -22912,6 +23277,14 @@
 <file path=ppt/slides/slide19.xml><?xml version="1.0" encoding="utf-8"?>
 <p:sld xmlns:a="http://schemas.openxmlformats.org/drawingml/2006/main" xmlns:r="http://schemas.openxmlformats.org/officeDocument/2006/relationships" xmlns:p="http://schemas.openxmlformats.org/presentationml/2006/main">
   <p:cSld>
+    <p:bg>
+      <p:bgPr>
+        <a:solidFill>
+          <a:srgbClr val="0078D7"/>
+        </a:solidFill>
+        <a:effectLst/>
+      </p:bgPr>
+    </p:bg>
     <p:spTree>
       <p:nvGrpSpPr>
         <p:cNvPr id="1" name=""/>
@@ -22928,10 +23301,32 @@
       </p:grpSpPr>
       <p:sp>
         <p:nvSpPr>
-          <p:cNvPr id="2" name="Text Placeholder 1">
+          <p:cNvPr id="2" name="Title 1"/>
+          <p:cNvSpPr>
+            <a:spLocks noGrp="1"/>
+          </p:cNvSpPr>
+          <p:nvPr>
+            <p:ph type="title"/>
+          </p:nvPr>
+        </p:nvSpPr>
+        <p:spPr/>
+        <p:txBody>
+          <a:bodyPr/>
+          <a:lstStyle/>
+          <a:p>
+            <a:r>
+              <a:rPr lang="en-US" dirty="0"/>
+              <a:t>Preferred Solution-#4</a:t>
+            </a:r>
+          </a:p>
+        </p:txBody>
+      </p:sp>
+      <p:sp>
+        <p:nvSpPr>
+          <p:cNvPr id="7" name="Text Placeholder 3">
             <a:extLst>
               <a:ext uri="{FF2B5EF4-FFF2-40B4-BE49-F238E27FC236}">
-                <a16:creationId xmlns:a16="http://schemas.microsoft.com/office/drawing/2014/main" id="{09AE80E4-691C-E331-5972-7153DBB4E89E}"/>
+                <a16:creationId xmlns:a16="http://schemas.microsoft.com/office/drawing/2014/main" id="{C9E3FBCA-8DE2-28ED-569C-4BE0F1341CF3}"/>
               </a:ext>
             </a:extLst>
           </p:cNvPr>
@@ -22945,57 +23340,57 @@
         <p:spPr>
           <a:xfrm>
             <a:off x="269239" y="1189177"/>
-            <a:ext cx="11653523" cy="1514261"/>
+            <a:ext cx="11655840" cy="5886227"/>
           </a:xfrm>
         </p:spPr>
         <p:txBody>
           <a:bodyPr/>
           <a:lstStyle/>
           <a:p>
-            <a:r>
-              <a:rPr lang="en-US" sz="3200" dirty="0"/>
-              <a:t>Since Tailspin Toys and their current on-premises data center is in Milwaukee, WI. The nearest Azure Region to use will be North Central US.</a:t>
-            </a:r>
-          </a:p>
-        </p:txBody>
-      </p:sp>
-      <p:sp>
-        <p:nvSpPr>
-          <p:cNvPr id="3" name="Title 2">
-            <a:extLst>
-              <a:ext uri="{FF2B5EF4-FFF2-40B4-BE49-F238E27FC236}">
-                <a16:creationId xmlns:a16="http://schemas.microsoft.com/office/drawing/2014/main" id="{42DFD2E0-FC35-CEAB-760A-FA206E4A849E}"/>
-              </a:ext>
-            </a:extLst>
-          </p:cNvPr>
-          <p:cNvSpPr>
-            <a:spLocks noGrp="1"/>
-          </p:cNvSpPr>
-          <p:nvPr>
-            <p:ph type="title"/>
-          </p:nvPr>
-        </p:nvSpPr>
-        <p:spPr/>
-        <p:txBody>
-          <a:bodyPr/>
-          <a:lstStyle/>
-          <a:p>
-            <a:r>
-              <a:rPr lang="en-US" dirty="0"/>
-              <a:t>Preferred Solution (Pricing)</a:t>
-            </a:r>
+            <a:pPr marL="0" indent="0">
+              <a:buNone/>
+            </a:pPr>
+            <a:r>
+              <a:rPr lang="en-IE" sz="3200" dirty="0"/>
+              <a:t>How will they reduce the burden of managing both on-premises and Azure workloads?</a:t>
+            </a:r>
+          </a:p>
+          <a:p>
+            <a:pPr marL="0" indent="0">
+              <a:buNone/>
+            </a:pPr>
+            <a:endParaRPr lang="en-IE" sz="1100" dirty="0"/>
+          </a:p>
+          <a:p>
+            <a:pPr marL="0" indent="0">
+              <a:buNone/>
+            </a:pPr>
+            <a:r>
+              <a:rPr lang="en-IE" sz="3200" dirty="0"/>
+              <a:t>After some of the VMs are migrated to Azure, and others are still on-premises, it may be more burdensome to manage all their workloads in one place. For this, the use of Azure Arc is recommended. Azure Arc will enable Tailspin to centrally manage all their VMs in Azure and on-premises. Azure Arc supports managing both Windows and Linux servers and VMs.</a:t>
+            </a:r>
+          </a:p>
+          <a:p>
+            <a:pPr marL="0" indent="0">
+              <a:buNone/>
+            </a:pPr>
+            <a:r>
+              <a:rPr lang="en-IE" sz="3200" dirty="0"/>
+              <a:t>The on-premises Windows and Linux VMs can be Azure Arc-enabled by installing the Azure Connected Machine agent. The agent brings with it the ability to manage the VMs with Azure Arc, as well as all the great features the service has to offer.</a:t>
+            </a:r>
+            <a:endParaRPr lang="en-IE" sz="2400" dirty="0"/>
           </a:p>
         </p:txBody>
       </p:sp>
     </p:spTree>
     <p:extLst>
       <p:ext uri="{BB962C8B-B14F-4D97-AF65-F5344CB8AC3E}">
-        <p14:creationId xmlns:p14="http://schemas.microsoft.com/office/powerpoint/2010/main" val="3428838001"/>
+        <p14:creationId xmlns:p14="http://schemas.microsoft.com/office/powerpoint/2010/main" val="2834277284"/>
       </p:ext>
     </p:extLst>
   </p:cSld>
   <p:clrMapOvr>
-    <a:masterClrMapping/>
+    <a:overrideClrMapping bg1="dk1" tx1="lt1" bg2="dk2" tx2="lt2" accent1="accent1" accent2="accent2" accent3="accent3" accent4="accent4" accent5="accent5" accent6="accent6" hlink="hlink" folHlink="folHlink"/>
   </p:clrMapOvr>
   <p:transition>
     <p:fade/>
@@ -23097,7 +23492,7 @@
             </a:br>
             <a:r>
               <a:rPr lang="en-US" sz="2400" dirty="0"/>
-              <a:t>At the end of the workshop, you will be better able to design and use resiliency concepts including high availability with Availability Zones, disaster recovery for virtual machines to another region using Azure Site Recovery, and SQL Server high availability and disaster recovery using AlwaysOn Availability Groups. You will also learn how to assess the availability SLA, RPO and RTO of your design, and how to use Azure Backup to protect and secure your SQL data and VMs against corruption and loss.</a:t>
+              <a:t>At the end of the workshop, you will be better able to design and use resiliency concepts including high availability with Availability Zones, disaster recovery for virtual machines to another region using Azure Site Recovery, and SQL Server high availability and disaster recovery using AlwaysOn Availability Groups. You will also learn how to assess the availability SLA, RPO, and RTO of your design, and how to use Azure Backup to protect and secure your SQL data and VMs against corruption and loss.</a:t>
             </a:r>
           </a:p>
           <a:p>
@@ -23106,7 +23501,7 @@
             </a:br>
             <a:r>
               <a:rPr lang="en-US" sz="2400" dirty="0"/>
-              <a:t>You will also discuss how to achieve a similar level of resiliency for a PaaS-based implementation the same application, based on Azure App Service and Azure SQL Database. Finally, you will consider the costs associated with both approaches.</a:t>
+              <a:t>You will also discuss how to achieve a similar level of resiliency for a PaaS-based implementation of the same application, based on Azure App Service and Azure SQL Database. Finally, you will consider the costs associated with both approaches.</a:t>
             </a:r>
           </a:p>
         </p:txBody>
@@ -23151,6 +23546,39 @@
       </p:grpSpPr>
       <p:sp>
         <p:nvSpPr>
+          <p:cNvPr id="2" name="Text Placeholder 1">
+            <a:extLst>
+              <a:ext uri="{FF2B5EF4-FFF2-40B4-BE49-F238E27FC236}">
+                <a16:creationId xmlns:a16="http://schemas.microsoft.com/office/drawing/2014/main" id="{09AE80E4-691C-E331-5972-7153DBB4E89E}"/>
+              </a:ext>
+            </a:extLst>
+          </p:cNvPr>
+          <p:cNvSpPr>
+            <a:spLocks noGrp="1"/>
+          </p:cNvSpPr>
+          <p:nvPr>
+            <p:ph type="body" sz="quarter" idx="10"/>
+          </p:nvPr>
+        </p:nvSpPr>
+        <p:spPr>
+          <a:xfrm>
+            <a:off x="269239" y="1189177"/>
+            <a:ext cx="11653523" cy="1514261"/>
+          </a:xfrm>
+        </p:spPr>
+        <p:txBody>
+          <a:bodyPr/>
+          <a:lstStyle/>
+          <a:p>
+            <a:r>
+              <a:rPr lang="en-US" sz="3200" dirty="0"/>
+              <a:t>Since Tailspin Toys and their current on-premises data center is in Milwaukee, WI. The nearest Azure Region to use will be North Central US.</a:t>
+            </a:r>
+          </a:p>
+        </p:txBody>
+      </p:sp>
+      <p:sp>
+        <p:nvSpPr>
           <p:cNvPr id="3" name="Title 2">
             <a:extLst>
               <a:ext uri="{FF2B5EF4-FFF2-40B4-BE49-F238E27FC236}">
@@ -23172,7 +23600,68 @@
           <a:p>
             <a:r>
               <a:rPr lang="en-US" dirty="0"/>
-              <a:t>Preferred Solution (Pricing)</a:t>
+              <a:t>Preferred Solution-Pricing #1 </a:t>
+            </a:r>
+          </a:p>
+        </p:txBody>
+      </p:sp>
+    </p:spTree>
+    <p:extLst>
+      <p:ext uri="{BB962C8B-B14F-4D97-AF65-F5344CB8AC3E}">
+        <p14:creationId xmlns:p14="http://schemas.microsoft.com/office/powerpoint/2010/main" val="3428838001"/>
+      </p:ext>
+    </p:extLst>
+  </p:cSld>
+  <p:clrMapOvr>
+    <a:masterClrMapping/>
+  </p:clrMapOvr>
+  <p:transition>
+    <p:fade/>
+  </p:transition>
+</p:sld>
+</file>
+
+<file path=ppt/slides/slide21.xml><?xml version="1.0" encoding="utf-8"?>
+<p:sld xmlns:a="http://schemas.openxmlformats.org/drawingml/2006/main" xmlns:r="http://schemas.openxmlformats.org/officeDocument/2006/relationships" xmlns:p="http://schemas.openxmlformats.org/presentationml/2006/main">
+  <p:cSld>
+    <p:spTree>
+      <p:nvGrpSpPr>
+        <p:cNvPr id="1" name=""/>
+        <p:cNvGrpSpPr/>
+        <p:nvPr/>
+      </p:nvGrpSpPr>
+      <p:grpSpPr>
+        <a:xfrm>
+          <a:off x="0" y="0"/>
+          <a:ext cx="0" cy="0"/>
+          <a:chOff x="0" y="0"/>
+          <a:chExt cx="0" cy="0"/>
+        </a:xfrm>
+      </p:grpSpPr>
+      <p:sp>
+        <p:nvSpPr>
+          <p:cNvPr id="3" name="Title 2">
+            <a:extLst>
+              <a:ext uri="{FF2B5EF4-FFF2-40B4-BE49-F238E27FC236}">
+                <a16:creationId xmlns:a16="http://schemas.microsoft.com/office/drawing/2014/main" id="{42DFD2E0-FC35-CEAB-760A-FA206E4A849E}"/>
+              </a:ext>
+            </a:extLst>
+          </p:cNvPr>
+          <p:cNvSpPr>
+            <a:spLocks noGrp="1"/>
+          </p:cNvSpPr>
+          <p:nvPr>
+            <p:ph type="title"/>
+          </p:nvPr>
+        </p:nvSpPr>
+        <p:spPr/>
+        <p:txBody>
+          <a:bodyPr/>
+          <a:lstStyle/>
+          <a:p>
+            <a:r>
+              <a:rPr lang="en-US" dirty="0"/>
+              <a:t>Preferred Solution-Pricing #2</a:t>
             </a:r>
           </a:p>
         </p:txBody>
@@ -23192,19 +23681,21 @@
           <p:nvPr>
             <p:extLst>
               <p:ext uri="{D42A27DB-BD31-4B8C-83A1-F6EECF244321}">
-                <p14:modId xmlns:p14="http://schemas.microsoft.com/office/powerpoint/2010/main" val="1533165101"/>
+                <p14:modId xmlns:p14="http://schemas.microsoft.com/office/powerpoint/2010/main" val="4032949"/>
               </p:ext>
             </p:extLst>
           </p:nvPr>
         </p:nvGraphicFramePr>
         <p:xfrm>
           <a:off x="266920" y="1815955"/>
-          <a:ext cx="11652248" cy="1325880"/>
+          <a:ext cx="11652248" cy="3474720"/>
         </p:xfrm>
         <a:graphic>
           <a:graphicData uri="http://schemas.openxmlformats.org/drawingml/2006/table">
             <a:tbl>
-              <a:tblPr/>
+              <a:tblPr firstRow="1">
+                <a:tableStyleId>{5C22544A-7EE6-4342-B048-85BDC9FD1C3A}</a:tableStyleId>
+              </a:tblPr>
               <a:tblGrid>
                 <a:gridCol w="2913062">
                   <a:extLst>
@@ -23242,33 +23733,14 @@
                     <a:lstStyle/>
                     <a:p>
                       <a:r>
-                        <a:rPr lang="en-US" sz="1800" b="1">
+                        <a:rPr lang="en-US" sz="1800" b="1" dirty="0">
                           <a:effectLst/>
                         </a:rPr>
                         <a:t>Component</a:t>
                       </a:r>
-                      <a:endParaRPr lang="en-US" sz="1800">
-                        <a:effectLst/>
-                      </a:endParaRPr>
                     </a:p>
                   </a:txBody>
-                  <a:tcPr marL="123825" marR="123825" marT="57150" marB="57150" anchor="ctr">
-                    <a:lnL>
-                      <a:noFill/>
-                    </a:lnL>
-                    <a:lnR>
-                      <a:noFill/>
-                    </a:lnR>
-                    <a:lnT>
-                      <a:noFill/>
-                    </a:lnT>
-                    <a:lnB>
-                      <a:noFill/>
-                    </a:lnB>
-                    <a:solidFill>
-                      <a:srgbClr val="0D1117"/>
-                    </a:solidFill>
-                  </a:tcPr>
+                  <a:tcPr marL="123825" marR="123825" marT="57150" marB="57150" anchor="ctr"/>
                 </a:tc>
                 <a:tc>
                   <a:txBody>
@@ -23277,33 +23749,14 @@
                     <a:p>
                       <a:pPr algn="ctr"/>
                       <a:r>
-                        <a:rPr lang="en-US" sz="1800" b="1">
+                        <a:rPr lang="en-US" sz="1800" b="1" dirty="0">
                           <a:effectLst/>
                         </a:rPr>
                         <a:t>Region</a:t>
                       </a:r>
-                      <a:endParaRPr lang="en-US" sz="1800">
-                        <a:effectLst/>
-                      </a:endParaRPr>
                     </a:p>
                   </a:txBody>
-                  <a:tcPr marL="123825" marR="123825" marT="57150" marB="57150" anchor="ctr">
-                    <a:lnL>
-                      <a:noFill/>
-                    </a:lnL>
-                    <a:lnR>
-                      <a:noFill/>
-                    </a:lnR>
-                    <a:lnT>
-                      <a:noFill/>
-                    </a:lnT>
-                    <a:lnB>
-                      <a:noFill/>
-                    </a:lnB>
-                    <a:solidFill>
-                      <a:srgbClr val="0D1117"/>
-                    </a:solidFill>
-                  </a:tcPr>
+                  <a:tcPr marL="123825" marR="123825" marT="57150" marB="57150" anchor="ctr"/>
                 </a:tc>
                 <a:tc>
                   <a:txBody>
@@ -23312,33 +23765,14 @@
                     <a:p>
                       <a:pPr algn="ctr"/>
                       <a:r>
-                        <a:rPr lang="en-US" sz="1800" b="1">
+                        <a:rPr lang="en-US" sz="1800" b="1" dirty="0">
                           <a:effectLst/>
                         </a:rPr>
                         <a:t>Details / Assumptions</a:t>
                       </a:r>
-                      <a:endParaRPr lang="en-US" sz="1800">
-                        <a:effectLst/>
-                      </a:endParaRPr>
                     </a:p>
                   </a:txBody>
-                  <a:tcPr marL="123825" marR="123825" marT="57150" marB="57150" anchor="ctr">
-                    <a:lnL>
-                      <a:noFill/>
-                    </a:lnL>
-                    <a:lnR>
-                      <a:noFill/>
-                    </a:lnR>
-                    <a:lnT>
-                      <a:noFill/>
-                    </a:lnT>
-                    <a:lnB>
-                      <a:noFill/>
-                    </a:lnB>
-                    <a:solidFill>
-                      <a:srgbClr val="0D1117"/>
-                    </a:solidFill>
-                  </a:tcPr>
+                  <a:tcPr marL="123825" marR="123825" marT="57150" marB="57150" anchor="ctr"/>
                 </a:tc>
                 <a:tc>
                   <a:txBody>
@@ -23347,33 +23781,14 @@
                     <a:p>
                       <a:pPr algn="ctr"/>
                       <a:r>
-                        <a:rPr lang="en-US" sz="1800" b="1">
+                        <a:rPr lang="en-US" sz="1800" b="1" dirty="0">
                           <a:effectLst/>
                         </a:rPr>
                         <a:t>Est. Monthly Cost (USD)</a:t>
                       </a:r>
-                      <a:endParaRPr lang="en-US" sz="1800">
-                        <a:effectLst/>
-                      </a:endParaRPr>
                     </a:p>
                   </a:txBody>
-                  <a:tcPr marL="123825" marR="123825" marT="57150" marB="57150" anchor="ctr">
-                    <a:lnL>
-                      <a:noFill/>
-                    </a:lnL>
-                    <a:lnR>
-                      <a:noFill/>
-                    </a:lnR>
-                    <a:lnT>
-                      <a:noFill/>
-                    </a:lnT>
-                    <a:lnB>
-                      <a:noFill/>
-                    </a:lnB>
-                    <a:solidFill>
-                      <a:srgbClr val="0D1117"/>
-                    </a:solidFill>
-                  </a:tcPr>
+                  <a:tcPr marL="123825" marR="123825" marT="57150" marB="57150" anchor="ctr"/>
                 </a:tc>
                 <a:extLst>
                   <a:ext uri="{0D108BD9-81ED-4DB2-BD59-A6C34878D82A}">
@@ -23388,30 +23803,14 @@
                     <a:lstStyle/>
                     <a:p>
                       <a:r>
-                        <a:rPr lang="en-US" sz="1800">
+                        <a:rPr lang="en-US" sz="1800" b="0" dirty="0">
                           <a:effectLst/>
                         </a:rPr>
-                        <a:t>Web VMs</a:t>
+                        <a:t>Web VMs (Web App Front-end)</a:t>
                       </a:r>
                     </a:p>
                   </a:txBody>
-                  <a:tcPr marL="123825" marR="123825" marT="57150" marB="57150" anchor="ctr">
-                    <a:lnL>
-                      <a:noFill/>
-                    </a:lnL>
-                    <a:lnR>
-                      <a:noFill/>
-                    </a:lnR>
-                    <a:lnT>
-                      <a:noFill/>
-                    </a:lnT>
-                    <a:lnB>
-                      <a:noFill/>
-                    </a:lnB>
-                    <a:solidFill>
-                      <a:srgbClr val="0D1117"/>
-                    </a:solidFill>
-                  </a:tcPr>
+                  <a:tcPr marL="123825" marR="123825" marT="57150" marB="57150" anchor="ctr"/>
                 </a:tc>
                 <a:tc>
                   <a:txBody>
@@ -23427,23 +23826,7 @@
                       </a:r>
                     </a:p>
                   </a:txBody>
-                  <a:tcPr marL="123825" marR="123825" marT="57150" marB="57150" anchor="ctr">
-                    <a:lnL>
-                      <a:noFill/>
-                    </a:lnL>
-                    <a:lnR>
-                      <a:noFill/>
-                    </a:lnR>
-                    <a:lnT>
-                      <a:noFill/>
-                    </a:lnT>
-                    <a:lnB>
-                      <a:noFill/>
-                    </a:lnB>
-                    <a:solidFill>
-                      <a:srgbClr val="0D1117"/>
-                    </a:solidFill>
-                  </a:tcPr>
+                  <a:tcPr marL="123825" marR="123825" marT="57150" marB="57150" anchor="ctr"/>
                 </a:tc>
                 <a:tc>
                   <a:txBody>
@@ -23452,30 +23835,26 @@
                     <a:p>
                       <a:pPr algn="ctr"/>
                       <a:r>
-                        <a:rPr lang="en-US" sz="1800">
+                        <a:rPr lang="en-US" sz="1800" dirty="0">
                           <a:effectLst/>
                         </a:rPr>
-                        <a:t>2x D4s v5 VMs (4 vCores, 16 GiB RAM) &amp; Windows Server 2022</a:t>
+                        <a:t>2x D4s v5 VMs (4 </a:t>
+                      </a:r>
+                      <a:r>
+                        <a:rPr lang="en-US" sz="1800" dirty="0" err="1">
+                          <a:effectLst/>
+                        </a:rPr>
+                        <a:t>vCores</a:t>
+                      </a:r>
+                      <a:r>
+                        <a:rPr lang="en-US" sz="1800" dirty="0">
+                          <a:effectLst/>
+                        </a:rPr>
+                        <a:t>, 16 GiB RAM) &amp; Windows Server 2022</a:t>
                       </a:r>
                     </a:p>
                   </a:txBody>
-                  <a:tcPr marL="123825" marR="123825" marT="57150" marB="57150" anchor="ctr">
-                    <a:lnL>
-                      <a:noFill/>
-                    </a:lnL>
-                    <a:lnR>
-                      <a:noFill/>
-                    </a:lnR>
-                    <a:lnT>
-                      <a:noFill/>
-                    </a:lnT>
-                    <a:lnB>
-                      <a:noFill/>
-                    </a:lnB>
-                    <a:solidFill>
-                      <a:srgbClr val="0D1117"/>
-                    </a:solidFill>
-                  </a:tcPr>
+                  <a:tcPr marL="123825" marR="123825" marT="57150" marB="57150" anchor="ctr"/>
                 </a:tc>
                 <a:tc>
                   <a:txBody>
@@ -23491,23 +23870,7 @@
                       </a:r>
                     </a:p>
                   </a:txBody>
-                  <a:tcPr marL="123825" marR="123825" marT="57150" marB="57150" anchor="ctr">
-                    <a:lnL>
-                      <a:noFill/>
-                    </a:lnL>
-                    <a:lnR>
-                      <a:noFill/>
-                    </a:lnR>
-                    <a:lnT>
-                      <a:noFill/>
-                    </a:lnT>
-                    <a:lnB>
-                      <a:noFill/>
-                    </a:lnB>
-                    <a:solidFill>
-                      <a:srgbClr val="0D1117"/>
-                    </a:solidFill>
-                  </a:tcPr>
+                  <a:tcPr marL="123825" marR="123825" marT="57150" marB="57150" anchor="ctr"/>
                 </a:tc>
                 <a:extLst>
                   <a:ext uri="{0D108BD9-81ED-4DB2-BD59-A6C34878D82A}">
@@ -23515,328 +23878,6 @@
                   </a:ext>
                 </a:extLst>
               </a:tr>
-            </a:tbl>
-          </a:graphicData>
-        </a:graphic>
-      </p:graphicFrame>
-      <p:sp>
-        <p:nvSpPr>
-          <p:cNvPr id="5" name="Text Placeholder 1">
-            <a:extLst>
-              <a:ext uri="{FF2B5EF4-FFF2-40B4-BE49-F238E27FC236}">
-                <a16:creationId xmlns:a16="http://schemas.microsoft.com/office/drawing/2014/main" id="{00FE0A81-7A29-5CD1-19C6-F09A25B0D307}"/>
-              </a:ext>
-            </a:extLst>
-          </p:cNvPr>
-          <p:cNvSpPr txBox="1">
-            <a:spLocks/>
-          </p:cNvSpPr>
-          <p:nvPr/>
-        </p:nvSpPr>
-        <p:spPr>
-          <a:xfrm>
-            <a:off x="265644" y="1125468"/>
-            <a:ext cx="11653523" cy="627864"/>
-          </a:xfrm>
-          <a:prstGeom prst="rect">
-            <a:avLst/>
-          </a:prstGeom>
-        </p:spPr>
-        <p:txBody>
-          <a:bodyPr vert="horz" wrap="square" lIns="146304" tIns="91440" rIns="146304" bIns="91440" rtlCol="0">
-            <a:spAutoFit/>
-          </a:bodyPr>
-          <a:lstStyle>
-            <a:lvl1pPr marL="336145" marR="0" indent="-336145" algn="l" defTabSz="914367" rtl="0" eaLnBrk="1" fontAlgn="auto" latinLnBrk="0" hangingPunct="1">
-              <a:lnSpc>
-                <a:spcPct val="90000"/>
-              </a:lnSpc>
-              <a:spcBef>
-                <a:spcPct val="20000"/>
-              </a:spcBef>
-              <a:spcAft>
-                <a:spcPts val="0"/>
-              </a:spcAft>
-              <a:buClrTx/>
-              <a:buSzPct val="90000"/>
-              <a:buFont typeface="Arial" pitchFamily="34" charset="0"/>
-              <a:buChar char="•"/>
-              <a:tabLst/>
-              <a:defRPr sz="3921" kern="1200" spc="0" baseline="0">
-                <a:gradFill>
-                  <a:gsLst>
-                    <a:gs pos="1250">
-                      <a:schemeClr val="tx1"/>
-                    </a:gs>
-                    <a:gs pos="100000">
-                      <a:schemeClr val="tx1"/>
-                    </a:gs>
-                  </a:gsLst>
-                  <a:lin ang="5400000" scaled="0"/>
-                </a:gradFill>
-                <a:latin typeface="+mj-lt"/>
-                <a:ea typeface="+mn-ea"/>
-                <a:cs typeface="+mn-cs"/>
-              </a:defRPr>
-            </a:lvl1pPr>
-            <a:lvl2pPr marL="572691" marR="0" indent="-236546" algn="l" defTabSz="914367" rtl="0" eaLnBrk="1" fontAlgn="auto" latinLnBrk="0" hangingPunct="1">
-              <a:lnSpc>
-                <a:spcPct val="90000"/>
-              </a:lnSpc>
-              <a:spcBef>
-                <a:spcPct val="20000"/>
-              </a:spcBef>
-              <a:spcAft>
-                <a:spcPts val="0"/>
-              </a:spcAft>
-              <a:buClrTx/>
-              <a:buSzPct val="90000"/>
-              <a:buFont typeface="Arial" pitchFamily="34" charset="0"/>
-              <a:buChar char="•"/>
-              <a:tabLst/>
-              <a:defRPr sz="2353" kern="1200" spc="0" baseline="0">
-                <a:gradFill>
-                  <a:gsLst>
-                    <a:gs pos="1250">
-                      <a:schemeClr val="tx1"/>
-                    </a:gs>
-                    <a:gs pos="100000">
-                      <a:schemeClr val="tx1"/>
-                    </a:gs>
-                  </a:gsLst>
-                  <a:lin ang="5400000" scaled="0"/>
-                </a:gradFill>
-                <a:latin typeface="+mn-lt"/>
-                <a:ea typeface="+mn-ea"/>
-                <a:cs typeface="+mn-cs"/>
-              </a:defRPr>
-            </a:lvl2pPr>
-            <a:lvl3pPr marL="784338" marR="0" indent="-224097" algn="l" defTabSz="914367" rtl="0" eaLnBrk="1" fontAlgn="auto" latinLnBrk="0" hangingPunct="1">
-              <a:lnSpc>
-                <a:spcPct val="90000"/>
-              </a:lnSpc>
-              <a:spcBef>
-                <a:spcPct val="20000"/>
-              </a:spcBef>
-              <a:spcAft>
-                <a:spcPts val="0"/>
-              </a:spcAft>
-              <a:buClrTx/>
-              <a:buSzPct val="90000"/>
-              <a:buFont typeface="Arial" pitchFamily="34" charset="0"/>
-              <a:buChar char="•"/>
-              <a:tabLst/>
-              <a:defRPr sz="1961" kern="1200" spc="0" baseline="0">
-                <a:gradFill>
-                  <a:gsLst>
-                    <a:gs pos="1250">
-                      <a:schemeClr val="tx1"/>
-                    </a:gs>
-                    <a:gs pos="100000">
-                      <a:schemeClr val="tx1"/>
-                    </a:gs>
-                  </a:gsLst>
-                  <a:lin ang="5400000" scaled="0"/>
-                </a:gradFill>
-                <a:latin typeface="+mn-lt"/>
-                <a:ea typeface="+mn-ea"/>
-                <a:cs typeface="+mn-cs"/>
-              </a:defRPr>
-            </a:lvl3pPr>
-            <a:lvl4pPr marL="1008435" marR="0" indent="-224097" algn="l" defTabSz="914367" rtl="0" eaLnBrk="1" fontAlgn="auto" latinLnBrk="0" hangingPunct="1">
-              <a:lnSpc>
-                <a:spcPct val="90000"/>
-              </a:lnSpc>
-              <a:spcBef>
-                <a:spcPct val="20000"/>
-              </a:spcBef>
-              <a:spcAft>
-                <a:spcPts val="0"/>
-              </a:spcAft>
-              <a:buClrTx/>
-              <a:buSzPct val="90000"/>
-              <a:buFont typeface="Arial" pitchFamily="34" charset="0"/>
-              <a:buChar char="•"/>
-              <a:tabLst/>
-              <a:defRPr sz="1765" kern="1200" spc="0" baseline="0">
-                <a:gradFill>
-                  <a:gsLst>
-                    <a:gs pos="1250">
-                      <a:schemeClr val="tx1"/>
-                    </a:gs>
-                    <a:gs pos="100000">
-                      <a:schemeClr val="tx1"/>
-                    </a:gs>
-                  </a:gsLst>
-                  <a:lin ang="5400000" scaled="0"/>
-                </a:gradFill>
-                <a:latin typeface="+mn-lt"/>
-                <a:ea typeface="+mn-ea"/>
-                <a:cs typeface="+mn-cs"/>
-              </a:defRPr>
-            </a:lvl4pPr>
-            <a:lvl5pPr marL="1232531" marR="0" indent="-224097" algn="l" defTabSz="914367" rtl="0" eaLnBrk="1" fontAlgn="auto" latinLnBrk="0" hangingPunct="1">
-              <a:lnSpc>
-                <a:spcPct val="90000"/>
-              </a:lnSpc>
-              <a:spcBef>
-                <a:spcPct val="20000"/>
-              </a:spcBef>
-              <a:spcAft>
-                <a:spcPts val="0"/>
-              </a:spcAft>
-              <a:buClrTx/>
-              <a:buSzPct val="90000"/>
-              <a:buFont typeface="Arial" pitchFamily="34" charset="0"/>
-              <a:buChar char="•"/>
-              <a:tabLst/>
-              <a:defRPr sz="1765" kern="1200" spc="0" baseline="0">
-                <a:gradFill>
-                  <a:gsLst>
-                    <a:gs pos="1250">
-                      <a:schemeClr val="tx1"/>
-                    </a:gs>
-                    <a:gs pos="100000">
-                      <a:schemeClr val="tx1"/>
-                    </a:gs>
-                  </a:gsLst>
-                  <a:lin ang="5400000" scaled="0"/>
-                </a:gradFill>
-                <a:latin typeface="+mn-lt"/>
-                <a:ea typeface="+mn-ea"/>
-                <a:cs typeface="+mn-cs"/>
-              </a:defRPr>
-            </a:lvl5pPr>
-            <a:lvl6pPr marL="2514509" indent="-228592" algn="l" defTabSz="914367" rtl="0" eaLnBrk="1" latinLnBrk="0" hangingPunct="1">
-              <a:spcBef>
-                <a:spcPct val="20000"/>
-              </a:spcBef>
-              <a:buFont typeface="Arial" pitchFamily="34" charset="0"/>
-              <a:buChar char="•"/>
-              <a:defRPr sz="1961" kern="1200">
-                <a:solidFill>
-                  <a:schemeClr val="tx1"/>
-                </a:solidFill>
-                <a:latin typeface="+mn-lt"/>
-                <a:ea typeface="+mn-ea"/>
-                <a:cs typeface="+mn-cs"/>
-              </a:defRPr>
-            </a:lvl6pPr>
-            <a:lvl7pPr marL="2971693" indent="-228592" algn="l" defTabSz="914367" rtl="0" eaLnBrk="1" latinLnBrk="0" hangingPunct="1">
-              <a:spcBef>
-                <a:spcPct val="20000"/>
-              </a:spcBef>
-              <a:buFont typeface="Arial" pitchFamily="34" charset="0"/>
-              <a:buChar char="•"/>
-              <a:defRPr sz="1961" kern="1200">
-                <a:solidFill>
-                  <a:schemeClr val="tx1"/>
-                </a:solidFill>
-                <a:latin typeface="+mn-lt"/>
-                <a:ea typeface="+mn-ea"/>
-                <a:cs typeface="+mn-cs"/>
-              </a:defRPr>
-            </a:lvl7pPr>
-            <a:lvl8pPr marL="3428877" indent="-228592" algn="l" defTabSz="914367" rtl="0" eaLnBrk="1" latinLnBrk="0" hangingPunct="1">
-              <a:spcBef>
-                <a:spcPct val="20000"/>
-              </a:spcBef>
-              <a:buFont typeface="Arial" pitchFamily="34" charset="0"/>
-              <a:buChar char="•"/>
-              <a:defRPr sz="1961" kern="1200">
-                <a:solidFill>
-                  <a:schemeClr val="tx1"/>
-                </a:solidFill>
-                <a:latin typeface="+mn-lt"/>
-                <a:ea typeface="+mn-ea"/>
-                <a:cs typeface="+mn-cs"/>
-              </a:defRPr>
-            </a:lvl8pPr>
-            <a:lvl9pPr marL="3886061" indent="-228592" algn="l" defTabSz="914367" rtl="0" eaLnBrk="1" latinLnBrk="0" hangingPunct="1">
-              <a:spcBef>
-                <a:spcPct val="20000"/>
-              </a:spcBef>
-              <a:buFont typeface="Arial" pitchFamily="34" charset="0"/>
-              <a:buChar char="•"/>
-              <a:defRPr sz="1961" kern="1200">
-                <a:solidFill>
-                  <a:schemeClr val="tx1"/>
-                </a:solidFill>
-                <a:latin typeface="+mn-lt"/>
-                <a:ea typeface="+mn-ea"/>
-                <a:cs typeface="+mn-cs"/>
-              </a:defRPr>
-            </a:lvl9pPr>
-          </a:lstStyle>
-          <a:p>
-            <a:pPr marL="0" indent="0">
-              <a:buNone/>
-            </a:pPr>
-            <a:r>
-              <a:rPr lang="en-US" sz="3200" dirty="0"/>
-              <a:t>Web Application Front-end</a:t>
-            </a:r>
-          </a:p>
-        </p:txBody>
-      </p:sp>
-      <p:graphicFrame>
-        <p:nvGraphicFramePr>
-          <p:cNvPr id="8" name="Table 7">
-            <a:extLst>
-              <a:ext uri="{FF2B5EF4-FFF2-40B4-BE49-F238E27FC236}">
-                <a16:creationId xmlns:a16="http://schemas.microsoft.com/office/drawing/2014/main" id="{A3A78868-20A1-C1D2-F84F-A1EF0C80850B}"/>
-              </a:ext>
-            </a:extLst>
-          </p:cNvPr>
-          <p:cNvGraphicFramePr>
-            <a:graphicFrameLocks noGrp="1"/>
-          </p:cNvGraphicFramePr>
-          <p:nvPr>
-            <p:extLst>
-              <p:ext uri="{D42A27DB-BD31-4B8C-83A1-F6EECF244321}">
-                <p14:modId xmlns:p14="http://schemas.microsoft.com/office/powerpoint/2010/main" val="3582998546"/>
-              </p:ext>
-            </p:extLst>
-          </p:nvPr>
-        </p:nvGraphicFramePr>
-        <p:xfrm>
-          <a:off x="265644" y="3778789"/>
-          <a:ext cx="11652248" cy="937260"/>
-        </p:xfrm>
-        <a:graphic>
-          <a:graphicData uri="http://schemas.openxmlformats.org/drawingml/2006/table">
-            <a:tbl>
-              <a:tblPr/>
-              <a:tblGrid>
-                <a:gridCol w="2913062">
-                  <a:extLst>
-                    <a:ext uri="{9D8B030D-6E8A-4147-A177-3AD203B41FA5}">
-                      <a16:colId xmlns:a16="http://schemas.microsoft.com/office/drawing/2014/main" val="1925133211"/>
-                    </a:ext>
-                  </a:extLst>
-                </a:gridCol>
-                <a:gridCol w="2913062">
-                  <a:extLst>
-                    <a:ext uri="{9D8B030D-6E8A-4147-A177-3AD203B41FA5}">
-                      <a16:colId xmlns:a16="http://schemas.microsoft.com/office/drawing/2014/main" val="3115118980"/>
-                    </a:ext>
-                  </a:extLst>
-                </a:gridCol>
-                <a:gridCol w="2913062">
-                  <a:extLst>
-                    <a:ext uri="{9D8B030D-6E8A-4147-A177-3AD203B41FA5}">
-                      <a16:colId xmlns:a16="http://schemas.microsoft.com/office/drawing/2014/main" val="2096006452"/>
-                    </a:ext>
-                  </a:extLst>
-                </a:gridCol>
-                <a:gridCol w="2913062">
-                  <a:extLst>
-                    <a:ext uri="{9D8B030D-6E8A-4147-A177-3AD203B41FA5}">
-                      <a16:colId xmlns:a16="http://schemas.microsoft.com/office/drawing/2014/main" val="628011887"/>
-                    </a:ext>
-                  </a:extLst>
-                </a:gridCol>
-              </a:tblGrid>
               <a:tr h="921258">
                 <a:tc>
                   <a:txBody>
@@ -23847,27 +23888,11 @@
                         <a:rPr lang="en-US" sz="1800" dirty="0">
                           <a:effectLst/>
                         </a:rPr>
-                        <a:t>Web VMs</a:t>
+                        <a:t>Web VMs (REST API Back-end)</a:t>
                       </a:r>
                     </a:p>
                   </a:txBody>
-                  <a:tcPr marL="123825" marR="123825" marT="57150" marB="57150" anchor="ctr">
-                    <a:lnL>
-                      <a:noFill/>
-                    </a:lnL>
-                    <a:lnR>
-                      <a:noFill/>
-                    </a:lnR>
-                    <a:lnT>
-                      <a:noFill/>
-                    </a:lnT>
-                    <a:lnB>
-                      <a:noFill/>
-                    </a:lnB>
-                    <a:solidFill>
-                      <a:srgbClr val="0D1117"/>
-                    </a:solidFill>
-                  </a:tcPr>
+                  <a:tcPr marL="123825" marR="123825" marT="57150" marB="57150" anchor="ctr"/>
                 </a:tc>
                 <a:tc>
                   <a:txBody>
@@ -23883,23 +23908,7 @@
                       </a:r>
                     </a:p>
                   </a:txBody>
-                  <a:tcPr marL="123825" marR="123825" marT="57150" marB="57150" anchor="ctr">
-                    <a:lnL>
-                      <a:noFill/>
-                    </a:lnL>
-                    <a:lnR>
-                      <a:noFill/>
-                    </a:lnR>
-                    <a:lnT>
-                      <a:noFill/>
-                    </a:lnT>
-                    <a:lnB>
-                      <a:noFill/>
-                    </a:lnB>
-                    <a:solidFill>
-                      <a:srgbClr val="0D1117"/>
-                    </a:solidFill>
-                  </a:tcPr>
+                  <a:tcPr marL="123825" marR="123825" marT="57150" marB="57150" anchor="ctr"/>
                 </a:tc>
                 <a:tc>
                   <a:txBody>
@@ -23915,23 +23924,7 @@
                       </a:r>
                     </a:p>
                   </a:txBody>
-                  <a:tcPr marL="123825" marR="123825" marT="57150" marB="57150" anchor="ctr">
-                    <a:lnL>
-                      <a:noFill/>
-                    </a:lnL>
-                    <a:lnR>
-                      <a:noFill/>
-                    </a:lnR>
-                    <a:lnT>
-                      <a:noFill/>
-                    </a:lnT>
-                    <a:lnB>
-                      <a:noFill/>
-                    </a:lnB>
-                    <a:solidFill>
-                      <a:srgbClr val="0D1117"/>
-                    </a:solidFill>
-                  </a:tcPr>
+                  <a:tcPr marL="123825" marR="123825" marT="57150" marB="57150" anchor="ctr"/>
                 </a:tc>
                 <a:tc>
                   <a:txBody>
@@ -23947,352 +23940,14 @@
                       </a:r>
                     </a:p>
                   </a:txBody>
-                  <a:tcPr marL="123825" marR="123825" marT="57150" marB="57150" anchor="ctr">
-                    <a:lnL>
-                      <a:noFill/>
-                    </a:lnL>
-                    <a:lnR>
-                      <a:noFill/>
-                    </a:lnR>
-                    <a:lnT>
-                      <a:noFill/>
-                    </a:lnT>
-                    <a:lnB>
-                      <a:noFill/>
-                    </a:lnB>
-                    <a:solidFill>
-                      <a:srgbClr val="0D1117"/>
-                    </a:solidFill>
-                  </a:tcPr>
+                  <a:tcPr marL="123825" marR="123825" marT="57150" marB="57150" anchor="ctr"/>
                 </a:tc>
                 <a:extLst>
                   <a:ext uri="{0D108BD9-81ED-4DB2-BD59-A6C34878D82A}">
-                    <a16:rowId xmlns:a16="http://schemas.microsoft.com/office/drawing/2014/main" val="2776118148"/>
+                    <a16:rowId xmlns:a16="http://schemas.microsoft.com/office/drawing/2014/main" val="1570732751"/>
                   </a:ext>
                 </a:extLst>
               </a:tr>
-            </a:tbl>
-          </a:graphicData>
-        </a:graphic>
-      </p:graphicFrame>
-      <p:sp>
-        <p:nvSpPr>
-          <p:cNvPr id="9" name="Text Placeholder 1">
-            <a:extLst>
-              <a:ext uri="{FF2B5EF4-FFF2-40B4-BE49-F238E27FC236}">
-                <a16:creationId xmlns:a16="http://schemas.microsoft.com/office/drawing/2014/main" id="{4404B44F-6705-0806-72CC-97493697DCAE}"/>
-              </a:ext>
-            </a:extLst>
-          </p:cNvPr>
-          <p:cNvSpPr txBox="1">
-            <a:spLocks/>
-          </p:cNvSpPr>
-          <p:nvPr/>
-        </p:nvSpPr>
-        <p:spPr>
-          <a:xfrm>
-            <a:off x="272832" y="3140750"/>
-            <a:ext cx="11653523" cy="627864"/>
-          </a:xfrm>
-          <a:prstGeom prst="rect">
-            <a:avLst/>
-          </a:prstGeom>
-        </p:spPr>
-        <p:txBody>
-          <a:bodyPr vert="horz" wrap="square" lIns="146304" tIns="91440" rIns="146304" bIns="91440" rtlCol="0">
-            <a:spAutoFit/>
-          </a:bodyPr>
-          <a:lstStyle>
-            <a:lvl1pPr marL="336145" marR="0" indent="-336145" algn="l" defTabSz="914367" rtl="0" eaLnBrk="1" fontAlgn="auto" latinLnBrk="0" hangingPunct="1">
-              <a:lnSpc>
-                <a:spcPct val="90000"/>
-              </a:lnSpc>
-              <a:spcBef>
-                <a:spcPct val="20000"/>
-              </a:spcBef>
-              <a:spcAft>
-                <a:spcPts val="0"/>
-              </a:spcAft>
-              <a:buClrTx/>
-              <a:buSzPct val="90000"/>
-              <a:buFont typeface="Arial" pitchFamily="34" charset="0"/>
-              <a:buChar char="•"/>
-              <a:tabLst/>
-              <a:defRPr sz="3921" kern="1200" spc="0" baseline="0">
-                <a:gradFill>
-                  <a:gsLst>
-                    <a:gs pos="1250">
-                      <a:schemeClr val="tx1"/>
-                    </a:gs>
-                    <a:gs pos="100000">
-                      <a:schemeClr val="tx1"/>
-                    </a:gs>
-                  </a:gsLst>
-                  <a:lin ang="5400000" scaled="0"/>
-                </a:gradFill>
-                <a:latin typeface="+mj-lt"/>
-                <a:ea typeface="+mn-ea"/>
-                <a:cs typeface="+mn-cs"/>
-              </a:defRPr>
-            </a:lvl1pPr>
-            <a:lvl2pPr marL="572691" marR="0" indent="-236546" algn="l" defTabSz="914367" rtl="0" eaLnBrk="1" fontAlgn="auto" latinLnBrk="0" hangingPunct="1">
-              <a:lnSpc>
-                <a:spcPct val="90000"/>
-              </a:lnSpc>
-              <a:spcBef>
-                <a:spcPct val="20000"/>
-              </a:spcBef>
-              <a:spcAft>
-                <a:spcPts val="0"/>
-              </a:spcAft>
-              <a:buClrTx/>
-              <a:buSzPct val="90000"/>
-              <a:buFont typeface="Arial" pitchFamily="34" charset="0"/>
-              <a:buChar char="•"/>
-              <a:tabLst/>
-              <a:defRPr sz="2353" kern="1200" spc="0" baseline="0">
-                <a:gradFill>
-                  <a:gsLst>
-                    <a:gs pos="1250">
-                      <a:schemeClr val="tx1"/>
-                    </a:gs>
-                    <a:gs pos="100000">
-                      <a:schemeClr val="tx1"/>
-                    </a:gs>
-                  </a:gsLst>
-                  <a:lin ang="5400000" scaled="0"/>
-                </a:gradFill>
-                <a:latin typeface="+mn-lt"/>
-                <a:ea typeface="+mn-ea"/>
-                <a:cs typeface="+mn-cs"/>
-              </a:defRPr>
-            </a:lvl2pPr>
-            <a:lvl3pPr marL="784338" marR="0" indent="-224097" algn="l" defTabSz="914367" rtl="0" eaLnBrk="1" fontAlgn="auto" latinLnBrk="0" hangingPunct="1">
-              <a:lnSpc>
-                <a:spcPct val="90000"/>
-              </a:lnSpc>
-              <a:spcBef>
-                <a:spcPct val="20000"/>
-              </a:spcBef>
-              <a:spcAft>
-                <a:spcPts val="0"/>
-              </a:spcAft>
-              <a:buClrTx/>
-              <a:buSzPct val="90000"/>
-              <a:buFont typeface="Arial" pitchFamily="34" charset="0"/>
-              <a:buChar char="•"/>
-              <a:tabLst/>
-              <a:defRPr sz="1961" kern="1200" spc="0" baseline="0">
-                <a:gradFill>
-                  <a:gsLst>
-                    <a:gs pos="1250">
-                      <a:schemeClr val="tx1"/>
-                    </a:gs>
-                    <a:gs pos="100000">
-                      <a:schemeClr val="tx1"/>
-                    </a:gs>
-                  </a:gsLst>
-                  <a:lin ang="5400000" scaled="0"/>
-                </a:gradFill>
-                <a:latin typeface="+mn-lt"/>
-                <a:ea typeface="+mn-ea"/>
-                <a:cs typeface="+mn-cs"/>
-              </a:defRPr>
-            </a:lvl3pPr>
-            <a:lvl4pPr marL="1008435" marR="0" indent="-224097" algn="l" defTabSz="914367" rtl="0" eaLnBrk="1" fontAlgn="auto" latinLnBrk="0" hangingPunct="1">
-              <a:lnSpc>
-                <a:spcPct val="90000"/>
-              </a:lnSpc>
-              <a:spcBef>
-                <a:spcPct val="20000"/>
-              </a:spcBef>
-              <a:spcAft>
-                <a:spcPts val="0"/>
-              </a:spcAft>
-              <a:buClrTx/>
-              <a:buSzPct val="90000"/>
-              <a:buFont typeface="Arial" pitchFamily="34" charset="0"/>
-              <a:buChar char="•"/>
-              <a:tabLst/>
-              <a:defRPr sz="1765" kern="1200" spc="0" baseline="0">
-                <a:gradFill>
-                  <a:gsLst>
-                    <a:gs pos="1250">
-                      <a:schemeClr val="tx1"/>
-                    </a:gs>
-                    <a:gs pos="100000">
-                      <a:schemeClr val="tx1"/>
-                    </a:gs>
-                  </a:gsLst>
-                  <a:lin ang="5400000" scaled="0"/>
-                </a:gradFill>
-                <a:latin typeface="+mn-lt"/>
-                <a:ea typeface="+mn-ea"/>
-                <a:cs typeface="+mn-cs"/>
-              </a:defRPr>
-            </a:lvl4pPr>
-            <a:lvl5pPr marL="1232531" marR="0" indent="-224097" algn="l" defTabSz="914367" rtl="0" eaLnBrk="1" fontAlgn="auto" latinLnBrk="0" hangingPunct="1">
-              <a:lnSpc>
-                <a:spcPct val="90000"/>
-              </a:lnSpc>
-              <a:spcBef>
-                <a:spcPct val="20000"/>
-              </a:spcBef>
-              <a:spcAft>
-                <a:spcPts val="0"/>
-              </a:spcAft>
-              <a:buClrTx/>
-              <a:buSzPct val="90000"/>
-              <a:buFont typeface="Arial" pitchFamily="34" charset="0"/>
-              <a:buChar char="•"/>
-              <a:tabLst/>
-              <a:defRPr sz="1765" kern="1200" spc="0" baseline="0">
-                <a:gradFill>
-                  <a:gsLst>
-                    <a:gs pos="1250">
-                      <a:schemeClr val="tx1"/>
-                    </a:gs>
-                    <a:gs pos="100000">
-                      <a:schemeClr val="tx1"/>
-                    </a:gs>
-                  </a:gsLst>
-                  <a:lin ang="5400000" scaled="0"/>
-                </a:gradFill>
-                <a:latin typeface="+mn-lt"/>
-                <a:ea typeface="+mn-ea"/>
-                <a:cs typeface="+mn-cs"/>
-              </a:defRPr>
-            </a:lvl5pPr>
-            <a:lvl6pPr marL="2514509" indent="-228592" algn="l" defTabSz="914367" rtl="0" eaLnBrk="1" latinLnBrk="0" hangingPunct="1">
-              <a:spcBef>
-                <a:spcPct val="20000"/>
-              </a:spcBef>
-              <a:buFont typeface="Arial" pitchFamily="34" charset="0"/>
-              <a:buChar char="•"/>
-              <a:defRPr sz="1961" kern="1200">
-                <a:solidFill>
-                  <a:schemeClr val="tx1"/>
-                </a:solidFill>
-                <a:latin typeface="+mn-lt"/>
-                <a:ea typeface="+mn-ea"/>
-                <a:cs typeface="+mn-cs"/>
-              </a:defRPr>
-            </a:lvl6pPr>
-            <a:lvl7pPr marL="2971693" indent="-228592" algn="l" defTabSz="914367" rtl="0" eaLnBrk="1" latinLnBrk="0" hangingPunct="1">
-              <a:spcBef>
-                <a:spcPct val="20000"/>
-              </a:spcBef>
-              <a:buFont typeface="Arial" pitchFamily="34" charset="0"/>
-              <a:buChar char="•"/>
-              <a:defRPr sz="1961" kern="1200">
-                <a:solidFill>
-                  <a:schemeClr val="tx1"/>
-                </a:solidFill>
-                <a:latin typeface="+mn-lt"/>
-                <a:ea typeface="+mn-ea"/>
-                <a:cs typeface="+mn-cs"/>
-              </a:defRPr>
-            </a:lvl7pPr>
-            <a:lvl8pPr marL="3428877" indent="-228592" algn="l" defTabSz="914367" rtl="0" eaLnBrk="1" latinLnBrk="0" hangingPunct="1">
-              <a:spcBef>
-                <a:spcPct val="20000"/>
-              </a:spcBef>
-              <a:buFont typeface="Arial" pitchFamily="34" charset="0"/>
-              <a:buChar char="•"/>
-              <a:defRPr sz="1961" kern="1200">
-                <a:solidFill>
-                  <a:schemeClr val="tx1"/>
-                </a:solidFill>
-                <a:latin typeface="+mn-lt"/>
-                <a:ea typeface="+mn-ea"/>
-                <a:cs typeface="+mn-cs"/>
-              </a:defRPr>
-            </a:lvl8pPr>
-            <a:lvl9pPr marL="3886061" indent="-228592" algn="l" defTabSz="914367" rtl="0" eaLnBrk="1" latinLnBrk="0" hangingPunct="1">
-              <a:spcBef>
-                <a:spcPct val="20000"/>
-              </a:spcBef>
-              <a:buFont typeface="Arial" pitchFamily="34" charset="0"/>
-              <a:buChar char="•"/>
-              <a:defRPr sz="1961" kern="1200">
-                <a:solidFill>
-                  <a:schemeClr val="tx1"/>
-                </a:solidFill>
-                <a:latin typeface="+mn-lt"/>
-                <a:ea typeface="+mn-ea"/>
-                <a:cs typeface="+mn-cs"/>
-              </a:defRPr>
-            </a:lvl9pPr>
-          </a:lstStyle>
-          <a:p>
-            <a:pPr marL="0" indent="0">
-              <a:buNone/>
-            </a:pPr>
-            <a:r>
-              <a:rPr lang="en-US" sz="3200" dirty="0"/>
-              <a:t>REST API Back-end</a:t>
-            </a:r>
-          </a:p>
-        </p:txBody>
-      </p:sp>
-      <p:graphicFrame>
-        <p:nvGraphicFramePr>
-          <p:cNvPr id="10" name="Table 9">
-            <a:extLst>
-              <a:ext uri="{FF2B5EF4-FFF2-40B4-BE49-F238E27FC236}">
-                <a16:creationId xmlns:a16="http://schemas.microsoft.com/office/drawing/2014/main" id="{0F1AF265-4D85-F13D-D310-C107EB5997C2}"/>
-              </a:ext>
-            </a:extLst>
-          </p:cNvPr>
-          <p:cNvGraphicFramePr>
-            <a:graphicFrameLocks noGrp="1"/>
-          </p:cNvGraphicFramePr>
-          <p:nvPr>
-            <p:extLst>
-              <p:ext uri="{D42A27DB-BD31-4B8C-83A1-F6EECF244321}">
-                <p14:modId xmlns:p14="http://schemas.microsoft.com/office/powerpoint/2010/main" val="1706662964"/>
-              </p:ext>
-            </p:extLst>
-          </p:nvPr>
-        </p:nvGraphicFramePr>
-        <p:xfrm>
-          <a:off x="265644" y="5371315"/>
-          <a:ext cx="11652248" cy="1211580"/>
-        </p:xfrm>
-        <a:graphic>
-          <a:graphicData uri="http://schemas.openxmlformats.org/drawingml/2006/table">
-            <a:tbl>
-              <a:tblPr/>
-              <a:tblGrid>
-                <a:gridCol w="2913062">
-                  <a:extLst>
-                    <a:ext uri="{9D8B030D-6E8A-4147-A177-3AD203B41FA5}">
-                      <a16:colId xmlns:a16="http://schemas.microsoft.com/office/drawing/2014/main" val="2796500501"/>
-                    </a:ext>
-                  </a:extLst>
-                </a:gridCol>
-                <a:gridCol w="2913062">
-                  <a:extLst>
-                    <a:ext uri="{9D8B030D-6E8A-4147-A177-3AD203B41FA5}">
-                      <a16:colId xmlns:a16="http://schemas.microsoft.com/office/drawing/2014/main" val="3655084290"/>
-                    </a:ext>
-                  </a:extLst>
-                </a:gridCol>
-                <a:gridCol w="2913062">
-                  <a:extLst>
-                    <a:ext uri="{9D8B030D-6E8A-4147-A177-3AD203B41FA5}">
-                      <a16:colId xmlns:a16="http://schemas.microsoft.com/office/drawing/2014/main" val="37596059"/>
-                    </a:ext>
-                  </a:extLst>
-                </a:gridCol>
-                <a:gridCol w="2913062">
-                  <a:extLst>
-                    <a:ext uri="{9D8B030D-6E8A-4147-A177-3AD203B41FA5}">
-                      <a16:colId xmlns:a16="http://schemas.microsoft.com/office/drawing/2014/main" val="1939615951"/>
-                    </a:ext>
-                  </a:extLst>
-                </a:gridCol>
-              </a:tblGrid>
               <a:tr h="921258">
                 <a:tc>
                   <a:txBody>
@@ -24300,30 +23955,14 @@
                     <a:lstStyle/>
                     <a:p>
                       <a:r>
-                        <a:rPr lang="en-US" sz="1800">
+                        <a:rPr lang="en-US" sz="1800" dirty="0">
                           <a:effectLst/>
                         </a:rPr>
-                        <a:t>Azure SQL Managed Instance</a:t>
+                        <a:t>Azure SQL Managed Instance (App SQL Databases)</a:t>
                       </a:r>
                     </a:p>
                   </a:txBody>
-                  <a:tcPr marL="123825" marR="123825" marT="57150" marB="57150" anchor="ctr">
-                    <a:lnL>
-                      <a:noFill/>
-                    </a:lnL>
-                    <a:lnR>
-                      <a:noFill/>
-                    </a:lnR>
-                    <a:lnT>
-                      <a:noFill/>
-                    </a:lnT>
-                    <a:lnB>
-                      <a:noFill/>
-                    </a:lnB>
-                    <a:solidFill>
-                      <a:srgbClr val="0D1117"/>
-                    </a:solidFill>
-                  </a:tcPr>
+                  <a:tcPr marL="123825" marR="123825" marT="57150" marB="57150" anchor="ctr"/>
                 </a:tc>
                 <a:tc>
                   <a:txBody>
@@ -24339,23 +23978,7 @@
                       </a:r>
                     </a:p>
                   </a:txBody>
-                  <a:tcPr marL="123825" marR="123825" marT="57150" marB="57150" anchor="ctr">
-                    <a:lnL>
-                      <a:noFill/>
-                    </a:lnL>
-                    <a:lnR>
-                      <a:noFill/>
-                    </a:lnR>
-                    <a:lnT>
-                      <a:noFill/>
-                    </a:lnT>
-                    <a:lnB>
-                      <a:noFill/>
-                    </a:lnB>
-                    <a:solidFill>
-                      <a:srgbClr val="0D1117"/>
-                    </a:solidFill>
-                  </a:tcPr>
+                  <a:tcPr marL="123825" marR="123825" marT="57150" marB="57150" anchor="ctr"/>
                 </a:tc>
                 <a:tc>
                   <a:txBody>
@@ -24371,23 +23994,7 @@
                       </a:r>
                     </a:p>
                   </a:txBody>
-                  <a:tcPr marL="123825" marR="123825" marT="57150" marB="57150" anchor="ctr">
-                    <a:lnL>
-                      <a:noFill/>
-                    </a:lnL>
-                    <a:lnR>
-                      <a:noFill/>
-                    </a:lnR>
-                    <a:lnT>
-                      <a:noFill/>
-                    </a:lnT>
-                    <a:lnB>
-                      <a:noFill/>
-                    </a:lnB>
-                    <a:solidFill>
-                      <a:srgbClr val="0D1117"/>
-                    </a:solidFill>
-                  </a:tcPr>
+                  <a:tcPr marL="123825" marR="123825" marT="57150" marB="57150" anchor="ctr"/>
                 </a:tc>
                 <a:tc>
                   <a:txBody>
@@ -24403,27 +24010,11 @@
                       </a:r>
                     </a:p>
                   </a:txBody>
-                  <a:tcPr marL="123825" marR="123825" marT="57150" marB="57150" anchor="ctr">
-                    <a:lnL>
-                      <a:noFill/>
-                    </a:lnL>
-                    <a:lnR>
-                      <a:noFill/>
-                    </a:lnR>
-                    <a:lnT>
-                      <a:noFill/>
-                    </a:lnT>
-                    <a:lnB>
-                      <a:noFill/>
-                    </a:lnB>
-                    <a:solidFill>
-                      <a:srgbClr val="0D1117"/>
-                    </a:solidFill>
-                  </a:tcPr>
+                  <a:tcPr marL="123825" marR="123825" marT="57150" marB="57150" anchor="ctr"/>
                 </a:tc>
                 <a:extLst>
                   <a:ext uri="{0D108BD9-81ED-4DB2-BD59-A6C34878D82A}">
-                    <a16:rowId xmlns:a16="http://schemas.microsoft.com/office/drawing/2014/main" val="3283508044"/>
+                    <a16:rowId xmlns:a16="http://schemas.microsoft.com/office/drawing/2014/main" val="3240676232"/>
                   </a:ext>
                 </a:extLst>
               </a:tr>
@@ -24431,412 +24022,10 @@
           </a:graphicData>
         </a:graphic>
       </p:graphicFrame>
-      <p:sp>
-        <p:nvSpPr>
-          <p:cNvPr id="11" name="Text Placeholder 1">
-            <a:extLst>
-              <a:ext uri="{FF2B5EF4-FFF2-40B4-BE49-F238E27FC236}">
-                <a16:creationId xmlns:a16="http://schemas.microsoft.com/office/drawing/2014/main" id="{9D5E710E-43F0-E5E0-F96F-410FDBF4B24F}"/>
-              </a:ext>
-            </a:extLst>
-          </p:cNvPr>
-          <p:cNvSpPr txBox="1">
-            <a:spLocks/>
-          </p:cNvSpPr>
-          <p:nvPr/>
-        </p:nvSpPr>
-        <p:spPr>
-          <a:xfrm>
-            <a:off x="272832" y="4729222"/>
-            <a:ext cx="11653523" cy="627864"/>
-          </a:xfrm>
-          <a:prstGeom prst="rect">
-            <a:avLst/>
-          </a:prstGeom>
-        </p:spPr>
-        <p:txBody>
-          <a:bodyPr vert="horz" wrap="square" lIns="146304" tIns="91440" rIns="146304" bIns="91440" rtlCol="0">
-            <a:spAutoFit/>
-          </a:bodyPr>
-          <a:lstStyle>
-            <a:lvl1pPr marL="336145" marR="0" indent="-336145" algn="l" defTabSz="914367" rtl="0" eaLnBrk="1" fontAlgn="auto" latinLnBrk="0" hangingPunct="1">
-              <a:lnSpc>
-                <a:spcPct val="90000"/>
-              </a:lnSpc>
-              <a:spcBef>
-                <a:spcPct val="20000"/>
-              </a:spcBef>
-              <a:spcAft>
-                <a:spcPts val="0"/>
-              </a:spcAft>
-              <a:buClrTx/>
-              <a:buSzPct val="90000"/>
-              <a:buFont typeface="Arial" pitchFamily="34" charset="0"/>
-              <a:buChar char="•"/>
-              <a:tabLst/>
-              <a:defRPr sz="3921" kern="1200" spc="0" baseline="0">
-                <a:gradFill>
-                  <a:gsLst>
-                    <a:gs pos="1250">
-                      <a:schemeClr val="tx1"/>
-                    </a:gs>
-                    <a:gs pos="100000">
-                      <a:schemeClr val="tx1"/>
-                    </a:gs>
-                  </a:gsLst>
-                  <a:lin ang="5400000" scaled="0"/>
-                </a:gradFill>
-                <a:latin typeface="+mj-lt"/>
-                <a:ea typeface="+mn-ea"/>
-                <a:cs typeface="+mn-cs"/>
-              </a:defRPr>
-            </a:lvl1pPr>
-            <a:lvl2pPr marL="572691" marR="0" indent="-236546" algn="l" defTabSz="914367" rtl="0" eaLnBrk="1" fontAlgn="auto" latinLnBrk="0" hangingPunct="1">
-              <a:lnSpc>
-                <a:spcPct val="90000"/>
-              </a:lnSpc>
-              <a:spcBef>
-                <a:spcPct val="20000"/>
-              </a:spcBef>
-              <a:spcAft>
-                <a:spcPts val="0"/>
-              </a:spcAft>
-              <a:buClrTx/>
-              <a:buSzPct val="90000"/>
-              <a:buFont typeface="Arial" pitchFamily="34" charset="0"/>
-              <a:buChar char="•"/>
-              <a:tabLst/>
-              <a:defRPr sz="2353" kern="1200" spc="0" baseline="0">
-                <a:gradFill>
-                  <a:gsLst>
-                    <a:gs pos="1250">
-                      <a:schemeClr val="tx1"/>
-                    </a:gs>
-                    <a:gs pos="100000">
-                      <a:schemeClr val="tx1"/>
-                    </a:gs>
-                  </a:gsLst>
-                  <a:lin ang="5400000" scaled="0"/>
-                </a:gradFill>
-                <a:latin typeface="+mn-lt"/>
-                <a:ea typeface="+mn-ea"/>
-                <a:cs typeface="+mn-cs"/>
-              </a:defRPr>
-            </a:lvl2pPr>
-            <a:lvl3pPr marL="784338" marR="0" indent="-224097" algn="l" defTabSz="914367" rtl="0" eaLnBrk="1" fontAlgn="auto" latinLnBrk="0" hangingPunct="1">
-              <a:lnSpc>
-                <a:spcPct val="90000"/>
-              </a:lnSpc>
-              <a:spcBef>
-                <a:spcPct val="20000"/>
-              </a:spcBef>
-              <a:spcAft>
-                <a:spcPts val="0"/>
-              </a:spcAft>
-              <a:buClrTx/>
-              <a:buSzPct val="90000"/>
-              <a:buFont typeface="Arial" pitchFamily="34" charset="0"/>
-              <a:buChar char="•"/>
-              <a:tabLst/>
-              <a:defRPr sz="1961" kern="1200" spc="0" baseline="0">
-                <a:gradFill>
-                  <a:gsLst>
-                    <a:gs pos="1250">
-                      <a:schemeClr val="tx1"/>
-                    </a:gs>
-                    <a:gs pos="100000">
-                      <a:schemeClr val="tx1"/>
-                    </a:gs>
-                  </a:gsLst>
-                  <a:lin ang="5400000" scaled="0"/>
-                </a:gradFill>
-                <a:latin typeface="+mn-lt"/>
-                <a:ea typeface="+mn-ea"/>
-                <a:cs typeface="+mn-cs"/>
-              </a:defRPr>
-            </a:lvl3pPr>
-            <a:lvl4pPr marL="1008435" marR="0" indent="-224097" algn="l" defTabSz="914367" rtl="0" eaLnBrk="1" fontAlgn="auto" latinLnBrk="0" hangingPunct="1">
-              <a:lnSpc>
-                <a:spcPct val="90000"/>
-              </a:lnSpc>
-              <a:spcBef>
-                <a:spcPct val="20000"/>
-              </a:spcBef>
-              <a:spcAft>
-                <a:spcPts val="0"/>
-              </a:spcAft>
-              <a:buClrTx/>
-              <a:buSzPct val="90000"/>
-              <a:buFont typeface="Arial" pitchFamily="34" charset="0"/>
-              <a:buChar char="•"/>
-              <a:tabLst/>
-              <a:defRPr sz="1765" kern="1200" spc="0" baseline="0">
-                <a:gradFill>
-                  <a:gsLst>
-                    <a:gs pos="1250">
-                      <a:schemeClr val="tx1"/>
-                    </a:gs>
-                    <a:gs pos="100000">
-                      <a:schemeClr val="tx1"/>
-                    </a:gs>
-                  </a:gsLst>
-                  <a:lin ang="5400000" scaled="0"/>
-                </a:gradFill>
-                <a:latin typeface="+mn-lt"/>
-                <a:ea typeface="+mn-ea"/>
-                <a:cs typeface="+mn-cs"/>
-              </a:defRPr>
-            </a:lvl4pPr>
-            <a:lvl5pPr marL="1232531" marR="0" indent="-224097" algn="l" defTabSz="914367" rtl="0" eaLnBrk="1" fontAlgn="auto" latinLnBrk="0" hangingPunct="1">
-              <a:lnSpc>
-                <a:spcPct val="90000"/>
-              </a:lnSpc>
-              <a:spcBef>
-                <a:spcPct val="20000"/>
-              </a:spcBef>
-              <a:spcAft>
-                <a:spcPts val="0"/>
-              </a:spcAft>
-              <a:buClrTx/>
-              <a:buSzPct val="90000"/>
-              <a:buFont typeface="Arial" pitchFamily="34" charset="0"/>
-              <a:buChar char="•"/>
-              <a:tabLst/>
-              <a:defRPr sz="1765" kern="1200" spc="0" baseline="0">
-                <a:gradFill>
-                  <a:gsLst>
-                    <a:gs pos="1250">
-                      <a:schemeClr val="tx1"/>
-                    </a:gs>
-                    <a:gs pos="100000">
-                      <a:schemeClr val="tx1"/>
-                    </a:gs>
-                  </a:gsLst>
-                  <a:lin ang="5400000" scaled="0"/>
-                </a:gradFill>
-                <a:latin typeface="+mn-lt"/>
-                <a:ea typeface="+mn-ea"/>
-                <a:cs typeface="+mn-cs"/>
-              </a:defRPr>
-            </a:lvl5pPr>
-            <a:lvl6pPr marL="2514509" indent="-228592" algn="l" defTabSz="914367" rtl="0" eaLnBrk="1" latinLnBrk="0" hangingPunct="1">
-              <a:spcBef>
-                <a:spcPct val="20000"/>
-              </a:spcBef>
-              <a:buFont typeface="Arial" pitchFamily="34" charset="0"/>
-              <a:buChar char="•"/>
-              <a:defRPr sz="1961" kern="1200">
-                <a:solidFill>
-                  <a:schemeClr val="tx1"/>
-                </a:solidFill>
-                <a:latin typeface="+mn-lt"/>
-                <a:ea typeface="+mn-ea"/>
-                <a:cs typeface="+mn-cs"/>
-              </a:defRPr>
-            </a:lvl6pPr>
-            <a:lvl7pPr marL="2971693" indent="-228592" algn="l" defTabSz="914367" rtl="0" eaLnBrk="1" latinLnBrk="0" hangingPunct="1">
-              <a:spcBef>
-                <a:spcPct val="20000"/>
-              </a:spcBef>
-              <a:buFont typeface="Arial" pitchFamily="34" charset="0"/>
-              <a:buChar char="•"/>
-              <a:defRPr sz="1961" kern="1200">
-                <a:solidFill>
-                  <a:schemeClr val="tx1"/>
-                </a:solidFill>
-                <a:latin typeface="+mn-lt"/>
-                <a:ea typeface="+mn-ea"/>
-                <a:cs typeface="+mn-cs"/>
-              </a:defRPr>
-            </a:lvl7pPr>
-            <a:lvl8pPr marL="3428877" indent="-228592" algn="l" defTabSz="914367" rtl="0" eaLnBrk="1" latinLnBrk="0" hangingPunct="1">
-              <a:spcBef>
-                <a:spcPct val="20000"/>
-              </a:spcBef>
-              <a:buFont typeface="Arial" pitchFamily="34" charset="0"/>
-              <a:buChar char="•"/>
-              <a:defRPr sz="1961" kern="1200">
-                <a:solidFill>
-                  <a:schemeClr val="tx1"/>
-                </a:solidFill>
-                <a:latin typeface="+mn-lt"/>
-                <a:ea typeface="+mn-ea"/>
-                <a:cs typeface="+mn-cs"/>
-              </a:defRPr>
-            </a:lvl8pPr>
-            <a:lvl9pPr marL="3886061" indent="-228592" algn="l" defTabSz="914367" rtl="0" eaLnBrk="1" latinLnBrk="0" hangingPunct="1">
-              <a:spcBef>
-                <a:spcPct val="20000"/>
-              </a:spcBef>
-              <a:buFont typeface="Arial" pitchFamily="34" charset="0"/>
-              <a:buChar char="•"/>
-              <a:defRPr sz="1961" kern="1200">
-                <a:solidFill>
-                  <a:schemeClr val="tx1"/>
-                </a:solidFill>
-                <a:latin typeface="+mn-lt"/>
-                <a:ea typeface="+mn-ea"/>
-                <a:cs typeface="+mn-cs"/>
-              </a:defRPr>
-            </a:lvl9pPr>
-          </a:lstStyle>
-          <a:p>
-            <a:pPr marL="0" indent="0">
-              <a:buNone/>
-            </a:pPr>
-            <a:r>
-              <a:rPr lang="en-US" sz="3200" dirty="0"/>
-              <a:t>Application SQL Database</a:t>
-            </a:r>
-          </a:p>
-        </p:txBody>
-      </p:sp>
     </p:spTree>
     <p:extLst>
       <p:ext uri="{BB962C8B-B14F-4D97-AF65-F5344CB8AC3E}">
-        <p14:creationId xmlns:p14="http://schemas.microsoft.com/office/powerpoint/2010/main" val="2847463155"/>
-      </p:ext>
-    </p:extLst>
-  </p:cSld>
-  <p:clrMapOvr>
-    <a:masterClrMapping/>
-  </p:clrMapOvr>
-  <p:transition>
-    <p:fade/>
-  </p:transition>
-</p:sld>
-</file>
-
-<file path=ppt/slides/slide21.xml><?xml version="1.0" encoding="utf-8"?>
-<p:sld xmlns:a="http://schemas.openxmlformats.org/drawingml/2006/main" xmlns:r="http://schemas.openxmlformats.org/officeDocument/2006/relationships" xmlns:p="http://schemas.openxmlformats.org/presentationml/2006/main">
-  <p:cSld>
-    <p:bg>
-      <p:bgPr>
-        <a:solidFill>
-          <a:srgbClr val="0078D7"/>
-        </a:solidFill>
-        <a:effectLst/>
-      </p:bgPr>
-    </p:bg>
-    <p:spTree>
-      <p:nvGrpSpPr>
-        <p:cNvPr id="1" name=""/>
-        <p:cNvGrpSpPr/>
-        <p:nvPr/>
-      </p:nvGrpSpPr>
-      <p:grpSpPr>
-        <a:xfrm>
-          <a:off x="0" y="0"/>
-          <a:ext cx="0" cy="0"/>
-          <a:chOff x="0" y="0"/>
-          <a:chExt cx="0" cy="0"/>
-        </a:xfrm>
-      </p:grpSpPr>
-      <p:sp>
-        <p:nvSpPr>
-          <p:cNvPr id="2" name="Title 1"/>
-          <p:cNvSpPr>
-            <a:spLocks noGrp="1"/>
-          </p:cNvSpPr>
-          <p:nvPr>
-            <p:ph type="title"/>
-          </p:nvPr>
-        </p:nvSpPr>
-        <p:spPr/>
-        <p:txBody>
-          <a:bodyPr/>
-          <a:lstStyle/>
-          <a:p>
-            <a:r>
-              <a:rPr lang="en-US" dirty="0"/>
-              <a:t>Customer objections</a:t>
-            </a:r>
-          </a:p>
-        </p:txBody>
-      </p:sp>
-      <p:sp>
-        <p:nvSpPr>
-          <p:cNvPr id="3" name="Content Placeholder 2"/>
-          <p:cNvSpPr>
-            <a:spLocks noGrp="1"/>
-          </p:cNvSpPr>
-          <p:nvPr>
-            <p:ph type="body" sz="quarter" idx="10"/>
-          </p:nvPr>
-        </p:nvSpPr>
-        <p:spPr>
-          <a:xfrm>
-            <a:off x="269239" y="1189177"/>
-            <a:ext cx="11653523" cy="5689250"/>
-          </a:xfrm>
-        </p:spPr>
-        <p:txBody>
-          <a:bodyPr/>
-          <a:lstStyle/>
-          <a:p>
-            <a:pPr lvl="0"/>
-            <a:r>
-              <a:rPr lang="en-US" sz="3600" dirty="0">
-                <a:latin typeface="Segoe UI Semibold" panose="020B0702040204020203" pitchFamily="34" charset="0"/>
-                <a:cs typeface="Segoe UI Semibold" panose="020B0702040204020203" pitchFamily="34" charset="0"/>
-              </a:rPr>
-              <a:t>Objection</a:t>
-            </a:r>
-            <a:r>
-              <a:rPr lang="en-US" sz="3600" dirty="0"/>
-              <a:t> </a:t>
-            </a:r>
-          </a:p>
-          <a:p>
-            <a:r>
-              <a:rPr lang="en-US" sz="2400" dirty="0">
-                <a:latin typeface="+mn-lt"/>
-              </a:rPr>
-              <a:t>It appears there are multiple options of hosting SQL databases in Azure. What's the best option to choose, and how do you know it'll be compatible?</a:t>
-            </a:r>
-          </a:p>
-          <a:p>
-            <a:endParaRPr lang="en-US" sz="1100" dirty="0"/>
-          </a:p>
-          <a:p>
-            <a:r>
-              <a:rPr lang="en-US" sz="3600" dirty="0">
-                <a:latin typeface="Segoe UI Semibold" panose="020B0702040204020203" pitchFamily="34" charset="0"/>
-                <a:cs typeface="Segoe UI Semibold" panose="020B0702040204020203" pitchFamily="34" charset="0"/>
-              </a:rPr>
-              <a:t>Potential answer</a:t>
-            </a:r>
-          </a:p>
-          <a:p>
-            <a:pPr marL="342900" indent="-342900">
-              <a:buFont typeface="Arial" panose="020B0604020202020204" pitchFamily="34" charset="0"/>
-              <a:buChar char="•"/>
-            </a:pPr>
-            <a:r>
-              <a:rPr lang="en-US" sz="2400" dirty="0">
-                <a:latin typeface="+mn-lt"/>
-              </a:rPr>
-              <a:t>Microsoft Azure does provide multiple options for hosting SQL databases. Azure SQL refers to a family of managed, secure, and intelligent products that use the SQL Server database engine in the Azure cloud. There is some overlap between the different options available, with each targeting different use cases, scenarios and business motivations.</a:t>
-            </a:r>
-          </a:p>
-          <a:p>
-            <a:pPr marL="342900" indent="-342900">
-              <a:buFont typeface="Arial" panose="020B0604020202020204" pitchFamily="34" charset="0"/>
-              <a:buChar char="•"/>
-            </a:pPr>
-            <a:r>
-              <a:rPr lang="en-US" sz="2400" dirty="0">
-                <a:latin typeface="+mn-lt"/>
-              </a:rPr>
-              <a:t>For Tailspin Toys, it is recommended to use Azure SQL Managed Instances (SQL MI) for migrating the SQL Server databases to Azure. SQL MI provides near 100% compatibility with on-premises SQL Server database instances and includes features to best handle the common isolation and security concerns required by Tailspins organization.</a:t>
-            </a:r>
-          </a:p>
-        </p:txBody>
-      </p:sp>
-    </p:spTree>
-    <p:extLst>
-      <p:ext uri="{BB962C8B-B14F-4D97-AF65-F5344CB8AC3E}">
-        <p14:creationId xmlns:p14="http://schemas.microsoft.com/office/powerpoint/2010/main" val="2015943278"/>
+        <p14:creationId xmlns:p14="http://schemas.microsoft.com/office/powerpoint/2010/main" val="3696075354"/>
       </p:ext>
     </p:extLst>
   </p:cSld>
@@ -24891,7 +24080,7 @@
           <a:p>
             <a:r>
               <a:rPr lang="en-US" dirty="0"/>
-              <a:t>Customer objections</a:t>
+              <a:t>Preferred objections handling #1</a:t>
             </a:r>
           </a:p>
         </p:txBody>
@@ -24909,7 +24098,7 @@
         <p:spPr>
           <a:xfrm>
             <a:off x="269239" y="1189177"/>
-            <a:ext cx="11653523" cy="4692054"/>
+            <a:ext cx="11653523" cy="5689250"/>
           </a:xfrm>
         </p:spPr>
         <p:txBody>
@@ -24934,7 +24123,7 @@
               <a:rPr lang="en-US" sz="2400" dirty="0">
                 <a:latin typeface="+mn-lt"/>
               </a:rPr>
-              <a:t>What kind of downtime will be incurred when migrating the Windows Server and SQL Server workloads to Azure?</a:t>
+              <a:t>It appears there are multiple options for hosting SQL databases in Azure. What's the best option to choose, and how do you know it'll be compatible?</a:t>
             </a:r>
           </a:p>
           <a:p>
@@ -24950,7 +24139,7 @@
             </a:r>
           </a:p>
           <a:p>
-            <a:pPr marL="171450" indent="-171450" algn="l">
+            <a:pPr marL="342900" indent="-342900">
               <a:buFont typeface="Arial" panose="020B0604020202020204" pitchFamily="34" charset="0"/>
               <a:buChar char="•"/>
             </a:pPr>
@@ -24958,11 +24147,11 @@
               <a:rPr lang="en-US" sz="2400" dirty="0">
                 <a:latin typeface="+mn-lt"/>
               </a:rPr>
-              <a:t>All application tiers and database will be deployed to the Azure VMs in parallel to the on-premises VMs. This will enable minimal downtime when application load is redirected to the new VMs.</a:t>
-            </a:r>
-          </a:p>
-          <a:p>
-            <a:pPr marL="171450" indent="-171450" algn="l">
+              <a:t>Microsoft Azure does provide multiple options for hosting SQL databases. Azure SQL refers to a family of managed, secure, and intelligent products that use the SQL Server database engine in the Azure cloud. There is some overlap between the different options available, with each targeting different use cases, scenarios and business motivations.</a:t>
+            </a:r>
+          </a:p>
+          <a:p>
+            <a:pPr marL="342900" indent="-342900">
               <a:buFont typeface="Arial" panose="020B0604020202020204" pitchFamily="34" charset="0"/>
               <a:buChar char="•"/>
             </a:pPr>
@@ -24970,7 +24159,7 @@
               <a:rPr lang="en-US" sz="2400" dirty="0">
                 <a:latin typeface="+mn-lt"/>
               </a:rPr>
-              <a:t>To ensure data consistency during the migration, there will be a short window of downtime required at the database level when the cut over to the new servers is performed. Data migration using DMS supports online migration, allowing the applications to be kept online while data is synchronized.</a:t>
+              <a:t>For Tailspin Toys, it is recommended to use Azure SQL Managed Instances (SQL MI) for migrating the SQL Server databases to Azure. SQL MI provides near 100% compatibility with on-premises SQL Server database instances and includes features to best handle the common isolation and security concerns required by Tailspins organization.</a:t>
             </a:r>
           </a:p>
         </p:txBody>
@@ -24978,7 +24167,7 @@
     </p:spTree>
     <p:extLst>
       <p:ext uri="{BB962C8B-B14F-4D97-AF65-F5344CB8AC3E}">
-        <p14:creationId xmlns:p14="http://schemas.microsoft.com/office/powerpoint/2010/main" val="3961087545"/>
+        <p14:creationId xmlns:p14="http://schemas.microsoft.com/office/powerpoint/2010/main" val="2015943278"/>
       </p:ext>
     </p:extLst>
   </p:cSld>
@@ -25033,7 +24222,7 @@
           <a:p>
             <a:r>
               <a:rPr lang="en-US" dirty="0"/>
-              <a:t>Customer objections</a:t>
+              <a:t>Preferred objections handling #2</a:t>
             </a:r>
           </a:p>
         </p:txBody>
@@ -25076,7 +24265,7 @@
               <a:rPr lang="en-US" sz="2400" dirty="0">
                 <a:latin typeface="+mn-lt"/>
               </a:rPr>
-              <a:t>Will we be able to rollback to the on-premises VMs if the migration fails?</a:t>
+              <a:t>What kind of downtime will be incurred when migrating the Windows Server and SQL Server workloads to Azure?</a:t>
             </a:r>
           </a:p>
           <a:p>
@@ -25100,7 +24289,7 @@
               <a:rPr lang="en-US" sz="2400" dirty="0">
                 <a:latin typeface="+mn-lt"/>
               </a:rPr>
-              <a:t>The migration process will be designed to create new application deployments within their CI/CD pipelines to release to the new Windows Server 2022 VMs in Azure in parallel to the existing on-premises VMs. This will allow traffic to be cut over to the new VMs when ready.</a:t>
+              <a:t>All application tiers and databases will be deployed to the Azure VMs in parallel to the on-premises VMs. This will enable minimal downtime when the application load is redirected to the new VMs.</a:t>
             </a:r>
           </a:p>
           <a:p>
@@ -25112,7 +24301,7 @@
               <a:rPr lang="en-US" sz="2400" dirty="0">
                 <a:latin typeface="+mn-lt"/>
               </a:rPr>
-              <a:t>In the event of an unexpected issue during migration, the existing on-premises VMs, application deployments and databases will remain in place as a fall back. If there is an issue detected during the cut over process, the on-premises servers will be able to immediately pick up where they left off.</a:t>
+              <a:t>To ensure data consistency during the migration, there will be a short window of downtime required at the database level when the cutover to the new servers is performed. Data migration using DMS supports online migration, allowing the applications to be kept online while data is synchronized.</a:t>
             </a:r>
           </a:p>
         </p:txBody>
@@ -25120,7 +24309,7 @@
     </p:spTree>
     <p:extLst>
       <p:ext uri="{BB962C8B-B14F-4D97-AF65-F5344CB8AC3E}">
-        <p14:creationId xmlns:p14="http://schemas.microsoft.com/office/powerpoint/2010/main" val="4271530713"/>
+        <p14:creationId xmlns:p14="http://schemas.microsoft.com/office/powerpoint/2010/main" val="3961087545"/>
       </p:ext>
     </p:extLst>
   </p:cSld>
@@ -25175,7 +24364,7 @@
           <a:p>
             <a:r>
               <a:rPr lang="en-US" dirty="0"/>
-              <a:t>Customer objections</a:t>
+              <a:t>Preferred objections handling #3</a:t>
             </a:r>
           </a:p>
         </p:txBody>
@@ -25193,7 +24382,7 @@
         <p:spPr>
           <a:xfrm>
             <a:off x="269239" y="1189177"/>
-            <a:ext cx="11653523" cy="2956194"/>
+            <a:ext cx="11653523" cy="4692054"/>
           </a:xfrm>
         </p:spPr>
         <p:txBody>
@@ -25218,7 +24407,7 @@
               <a:rPr lang="en-US" sz="2400" dirty="0">
                 <a:latin typeface="+mn-lt"/>
               </a:rPr>
-              <a:t>Tailspin has negotiated an Enterprise Agreement (EA) with Microsoft for their Azure consumption. Any cost estimates need to reflect their EA discount.</a:t>
+              <a:t>Will we be able to rollback to the on-premises VMs if the migration fails?</a:t>
             </a:r>
           </a:p>
           <a:p>
@@ -25234,7 +24423,7 @@
             </a:r>
           </a:p>
           <a:p>
-            <a:pPr marL="342900" indent="-342900">
+            <a:pPr marL="171450" indent="-171450" algn="l">
               <a:buFont typeface="Arial" panose="020B0604020202020204" pitchFamily="34" charset="0"/>
               <a:buChar char="•"/>
             </a:pPr>
@@ -25242,7 +24431,19 @@
               <a:rPr lang="en-US" sz="2400" dirty="0">
                 <a:latin typeface="+mn-lt"/>
               </a:rPr>
-              <a:t>We absolutely want to take advantage of these savings for them! The cost estimates from the Azure Pricing Calculator can be tailored to reflect their EA discount.</a:t>
+              <a:t>The migration process will be designed to create new application deployments within their CI/CD pipelines to release to the new Windows Server 2022 VMs in Azure in parallel to the existing on-premises VMs. This will allow traffic to be cut over to the new VMs when ready.</a:t>
+            </a:r>
+          </a:p>
+          <a:p>
+            <a:pPr marL="171450" indent="-171450" algn="l">
+              <a:buFont typeface="Arial" panose="020B0604020202020204" pitchFamily="34" charset="0"/>
+              <a:buChar char="•"/>
+            </a:pPr>
+            <a:r>
+              <a:rPr lang="en-US" sz="2400" dirty="0">
+                <a:latin typeface="+mn-lt"/>
+              </a:rPr>
+              <a:t>In the event of an unexpected issue during migration, the existing on-premises VMs, application deployments, and databases will remain in place as a fallback. If there is an issue detected during the cutover process, the on-premises servers will be able to immediately pick up where they left off.</a:t>
             </a:r>
           </a:p>
         </p:txBody>
@@ -25250,7 +24451,7 @@
     </p:spTree>
     <p:extLst>
       <p:ext uri="{BB962C8B-B14F-4D97-AF65-F5344CB8AC3E}">
-        <p14:creationId xmlns:p14="http://schemas.microsoft.com/office/powerpoint/2010/main" val="263894384"/>
+        <p14:creationId xmlns:p14="http://schemas.microsoft.com/office/powerpoint/2010/main" val="4271530713"/>
       </p:ext>
     </p:extLst>
   </p:cSld>
@@ -25305,7 +24506,431 @@
           <a:p>
             <a:r>
               <a:rPr lang="en-US" dirty="0"/>
-              <a:t>Customer objections</a:t>
+              <a:t>Preferred objections handling #4</a:t>
+            </a:r>
+          </a:p>
+        </p:txBody>
+      </p:sp>
+      <p:sp>
+        <p:nvSpPr>
+          <p:cNvPr id="3" name="Content Placeholder 2"/>
+          <p:cNvSpPr>
+            <a:spLocks noGrp="1"/>
+          </p:cNvSpPr>
+          <p:nvPr>
+            <p:ph type="body" sz="quarter" idx="10"/>
+          </p:nvPr>
+        </p:nvSpPr>
+        <p:spPr>
+          <a:xfrm>
+            <a:off x="269239" y="1189177"/>
+            <a:ext cx="11653523" cy="4692054"/>
+          </a:xfrm>
+        </p:spPr>
+        <p:txBody>
+          <a:bodyPr/>
+          <a:lstStyle/>
+          <a:p>
+            <a:pPr lvl="0"/>
+            <a:r>
+              <a:rPr lang="en-US" sz="3600" dirty="0">
+                <a:latin typeface="Segoe UI Semibold" panose="020B0702040204020203" pitchFamily="34" charset="0"/>
+                <a:cs typeface="Segoe UI Semibold" panose="020B0702040204020203" pitchFamily="34" charset="0"/>
+              </a:rPr>
+              <a:t>Objection</a:t>
+            </a:r>
+            <a:r>
+              <a:rPr lang="en-US" sz="3600" dirty="0"/>
+              <a:t> </a:t>
+            </a:r>
+          </a:p>
+          <a:p>
+            <a:r>
+              <a:rPr lang="en-US" sz="2400" dirty="0">
+                <a:latin typeface="+mn-lt"/>
+              </a:rPr>
+              <a:t>We know there are workloads that will not be migrated to Azure. What's the best way to handle managing all our VMs across on-premises and Azure?.</a:t>
+            </a:r>
+          </a:p>
+          <a:p>
+            <a:endParaRPr lang="en-US" sz="1100" dirty="0"/>
+          </a:p>
+          <a:p>
+            <a:r>
+              <a:rPr lang="en-US" sz="3600" dirty="0">
+                <a:latin typeface="Segoe UI Semibold" panose="020B0702040204020203" pitchFamily="34" charset="0"/>
+                <a:cs typeface="Segoe UI Semibold" panose="020B0702040204020203" pitchFamily="34" charset="0"/>
+              </a:rPr>
+              <a:t>Potential answer</a:t>
+            </a:r>
+          </a:p>
+          <a:p>
+            <a:pPr marL="342900" indent="-342900">
+              <a:buFont typeface="Arial" panose="020B0604020202020204" pitchFamily="34" charset="0"/>
+              <a:buChar char="•"/>
+            </a:pPr>
+            <a:r>
+              <a:rPr lang="en-US" sz="2400" dirty="0">
+                <a:latin typeface="+mn-lt"/>
+              </a:rPr>
+              <a:t>Azure Arc provides the ability to use a single pane of glass to manage all your VMs and servers across on-premises and Azure.</a:t>
+            </a:r>
+          </a:p>
+          <a:p>
+            <a:pPr marL="342900" indent="-342900">
+              <a:buFont typeface="Arial" panose="020B0604020202020204" pitchFamily="34" charset="0"/>
+              <a:buChar char="•"/>
+            </a:pPr>
+            <a:r>
+              <a:rPr lang="en-US" sz="2400" dirty="0">
+                <a:latin typeface="+mn-lt"/>
+              </a:rPr>
+              <a:t>Azure Arc-enabled servers lets you manage Windows and Linux physical servers and virtual machines hosted outside of Azure, such as on-premises VMs. This management experience is designed to be consistent with how you manage native Azure virtual machines, using standard Azure constructs such as Azure Policy and applying tags.</a:t>
+            </a:r>
+          </a:p>
+        </p:txBody>
+      </p:sp>
+    </p:spTree>
+    <p:extLst>
+      <p:ext uri="{BB962C8B-B14F-4D97-AF65-F5344CB8AC3E}">
+        <p14:creationId xmlns:p14="http://schemas.microsoft.com/office/powerpoint/2010/main" val="263894384"/>
+      </p:ext>
+    </p:extLst>
+  </p:cSld>
+  <p:clrMapOvr>
+    <a:masterClrMapping/>
+  </p:clrMapOvr>
+  <p:transition>
+    <p:fade/>
+  </p:transition>
+</p:sld>
+</file>
+
+<file path=ppt/slides/slide26.xml><?xml version="1.0" encoding="utf-8"?>
+<p:sld xmlns:a="http://schemas.openxmlformats.org/drawingml/2006/main" xmlns:r="http://schemas.openxmlformats.org/officeDocument/2006/relationships" xmlns:p="http://schemas.openxmlformats.org/presentationml/2006/main">
+  <p:cSld>
+    <p:bg>
+      <p:bgPr>
+        <a:solidFill>
+          <a:srgbClr val="0078D7"/>
+        </a:solidFill>
+        <a:effectLst/>
+      </p:bgPr>
+    </p:bg>
+    <p:spTree>
+      <p:nvGrpSpPr>
+        <p:cNvPr id="1" name=""/>
+        <p:cNvGrpSpPr/>
+        <p:nvPr/>
+      </p:nvGrpSpPr>
+      <p:grpSpPr>
+        <a:xfrm>
+          <a:off x="0" y="0"/>
+          <a:ext cx="0" cy="0"/>
+          <a:chOff x="0" y="0"/>
+          <a:chExt cx="0" cy="0"/>
+        </a:xfrm>
+      </p:grpSpPr>
+      <p:sp>
+        <p:nvSpPr>
+          <p:cNvPr id="2" name="Title 1"/>
+          <p:cNvSpPr>
+            <a:spLocks noGrp="1"/>
+          </p:cNvSpPr>
+          <p:nvPr>
+            <p:ph type="title"/>
+          </p:nvPr>
+        </p:nvSpPr>
+        <p:spPr/>
+        <p:txBody>
+          <a:bodyPr/>
+          <a:lstStyle/>
+          <a:p>
+            <a:r>
+              <a:rPr lang="en-US" dirty="0"/>
+              <a:t>Preferred objections handling #5</a:t>
+            </a:r>
+          </a:p>
+        </p:txBody>
+      </p:sp>
+      <p:sp>
+        <p:nvSpPr>
+          <p:cNvPr id="3" name="Content Placeholder 2"/>
+          <p:cNvSpPr>
+            <a:spLocks noGrp="1"/>
+          </p:cNvSpPr>
+          <p:nvPr>
+            <p:ph type="body" sz="quarter" idx="10"/>
+          </p:nvPr>
+        </p:nvSpPr>
+        <p:spPr>
+          <a:xfrm>
+            <a:off x="269239" y="1189177"/>
+            <a:ext cx="11653523" cy="2956194"/>
+          </a:xfrm>
+        </p:spPr>
+        <p:txBody>
+          <a:bodyPr/>
+          <a:lstStyle/>
+          <a:p>
+            <a:pPr lvl="0"/>
+            <a:r>
+              <a:rPr lang="en-US" sz="3600" dirty="0">
+                <a:latin typeface="Segoe UI Semibold" panose="020B0702040204020203" pitchFamily="34" charset="0"/>
+                <a:cs typeface="Segoe UI Semibold" panose="020B0702040204020203" pitchFamily="34" charset="0"/>
+              </a:rPr>
+              <a:t>Objection</a:t>
+            </a:r>
+            <a:r>
+              <a:rPr lang="en-US" sz="3600" dirty="0"/>
+              <a:t> </a:t>
+            </a:r>
+          </a:p>
+          <a:p>
+            <a:r>
+              <a:rPr lang="en-US" sz="2400" dirty="0">
+                <a:latin typeface="+mn-lt"/>
+              </a:rPr>
+              <a:t>Tailspin has negotiated an Enterprise Agreement (EA) with Microsoft for their Azure consumption. Any cost estimates need to reflect their EA discount.</a:t>
+            </a:r>
+          </a:p>
+          <a:p>
+            <a:endParaRPr lang="en-US" sz="1100" dirty="0"/>
+          </a:p>
+          <a:p>
+            <a:r>
+              <a:rPr lang="en-US" sz="3600" dirty="0">
+                <a:latin typeface="Segoe UI Semibold" panose="020B0702040204020203" pitchFamily="34" charset="0"/>
+                <a:cs typeface="Segoe UI Semibold" panose="020B0702040204020203" pitchFamily="34" charset="0"/>
+              </a:rPr>
+              <a:t>Potential answer</a:t>
+            </a:r>
+          </a:p>
+          <a:p>
+            <a:pPr marL="342900" indent="-342900">
+              <a:buFont typeface="Arial" panose="020B0604020202020204" pitchFamily="34" charset="0"/>
+              <a:buChar char="•"/>
+            </a:pPr>
+            <a:r>
+              <a:rPr lang="en-US" sz="2400" dirty="0">
+                <a:latin typeface="+mn-lt"/>
+              </a:rPr>
+              <a:t>We absolutely want to take advantage of these savings for them! The cost estimates from the Azure Pricing Calculator can be tailored to reflect their EA discount.</a:t>
+            </a:r>
+          </a:p>
+        </p:txBody>
+      </p:sp>
+    </p:spTree>
+    <p:extLst>
+      <p:ext uri="{BB962C8B-B14F-4D97-AF65-F5344CB8AC3E}">
+        <p14:creationId xmlns:p14="http://schemas.microsoft.com/office/powerpoint/2010/main" val="3051314479"/>
+      </p:ext>
+    </p:extLst>
+  </p:cSld>
+  <p:clrMapOvr>
+    <a:masterClrMapping/>
+  </p:clrMapOvr>
+  <p:transition>
+    <p:fade/>
+  </p:transition>
+</p:sld>
+</file>
+
+<file path=ppt/slides/slide27.xml><?xml version="1.0" encoding="utf-8"?>
+<p:sld xmlns:a="http://schemas.openxmlformats.org/drawingml/2006/main" xmlns:r="http://schemas.openxmlformats.org/officeDocument/2006/relationships" xmlns:p="http://schemas.openxmlformats.org/presentationml/2006/main">
+  <p:cSld>
+    <p:bg>
+      <p:bgPr>
+        <a:solidFill>
+          <a:srgbClr val="0078D7"/>
+        </a:solidFill>
+        <a:effectLst/>
+      </p:bgPr>
+    </p:bg>
+    <p:spTree>
+      <p:nvGrpSpPr>
+        <p:cNvPr id="1" name=""/>
+        <p:cNvGrpSpPr/>
+        <p:nvPr/>
+      </p:nvGrpSpPr>
+      <p:grpSpPr>
+        <a:xfrm>
+          <a:off x="0" y="0"/>
+          <a:ext cx="0" cy="0"/>
+          <a:chOff x="0" y="0"/>
+          <a:chExt cx="0" cy="0"/>
+        </a:xfrm>
+      </p:grpSpPr>
+      <p:sp>
+        <p:nvSpPr>
+          <p:cNvPr id="2" name="Title 1"/>
+          <p:cNvSpPr>
+            <a:spLocks noGrp="1"/>
+          </p:cNvSpPr>
+          <p:nvPr>
+            <p:ph type="title"/>
+          </p:nvPr>
+        </p:nvSpPr>
+        <p:spPr/>
+        <p:txBody>
+          <a:bodyPr/>
+          <a:lstStyle/>
+          <a:p>
+            <a:r>
+              <a:rPr lang="en-US" dirty="0"/>
+              <a:t>Preferred objections handling #6</a:t>
+            </a:r>
+          </a:p>
+        </p:txBody>
+      </p:sp>
+      <p:sp>
+        <p:nvSpPr>
+          <p:cNvPr id="3" name="Content Placeholder 2"/>
+          <p:cNvSpPr>
+            <a:spLocks noGrp="1"/>
+          </p:cNvSpPr>
+          <p:nvPr>
+            <p:ph type="body" sz="quarter" idx="10"/>
+          </p:nvPr>
+        </p:nvSpPr>
+        <p:spPr>
+          <a:xfrm>
+            <a:off x="269239" y="1189177"/>
+            <a:ext cx="11653523" cy="5835444"/>
+          </a:xfrm>
+        </p:spPr>
+        <p:txBody>
+          <a:bodyPr/>
+          <a:lstStyle/>
+          <a:p>
+            <a:pPr lvl="0"/>
+            <a:r>
+              <a:rPr lang="en-US" sz="3600" dirty="0">
+                <a:latin typeface="Segoe UI Semibold" panose="020B0702040204020203" pitchFamily="34" charset="0"/>
+                <a:cs typeface="Segoe UI Semibold" panose="020B0702040204020203" pitchFamily="34" charset="0"/>
+              </a:rPr>
+              <a:t>Objection</a:t>
+            </a:r>
+            <a:r>
+              <a:rPr lang="en-US" sz="3600" dirty="0"/>
+              <a:t> </a:t>
+            </a:r>
+          </a:p>
+          <a:p>
+            <a:r>
+              <a:rPr lang="en-US" sz="2400" dirty="0">
+                <a:latin typeface="+mn-lt"/>
+              </a:rPr>
+              <a:t>Securing and monitoring our on-premises workloads is extremely important. What options does Azure offer to extend this into the cloud?</a:t>
+            </a:r>
+            <a:endParaRPr lang="en-US" sz="1100" dirty="0"/>
+          </a:p>
+          <a:p>
+            <a:r>
+              <a:rPr lang="en-US" sz="3600" dirty="0">
+                <a:latin typeface="Segoe UI Semibold" panose="020B0702040204020203" pitchFamily="34" charset="0"/>
+                <a:cs typeface="Segoe UI Semibold" panose="020B0702040204020203" pitchFamily="34" charset="0"/>
+              </a:rPr>
+              <a:t>Potential answer</a:t>
+            </a:r>
+          </a:p>
+          <a:p>
+            <a:pPr marL="171450" indent="-171450" algn="l">
+              <a:buFont typeface="Arial" panose="020B0604020202020204" pitchFamily="34" charset="0"/>
+              <a:buChar char="•"/>
+            </a:pPr>
+            <a:r>
+              <a:rPr lang="en-US" sz="2400" dirty="0">
+                <a:latin typeface="+mn-lt"/>
+              </a:rPr>
+              <a:t>Microsoft Defender for Cloud is a solution for cloud security posture management (CSPM) and cloud workload protection (CWP) that finds weak spots across your cloud configuration, helps strengthen the overall security posture of your environment, and can protect workloads across </a:t>
+            </a:r>
+            <a:r>
+              <a:rPr lang="en-US" sz="2400" dirty="0" err="1">
+                <a:latin typeface="+mn-lt"/>
+              </a:rPr>
+              <a:t>multicloud</a:t>
+            </a:r>
+            <a:r>
+              <a:rPr lang="en-US" sz="2400" dirty="0">
+                <a:latin typeface="+mn-lt"/>
+              </a:rPr>
+              <a:t> and hybrid environments from evolving threats.</a:t>
+            </a:r>
+          </a:p>
+          <a:p>
+            <a:pPr marL="171450" indent="-171450" algn="l">
+              <a:buFont typeface="Arial" panose="020B0604020202020204" pitchFamily="34" charset="0"/>
+              <a:buChar char="•"/>
+            </a:pPr>
+            <a:r>
+              <a:rPr lang="en-US" sz="2400" dirty="0">
+                <a:latin typeface="+mn-lt"/>
+              </a:rPr>
+              <a:t>Azure Monitor collects monitoring telemetry from a variety of on-premises and Azure sources. Management tools, such as those in Azure Security Center and Azure Automation, also push log data to Azure Monitor. The service aggregates and stores this telemetry in a log data store that’s optimized for cost and performance. Analyze data, set up alerts, get end-to-end views of your applications, and use machine learning–driven insights to quickly identify and resolve problems.</a:t>
+            </a:r>
+          </a:p>
+        </p:txBody>
+      </p:sp>
+    </p:spTree>
+    <p:extLst>
+      <p:ext uri="{BB962C8B-B14F-4D97-AF65-F5344CB8AC3E}">
+        <p14:creationId xmlns:p14="http://schemas.microsoft.com/office/powerpoint/2010/main" val="4037058941"/>
+      </p:ext>
+    </p:extLst>
+  </p:cSld>
+  <p:clrMapOvr>
+    <a:masterClrMapping/>
+  </p:clrMapOvr>
+  <p:transition>
+    <p:fade/>
+  </p:transition>
+</p:sld>
+</file>
+
+<file path=ppt/slides/slide28.xml><?xml version="1.0" encoding="utf-8"?>
+<p:sld xmlns:a="http://schemas.openxmlformats.org/drawingml/2006/main" xmlns:r="http://schemas.openxmlformats.org/officeDocument/2006/relationships" xmlns:p="http://schemas.openxmlformats.org/presentationml/2006/main">
+  <p:cSld>
+    <p:bg>
+      <p:bgPr>
+        <a:solidFill>
+          <a:srgbClr val="0078D7"/>
+        </a:solidFill>
+        <a:effectLst/>
+      </p:bgPr>
+    </p:bg>
+    <p:spTree>
+      <p:nvGrpSpPr>
+        <p:cNvPr id="1" name=""/>
+        <p:cNvGrpSpPr/>
+        <p:nvPr/>
+      </p:nvGrpSpPr>
+      <p:grpSpPr>
+        <a:xfrm>
+          <a:off x="0" y="0"/>
+          <a:ext cx="0" cy="0"/>
+          <a:chOff x="0" y="0"/>
+          <a:chExt cx="0" cy="0"/>
+        </a:xfrm>
+      </p:grpSpPr>
+      <p:sp>
+        <p:nvSpPr>
+          <p:cNvPr id="2" name="Title 1"/>
+          <p:cNvSpPr>
+            <a:spLocks noGrp="1"/>
+          </p:cNvSpPr>
+          <p:nvPr>
+            <p:ph type="title"/>
+          </p:nvPr>
+        </p:nvSpPr>
+        <p:spPr/>
+        <p:txBody>
+          <a:bodyPr/>
+          <a:lstStyle/>
+          <a:p>
+            <a:r>
+              <a:rPr lang="en-US" dirty="0"/>
+              <a:t>Preferred objections handling #7</a:t>
             </a:r>
           </a:p>
         </p:txBody>
@@ -25392,7 +25017,7 @@
     </p:spTree>
     <p:extLst>
       <p:ext uri="{BB962C8B-B14F-4D97-AF65-F5344CB8AC3E}">
-        <p14:creationId xmlns:p14="http://schemas.microsoft.com/office/powerpoint/2010/main" val="4037058941"/>
+        <p14:creationId xmlns:p14="http://schemas.microsoft.com/office/powerpoint/2010/main" val="535116135"/>
       </p:ext>
     </p:extLst>
   </p:cSld>
@@ -25405,7 +25030,7 @@
 </p:sld>
 </file>
 
-<file path=ppt/slides/slide26.xml><?xml version="1.0" encoding="utf-8"?>
+<file path=ppt/slides/slide29.xml><?xml version="1.0" encoding="utf-8"?>
 <p:sld xmlns:a="http://schemas.openxmlformats.org/drawingml/2006/main" xmlns:r="http://schemas.openxmlformats.org/officeDocument/2006/relationships" xmlns:p="http://schemas.openxmlformats.org/presentationml/2006/main">
   <p:cSld>
     <p:bg>
@@ -25871,13 +25496,13 @@
           <a:p>
             <a:r>
               <a:rPr lang="en-US" sz="2800" dirty="0"/>
-              <a:t>They are currently hosting mission critical workloads in on-premises datacenter</a:t>
+              <a:t>They are currently hosting mission critical workloads in an on-premises datacenter</a:t>
             </a:r>
           </a:p>
           <a:p>
             <a:r>
               <a:rPr lang="en-US" sz="2800" dirty="0"/>
-              <a:t>Kaylee Frye, CTO of Tailspin, has already had their Technical Architects create an assessment of their current environment, of which they’ve already identified apps and workloads to migrate first.</a:t>
+              <a:t>Kaylee Frye, CTO of Tailspin, has already had their Technical Architects create an assessment of their current environment, of which they’ve already identified apps and workloads to migrate first</a:t>
             </a:r>
           </a:p>
           <a:p>
@@ -25952,7 +25577,7 @@
           <a:p>
             <a:r>
               <a:rPr lang="en-US" dirty="0"/>
-              <a:t>Customer situation - continued</a:t>
+              <a:t>Customer situation (continued)</a:t>
             </a:r>
           </a:p>
         </p:txBody>
@@ -26067,44 +25692,35 @@
         <p:spPr>
           <a:xfrm>
             <a:off x="269239" y="1189177"/>
-            <a:ext cx="11653523" cy="3139321"/>
+            <a:ext cx="11653523" cy="4025717"/>
           </a:xfrm>
         </p:spPr>
         <p:txBody>
           <a:bodyPr/>
           <a:lstStyle/>
           <a:p>
-            <a:pPr marL="742950" indent="-742950">
-              <a:buFont typeface="+mj-lt"/>
-              <a:buAutoNum type="arabicPeriod"/>
-            </a:pPr>
             <a:r>
               <a:rPr lang="en-US" sz="3200" dirty="0"/>
               <a:t>Migrate existing workloads to Azure as efficiently as possible.</a:t>
             </a:r>
           </a:p>
           <a:p>
-            <a:pPr marL="742950" indent="-742950">
-              <a:buFont typeface="+mj-lt"/>
-              <a:buAutoNum type="arabicPeriod"/>
-            </a:pPr>
             <a:r>
               <a:rPr lang="en-US" sz="3200" dirty="0"/>
               <a:t>Lower the management burden with a consolidated view to manage VMs and Servers across Azure and on-premises</a:t>
             </a:r>
           </a:p>
           <a:p>
-            <a:pPr marL="742950" indent="-742950">
-              <a:buFont typeface="+mj-lt"/>
-              <a:buAutoNum type="arabicPeriod"/>
-            </a:pPr>
             <a:r>
               <a:rPr lang="en-US" sz="3200" dirty="0"/>
-              <a:t>Network security is extremely important as we integrate on-premises networking with Microsoft Azure</a:t>
-            </a:r>
-          </a:p>
-          <a:p>
-            <a:endParaRPr lang="en-US" sz="3200" dirty="0"/>
+              <a:t>Security is extremely important when integrating the on-premises network and workloads with Microsoft Azure.</a:t>
+            </a:r>
+          </a:p>
+          <a:p>
+            <a:r>
+              <a:rPr lang="en-US" sz="3200" dirty="0"/>
+              <a:t>With Windows Server 2012 extended support ending October 10, 2023, the new Azure VMs will need to be deployed using a newer version of Windows Server.</a:t>
+            </a:r>
           </a:p>
         </p:txBody>
       </p:sp>
@@ -26166,7 +25782,7 @@
           <a:p>
             <a:r>
               <a:rPr lang="en-US" dirty="0"/>
-              <a:t>Customer objections</a:t>
+              <a:t>Customer objections #1 </a:t>
             </a:r>
           </a:p>
         </p:txBody>
@@ -26184,40 +25800,28 @@
         <p:spPr>
           <a:xfrm>
             <a:off x="269239" y="1189177"/>
-            <a:ext cx="11653523" cy="3705886"/>
+            <a:ext cx="11653523" cy="3484031"/>
           </a:xfrm>
         </p:spPr>
         <p:txBody>
           <a:bodyPr/>
           <a:lstStyle/>
           <a:p>
-            <a:pPr marL="514350" indent="-514350">
-              <a:buFont typeface="+mj-lt"/>
-              <a:buAutoNum type="arabicPeriod"/>
-            </a:pPr>
             <a:r>
               <a:rPr lang="en-US" sz="3200" dirty="0"/>
-              <a:t>It appears there are multiple options of hosting SQL databases in Azure. What's the best option to choose, and how do you know it'll be compatible?</a:t>
-            </a:r>
-          </a:p>
-          <a:p>
-            <a:pPr marL="514350" indent="-514350">
-              <a:buFont typeface="+mj-lt"/>
-              <a:buAutoNum type="arabicPeriod"/>
-            </a:pPr>
+              <a:t>It appears there are multiple options for hosting SQL databases in Azure. What's the best option to choose, and how do you know it'll be compatible?</a:t>
+            </a:r>
+          </a:p>
+          <a:p>
             <a:r>
               <a:rPr lang="en-US" sz="3200" dirty="0"/>
               <a:t>What kind of downtime will be incurred when migrating the Windows Server and SQL Server workloads to Azure?</a:t>
             </a:r>
           </a:p>
           <a:p>
-            <a:pPr marL="514350" indent="-514350">
-              <a:buFont typeface="+mj-lt"/>
-              <a:buAutoNum type="arabicPeriod"/>
-            </a:pPr>
-            <a:r>
-              <a:rPr lang="en-US" dirty="0"/>
-              <a:t>Will we be able to rollback to the on-premises VMs if the migration fails?</a:t>
+            <a:r>
+              <a:rPr lang="en-US" sz="3200" dirty="0"/>
+              <a:t>Will we be able to roll back to the on-premises VMs if the migration fails?</a:t>
             </a:r>
           </a:p>
         </p:txBody>
@@ -26280,7 +25884,7 @@
           <a:p>
             <a:r>
               <a:rPr lang="en-US" dirty="0"/>
-              <a:t>Customer objections (continued)</a:t>
+              <a:t>Customer objections #2</a:t>
             </a:r>
           </a:p>
         </p:txBody>
@@ -26298,37 +25902,35 @@
         <p:spPr>
           <a:xfrm>
             <a:off x="269239" y="1189177"/>
-            <a:ext cx="11653523" cy="2719655"/>
+            <a:ext cx="11653523" cy="4912114"/>
           </a:xfrm>
         </p:spPr>
         <p:txBody>
           <a:bodyPr/>
           <a:lstStyle/>
           <a:p>
-            <a:pPr marL="514350" indent="-514350">
-              <a:buFont typeface="+mj-lt"/>
-              <a:buAutoNum type="arabicPeriod"/>
-            </a:pPr>
+            <a:r>
+              <a:rPr lang="en-US" sz="3200" dirty="0"/>
+              <a:t>We know there are workloads that will not be migrated to Azure. What's the best way to handle managing all our VMs across on-premises and Azure?</a:t>
+            </a:r>
+          </a:p>
+          <a:p>
             <a:r>
               <a:rPr lang="en-US" sz="3200" dirty="0"/>
               <a:t>Tailspin has negotiated an Enterprise Agreement (EA) with Microsoft for their Azure consumption. Any cost estimates need to reflect their EA discount.</a:t>
             </a:r>
           </a:p>
           <a:p>
-            <a:pPr marL="514350" indent="-514350">
-              <a:buFont typeface="+mj-lt"/>
-              <a:buAutoNum type="arabicPeriod"/>
-            </a:pPr>
+            <a:r>
+              <a:rPr lang="en-US" sz="3200" dirty="0"/>
+              <a:t>Securing and monitoring our on-premises workloads is extremely important. What options does Azure offer to extend this into the cloud?</a:t>
+            </a:r>
+          </a:p>
+          <a:p>
             <a:r>
               <a:rPr lang="en-US" sz="3200" dirty="0"/>
               <a:t>Would there be further savings from the use of PaaS services?</a:t>
             </a:r>
-          </a:p>
-          <a:p>
-            <a:pPr marL="514350" indent="-514350">
-              <a:buFont typeface="+mj-lt"/>
-              <a:buAutoNum type="arabicPeriod"/>
-            </a:pPr>
             <a:endParaRPr lang="en-US" dirty="0"/>
           </a:p>
         </p:txBody>
@@ -26398,7 +26000,7 @@
       </p:sp>
       <p:pic>
         <p:nvPicPr>
-          <p:cNvPr id="1026" name="Picture 2" descr="Hub-spoke network topology in Azure">
+          <p:cNvPr id="1026" name="Picture 2" descr="The hub virtual network acts as a central point of connectivity to many spoke virtual networks. The hub can also be used as the connectivity point to your on-premises networks. The spoke virtual networks peer with the hub and can be used to isolate workloads.&#10;">
             <a:extLst>
               <a:ext uri="{FF2B5EF4-FFF2-40B4-BE49-F238E27FC236}">
                 <a16:creationId xmlns:a16="http://schemas.microsoft.com/office/drawing/2014/main" id="{D4686063-FA50-7605-92DE-7912FACEE7C9}"/>
@@ -26411,7 +26013,7 @@
           <p:nvPr/>
         </p:nvPicPr>
         <p:blipFill>
-          <a:blip r:embed="rId3">
+          <a:blip r:embed="rId3" cstate="print">
             <a:extLst>
               <a:ext uri="{28A0092B-C50C-407E-A947-70E740481C1C}">
                 <a14:useLocalDpi xmlns:a14="http://schemas.microsoft.com/office/drawing/2010/main" val="0"/>

--- a/Whiteboard design session/WDS trainer presentation - Building the business migration case with Windows Server and SQL Server.pptx
+++ b/Whiteboard design session/WDS trainer presentation - Building the business migration case with Windows Server and SQL Server.pptx
@@ -699,7 +699,7 @@
                 <a:effectLst/>
                 <a:latin typeface="Segoe UI" panose="020B0502040204020203" pitchFamily="34" charset="0"/>
               </a:rPr>
-              <a:t>Azure Arc simplifies governance and management by delivering a consistent multi-cloud and on-premises management platform.</a:t>
+              <a:t>Azure Arc simplifies governance and management by delivering a consistent multi-cloud and on-premises management platform. Azure Arc provides a centralized, unified way to manage your entire environment together by projecting your existing on-premises resources into Azure Resource Manager.</a:t>
             </a:r>
           </a:p>
           <a:p>
@@ -21065,7 +21065,7 @@
       </p:sp>
       <p:pic>
         <p:nvPicPr>
-          <p:cNvPr id="2050" name="Picture 2" descr="Azure Arc simplifies governance and management by delivering a consistent multi-cloud and on-premises management platform.&#10;">
+          <p:cNvPr id="2050" name="Picture 2" descr="Azure Arc simplifies governance and management by delivering a consistent multi-cloud and on-premises management platform. Azure Arc provides a centralized, unified way to manage your entire environment together by projecting your existing on-premises resources into Azure Resource Manager.&#10;">
             <a:extLst>
               <a:ext uri="{FF2B5EF4-FFF2-40B4-BE49-F238E27FC236}">
                 <a16:creationId xmlns:a16="http://schemas.microsoft.com/office/drawing/2014/main" id="{FF78414A-8784-4EFA-198B-ACA1AF9123B0}"/>
@@ -27358,21 +27358,21 @@
 </file>
 
 <file path=customXml/item1.xml><?xml version="1.0" encoding="utf-8"?>
+<p:properties xmlns:p="http://schemas.microsoft.com/office/2006/metadata/properties" xmlns:xsi="http://www.w3.org/2001/XMLSchema-instance" xmlns:pc="http://schemas.microsoft.com/office/infopath/2007/PartnerControls">
+  <documentManagement>
+    <_ip_UnifiedCompliancePolicyUIAction xmlns="http://schemas.microsoft.com/sharepoint/v3" xsi:nil="true"/>
+    <_ip_UnifiedCompliancePolicyProperties xmlns="http://schemas.microsoft.com/sharepoint/v3" xsi:nil="true"/>
+  </documentManagement>
+</p:properties>
+</file>
+
+<file path=customXml/item2.xml><?xml version="1.0" encoding="utf-8"?>
 <?mso-contentType ?>
 <FormTemplates xmlns="http://schemas.microsoft.com/sharepoint/v3/contenttype/forms">
   <Display>DocumentLibraryForm</Display>
   <Edit>DocumentLibraryForm</Edit>
   <New>DocumentLibraryForm</New>
 </FormTemplates>
-</file>
-
-<file path=customXml/item2.xml><?xml version="1.0" encoding="utf-8"?>
-<p:properties xmlns:p="http://schemas.microsoft.com/office/2006/metadata/properties" xmlns:xsi="http://www.w3.org/2001/XMLSchema-instance" xmlns:pc="http://schemas.microsoft.com/office/infopath/2007/PartnerControls">
-  <documentManagement>
-    <_ip_UnifiedCompliancePolicyUIAction xmlns="http://schemas.microsoft.com/sharepoint/v3" xsi:nil="true"/>
-    <_ip_UnifiedCompliancePolicyProperties xmlns="http://schemas.microsoft.com/sharepoint/v3" xsi:nil="true"/>
-  </documentManagement>
-</p:properties>
 </file>
 
 <file path=customXml/item3.xml><?xml version="1.0" encoding="utf-8"?>
@@ -27578,14 +27578,6 @@
 </file>
 
 <file path=customXml/itemProps1.xml><?xml version="1.0" encoding="utf-8"?>
-<ds:datastoreItem xmlns:ds="http://schemas.openxmlformats.org/officeDocument/2006/customXml" ds:itemID="{D5A22677-9165-4AB6-9580-CE94CCD209C5}">
-  <ds:schemaRefs>
-    <ds:schemaRef ds:uri="http://schemas.microsoft.com/sharepoint/v3/contenttype/forms"/>
-  </ds:schemaRefs>
-</ds:datastoreItem>
-</file>
-
-<file path=customXml/itemProps2.xml><?xml version="1.0" encoding="utf-8"?>
 <ds:datastoreItem xmlns:ds="http://schemas.openxmlformats.org/officeDocument/2006/customXml" ds:itemID="{7D07577D-30E5-48FB-B81C-E1B9EAC126B5}">
   <ds:schemaRefs>
     <ds:schemaRef ds:uri="http://schemas.openxmlformats.org/package/2006/metadata/core-properties"/>
@@ -27599,6 +27591,14 @@
     <ds:schemaRef ds:uri="http://schemas.microsoft.com/office/2006/metadata/properties"/>
     <ds:schemaRef ds:uri="http://www.w3.org/XML/1998/namespace"/>
     <ds:schemaRef ds:uri="http://purl.org/dc/dcmitype/"/>
+  </ds:schemaRefs>
+</ds:datastoreItem>
+</file>
+
+<file path=customXml/itemProps2.xml><?xml version="1.0" encoding="utf-8"?>
+<ds:datastoreItem xmlns:ds="http://schemas.openxmlformats.org/officeDocument/2006/customXml" ds:itemID="{D5A22677-9165-4AB6-9580-CE94CCD209C5}">
+  <ds:schemaRefs>
+    <ds:schemaRef ds:uri="http://schemas.microsoft.com/sharepoint/v3/contenttype/forms"/>
   </ds:schemaRefs>
 </ds:datastoreItem>
 </file>
